--- a/static/repo/akek/courses/economics/Economics - Week 10 (Kara).pptx
+++ b/static/repo/akek/courses/economics/Economics - Week 10 (Kara).pptx
@@ -284,7 +284,7 @@
             <a:fld id="{6BFE0501-E253-467A-B081-810B1B5DA4E1}" type="datetimeFigureOut">
               <a:rPr lang="en-US" smtClean="0"/>
               <a:pPr/>
-              <a:t>6/2/20</a:t>
+              <a:t>1/8/21</a:t>
             </a:fld>
             <a:endParaRPr lang="en-US" dirty="0"/>
           </a:p>
@@ -19880,7 +19880,7 @@
             <a:pPr lvl="1"/>
             <a:r>
               <a:rPr lang="en-US" sz="2400" dirty="0"/>
-              <a:t>An increase (decrease) in taxes decreases (increase) aggregate demand through G. </a:t>
+              <a:t>An increase (decrease) in taxes decreases (increase) aggregate demand through C. </a:t>
             </a:r>
             <a:r>
               <a:rPr lang="en-US" sz="2400" dirty="0">
@@ -19898,7 +19898,7 @@
             <a:pPr lvl="1"/>
             <a:r>
               <a:rPr lang="en-US" sz="2400" dirty="0"/>
-              <a:t>An increase (decrease) in government transfers increases (decrease) aggregate demand through G. </a:t>
+              <a:t>An increase (decrease) in government transfers increases (decrease) aggregate demand through C. </a:t>
             </a:r>
             <a:r>
               <a:rPr lang="en-US" sz="2400" dirty="0">
@@ -22172,7 +22172,7 @@
                 <a:ea typeface="Cambria"/>
                 <a:cs typeface="Cambria"/>
               </a:rPr>
-              <a:t>Graph of the relationship between aggregate quantity demanded and price level.</a:t>
+              <a:t>Graph of the relationship between aggregate quantity supplied and price level.</a:t>
             </a:r>
           </a:p>
           <a:p>
@@ -24631,7 +24631,7 @@
           <a:p>
             <a:r>
               <a:rPr lang="en-US" sz="3200" noProof="0" dirty="0"/>
-              <a:t>Aggregate Quantity Supplied (AQD):</a:t>
+              <a:t>Aggregate Quantity Supplied (AQS):</a:t>
             </a:r>
           </a:p>
           <a:p>
@@ -27503,7 +27503,7 @@
               <a:rPr lang="en-US" dirty="0">
                 <a:ea typeface="MS PGothic" charset="0"/>
               </a:rPr>
-              <a:t>Short-Run Aggregate Supply Curve</a:t>
+              <a:t>Long-Run Aggregate Supply Curve</a:t>
             </a:r>
             <a:endParaRPr lang="en-US" dirty="0"/>
           </a:p>
@@ -39729,7 +39729,7 @@
           <a:graphicData uri="http://schemas.openxmlformats.org/presentationml/2006/ole">
             <mc:AlternateContent xmlns:mc="http://schemas.openxmlformats.org/markup-compatibility/2006">
               <mc:Choice xmlns:v="urn:schemas-microsoft-com:vml" Requires="v">
-                <p:oleObj spid="_x0000_s1263" name="Equation" r:id="rId4" imgW="3340100" imgH="635000" progId="Equation.DSMT4">
+                <p:oleObj spid="_x0000_s1265" name="Equation" r:id="rId4" imgW="3340100" imgH="635000" progId="Equation.DSMT4">
                   <p:embed/>
                 </p:oleObj>
               </mc:Choice>

--- a/static/repo/akek/courses/economics/Economics - Week 10 (Kara).pptx
+++ b/static/repo/akek/courses/economics/Economics - Week 10 (Kara).pptx
@@ -284,7 +284,7 @@
             <a:fld id="{6BFE0501-E253-467A-B081-810B1B5DA4E1}" type="datetimeFigureOut">
               <a:rPr lang="en-US" smtClean="0"/>
               <a:pPr/>
-              <a:t>1/8/21</a:t>
+              <a:t>1/14/21</a:t>
             </a:fld>
             <a:endParaRPr lang="en-US" dirty="0"/>
           </a:p>
@@ -599,7 +599,7 @@
           </a:ln>
           <a:extLst>
             <a:ext uri="{909E8E84-426E-40dd-AFC4-6F175D3DCCD1}">
-              <a14:hiddenFill xmlns:a14="http://schemas.microsoft.com/office/drawing/2010/main" xmlns="">
+              <a14:hiddenFill xmlns="" xmlns:a14="http://schemas.microsoft.com/office/drawing/2010/main">
                 <a:solidFill>
                   <a:srgbClr val="FFFFFF"/>
                 </a:solidFill>
@@ -622,14 +622,14 @@
           <a:noFill/>
           <a:extLst>
             <a:ext uri="{909E8E84-426E-40dd-AFC4-6F175D3DCCD1}">
-              <a14:hiddenFill xmlns:a14="http://schemas.microsoft.com/office/drawing/2010/main" xmlns="">
+              <a14:hiddenFill xmlns="" xmlns:a14="http://schemas.microsoft.com/office/drawing/2010/main">
                 <a:solidFill>
                   <a:srgbClr val="FFFFFF"/>
                 </a:solidFill>
               </a14:hiddenFill>
             </a:ext>
             <a:ext uri="{91240B29-F687-4f45-9708-019B960494DF}">
-              <a14:hiddenLine xmlns:a14="http://schemas.microsoft.com/office/drawing/2010/main" xmlns="" w="9525">
+              <a14:hiddenLine xmlns="" xmlns:a14="http://schemas.microsoft.com/office/drawing/2010/main" w="9525">
                 <a:solidFill>
                   <a:srgbClr val="000000"/>
                 </a:solidFill>
@@ -704,7 +704,7 @@
           </a:ln>
           <a:extLst>
             <a:ext uri="{909E8E84-426E-40dd-AFC4-6F175D3DCCD1}">
-              <a14:hiddenFill xmlns:a14="http://schemas.microsoft.com/office/drawing/2010/main" xmlns="">
+              <a14:hiddenFill xmlns="" xmlns:a14="http://schemas.microsoft.com/office/drawing/2010/main">
                 <a:solidFill>
                   <a:srgbClr val="FFFFFF"/>
                 </a:solidFill>
@@ -727,14 +727,14 @@
           <a:noFill/>
           <a:extLst>
             <a:ext uri="{909E8E84-426E-40dd-AFC4-6F175D3DCCD1}">
-              <a14:hiddenFill xmlns:a14="http://schemas.microsoft.com/office/drawing/2010/main" xmlns="">
+              <a14:hiddenFill xmlns="" xmlns:a14="http://schemas.microsoft.com/office/drawing/2010/main">
                 <a:solidFill>
                   <a:srgbClr val="FFFFFF"/>
                 </a:solidFill>
               </a14:hiddenFill>
             </a:ext>
             <a:ext uri="{91240B29-F687-4f45-9708-019B960494DF}">
-              <a14:hiddenLine xmlns:a14="http://schemas.microsoft.com/office/drawing/2010/main" xmlns="" w="9525">
+              <a14:hiddenLine xmlns="" xmlns:a14="http://schemas.microsoft.com/office/drawing/2010/main" w="9525">
                 <a:solidFill>
                   <a:srgbClr val="000000"/>
                 </a:solidFill>
@@ -815,7 +815,7 @@
           </a:ln>
           <a:extLst>
             <a:ext uri="{909E8E84-426E-40dd-AFC4-6F175D3DCCD1}">
-              <a14:hiddenFill xmlns:a14="http://schemas.microsoft.com/office/drawing/2010/main" xmlns="">
+              <a14:hiddenFill xmlns="" xmlns:a14="http://schemas.microsoft.com/office/drawing/2010/main">
                 <a:solidFill>
                   <a:srgbClr val="FFFFFF"/>
                 </a:solidFill>
@@ -838,14 +838,14 @@
           <a:noFill/>
           <a:extLst>
             <a:ext uri="{909E8E84-426E-40dd-AFC4-6F175D3DCCD1}">
-              <a14:hiddenFill xmlns:a14="http://schemas.microsoft.com/office/drawing/2010/main" xmlns="">
+              <a14:hiddenFill xmlns="" xmlns:a14="http://schemas.microsoft.com/office/drawing/2010/main">
                 <a:solidFill>
                   <a:srgbClr val="FFFFFF"/>
                 </a:solidFill>
               </a14:hiddenFill>
             </a:ext>
             <a:ext uri="{91240B29-F687-4f45-9708-019B960494DF}">
-              <a14:hiddenLine xmlns:a14="http://schemas.microsoft.com/office/drawing/2010/main" xmlns="" w="9525">
+              <a14:hiddenLine xmlns="" xmlns:a14="http://schemas.microsoft.com/office/drawing/2010/main" w="9525">
                 <a:solidFill>
                   <a:srgbClr val="000000"/>
                 </a:solidFill>
@@ -935,7 +935,7 @@
           </a:ln>
           <a:extLst>
             <a:ext uri="{909E8E84-426E-40dd-AFC4-6F175D3DCCD1}">
-              <a14:hiddenFill xmlns:a14="http://schemas.microsoft.com/office/drawing/2010/main" xmlns="">
+              <a14:hiddenFill xmlns="" xmlns:a14="http://schemas.microsoft.com/office/drawing/2010/main">
                 <a:solidFill>
                   <a:srgbClr val="FFFFFF"/>
                 </a:solidFill>
@@ -958,14 +958,14 @@
           <a:noFill/>
           <a:extLst>
             <a:ext uri="{909E8E84-426E-40dd-AFC4-6F175D3DCCD1}">
-              <a14:hiddenFill xmlns:a14="http://schemas.microsoft.com/office/drawing/2010/main" xmlns="">
+              <a14:hiddenFill xmlns="" xmlns:a14="http://schemas.microsoft.com/office/drawing/2010/main">
                 <a:solidFill>
                   <a:srgbClr val="FFFFFF"/>
                 </a:solidFill>
               </a14:hiddenFill>
             </a:ext>
             <a:ext uri="{91240B29-F687-4f45-9708-019B960494DF}">
-              <a14:hiddenLine xmlns:a14="http://schemas.microsoft.com/office/drawing/2010/main" xmlns="" w="9525">
+              <a14:hiddenLine xmlns="" xmlns:a14="http://schemas.microsoft.com/office/drawing/2010/main" w="9525">
                 <a:solidFill>
                   <a:srgbClr val="000000"/>
                 </a:solidFill>
@@ -1061,7 +1061,7 @@
           </a:ln>
           <a:extLst>
             <a:ext uri="{909E8E84-426E-40dd-AFC4-6F175D3DCCD1}">
-              <a14:hiddenFill xmlns:a14="http://schemas.microsoft.com/office/drawing/2010/main" xmlns="">
+              <a14:hiddenFill xmlns="" xmlns:a14="http://schemas.microsoft.com/office/drawing/2010/main">
                 <a:solidFill>
                   <a:srgbClr val="FFFFFF"/>
                 </a:solidFill>
@@ -1084,14 +1084,14 @@
           <a:noFill/>
           <a:extLst>
             <a:ext uri="{909E8E84-426E-40dd-AFC4-6F175D3DCCD1}">
-              <a14:hiddenFill xmlns:a14="http://schemas.microsoft.com/office/drawing/2010/main" xmlns="">
+              <a14:hiddenFill xmlns="" xmlns:a14="http://schemas.microsoft.com/office/drawing/2010/main">
                 <a:solidFill>
                   <a:srgbClr val="FFFFFF"/>
                 </a:solidFill>
               </a14:hiddenFill>
             </a:ext>
             <a:ext uri="{91240B29-F687-4f45-9708-019B960494DF}">
-              <a14:hiddenLine xmlns:a14="http://schemas.microsoft.com/office/drawing/2010/main" xmlns="" w="9525">
+              <a14:hiddenLine xmlns="" xmlns:a14="http://schemas.microsoft.com/office/drawing/2010/main" w="9525">
                 <a:solidFill>
                   <a:srgbClr val="000000"/>
                 </a:solidFill>
@@ -1214,7 +1214,7 @@
           </a:ln>
           <a:extLst>
             <a:ext uri="{909E8E84-426E-40dd-AFC4-6F175D3DCCD1}">
-              <a14:hiddenFill xmlns:a14="http://schemas.microsoft.com/office/drawing/2010/main" xmlns="">
+              <a14:hiddenFill xmlns="" xmlns:a14="http://schemas.microsoft.com/office/drawing/2010/main">
                 <a:solidFill>
                   <a:srgbClr val="FFFFFF"/>
                 </a:solidFill>
@@ -1237,14 +1237,14 @@
           <a:noFill/>
           <a:extLst>
             <a:ext uri="{909E8E84-426E-40dd-AFC4-6F175D3DCCD1}">
-              <a14:hiddenFill xmlns:a14="http://schemas.microsoft.com/office/drawing/2010/main" xmlns="">
+              <a14:hiddenFill xmlns="" xmlns:a14="http://schemas.microsoft.com/office/drawing/2010/main">
                 <a:solidFill>
                   <a:srgbClr val="FFFFFF"/>
                 </a:solidFill>
               </a14:hiddenFill>
             </a:ext>
             <a:ext uri="{91240B29-F687-4f45-9708-019B960494DF}">
-              <a14:hiddenLine xmlns:a14="http://schemas.microsoft.com/office/drawing/2010/main" xmlns="" w="9525">
+              <a14:hiddenLine xmlns="" xmlns:a14="http://schemas.microsoft.com/office/drawing/2010/main" w="9525">
                 <a:solidFill>
                   <a:srgbClr val="000000"/>
                 </a:solidFill>
@@ -1319,14 +1319,14 @@
           </a:ln>
           <a:extLst>
             <a:ext uri="{909E8E84-426E-40dd-AFC4-6F175D3DCCD1}">
-              <a14:hiddenFill xmlns:a14="http://schemas.microsoft.com/office/drawing/2010/main" xmlns="">
+              <a14:hiddenFill xmlns="" xmlns:a14="http://schemas.microsoft.com/office/drawing/2010/main">
                 <a:solidFill>
                   <a:srgbClr val="FFFFFF"/>
                 </a:solidFill>
               </a14:hiddenFill>
             </a:ext>
             <a:ext uri="{FAA26D3D-D897-4be2-8F04-BA451C77F1D7}">
-              <ma14:placeholderFlag xmlns:ma14="http://schemas.microsoft.com/office/mac/drawingml/2011/main" xmlns="" val="1"/>
+              <ma14:placeholderFlag xmlns="" xmlns:ma14="http://schemas.microsoft.com/office/mac/drawingml/2011/main" val="1"/>
             </a:ext>
           </a:extLst>
         </p:spPr>
@@ -1406,14 +1406,14 @@
           </a:ln>
           <a:extLst>
             <a:ext uri="{909E8E84-426E-40dd-AFC4-6F175D3DCCD1}">
-              <a14:hiddenFill xmlns:a14="http://schemas.microsoft.com/office/drawing/2010/main" xmlns="">
+              <a14:hiddenFill xmlns="" xmlns:a14="http://schemas.microsoft.com/office/drawing/2010/main">
                 <a:solidFill>
                   <a:srgbClr val="FFFFFF"/>
                 </a:solidFill>
               </a14:hiddenFill>
             </a:ext>
             <a:ext uri="{FAA26D3D-D897-4be2-8F04-BA451C77F1D7}">
-              <ma14:placeholderFlag xmlns:ma14="http://schemas.microsoft.com/office/mac/drawingml/2011/main" xmlns="" val="1"/>
+              <ma14:placeholderFlag xmlns="" xmlns:ma14="http://schemas.microsoft.com/office/mac/drawingml/2011/main" val="1"/>
             </a:ext>
           </a:extLst>
         </p:spPr>
@@ -1548,14 +1548,14 @@
           </a:ln>
           <a:extLst>
             <a:ext uri="{909E8E84-426E-40dd-AFC4-6F175D3DCCD1}">
-              <a14:hiddenFill xmlns:a14="http://schemas.microsoft.com/office/drawing/2010/main" xmlns="">
+              <a14:hiddenFill xmlns="" xmlns:a14="http://schemas.microsoft.com/office/drawing/2010/main">
                 <a:solidFill>
                   <a:srgbClr val="FFFFFF"/>
                 </a:solidFill>
               </a14:hiddenFill>
             </a:ext>
             <a:ext uri="{FAA26D3D-D897-4be2-8F04-BA451C77F1D7}">
-              <ma14:placeholderFlag xmlns:ma14="http://schemas.microsoft.com/office/mac/drawingml/2011/main" xmlns="" val="1"/>
+              <ma14:placeholderFlag xmlns="" xmlns:ma14="http://schemas.microsoft.com/office/mac/drawingml/2011/main" val="1"/>
             </a:ext>
           </a:extLst>
         </p:spPr>
@@ -1690,14 +1690,14 @@
           </a:ln>
           <a:extLst>
             <a:ext uri="{909E8E84-426E-40dd-AFC4-6F175D3DCCD1}">
-              <a14:hiddenFill xmlns:a14="http://schemas.microsoft.com/office/drawing/2010/main" xmlns="">
+              <a14:hiddenFill xmlns="" xmlns:a14="http://schemas.microsoft.com/office/drawing/2010/main">
                 <a:solidFill>
                   <a:srgbClr val="FFFFFF"/>
                 </a:solidFill>
               </a14:hiddenFill>
             </a:ext>
             <a:ext uri="{FAA26D3D-D897-4be2-8F04-BA451C77F1D7}">
-              <ma14:placeholderFlag xmlns:ma14="http://schemas.microsoft.com/office/mac/drawingml/2011/main" xmlns="" val="1"/>
+              <ma14:placeholderFlag xmlns="" xmlns:ma14="http://schemas.microsoft.com/office/mac/drawingml/2011/main" val="1"/>
             </a:ext>
           </a:extLst>
         </p:spPr>
@@ -1777,14 +1777,14 @@
           </a:ln>
           <a:extLst>
             <a:ext uri="{909E8E84-426E-40dd-AFC4-6F175D3DCCD1}">
-              <a14:hiddenFill xmlns:a14="http://schemas.microsoft.com/office/drawing/2010/main" xmlns="">
+              <a14:hiddenFill xmlns="" xmlns:a14="http://schemas.microsoft.com/office/drawing/2010/main">
                 <a:solidFill>
                   <a:srgbClr val="FFFFFF"/>
                 </a:solidFill>
               </a14:hiddenFill>
             </a:ext>
             <a:ext uri="{FAA26D3D-D897-4be2-8F04-BA451C77F1D7}">
-              <ma14:placeholderFlag xmlns:ma14="http://schemas.microsoft.com/office/mac/drawingml/2011/main" xmlns="" val="1"/>
+              <ma14:placeholderFlag xmlns="" xmlns:ma14="http://schemas.microsoft.com/office/mac/drawingml/2011/main" val="1"/>
             </a:ext>
           </a:extLst>
         </p:spPr>
@@ -1803,14 +1803,14 @@
           <a:noFill/>
           <a:extLst>
             <a:ext uri="{909E8E84-426E-40dd-AFC4-6F175D3DCCD1}">
-              <a14:hiddenFill xmlns:a14="http://schemas.microsoft.com/office/drawing/2010/main" xmlns="">
+              <a14:hiddenFill xmlns="" xmlns:a14="http://schemas.microsoft.com/office/drawing/2010/main">
                 <a:solidFill>
                   <a:srgbClr val="FFFFFF"/>
                 </a:solidFill>
               </a14:hiddenFill>
             </a:ext>
             <a:ext uri="{91240B29-F687-4f45-9708-019B960494DF}">
-              <a14:hiddenLine xmlns:a14="http://schemas.microsoft.com/office/drawing/2010/main" xmlns="" w="9525">
+              <a14:hiddenLine xmlns="" xmlns:a14="http://schemas.microsoft.com/office/drawing/2010/main" w="9525">
                 <a:solidFill>
                   <a:srgbClr val="000000"/>
                 </a:solidFill>
@@ -1920,7 +1920,7 @@
           </a:ln>
           <a:extLst>
             <a:ext uri="{909E8E84-426E-40dd-AFC4-6F175D3DCCD1}">
-              <a14:hiddenFill xmlns:a14="http://schemas.microsoft.com/office/drawing/2010/main" xmlns="">
+              <a14:hiddenFill xmlns="" xmlns:a14="http://schemas.microsoft.com/office/drawing/2010/main">
                 <a:solidFill>
                   <a:srgbClr val="FFFFFF"/>
                 </a:solidFill>
@@ -1943,14 +1943,14 @@
           <a:noFill/>
           <a:extLst>
             <a:ext uri="{909E8E84-426E-40dd-AFC4-6F175D3DCCD1}">
-              <a14:hiddenFill xmlns:a14="http://schemas.microsoft.com/office/drawing/2010/main" xmlns="">
+              <a14:hiddenFill xmlns="" xmlns:a14="http://schemas.microsoft.com/office/drawing/2010/main">
                 <a:solidFill>
                   <a:srgbClr val="FFFFFF"/>
                 </a:solidFill>
               </a14:hiddenFill>
             </a:ext>
             <a:ext uri="{91240B29-F687-4f45-9708-019B960494DF}">
-              <a14:hiddenLine xmlns:a14="http://schemas.microsoft.com/office/drawing/2010/main" xmlns="" w="9525">
+              <a14:hiddenLine xmlns="" xmlns:a14="http://schemas.microsoft.com/office/drawing/2010/main" w="9525">
                 <a:solidFill>
                   <a:srgbClr val="000000"/>
                 </a:solidFill>
@@ -2042,14 +2042,14 @@
           </a:ln>
           <a:extLst>
             <a:ext uri="{909E8E84-426E-40dd-AFC4-6F175D3DCCD1}">
-              <a14:hiddenFill xmlns:a14="http://schemas.microsoft.com/office/drawing/2010/main" xmlns="">
+              <a14:hiddenFill xmlns="" xmlns:a14="http://schemas.microsoft.com/office/drawing/2010/main">
                 <a:solidFill>
                   <a:srgbClr val="FFFFFF"/>
                 </a:solidFill>
               </a14:hiddenFill>
             </a:ext>
             <a:ext uri="{FAA26D3D-D897-4be2-8F04-BA451C77F1D7}">
-              <ma14:placeholderFlag xmlns:ma14="http://schemas.microsoft.com/office/mac/drawingml/2011/main" xmlns="" val="1"/>
+              <ma14:placeholderFlag xmlns="" xmlns:ma14="http://schemas.microsoft.com/office/mac/drawingml/2011/main" val="1"/>
             </a:ext>
           </a:extLst>
         </p:spPr>
@@ -2129,14 +2129,14 @@
           </a:ln>
           <a:extLst>
             <a:ext uri="{909E8E84-426E-40dd-AFC4-6F175D3DCCD1}">
-              <a14:hiddenFill xmlns:a14="http://schemas.microsoft.com/office/drawing/2010/main" xmlns="">
+              <a14:hiddenFill xmlns="" xmlns:a14="http://schemas.microsoft.com/office/drawing/2010/main">
                 <a:solidFill>
                   <a:srgbClr val="FFFFFF"/>
                 </a:solidFill>
               </a14:hiddenFill>
             </a:ext>
             <a:ext uri="{FAA26D3D-D897-4be2-8F04-BA451C77F1D7}">
-              <ma14:placeholderFlag xmlns:ma14="http://schemas.microsoft.com/office/mac/drawingml/2011/main" xmlns="" val="1"/>
+              <ma14:placeholderFlag xmlns="" xmlns:ma14="http://schemas.microsoft.com/office/mac/drawingml/2011/main" val="1"/>
             </a:ext>
           </a:extLst>
         </p:spPr>
@@ -2240,14 +2240,14 @@
           </a:ln>
           <a:extLst>
             <a:ext uri="{909E8E84-426E-40dd-AFC4-6F175D3DCCD1}">
-              <a14:hiddenFill xmlns:a14="http://schemas.microsoft.com/office/drawing/2010/main" xmlns="">
+              <a14:hiddenFill xmlns="" xmlns:a14="http://schemas.microsoft.com/office/drawing/2010/main">
                 <a:solidFill>
                   <a:srgbClr val="FFFFFF"/>
                 </a:solidFill>
               </a14:hiddenFill>
             </a:ext>
             <a:ext uri="{FAA26D3D-D897-4be2-8F04-BA451C77F1D7}">
-              <ma14:placeholderFlag xmlns:ma14="http://schemas.microsoft.com/office/mac/drawingml/2011/main" xmlns="" val="1"/>
+              <ma14:placeholderFlag xmlns="" xmlns:ma14="http://schemas.microsoft.com/office/mac/drawingml/2011/main" val="1"/>
             </a:ext>
           </a:extLst>
         </p:spPr>
@@ -2404,14 +2404,14 @@
           </a:ln>
           <a:extLst>
             <a:ext uri="{909E8E84-426E-40dd-AFC4-6F175D3DCCD1}">
-              <a14:hiddenFill xmlns:a14="http://schemas.microsoft.com/office/drawing/2010/main" xmlns="">
+              <a14:hiddenFill xmlns="" xmlns:a14="http://schemas.microsoft.com/office/drawing/2010/main">
                 <a:solidFill>
                   <a:srgbClr val="FFFFFF"/>
                 </a:solidFill>
               </a14:hiddenFill>
             </a:ext>
             <a:ext uri="{FAA26D3D-D897-4be2-8F04-BA451C77F1D7}">
-              <ma14:placeholderFlag xmlns:ma14="http://schemas.microsoft.com/office/mac/drawingml/2011/main" xmlns="" val="1"/>
+              <ma14:placeholderFlag xmlns="" xmlns:ma14="http://schemas.microsoft.com/office/mac/drawingml/2011/main" val="1"/>
             </a:ext>
           </a:extLst>
         </p:spPr>
@@ -2530,14 +2530,14 @@
           </a:ln>
           <a:extLst>
             <a:ext uri="{909E8E84-426E-40dd-AFC4-6F175D3DCCD1}">
-              <a14:hiddenFill xmlns:a14="http://schemas.microsoft.com/office/drawing/2010/main" xmlns="">
+              <a14:hiddenFill xmlns="" xmlns:a14="http://schemas.microsoft.com/office/drawing/2010/main">
                 <a:solidFill>
                   <a:srgbClr val="FFFFFF"/>
                 </a:solidFill>
               </a14:hiddenFill>
             </a:ext>
             <a:ext uri="{FAA26D3D-D897-4be2-8F04-BA451C77F1D7}">
-              <ma14:placeholderFlag xmlns:ma14="http://schemas.microsoft.com/office/mac/drawingml/2011/main" xmlns="" val="1"/>
+              <ma14:placeholderFlag xmlns="" xmlns:ma14="http://schemas.microsoft.com/office/mac/drawingml/2011/main" val="1"/>
             </a:ext>
           </a:extLst>
         </p:spPr>
@@ -2556,14 +2556,14 @@
           <a:noFill/>
           <a:extLst>
             <a:ext uri="{909E8E84-426E-40dd-AFC4-6F175D3DCCD1}">
-              <a14:hiddenFill xmlns:a14="http://schemas.microsoft.com/office/drawing/2010/main" xmlns="">
+              <a14:hiddenFill xmlns="" xmlns:a14="http://schemas.microsoft.com/office/drawing/2010/main">
                 <a:solidFill>
                   <a:srgbClr val="FFFFFF"/>
                 </a:solidFill>
               </a14:hiddenFill>
             </a:ext>
             <a:ext uri="{91240B29-F687-4f45-9708-019B960494DF}">
-              <a14:hiddenLine xmlns:a14="http://schemas.microsoft.com/office/drawing/2010/main" xmlns="" w="9525">
+              <a14:hiddenLine xmlns="" xmlns:a14="http://schemas.microsoft.com/office/drawing/2010/main" w="9525">
                 <a:solidFill>
                   <a:srgbClr val="000000"/>
                 </a:solidFill>
@@ -2708,14 +2708,14 @@
           </a:ln>
           <a:extLst>
             <a:ext uri="{909E8E84-426E-40dd-AFC4-6F175D3DCCD1}">
-              <a14:hiddenFill xmlns:a14="http://schemas.microsoft.com/office/drawing/2010/main" xmlns="">
+              <a14:hiddenFill xmlns="" xmlns:a14="http://schemas.microsoft.com/office/drawing/2010/main">
                 <a:solidFill>
                   <a:srgbClr val="FFFFFF"/>
                 </a:solidFill>
               </a14:hiddenFill>
             </a:ext>
             <a:ext uri="{FAA26D3D-D897-4be2-8F04-BA451C77F1D7}">
-              <ma14:placeholderFlag xmlns:ma14="http://schemas.microsoft.com/office/mac/drawingml/2011/main" xmlns="" val="1"/>
+              <ma14:placeholderFlag xmlns="" xmlns:ma14="http://schemas.microsoft.com/office/mac/drawingml/2011/main" val="1"/>
             </a:ext>
           </a:extLst>
         </p:spPr>
@@ -2795,14 +2795,14 @@
           </a:ln>
           <a:extLst>
             <a:ext uri="{909E8E84-426E-40dd-AFC4-6F175D3DCCD1}">
-              <a14:hiddenFill xmlns:a14="http://schemas.microsoft.com/office/drawing/2010/main" xmlns="">
+              <a14:hiddenFill xmlns="" xmlns:a14="http://schemas.microsoft.com/office/drawing/2010/main">
                 <a:solidFill>
                   <a:srgbClr val="FFFFFF"/>
                 </a:solidFill>
               </a14:hiddenFill>
             </a:ext>
             <a:ext uri="{FAA26D3D-D897-4be2-8F04-BA451C77F1D7}">
-              <ma14:placeholderFlag xmlns:ma14="http://schemas.microsoft.com/office/mac/drawingml/2011/main" xmlns="" val="1"/>
+              <ma14:placeholderFlag xmlns="" xmlns:ma14="http://schemas.microsoft.com/office/mac/drawingml/2011/main" val="1"/>
             </a:ext>
           </a:extLst>
         </p:spPr>
@@ -2924,14 +2924,14 @@
           </a:ln>
           <a:extLst>
             <a:ext uri="{909E8E84-426E-40dd-AFC4-6F175D3DCCD1}">
-              <a14:hiddenFill xmlns:a14="http://schemas.microsoft.com/office/drawing/2010/main" xmlns="">
+              <a14:hiddenFill xmlns="" xmlns:a14="http://schemas.microsoft.com/office/drawing/2010/main">
                 <a:solidFill>
                   <a:srgbClr val="FFFFFF"/>
                 </a:solidFill>
               </a14:hiddenFill>
             </a:ext>
             <a:ext uri="{FAA26D3D-D897-4be2-8F04-BA451C77F1D7}">
-              <ma14:placeholderFlag xmlns:ma14="http://schemas.microsoft.com/office/mac/drawingml/2011/main" xmlns="" val="1"/>
+              <ma14:placeholderFlag xmlns="" xmlns:ma14="http://schemas.microsoft.com/office/mac/drawingml/2011/main" val="1"/>
             </a:ext>
           </a:extLst>
         </p:spPr>
@@ -3136,14 +3136,14 @@
           </a:ln>
           <a:extLst>
             <a:ext uri="{909E8E84-426E-40dd-AFC4-6F175D3DCCD1}">
-              <a14:hiddenFill xmlns:a14="http://schemas.microsoft.com/office/drawing/2010/main" xmlns="">
+              <a14:hiddenFill xmlns="" xmlns:a14="http://schemas.microsoft.com/office/drawing/2010/main">
                 <a:solidFill>
                   <a:srgbClr val="FFFFFF"/>
                 </a:solidFill>
               </a14:hiddenFill>
             </a:ext>
             <a:ext uri="{FAA26D3D-D897-4be2-8F04-BA451C77F1D7}">
-              <ma14:placeholderFlag xmlns:ma14="http://schemas.microsoft.com/office/mac/drawingml/2011/main" xmlns="" val="1"/>
+              <ma14:placeholderFlag xmlns="" xmlns:ma14="http://schemas.microsoft.com/office/mac/drawingml/2011/main" val="1"/>
             </a:ext>
           </a:extLst>
         </p:spPr>
@@ -3223,14 +3223,14 @@
           </a:ln>
           <a:extLst>
             <a:ext uri="{909E8E84-426E-40dd-AFC4-6F175D3DCCD1}">
-              <a14:hiddenFill xmlns:a14="http://schemas.microsoft.com/office/drawing/2010/main" xmlns="">
+              <a14:hiddenFill xmlns="" xmlns:a14="http://schemas.microsoft.com/office/drawing/2010/main">
                 <a:solidFill>
                   <a:srgbClr val="FFFFFF"/>
                 </a:solidFill>
               </a14:hiddenFill>
             </a:ext>
             <a:ext uri="{FAA26D3D-D897-4be2-8F04-BA451C77F1D7}">
-              <ma14:placeholderFlag xmlns:ma14="http://schemas.microsoft.com/office/mac/drawingml/2011/main" xmlns="" val="1"/>
+              <ma14:placeholderFlag xmlns="" xmlns:ma14="http://schemas.microsoft.com/office/mac/drawingml/2011/main" val="1"/>
             </a:ext>
           </a:extLst>
         </p:spPr>
@@ -3310,7 +3310,7 @@
           </a:ln>
           <a:extLst>
             <a:ext uri="{909E8E84-426E-40dd-AFC4-6F175D3DCCD1}">
-              <a14:hiddenFill xmlns:a14="http://schemas.microsoft.com/office/drawing/2010/main" xmlns="">
+              <a14:hiddenFill xmlns="" xmlns:a14="http://schemas.microsoft.com/office/drawing/2010/main">
                 <a:solidFill>
                   <a:srgbClr val="FFFFFF"/>
                 </a:solidFill>
@@ -3333,14 +3333,14 @@
           <a:noFill/>
           <a:extLst>
             <a:ext uri="{909E8E84-426E-40dd-AFC4-6F175D3DCCD1}">
-              <a14:hiddenFill xmlns:a14="http://schemas.microsoft.com/office/drawing/2010/main" xmlns="">
+              <a14:hiddenFill xmlns="" xmlns:a14="http://schemas.microsoft.com/office/drawing/2010/main">
                 <a:solidFill>
                   <a:srgbClr val="FFFFFF"/>
                 </a:solidFill>
               </a14:hiddenFill>
             </a:ext>
             <a:ext uri="{91240B29-F687-4f45-9708-019B960494DF}">
-              <a14:hiddenLine xmlns:a14="http://schemas.microsoft.com/office/drawing/2010/main" xmlns="" w="9525">
+              <a14:hiddenLine xmlns="" xmlns:a14="http://schemas.microsoft.com/office/drawing/2010/main" w="9525">
                 <a:solidFill>
                   <a:srgbClr val="000000"/>
                 </a:solidFill>
@@ -3459,14 +3459,14 @@
           </a:ln>
           <a:extLst>
             <a:ext uri="{909E8E84-426E-40dd-AFC4-6F175D3DCCD1}">
-              <a14:hiddenFill xmlns:a14="http://schemas.microsoft.com/office/drawing/2010/main" xmlns="">
+              <a14:hiddenFill xmlns="" xmlns:a14="http://schemas.microsoft.com/office/drawing/2010/main">
                 <a:solidFill>
                   <a:srgbClr val="FFFFFF"/>
                 </a:solidFill>
               </a14:hiddenFill>
             </a:ext>
             <a:ext uri="{FAA26D3D-D897-4be2-8F04-BA451C77F1D7}">
-              <ma14:placeholderFlag xmlns:ma14="http://schemas.microsoft.com/office/mac/drawingml/2011/main" xmlns="" val="1"/>
+              <ma14:placeholderFlag xmlns="" xmlns:ma14="http://schemas.microsoft.com/office/mac/drawingml/2011/main" val="1"/>
             </a:ext>
           </a:extLst>
         </p:spPr>
@@ -3546,14 +3546,14 @@
           </a:ln>
           <a:extLst>
             <a:ext uri="{909E8E84-426E-40dd-AFC4-6F175D3DCCD1}">
-              <a14:hiddenFill xmlns:a14="http://schemas.microsoft.com/office/drawing/2010/main" xmlns="">
+              <a14:hiddenFill xmlns="" xmlns:a14="http://schemas.microsoft.com/office/drawing/2010/main">
                 <a:solidFill>
                   <a:srgbClr val="FFFFFF"/>
                 </a:solidFill>
               </a14:hiddenFill>
             </a:ext>
             <a:ext uri="{FAA26D3D-D897-4be2-8F04-BA451C77F1D7}">
-              <ma14:placeholderFlag xmlns:ma14="http://schemas.microsoft.com/office/mac/drawingml/2011/main" xmlns="" val="1"/>
+              <ma14:placeholderFlag xmlns="" xmlns:ma14="http://schemas.microsoft.com/office/mac/drawingml/2011/main" val="1"/>
             </a:ext>
           </a:extLst>
         </p:spPr>
@@ -3633,14 +3633,14 @@
           </a:ln>
           <a:extLst>
             <a:ext uri="{909E8E84-426E-40dd-AFC4-6F175D3DCCD1}">
-              <a14:hiddenFill xmlns:a14="http://schemas.microsoft.com/office/drawing/2010/main" xmlns="">
+              <a14:hiddenFill xmlns="" xmlns:a14="http://schemas.microsoft.com/office/drawing/2010/main">
                 <a:solidFill>
                   <a:srgbClr val="FFFFFF"/>
                 </a:solidFill>
               </a14:hiddenFill>
             </a:ext>
             <a:ext uri="{FAA26D3D-D897-4be2-8F04-BA451C77F1D7}">
-              <ma14:placeholderFlag xmlns:ma14="http://schemas.microsoft.com/office/mac/drawingml/2011/main" xmlns="" val="1"/>
+              <ma14:placeholderFlag xmlns="" xmlns:ma14="http://schemas.microsoft.com/office/mac/drawingml/2011/main" val="1"/>
             </a:ext>
           </a:extLst>
         </p:spPr>
@@ -3720,14 +3720,14 @@
           </a:ln>
           <a:extLst>
             <a:ext uri="{909E8E84-426E-40dd-AFC4-6F175D3DCCD1}">
-              <a14:hiddenFill xmlns:a14="http://schemas.microsoft.com/office/drawing/2010/main" xmlns="">
+              <a14:hiddenFill xmlns="" xmlns:a14="http://schemas.microsoft.com/office/drawing/2010/main">
                 <a:solidFill>
                   <a:srgbClr val="FFFFFF"/>
                 </a:solidFill>
               </a14:hiddenFill>
             </a:ext>
             <a:ext uri="{FAA26D3D-D897-4be2-8F04-BA451C77F1D7}">
-              <ma14:placeholderFlag xmlns:ma14="http://schemas.microsoft.com/office/mac/drawingml/2011/main" xmlns="" val="1"/>
+              <ma14:placeholderFlag xmlns="" xmlns:ma14="http://schemas.microsoft.com/office/mac/drawingml/2011/main" val="1"/>
             </a:ext>
           </a:extLst>
         </p:spPr>
@@ -3833,14 +3833,14 @@
           </a:ln>
           <a:extLst>
             <a:ext uri="{909E8E84-426E-40dd-AFC4-6F175D3DCCD1}">
-              <a14:hiddenFill xmlns:a14="http://schemas.microsoft.com/office/drawing/2010/main" xmlns="">
+              <a14:hiddenFill xmlns="" xmlns:a14="http://schemas.microsoft.com/office/drawing/2010/main">
                 <a:solidFill>
                   <a:srgbClr val="FFFFFF"/>
                 </a:solidFill>
               </a14:hiddenFill>
             </a:ext>
             <a:ext uri="{FAA26D3D-D897-4be2-8F04-BA451C77F1D7}">
-              <ma14:placeholderFlag xmlns:ma14="http://schemas.microsoft.com/office/mac/drawingml/2011/main" xmlns="" val="1"/>
+              <ma14:placeholderFlag xmlns="" xmlns:ma14="http://schemas.microsoft.com/office/mac/drawingml/2011/main" val="1"/>
             </a:ext>
           </a:extLst>
         </p:spPr>
@@ -3859,14 +3859,14 @@
           <a:noFill/>
           <a:extLst>
             <a:ext uri="{909E8E84-426E-40dd-AFC4-6F175D3DCCD1}">
-              <a14:hiddenFill xmlns:a14="http://schemas.microsoft.com/office/drawing/2010/main" xmlns="">
+              <a14:hiddenFill xmlns="" xmlns:a14="http://schemas.microsoft.com/office/drawing/2010/main">
                 <a:solidFill>
                   <a:srgbClr val="FFFFFF"/>
                 </a:solidFill>
               </a14:hiddenFill>
             </a:ext>
             <a:ext uri="{91240B29-F687-4f45-9708-019B960494DF}">
-              <a14:hiddenLine xmlns:a14="http://schemas.microsoft.com/office/drawing/2010/main" xmlns="" w="9525">
+              <a14:hiddenLine xmlns="" xmlns:a14="http://schemas.microsoft.com/office/drawing/2010/main" w="9525">
                 <a:solidFill>
                   <a:srgbClr val="000000"/>
                 </a:solidFill>
@@ -3942,14 +3942,14 @@
           </a:ln>
           <a:extLst>
             <a:ext uri="{909E8E84-426E-40dd-AFC4-6F175D3DCCD1}">
-              <a14:hiddenFill xmlns:a14="http://schemas.microsoft.com/office/drawing/2010/main" xmlns="">
+              <a14:hiddenFill xmlns="" xmlns:a14="http://schemas.microsoft.com/office/drawing/2010/main">
                 <a:solidFill>
                   <a:srgbClr val="FFFFFF"/>
                 </a:solidFill>
               </a14:hiddenFill>
             </a:ext>
             <a:ext uri="{FAA26D3D-D897-4be2-8F04-BA451C77F1D7}">
-              <ma14:placeholderFlag xmlns:ma14="http://schemas.microsoft.com/office/mac/drawingml/2011/main" xmlns="" val="1"/>
+              <ma14:placeholderFlag xmlns="" xmlns:ma14="http://schemas.microsoft.com/office/mac/drawingml/2011/main" val="1"/>
             </a:ext>
           </a:extLst>
         </p:spPr>
@@ -3968,14 +3968,14 @@
           <a:noFill/>
           <a:extLst>
             <a:ext uri="{909E8E84-426E-40dd-AFC4-6F175D3DCCD1}">
-              <a14:hiddenFill xmlns:a14="http://schemas.microsoft.com/office/drawing/2010/main" xmlns="">
+              <a14:hiddenFill xmlns="" xmlns:a14="http://schemas.microsoft.com/office/drawing/2010/main">
                 <a:solidFill>
                   <a:srgbClr val="FFFFFF"/>
                 </a:solidFill>
               </a14:hiddenFill>
             </a:ext>
             <a:ext uri="{91240B29-F687-4f45-9708-019B960494DF}">
-              <a14:hiddenLine xmlns:a14="http://schemas.microsoft.com/office/drawing/2010/main" xmlns="" w="9525">
+              <a14:hiddenLine xmlns="" xmlns:a14="http://schemas.microsoft.com/office/drawing/2010/main" w="9525">
                 <a:solidFill>
                   <a:srgbClr val="000000"/>
                 </a:solidFill>
@@ -4062,14 +4062,14 @@
           </a:ln>
           <a:extLst>
             <a:ext uri="{909E8E84-426E-40dd-AFC4-6F175D3DCCD1}">
-              <a14:hiddenFill xmlns:a14="http://schemas.microsoft.com/office/drawing/2010/main" xmlns="">
+              <a14:hiddenFill xmlns="" xmlns:a14="http://schemas.microsoft.com/office/drawing/2010/main">
                 <a:solidFill>
                   <a:srgbClr val="FFFFFF"/>
                 </a:solidFill>
               </a14:hiddenFill>
             </a:ext>
             <a:ext uri="{FAA26D3D-D897-4be2-8F04-BA451C77F1D7}">
-              <ma14:placeholderFlag xmlns:ma14="http://schemas.microsoft.com/office/mac/drawingml/2011/main" xmlns="" val="1"/>
+              <ma14:placeholderFlag xmlns="" xmlns:ma14="http://schemas.microsoft.com/office/mac/drawingml/2011/main" val="1"/>
             </a:ext>
           </a:extLst>
         </p:spPr>
@@ -4244,14 +4244,14 @@
           </a:ln>
           <a:extLst>
             <a:ext uri="{909E8E84-426E-40dd-AFC4-6F175D3DCCD1}">
-              <a14:hiddenFill xmlns:a14="http://schemas.microsoft.com/office/drawing/2010/main" xmlns="">
+              <a14:hiddenFill xmlns="" xmlns:a14="http://schemas.microsoft.com/office/drawing/2010/main">
                 <a:solidFill>
                   <a:srgbClr val="FFFFFF"/>
                 </a:solidFill>
               </a14:hiddenFill>
             </a:ext>
             <a:ext uri="{FAA26D3D-D897-4be2-8F04-BA451C77F1D7}">
-              <ma14:placeholderFlag xmlns:ma14="http://schemas.microsoft.com/office/mac/drawingml/2011/main" xmlns="" val="1"/>
+              <ma14:placeholderFlag xmlns="" xmlns:ma14="http://schemas.microsoft.com/office/mac/drawingml/2011/main" val="1"/>
             </a:ext>
           </a:extLst>
         </p:spPr>
@@ -4270,14 +4270,14 @@
           <a:noFill/>
           <a:extLst>
             <a:ext uri="{909E8E84-426E-40dd-AFC4-6F175D3DCCD1}">
-              <a14:hiddenFill xmlns:a14="http://schemas.microsoft.com/office/drawing/2010/main" xmlns="">
+              <a14:hiddenFill xmlns="" xmlns:a14="http://schemas.microsoft.com/office/drawing/2010/main">
                 <a:solidFill>
                   <a:srgbClr val="FFFFFF"/>
                 </a:solidFill>
               </a14:hiddenFill>
             </a:ext>
             <a:ext uri="{91240B29-F687-4f45-9708-019B960494DF}">
-              <a14:hiddenLine xmlns:a14="http://schemas.microsoft.com/office/drawing/2010/main" xmlns="" w="9525">
+              <a14:hiddenLine xmlns="" xmlns:a14="http://schemas.microsoft.com/office/drawing/2010/main" w="9525">
                 <a:solidFill>
                   <a:srgbClr val="000000"/>
                 </a:solidFill>
@@ -4380,14 +4380,14 @@
           </a:ln>
           <a:extLst>
             <a:ext uri="{909E8E84-426E-40dd-AFC4-6F175D3DCCD1}">
-              <a14:hiddenFill xmlns:a14="http://schemas.microsoft.com/office/drawing/2010/main" xmlns="">
+              <a14:hiddenFill xmlns="" xmlns:a14="http://schemas.microsoft.com/office/drawing/2010/main">
                 <a:solidFill>
                   <a:srgbClr val="FFFFFF"/>
                 </a:solidFill>
               </a14:hiddenFill>
             </a:ext>
             <a:ext uri="{FAA26D3D-D897-4be2-8F04-BA451C77F1D7}">
-              <ma14:placeholderFlag xmlns:ma14="http://schemas.microsoft.com/office/mac/drawingml/2011/main" xmlns="" val="1"/>
+              <ma14:placeholderFlag xmlns="" xmlns:ma14="http://schemas.microsoft.com/office/mac/drawingml/2011/main" val="1"/>
             </a:ext>
           </a:extLst>
         </p:spPr>
@@ -4467,14 +4467,14 @@
           </a:ln>
           <a:extLst>
             <a:ext uri="{909E8E84-426E-40dd-AFC4-6F175D3DCCD1}">
-              <a14:hiddenFill xmlns:a14="http://schemas.microsoft.com/office/drawing/2010/main" xmlns="">
+              <a14:hiddenFill xmlns="" xmlns:a14="http://schemas.microsoft.com/office/drawing/2010/main">
                 <a:solidFill>
                   <a:srgbClr val="FFFFFF"/>
                 </a:solidFill>
               </a14:hiddenFill>
             </a:ext>
             <a:ext uri="{FAA26D3D-D897-4be2-8F04-BA451C77F1D7}">
-              <ma14:placeholderFlag xmlns:ma14="http://schemas.microsoft.com/office/mac/drawingml/2011/main" xmlns="" val="1"/>
+              <ma14:placeholderFlag xmlns="" xmlns:ma14="http://schemas.microsoft.com/office/mac/drawingml/2011/main" val="1"/>
             </a:ext>
           </a:extLst>
         </p:spPr>
@@ -4554,7 +4554,7 @@
           </a:ln>
           <a:extLst>
             <a:ext uri="{909E8E84-426E-40dd-AFC4-6F175D3DCCD1}">
-              <a14:hiddenFill xmlns:a14="http://schemas.microsoft.com/office/drawing/2010/main" xmlns="">
+              <a14:hiddenFill xmlns="" xmlns:a14="http://schemas.microsoft.com/office/drawing/2010/main">
                 <a:solidFill>
                   <a:srgbClr val="FFFFFF"/>
                 </a:solidFill>
@@ -4577,14 +4577,14 @@
           <a:noFill/>
           <a:extLst>
             <a:ext uri="{909E8E84-426E-40dd-AFC4-6F175D3DCCD1}">
-              <a14:hiddenFill xmlns:a14="http://schemas.microsoft.com/office/drawing/2010/main" xmlns="">
+              <a14:hiddenFill xmlns="" xmlns:a14="http://schemas.microsoft.com/office/drawing/2010/main">
                 <a:solidFill>
                   <a:srgbClr val="FFFFFF"/>
                 </a:solidFill>
               </a14:hiddenFill>
             </a:ext>
             <a:ext uri="{91240B29-F687-4f45-9708-019B960494DF}">
-              <a14:hiddenLine xmlns:a14="http://schemas.microsoft.com/office/drawing/2010/main" xmlns="" w="9525">
+              <a14:hiddenLine xmlns="" xmlns:a14="http://schemas.microsoft.com/office/drawing/2010/main" w="9525">
                 <a:solidFill>
                   <a:srgbClr val="000000"/>
                 </a:solidFill>
@@ -4698,14 +4698,14 @@
           </a:ln>
           <a:extLst>
             <a:ext uri="{909E8E84-426E-40dd-AFC4-6F175D3DCCD1}">
-              <a14:hiddenFill xmlns:a14="http://schemas.microsoft.com/office/drawing/2010/main" xmlns="">
+              <a14:hiddenFill xmlns="" xmlns:a14="http://schemas.microsoft.com/office/drawing/2010/main">
                 <a:solidFill>
                   <a:srgbClr val="FFFFFF"/>
                 </a:solidFill>
               </a14:hiddenFill>
             </a:ext>
             <a:ext uri="{FAA26D3D-D897-4be2-8F04-BA451C77F1D7}">
-              <ma14:placeholderFlag xmlns:ma14="http://schemas.microsoft.com/office/mac/drawingml/2011/main" xmlns="" val="1"/>
+              <ma14:placeholderFlag xmlns="" xmlns:ma14="http://schemas.microsoft.com/office/mac/drawingml/2011/main" val="1"/>
             </a:ext>
           </a:extLst>
         </p:spPr>
@@ -4785,14 +4785,14 @@
           </a:ln>
           <a:extLst>
             <a:ext uri="{909E8E84-426E-40dd-AFC4-6F175D3DCCD1}">
-              <a14:hiddenFill xmlns:a14="http://schemas.microsoft.com/office/drawing/2010/main" xmlns="">
+              <a14:hiddenFill xmlns="" xmlns:a14="http://schemas.microsoft.com/office/drawing/2010/main">
                 <a:solidFill>
                   <a:srgbClr val="FFFFFF"/>
                 </a:solidFill>
               </a14:hiddenFill>
             </a:ext>
             <a:ext uri="{FAA26D3D-D897-4be2-8F04-BA451C77F1D7}">
-              <ma14:placeholderFlag xmlns:ma14="http://schemas.microsoft.com/office/mac/drawingml/2011/main" xmlns="" val="1"/>
+              <ma14:placeholderFlag xmlns="" xmlns:ma14="http://schemas.microsoft.com/office/mac/drawingml/2011/main" val="1"/>
             </a:ext>
           </a:extLst>
         </p:spPr>
@@ -4869,14 +4869,14 @@
           </a:ln>
           <a:extLst>
             <a:ext uri="{909E8E84-426E-40dd-AFC4-6F175D3DCCD1}">
-              <a14:hiddenFill xmlns:a14="http://schemas.microsoft.com/office/drawing/2010/main" xmlns="">
+              <a14:hiddenFill xmlns="" xmlns:a14="http://schemas.microsoft.com/office/drawing/2010/main">
                 <a:solidFill>
                   <a:srgbClr val="FFFFFF"/>
                 </a:solidFill>
               </a14:hiddenFill>
             </a:ext>
             <a:ext uri="{FAA26D3D-D897-4be2-8F04-BA451C77F1D7}">
-              <ma14:placeholderFlag xmlns:ma14="http://schemas.microsoft.com/office/mac/drawingml/2011/main" xmlns="" val="1"/>
+              <ma14:placeholderFlag xmlns="" xmlns:ma14="http://schemas.microsoft.com/office/mac/drawingml/2011/main" val="1"/>
             </a:ext>
           </a:extLst>
         </p:spPr>
@@ -4895,14 +4895,14 @@
           <a:noFill/>
           <a:extLst>
             <a:ext uri="{909E8E84-426E-40dd-AFC4-6F175D3DCCD1}">
-              <a14:hiddenFill xmlns:a14="http://schemas.microsoft.com/office/drawing/2010/main" xmlns="">
+              <a14:hiddenFill xmlns="" xmlns:a14="http://schemas.microsoft.com/office/drawing/2010/main">
                 <a:solidFill>
                   <a:srgbClr val="FFFFFF"/>
                 </a:solidFill>
               </a14:hiddenFill>
             </a:ext>
             <a:ext uri="{91240B29-F687-4f45-9708-019B960494DF}">
-              <a14:hiddenLine xmlns:a14="http://schemas.microsoft.com/office/drawing/2010/main" xmlns="" w="9525">
+              <a14:hiddenLine xmlns="" xmlns:a14="http://schemas.microsoft.com/office/drawing/2010/main" w="9525">
                 <a:solidFill>
                   <a:srgbClr val="000000"/>
                 </a:solidFill>
@@ -4912,7 +4912,7 @@
               </a14:hiddenLine>
             </a:ext>
             <a:ext uri="{FAA26D3D-D897-4be2-8F04-BA451C77F1D7}">
-              <ma14:placeholderFlag xmlns:ma14="http://schemas.microsoft.com/office/mac/drawingml/2011/main" xmlns="" val="1"/>
+              <ma14:placeholderFlag xmlns="" xmlns:ma14="http://schemas.microsoft.com/office/mac/drawingml/2011/main" val="1"/>
             </a:ext>
           </a:extLst>
         </p:spPr>
@@ -4978,14 +4978,14 @@
           </a:ln>
           <a:extLst>
             <a:ext uri="{909E8E84-426E-40dd-AFC4-6F175D3DCCD1}">
-              <a14:hiddenFill xmlns:a14="http://schemas.microsoft.com/office/drawing/2010/main" xmlns="">
+              <a14:hiddenFill xmlns="" xmlns:a14="http://schemas.microsoft.com/office/drawing/2010/main">
                 <a:solidFill>
                   <a:srgbClr val="FFFFFF"/>
                 </a:solidFill>
               </a14:hiddenFill>
             </a:ext>
             <a:ext uri="{FAA26D3D-D897-4be2-8F04-BA451C77F1D7}">
-              <ma14:placeholderFlag xmlns:ma14="http://schemas.microsoft.com/office/mac/drawingml/2011/main" xmlns="" val="1"/>
+              <ma14:placeholderFlag xmlns="" xmlns:ma14="http://schemas.microsoft.com/office/mac/drawingml/2011/main" val="1"/>
             </a:ext>
           </a:extLst>
         </p:spPr>
@@ -5004,14 +5004,14 @@
           <a:noFill/>
           <a:extLst>
             <a:ext uri="{909E8E84-426E-40dd-AFC4-6F175D3DCCD1}">
-              <a14:hiddenFill xmlns:a14="http://schemas.microsoft.com/office/drawing/2010/main" xmlns="">
+              <a14:hiddenFill xmlns="" xmlns:a14="http://schemas.microsoft.com/office/drawing/2010/main">
                 <a:solidFill>
                   <a:srgbClr val="FFFFFF"/>
                 </a:solidFill>
               </a14:hiddenFill>
             </a:ext>
             <a:ext uri="{91240B29-F687-4f45-9708-019B960494DF}">
-              <a14:hiddenLine xmlns:a14="http://schemas.microsoft.com/office/drawing/2010/main" xmlns="" w="9525">
+              <a14:hiddenLine xmlns="" xmlns:a14="http://schemas.microsoft.com/office/drawing/2010/main" w="9525">
                 <a:solidFill>
                   <a:srgbClr val="000000"/>
                 </a:solidFill>
@@ -5125,14 +5125,14 @@
           </a:ln>
           <a:extLst>
             <a:ext uri="{909E8E84-426E-40dd-AFC4-6F175D3DCCD1}">
-              <a14:hiddenFill xmlns:a14="http://schemas.microsoft.com/office/drawing/2010/main" xmlns="">
+              <a14:hiddenFill xmlns="" xmlns:a14="http://schemas.microsoft.com/office/drawing/2010/main">
                 <a:solidFill>
                   <a:srgbClr val="FFFFFF"/>
                 </a:solidFill>
               </a14:hiddenFill>
             </a:ext>
             <a:ext uri="{FAA26D3D-D897-4be2-8F04-BA451C77F1D7}">
-              <ma14:placeholderFlag xmlns:ma14="http://schemas.microsoft.com/office/mac/drawingml/2011/main" xmlns="" val="1"/>
+              <ma14:placeholderFlag xmlns="" xmlns:ma14="http://schemas.microsoft.com/office/mac/drawingml/2011/main" val="1"/>
             </a:ext>
           </a:extLst>
         </p:spPr>
@@ -5151,14 +5151,14 @@
           <a:noFill/>
           <a:extLst>
             <a:ext uri="{909E8E84-426E-40dd-AFC4-6F175D3DCCD1}">
-              <a14:hiddenFill xmlns:a14="http://schemas.microsoft.com/office/drawing/2010/main" xmlns="">
+              <a14:hiddenFill xmlns="" xmlns:a14="http://schemas.microsoft.com/office/drawing/2010/main">
                 <a:solidFill>
                   <a:srgbClr val="FFFFFF"/>
                 </a:solidFill>
               </a14:hiddenFill>
             </a:ext>
             <a:ext uri="{91240B29-F687-4f45-9708-019B960494DF}">
-              <a14:hiddenLine xmlns:a14="http://schemas.microsoft.com/office/drawing/2010/main" xmlns="" w="9525">
+              <a14:hiddenLine xmlns="" xmlns:a14="http://schemas.microsoft.com/office/drawing/2010/main" w="9525">
                 <a:solidFill>
                   <a:srgbClr val="000000"/>
                 </a:solidFill>
@@ -5248,14 +5248,14 @@
           </a:ln>
           <a:extLst>
             <a:ext uri="{909E8E84-426E-40dd-AFC4-6F175D3DCCD1}">
-              <a14:hiddenFill xmlns:a14="http://schemas.microsoft.com/office/drawing/2010/main" xmlns="">
+              <a14:hiddenFill xmlns="" xmlns:a14="http://schemas.microsoft.com/office/drawing/2010/main">
                 <a:solidFill>
                   <a:srgbClr val="FFFFFF"/>
                 </a:solidFill>
               </a14:hiddenFill>
             </a:ext>
             <a:ext uri="{FAA26D3D-D897-4be2-8F04-BA451C77F1D7}">
-              <ma14:placeholderFlag xmlns:ma14="http://schemas.microsoft.com/office/mac/drawingml/2011/main" xmlns="" val="1"/>
+              <ma14:placeholderFlag xmlns="" xmlns:ma14="http://schemas.microsoft.com/office/mac/drawingml/2011/main" val="1"/>
             </a:ext>
           </a:extLst>
         </p:spPr>
@@ -5274,14 +5274,14 @@
           <a:noFill/>
           <a:extLst>
             <a:ext uri="{909E8E84-426E-40dd-AFC4-6F175D3DCCD1}">
-              <a14:hiddenFill xmlns:a14="http://schemas.microsoft.com/office/drawing/2010/main" xmlns="">
+              <a14:hiddenFill xmlns="" xmlns:a14="http://schemas.microsoft.com/office/drawing/2010/main">
                 <a:solidFill>
                   <a:srgbClr val="FFFFFF"/>
                 </a:solidFill>
               </a14:hiddenFill>
             </a:ext>
             <a:ext uri="{91240B29-F687-4f45-9708-019B960494DF}">
-              <a14:hiddenLine xmlns:a14="http://schemas.microsoft.com/office/drawing/2010/main" xmlns="" w="9525">
+              <a14:hiddenLine xmlns="" xmlns:a14="http://schemas.microsoft.com/office/drawing/2010/main" w="9525">
                 <a:solidFill>
                   <a:srgbClr val="000000"/>
                 </a:solidFill>
@@ -5363,14 +5363,14 @@
           </a:ln>
           <a:extLst>
             <a:ext uri="{909E8E84-426E-40dd-AFC4-6F175D3DCCD1}">
-              <a14:hiddenFill xmlns:a14="http://schemas.microsoft.com/office/drawing/2010/main" xmlns="">
+              <a14:hiddenFill xmlns="" xmlns:a14="http://schemas.microsoft.com/office/drawing/2010/main">
                 <a:solidFill>
                   <a:srgbClr val="FFFFFF"/>
                 </a:solidFill>
               </a14:hiddenFill>
             </a:ext>
             <a:ext uri="{FAA26D3D-D897-4be2-8F04-BA451C77F1D7}">
-              <ma14:placeholderFlag xmlns:ma14="http://schemas.microsoft.com/office/mac/drawingml/2011/main" xmlns="" val="1"/>
+              <ma14:placeholderFlag xmlns="" xmlns:ma14="http://schemas.microsoft.com/office/mac/drawingml/2011/main" val="1"/>
             </a:ext>
           </a:extLst>
         </p:spPr>
@@ -5389,14 +5389,14 @@
           <a:noFill/>
           <a:extLst>
             <a:ext uri="{909E8E84-426E-40dd-AFC4-6F175D3DCCD1}">
-              <a14:hiddenFill xmlns:a14="http://schemas.microsoft.com/office/drawing/2010/main" xmlns="">
+              <a14:hiddenFill xmlns="" xmlns:a14="http://schemas.microsoft.com/office/drawing/2010/main">
                 <a:solidFill>
                   <a:srgbClr val="FFFFFF"/>
                 </a:solidFill>
               </a14:hiddenFill>
             </a:ext>
             <a:ext uri="{91240B29-F687-4f45-9708-019B960494DF}">
-              <a14:hiddenLine xmlns:a14="http://schemas.microsoft.com/office/drawing/2010/main" xmlns="" w="9525">
+              <a14:hiddenLine xmlns="" xmlns:a14="http://schemas.microsoft.com/office/drawing/2010/main" w="9525">
                 <a:solidFill>
                   <a:srgbClr val="000000"/>
                 </a:solidFill>
@@ -5406,7 +5406,7 @@
               </a14:hiddenLine>
             </a:ext>
             <a:ext uri="{FAA26D3D-D897-4be2-8F04-BA451C77F1D7}">
-              <ma14:placeholderFlag xmlns:ma14="http://schemas.microsoft.com/office/mac/drawingml/2011/main" xmlns="" val="1"/>
+              <ma14:placeholderFlag xmlns="" xmlns:ma14="http://schemas.microsoft.com/office/mac/drawingml/2011/main" val="1"/>
             </a:ext>
           </a:extLst>
         </p:spPr>
@@ -5472,14 +5472,14 @@
           </a:ln>
           <a:extLst>
             <a:ext uri="{909E8E84-426E-40dd-AFC4-6F175D3DCCD1}">
-              <a14:hiddenFill xmlns:a14="http://schemas.microsoft.com/office/drawing/2010/main" xmlns="">
+              <a14:hiddenFill xmlns="" xmlns:a14="http://schemas.microsoft.com/office/drawing/2010/main">
                 <a:solidFill>
                   <a:srgbClr val="FFFFFF"/>
                 </a:solidFill>
               </a14:hiddenFill>
             </a:ext>
             <a:ext uri="{FAA26D3D-D897-4be2-8F04-BA451C77F1D7}">
-              <ma14:placeholderFlag xmlns:ma14="http://schemas.microsoft.com/office/mac/drawingml/2011/main" xmlns="" val="1"/>
+              <ma14:placeholderFlag xmlns="" xmlns:ma14="http://schemas.microsoft.com/office/mac/drawingml/2011/main" val="1"/>
             </a:ext>
           </a:extLst>
         </p:spPr>
@@ -5498,14 +5498,14 @@
           <a:noFill/>
           <a:extLst>
             <a:ext uri="{909E8E84-426E-40dd-AFC4-6F175D3DCCD1}">
-              <a14:hiddenFill xmlns:a14="http://schemas.microsoft.com/office/drawing/2010/main" xmlns="">
+              <a14:hiddenFill xmlns="" xmlns:a14="http://schemas.microsoft.com/office/drawing/2010/main">
                 <a:solidFill>
                   <a:srgbClr val="FFFFFF"/>
                 </a:solidFill>
               </a14:hiddenFill>
             </a:ext>
             <a:ext uri="{91240B29-F687-4f45-9708-019B960494DF}">
-              <a14:hiddenLine xmlns:a14="http://schemas.microsoft.com/office/drawing/2010/main" xmlns="" w="9525">
+              <a14:hiddenLine xmlns="" xmlns:a14="http://schemas.microsoft.com/office/drawing/2010/main" w="9525">
                 <a:solidFill>
                   <a:srgbClr val="000000"/>
                 </a:solidFill>
@@ -5578,14 +5578,14 @@
           </a:ln>
           <a:extLst>
             <a:ext uri="{909E8E84-426E-40dd-AFC4-6F175D3DCCD1}">
-              <a14:hiddenFill xmlns:a14="http://schemas.microsoft.com/office/drawing/2010/main" xmlns="">
+              <a14:hiddenFill xmlns="" xmlns:a14="http://schemas.microsoft.com/office/drawing/2010/main">
                 <a:solidFill>
                   <a:srgbClr val="FFFFFF"/>
                 </a:solidFill>
               </a14:hiddenFill>
             </a:ext>
             <a:ext uri="{FAA26D3D-D897-4be2-8F04-BA451C77F1D7}">
-              <ma14:placeholderFlag xmlns:ma14="http://schemas.microsoft.com/office/mac/drawingml/2011/main" xmlns="" val="1"/>
+              <ma14:placeholderFlag xmlns="" xmlns:ma14="http://schemas.microsoft.com/office/mac/drawingml/2011/main" val="1"/>
             </a:ext>
           </a:extLst>
         </p:spPr>
@@ -5604,14 +5604,14 @@
           <a:noFill/>
           <a:extLst>
             <a:ext uri="{909E8E84-426E-40dd-AFC4-6F175D3DCCD1}">
-              <a14:hiddenFill xmlns:a14="http://schemas.microsoft.com/office/drawing/2010/main" xmlns="">
+              <a14:hiddenFill xmlns="" xmlns:a14="http://schemas.microsoft.com/office/drawing/2010/main">
                 <a:solidFill>
                   <a:srgbClr val="FFFFFF"/>
                 </a:solidFill>
               </a14:hiddenFill>
             </a:ext>
             <a:ext uri="{91240B29-F687-4f45-9708-019B960494DF}">
-              <a14:hiddenLine xmlns:a14="http://schemas.microsoft.com/office/drawing/2010/main" xmlns="" w="9525">
+              <a14:hiddenLine xmlns="" xmlns:a14="http://schemas.microsoft.com/office/drawing/2010/main" w="9525">
                 <a:solidFill>
                   <a:srgbClr val="000000"/>
                 </a:solidFill>
@@ -5684,14 +5684,14 @@
           </a:ln>
           <a:extLst>
             <a:ext uri="{909E8E84-426E-40dd-AFC4-6F175D3DCCD1}">
-              <a14:hiddenFill xmlns:a14="http://schemas.microsoft.com/office/drawing/2010/main" xmlns="">
+              <a14:hiddenFill xmlns="" xmlns:a14="http://schemas.microsoft.com/office/drawing/2010/main">
                 <a:solidFill>
                   <a:srgbClr val="FFFFFF"/>
                 </a:solidFill>
               </a14:hiddenFill>
             </a:ext>
             <a:ext uri="{FAA26D3D-D897-4be2-8F04-BA451C77F1D7}">
-              <ma14:placeholderFlag xmlns:ma14="http://schemas.microsoft.com/office/mac/drawingml/2011/main" xmlns="" val="1"/>
+              <ma14:placeholderFlag xmlns="" xmlns:ma14="http://schemas.microsoft.com/office/mac/drawingml/2011/main" val="1"/>
             </a:ext>
           </a:extLst>
         </p:spPr>
@@ -5710,14 +5710,14 @@
           <a:noFill/>
           <a:extLst>
             <a:ext uri="{909E8E84-426E-40dd-AFC4-6F175D3DCCD1}">
-              <a14:hiddenFill xmlns:a14="http://schemas.microsoft.com/office/drawing/2010/main" xmlns="">
+              <a14:hiddenFill xmlns="" xmlns:a14="http://schemas.microsoft.com/office/drawing/2010/main">
                 <a:solidFill>
                   <a:srgbClr val="FFFFFF"/>
                 </a:solidFill>
               </a14:hiddenFill>
             </a:ext>
             <a:ext uri="{91240B29-F687-4f45-9708-019B960494DF}">
-              <a14:hiddenLine xmlns:a14="http://schemas.microsoft.com/office/drawing/2010/main" xmlns="" w="9525">
+              <a14:hiddenLine xmlns="" xmlns:a14="http://schemas.microsoft.com/office/drawing/2010/main" w="9525">
                 <a:solidFill>
                   <a:srgbClr val="000000"/>
                 </a:solidFill>
@@ -5790,7 +5790,7 @@
           </a:ln>
           <a:extLst>
             <a:ext uri="{909E8E84-426E-40dd-AFC4-6F175D3DCCD1}">
-              <a14:hiddenFill xmlns:a14="http://schemas.microsoft.com/office/drawing/2010/main" xmlns="">
+              <a14:hiddenFill xmlns="" xmlns:a14="http://schemas.microsoft.com/office/drawing/2010/main">
                 <a:solidFill>
                   <a:srgbClr val="FFFFFF"/>
                 </a:solidFill>
@@ -5813,14 +5813,14 @@
           <a:noFill/>
           <a:extLst>
             <a:ext uri="{909E8E84-426E-40dd-AFC4-6F175D3DCCD1}">
-              <a14:hiddenFill xmlns:a14="http://schemas.microsoft.com/office/drawing/2010/main" xmlns="">
+              <a14:hiddenFill xmlns="" xmlns:a14="http://schemas.microsoft.com/office/drawing/2010/main">
                 <a:solidFill>
                   <a:srgbClr val="FFFFFF"/>
                 </a:solidFill>
               </a14:hiddenFill>
             </a:ext>
             <a:ext uri="{91240B29-F687-4f45-9708-019B960494DF}">
-              <a14:hiddenLine xmlns:a14="http://schemas.microsoft.com/office/drawing/2010/main" xmlns="" w="9525">
+              <a14:hiddenLine xmlns="" xmlns:a14="http://schemas.microsoft.com/office/drawing/2010/main" w="9525">
                 <a:solidFill>
                   <a:srgbClr val="000000"/>
                 </a:solidFill>
@@ -5898,14 +5898,14 @@
           </a:ln>
           <a:extLst>
             <a:ext uri="{909E8E84-426E-40dd-AFC4-6F175D3DCCD1}">
-              <a14:hiddenFill xmlns:a14="http://schemas.microsoft.com/office/drawing/2010/main" xmlns="">
+              <a14:hiddenFill xmlns="" xmlns:a14="http://schemas.microsoft.com/office/drawing/2010/main">
                 <a:solidFill>
                   <a:srgbClr val="FFFFFF"/>
                 </a:solidFill>
               </a14:hiddenFill>
             </a:ext>
             <a:ext uri="{FAA26D3D-D897-4be2-8F04-BA451C77F1D7}">
-              <ma14:placeholderFlag xmlns:ma14="http://schemas.microsoft.com/office/mac/drawingml/2011/main" xmlns="" val="1"/>
+              <ma14:placeholderFlag xmlns="" xmlns:ma14="http://schemas.microsoft.com/office/mac/drawingml/2011/main" val="1"/>
             </a:ext>
           </a:extLst>
         </p:spPr>
@@ -5924,14 +5924,14 @@
           <a:noFill/>
           <a:extLst>
             <a:ext uri="{909E8E84-426E-40dd-AFC4-6F175D3DCCD1}">
-              <a14:hiddenFill xmlns:a14="http://schemas.microsoft.com/office/drawing/2010/main" xmlns="">
+              <a14:hiddenFill xmlns="" xmlns:a14="http://schemas.microsoft.com/office/drawing/2010/main">
                 <a:solidFill>
                   <a:srgbClr val="FFFFFF"/>
                 </a:solidFill>
               </a14:hiddenFill>
             </a:ext>
             <a:ext uri="{91240B29-F687-4f45-9708-019B960494DF}">
-              <a14:hiddenLine xmlns:a14="http://schemas.microsoft.com/office/drawing/2010/main" xmlns="" w="9525">
+              <a14:hiddenLine xmlns="" xmlns:a14="http://schemas.microsoft.com/office/drawing/2010/main" w="9525">
                 <a:solidFill>
                   <a:srgbClr val="000000"/>
                 </a:solidFill>
@@ -6057,14 +6057,14 @@
           </a:ln>
           <a:extLst>
             <a:ext uri="{909E8E84-426E-40dd-AFC4-6F175D3DCCD1}">
-              <a14:hiddenFill xmlns:a14="http://schemas.microsoft.com/office/drawing/2010/main" xmlns="">
+              <a14:hiddenFill xmlns="" xmlns:a14="http://schemas.microsoft.com/office/drawing/2010/main">
                 <a:solidFill>
                   <a:srgbClr val="FFFFFF"/>
                 </a:solidFill>
               </a14:hiddenFill>
             </a:ext>
             <a:ext uri="{FAA26D3D-D897-4be2-8F04-BA451C77F1D7}">
-              <ma14:placeholderFlag xmlns:ma14="http://schemas.microsoft.com/office/mac/drawingml/2011/main" xmlns="" val="1"/>
+              <ma14:placeholderFlag xmlns="" xmlns:ma14="http://schemas.microsoft.com/office/mac/drawingml/2011/main" val="1"/>
             </a:ext>
           </a:extLst>
         </p:spPr>
@@ -6083,14 +6083,14 @@
           <a:noFill/>
           <a:extLst>
             <a:ext uri="{909E8E84-426E-40dd-AFC4-6F175D3DCCD1}">
-              <a14:hiddenFill xmlns:a14="http://schemas.microsoft.com/office/drawing/2010/main" xmlns="">
+              <a14:hiddenFill xmlns="" xmlns:a14="http://schemas.microsoft.com/office/drawing/2010/main">
                 <a:solidFill>
                   <a:srgbClr val="FFFFFF"/>
                 </a:solidFill>
               </a14:hiddenFill>
             </a:ext>
             <a:ext uri="{91240B29-F687-4f45-9708-019B960494DF}">
-              <a14:hiddenLine xmlns:a14="http://schemas.microsoft.com/office/drawing/2010/main" xmlns="" w="9525">
+              <a14:hiddenLine xmlns="" xmlns:a14="http://schemas.microsoft.com/office/drawing/2010/main" w="9525">
                 <a:solidFill>
                   <a:srgbClr val="000000"/>
                 </a:solidFill>
@@ -6163,14 +6163,14 @@
           </a:ln>
           <a:extLst>
             <a:ext uri="{909E8E84-426E-40dd-AFC4-6F175D3DCCD1}">
-              <a14:hiddenFill xmlns:a14="http://schemas.microsoft.com/office/drawing/2010/main" xmlns="">
+              <a14:hiddenFill xmlns="" xmlns:a14="http://schemas.microsoft.com/office/drawing/2010/main">
                 <a:solidFill>
                   <a:srgbClr val="FFFFFF"/>
                 </a:solidFill>
               </a14:hiddenFill>
             </a:ext>
             <a:ext uri="{FAA26D3D-D897-4be2-8F04-BA451C77F1D7}">
-              <ma14:placeholderFlag xmlns:ma14="http://schemas.microsoft.com/office/mac/drawingml/2011/main" xmlns="" val="1"/>
+              <ma14:placeholderFlag xmlns="" xmlns:ma14="http://schemas.microsoft.com/office/mac/drawingml/2011/main" val="1"/>
             </a:ext>
           </a:extLst>
         </p:spPr>
@@ -6189,14 +6189,14 @@
           <a:noFill/>
           <a:extLst>
             <a:ext uri="{909E8E84-426E-40dd-AFC4-6F175D3DCCD1}">
-              <a14:hiddenFill xmlns:a14="http://schemas.microsoft.com/office/drawing/2010/main" xmlns="">
+              <a14:hiddenFill xmlns="" xmlns:a14="http://schemas.microsoft.com/office/drawing/2010/main">
                 <a:solidFill>
                   <a:srgbClr val="FFFFFF"/>
                 </a:solidFill>
               </a14:hiddenFill>
             </a:ext>
             <a:ext uri="{91240B29-F687-4f45-9708-019B960494DF}">
-              <a14:hiddenLine xmlns:a14="http://schemas.microsoft.com/office/drawing/2010/main" xmlns="" w="9525">
+              <a14:hiddenLine xmlns="" xmlns:a14="http://schemas.microsoft.com/office/drawing/2010/main" w="9525">
                 <a:solidFill>
                   <a:srgbClr val="000000"/>
                 </a:solidFill>
@@ -6269,14 +6269,14 @@
           </a:ln>
           <a:extLst>
             <a:ext uri="{909E8E84-426E-40dd-AFC4-6F175D3DCCD1}">
-              <a14:hiddenFill xmlns:a14="http://schemas.microsoft.com/office/drawing/2010/main" xmlns="">
+              <a14:hiddenFill xmlns="" xmlns:a14="http://schemas.microsoft.com/office/drawing/2010/main">
                 <a:solidFill>
                   <a:srgbClr val="FFFFFF"/>
                 </a:solidFill>
               </a14:hiddenFill>
             </a:ext>
             <a:ext uri="{FAA26D3D-D897-4be2-8F04-BA451C77F1D7}">
-              <ma14:placeholderFlag xmlns:ma14="http://schemas.microsoft.com/office/mac/drawingml/2011/main" xmlns="" val="1"/>
+              <ma14:placeholderFlag xmlns="" xmlns:ma14="http://schemas.microsoft.com/office/mac/drawingml/2011/main" val="1"/>
             </a:ext>
           </a:extLst>
         </p:spPr>
@@ -6295,14 +6295,14 @@
           <a:noFill/>
           <a:extLst>
             <a:ext uri="{909E8E84-426E-40dd-AFC4-6F175D3DCCD1}">
-              <a14:hiddenFill xmlns:a14="http://schemas.microsoft.com/office/drawing/2010/main" xmlns="">
+              <a14:hiddenFill xmlns="" xmlns:a14="http://schemas.microsoft.com/office/drawing/2010/main">
                 <a:solidFill>
                   <a:srgbClr val="FFFFFF"/>
                 </a:solidFill>
               </a14:hiddenFill>
             </a:ext>
             <a:ext uri="{91240B29-F687-4f45-9708-019B960494DF}">
-              <a14:hiddenLine xmlns:a14="http://schemas.microsoft.com/office/drawing/2010/main" xmlns="" w="9525">
+              <a14:hiddenLine xmlns="" xmlns:a14="http://schemas.microsoft.com/office/drawing/2010/main" w="9525">
                 <a:solidFill>
                   <a:srgbClr val="000000"/>
                 </a:solidFill>
@@ -6375,14 +6375,14 @@
           </a:ln>
           <a:extLst>
             <a:ext uri="{909E8E84-426E-40dd-AFC4-6F175D3DCCD1}">
-              <a14:hiddenFill xmlns:a14="http://schemas.microsoft.com/office/drawing/2010/main" xmlns="">
+              <a14:hiddenFill xmlns="" xmlns:a14="http://schemas.microsoft.com/office/drawing/2010/main">
                 <a:solidFill>
                   <a:srgbClr val="FFFFFF"/>
                 </a:solidFill>
               </a14:hiddenFill>
             </a:ext>
             <a:ext uri="{FAA26D3D-D897-4be2-8F04-BA451C77F1D7}">
-              <ma14:placeholderFlag xmlns:ma14="http://schemas.microsoft.com/office/mac/drawingml/2011/main" xmlns="" val="1"/>
+              <ma14:placeholderFlag xmlns="" xmlns:ma14="http://schemas.microsoft.com/office/mac/drawingml/2011/main" val="1"/>
             </a:ext>
           </a:extLst>
         </p:spPr>
@@ -6401,14 +6401,14 @@
           <a:noFill/>
           <a:extLst>
             <a:ext uri="{909E8E84-426E-40dd-AFC4-6F175D3DCCD1}">
-              <a14:hiddenFill xmlns:a14="http://schemas.microsoft.com/office/drawing/2010/main" xmlns="">
+              <a14:hiddenFill xmlns="" xmlns:a14="http://schemas.microsoft.com/office/drawing/2010/main">
                 <a:solidFill>
                   <a:srgbClr val="FFFFFF"/>
                 </a:solidFill>
               </a14:hiddenFill>
             </a:ext>
             <a:ext uri="{91240B29-F687-4f45-9708-019B960494DF}">
-              <a14:hiddenLine xmlns:a14="http://schemas.microsoft.com/office/drawing/2010/main" xmlns="" w="9525">
+              <a14:hiddenLine xmlns="" xmlns:a14="http://schemas.microsoft.com/office/drawing/2010/main" w="9525">
                 <a:solidFill>
                   <a:srgbClr val="000000"/>
                 </a:solidFill>
@@ -6496,14 +6496,14 @@
           </a:ln>
           <a:extLst>
             <a:ext uri="{909E8E84-426E-40dd-AFC4-6F175D3DCCD1}">
-              <a14:hiddenFill xmlns:a14="http://schemas.microsoft.com/office/drawing/2010/main" xmlns="">
+              <a14:hiddenFill xmlns="" xmlns:a14="http://schemas.microsoft.com/office/drawing/2010/main">
                 <a:solidFill>
                   <a:srgbClr val="FFFFFF"/>
                 </a:solidFill>
               </a14:hiddenFill>
             </a:ext>
             <a:ext uri="{FAA26D3D-D897-4be2-8F04-BA451C77F1D7}">
-              <ma14:placeholderFlag xmlns:ma14="http://schemas.microsoft.com/office/mac/drawingml/2011/main" xmlns="" val="1"/>
+              <ma14:placeholderFlag xmlns="" xmlns:ma14="http://schemas.microsoft.com/office/mac/drawingml/2011/main" val="1"/>
             </a:ext>
           </a:extLst>
         </p:spPr>
@@ -6522,14 +6522,14 @@
           <a:noFill/>
           <a:extLst>
             <a:ext uri="{909E8E84-426E-40dd-AFC4-6F175D3DCCD1}">
-              <a14:hiddenFill xmlns:a14="http://schemas.microsoft.com/office/drawing/2010/main" xmlns="">
+              <a14:hiddenFill xmlns="" xmlns:a14="http://schemas.microsoft.com/office/drawing/2010/main">
                 <a:solidFill>
                   <a:srgbClr val="FFFFFF"/>
                 </a:solidFill>
               </a14:hiddenFill>
             </a:ext>
             <a:ext uri="{91240B29-F687-4f45-9708-019B960494DF}">
-              <a14:hiddenLine xmlns:a14="http://schemas.microsoft.com/office/drawing/2010/main" xmlns="" w="9525">
+              <a14:hiddenLine xmlns="" xmlns:a14="http://schemas.microsoft.com/office/drawing/2010/main" w="9525">
                 <a:solidFill>
                   <a:srgbClr val="000000"/>
                 </a:solidFill>
@@ -6602,14 +6602,14 @@
           </a:ln>
           <a:extLst>
             <a:ext uri="{909E8E84-426E-40dd-AFC4-6F175D3DCCD1}">
-              <a14:hiddenFill xmlns:a14="http://schemas.microsoft.com/office/drawing/2010/main" xmlns="">
+              <a14:hiddenFill xmlns="" xmlns:a14="http://schemas.microsoft.com/office/drawing/2010/main">
                 <a:solidFill>
                   <a:srgbClr val="FFFFFF"/>
                 </a:solidFill>
               </a14:hiddenFill>
             </a:ext>
             <a:ext uri="{FAA26D3D-D897-4be2-8F04-BA451C77F1D7}">
-              <ma14:placeholderFlag xmlns:ma14="http://schemas.microsoft.com/office/mac/drawingml/2011/main" xmlns="" val="1"/>
+              <ma14:placeholderFlag xmlns="" xmlns:ma14="http://schemas.microsoft.com/office/mac/drawingml/2011/main" val="1"/>
             </a:ext>
           </a:extLst>
         </p:spPr>
@@ -6628,14 +6628,14 @@
           <a:noFill/>
           <a:extLst>
             <a:ext uri="{909E8E84-426E-40dd-AFC4-6F175D3DCCD1}">
-              <a14:hiddenFill xmlns:a14="http://schemas.microsoft.com/office/drawing/2010/main" xmlns="">
+              <a14:hiddenFill xmlns="" xmlns:a14="http://schemas.microsoft.com/office/drawing/2010/main">
                 <a:solidFill>
                   <a:srgbClr val="FFFFFF"/>
                 </a:solidFill>
               </a14:hiddenFill>
             </a:ext>
             <a:ext uri="{91240B29-F687-4f45-9708-019B960494DF}">
-              <a14:hiddenLine xmlns:a14="http://schemas.microsoft.com/office/drawing/2010/main" xmlns="" w="9525">
+              <a14:hiddenLine xmlns="" xmlns:a14="http://schemas.microsoft.com/office/drawing/2010/main" w="9525">
                 <a:solidFill>
                   <a:srgbClr val="000000"/>
                 </a:solidFill>
@@ -6708,14 +6708,14 @@
           </a:ln>
           <a:extLst>
             <a:ext uri="{909E8E84-426E-40dd-AFC4-6F175D3DCCD1}">
-              <a14:hiddenFill xmlns:a14="http://schemas.microsoft.com/office/drawing/2010/main" xmlns="">
+              <a14:hiddenFill xmlns="" xmlns:a14="http://schemas.microsoft.com/office/drawing/2010/main">
                 <a:solidFill>
                   <a:srgbClr val="FFFFFF"/>
                 </a:solidFill>
               </a14:hiddenFill>
             </a:ext>
             <a:ext uri="{FAA26D3D-D897-4be2-8F04-BA451C77F1D7}">
-              <ma14:placeholderFlag xmlns:ma14="http://schemas.microsoft.com/office/mac/drawingml/2011/main" xmlns="" val="1"/>
+              <ma14:placeholderFlag xmlns="" xmlns:ma14="http://schemas.microsoft.com/office/mac/drawingml/2011/main" val="1"/>
             </a:ext>
           </a:extLst>
         </p:spPr>
@@ -6734,14 +6734,14 @@
           <a:noFill/>
           <a:extLst>
             <a:ext uri="{909E8E84-426E-40dd-AFC4-6F175D3DCCD1}">
-              <a14:hiddenFill xmlns:a14="http://schemas.microsoft.com/office/drawing/2010/main" xmlns="">
+              <a14:hiddenFill xmlns="" xmlns:a14="http://schemas.microsoft.com/office/drawing/2010/main">
                 <a:solidFill>
                   <a:srgbClr val="FFFFFF"/>
                 </a:solidFill>
               </a14:hiddenFill>
             </a:ext>
             <a:ext uri="{91240B29-F687-4f45-9708-019B960494DF}">
-              <a14:hiddenLine xmlns:a14="http://schemas.microsoft.com/office/drawing/2010/main" xmlns="" w="9525">
+              <a14:hiddenLine xmlns="" xmlns:a14="http://schemas.microsoft.com/office/drawing/2010/main" w="9525">
                 <a:solidFill>
                   <a:srgbClr val="000000"/>
                 </a:solidFill>
@@ -6930,14 +6930,14 @@
           </a:ln>
           <a:extLst>
             <a:ext uri="{909E8E84-426E-40dd-AFC4-6F175D3DCCD1}">
-              <a14:hiddenFill xmlns:a14="http://schemas.microsoft.com/office/drawing/2010/main" xmlns="">
+              <a14:hiddenFill xmlns="" xmlns:a14="http://schemas.microsoft.com/office/drawing/2010/main">
                 <a:solidFill>
                   <a:srgbClr val="FFFFFF"/>
                 </a:solidFill>
               </a14:hiddenFill>
             </a:ext>
             <a:ext uri="{FAA26D3D-D897-4be2-8F04-BA451C77F1D7}">
-              <ma14:placeholderFlag xmlns:ma14="http://schemas.microsoft.com/office/mac/drawingml/2011/main" xmlns="" val="1"/>
+              <ma14:placeholderFlag xmlns="" xmlns:ma14="http://schemas.microsoft.com/office/mac/drawingml/2011/main" val="1"/>
             </a:ext>
           </a:extLst>
         </p:spPr>
@@ -6956,14 +6956,14 @@
           <a:noFill/>
           <a:extLst>
             <a:ext uri="{909E8E84-426E-40dd-AFC4-6F175D3DCCD1}">
-              <a14:hiddenFill xmlns:a14="http://schemas.microsoft.com/office/drawing/2010/main" xmlns="">
+              <a14:hiddenFill xmlns="" xmlns:a14="http://schemas.microsoft.com/office/drawing/2010/main">
                 <a:solidFill>
                   <a:srgbClr val="FFFFFF"/>
                 </a:solidFill>
               </a14:hiddenFill>
             </a:ext>
             <a:ext uri="{91240B29-F687-4f45-9708-019B960494DF}">
-              <a14:hiddenLine xmlns:a14="http://schemas.microsoft.com/office/drawing/2010/main" xmlns="" w="9525">
+              <a14:hiddenLine xmlns="" xmlns:a14="http://schemas.microsoft.com/office/drawing/2010/main" w="9525">
                 <a:solidFill>
                   <a:srgbClr val="000000"/>
                 </a:solidFill>
@@ -7036,14 +7036,14 @@
           </a:ln>
           <a:extLst>
             <a:ext uri="{909E8E84-426E-40dd-AFC4-6F175D3DCCD1}">
-              <a14:hiddenFill xmlns:a14="http://schemas.microsoft.com/office/drawing/2010/main" xmlns="">
+              <a14:hiddenFill xmlns="" xmlns:a14="http://schemas.microsoft.com/office/drawing/2010/main">
                 <a:solidFill>
                   <a:srgbClr val="FFFFFF"/>
                 </a:solidFill>
               </a14:hiddenFill>
             </a:ext>
             <a:ext uri="{FAA26D3D-D897-4be2-8F04-BA451C77F1D7}">
-              <ma14:placeholderFlag xmlns:ma14="http://schemas.microsoft.com/office/mac/drawingml/2011/main" xmlns="" val="1"/>
+              <ma14:placeholderFlag xmlns="" xmlns:ma14="http://schemas.microsoft.com/office/mac/drawingml/2011/main" val="1"/>
             </a:ext>
           </a:extLst>
         </p:spPr>
@@ -7062,14 +7062,14 @@
           <a:noFill/>
           <a:extLst>
             <a:ext uri="{909E8E84-426E-40dd-AFC4-6F175D3DCCD1}">
-              <a14:hiddenFill xmlns:a14="http://schemas.microsoft.com/office/drawing/2010/main" xmlns="">
+              <a14:hiddenFill xmlns="" xmlns:a14="http://schemas.microsoft.com/office/drawing/2010/main">
                 <a:solidFill>
                   <a:srgbClr val="FFFFFF"/>
                 </a:solidFill>
               </a14:hiddenFill>
             </a:ext>
             <a:ext uri="{91240B29-F687-4f45-9708-019B960494DF}">
-              <a14:hiddenLine xmlns:a14="http://schemas.microsoft.com/office/drawing/2010/main" xmlns="" w="9525">
+              <a14:hiddenLine xmlns="" xmlns:a14="http://schemas.microsoft.com/office/drawing/2010/main" w="9525">
                 <a:solidFill>
                   <a:srgbClr val="000000"/>
                 </a:solidFill>
@@ -7142,7 +7142,7 @@
           </a:ln>
           <a:extLst>
             <a:ext uri="{909E8E84-426E-40dd-AFC4-6F175D3DCCD1}">
-              <a14:hiddenFill xmlns:a14="http://schemas.microsoft.com/office/drawing/2010/main" xmlns="">
+              <a14:hiddenFill xmlns="" xmlns:a14="http://schemas.microsoft.com/office/drawing/2010/main">
                 <a:solidFill>
                   <a:srgbClr val="FFFFFF"/>
                 </a:solidFill>
@@ -7165,14 +7165,14 @@
           <a:noFill/>
           <a:extLst>
             <a:ext uri="{909E8E84-426E-40dd-AFC4-6F175D3DCCD1}">
-              <a14:hiddenFill xmlns:a14="http://schemas.microsoft.com/office/drawing/2010/main" xmlns="">
+              <a14:hiddenFill xmlns="" xmlns:a14="http://schemas.microsoft.com/office/drawing/2010/main">
                 <a:solidFill>
                   <a:srgbClr val="FFFFFF"/>
                 </a:solidFill>
               </a14:hiddenFill>
             </a:ext>
             <a:ext uri="{91240B29-F687-4f45-9708-019B960494DF}">
-              <a14:hiddenLine xmlns:a14="http://schemas.microsoft.com/office/drawing/2010/main" xmlns="" w="9525">
+              <a14:hiddenLine xmlns="" xmlns:a14="http://schemas.microsoft.com/office/drawing/2010/main" w="9525">
                 <a:solidFill>
                   <a:srgbClr val="000000"/>
                 </a:solidFill>
@@ -7253,14 +7253,14 @@
           </a:ln>
           <a:extLst>
             <a:ext uri="{909E8E84-426E-40dd-AFC4-6F175D3DCCD1}">
-              <a14:hiddenFill xmlns:a14="http://schemas.microsoft.com/office/drawing/2010/main" xmlns="">
+              <a14:hiddenFill xmlns="" xmlns:a14="http://schemas.microsoft.com/office/drawing/2010/main">
                 <a:solidFill>
                   <a:srgbClr val="FFFFFF"/>
                 </a:solidFill>
               </a14:hiddenFill>
             </a:ext>
             <a:ext uri="{FAA26D3D-D897-4be2-8F04-BA451C77F1D7}">
-              <ma14:placeholderFlag xmlns:ma14="http://schemas.microsoft.com/office/mac/drawingml/2011/main" xmlns="" val="1"/>
+              <ma14:placeholderFlag xmlns="" xmlns:ma14="http://schemas.microsoft.com/office/mac/drawingml/2011/main" val="1"/>
             </a:ext>
           </a:extLst>
         </p:spPr>
@@ -7279,14 +7279,14 @@
           <a:noFill/>
           <a:extLst>
             <a:ext uri="{909E8E84-426E-40dd-AFC4-6F175D3DCCD1}">
-              <a14:hiddenFill xmlns:a14="http://schemas.microsoft.com/office/drawing/2010/main" xmlns="">
+              <a14:hiddenFill xmlns="" xmlns:a14="http://schemas.microsoft.com/office/drawing/2010/main">
                 <a:solidFill>
                   <a:srgbClr val="FFFFFF"/>
                 </a:solidFill>
               </a14:hiddenFill>
             </a:ext>
             <a:ext uri="{91240B29-F687-4f45-9708-019B960494DF}">
-              <a14:hiddenLine xmlns:a14="http://schemas.microsoft.com/office/drawing/2010/main" xmlns="" w="9525">
+              <a14:hiddenLine xmlns="" xmlns:a14="http://schemas.microsoft.com/office/drawing/2010/main" w="9525">
                 <a:solidFill>
                   <a:srgbClr val="000000"/>
                 </a:solidFill>
@@ -7359,14 +7359,14 @@
           </a:ln>
           <a:extLst>
             <a:ext uri="{909E8E84-426E-40dd-AFC4-6F175D3DCCD1}">
-              <a14:hiddenFill xmlns:a14="http://schemas.microsoft.com/office/drawing/2010/main" xmlns="">
+              <a14:hiddenFill xmlns="" xmlns:a14="http://schemas.microsoft.com/office/drawing/2010/main">
                 <a:solidFill>
                   <a:srgbClr val="FFFFFF"/>
                 </a:solidFill>
               </a14:hiddenFill>
             </a:ext>
             <a:ext uri="{FAA26D3D-D897-4be2-8F04-BA451C77F1D7}">
-              <ma14:placeholderFlag xmlns:ma14="http://schemas.microsoft.com/office/mac/drawingml/2011/main" xmlns="" val="1"/>
+              <ma14:placeholderFlag xmlns="" xmlns:ma14="http://schemas.microsoft.com/office/mac/drawingml/2011/main" val="1"/>
             </a:ext>
           </a:extLst>
         </p:spPr>
@@ -7385,14 +7385,14 @@
           <a:noFill/>
           <a:extLst>
             <a:ext uri="{909E8E84-426E-40dd-AFC4-6F175D3DCCD1}">
-              <a14:hiddenFill xmlns:a14="http://schemas.microsoft.com/office/drawing/2010/main" xmlns="">
+              <a14:hiddenFill xmlns="" xmlns:a14="http://schemas.microsoft.com/office/drawing/2010/main">
                 <a:solidFill>
                   <a:srgbClr val="FFFFFF"/>
                 </a:solidFill>
               </a14:hiddenFill>
             </a:ext>
             <a:ext uri="{91240B29-F687-4f45-9708-019B960494DF}">
-              <a14:hiddenLine xmlns:a14="http://schemas.microsoft.com/office/drawing/2010/main" xmlns="" w="9525">
+              <a14:hiddenLine xmlns="" xmlns:a14="http://schemas.microsoft.com/office/drawing/2010/main" w="9525">
                 <a:solidFill>
                   <a:srgbClr val="000000"/>
                 </a:solidFill>
@@ -7465,14 +7465,14 @@
           </a:ln>
           <a:extLst>
             <a:ext uri="{909E8E84-426E-40dd-AFC4-6F175D3DCCD1}">
-              <a14:hiddenFill xmlns:a14="http://schemas.microsoft.com/office/drawing/2010/main" xmlns="">
+              <a14:hiddenFill xmlns="" xmlns:a14="http://schemas.microsoft.com/office/drawing/2010/main">
                 <a:solidFill>
                   <a:srgbClr val="FFFFFF"/>
                 </a:solidFill>
               </a14:hiddenFill>
             </a:ext>
             <a:ext uri="{FAA26D3D-D897-4be2-8F04-BA451C77F1D7}">
-              <ma14:placeholderFlag xmlns:ma14="http://schemas.microsoft.com/office/mac/drawingml/2011/main" xmlns="" val="1"/>
+              <ma14:placeholderFlag xmlns="" xmlns:ma14="http://schemas.microsoft.com/office/mac/drawingml/2011/main" val="1"/>
             </a:ext>
           </a:extLst>
         </p:spPr>
@@ -7491,14 +7491,14 @@
           <a:noFill/>
           <a:extLst>
             <a:ext uri="{909E8E84-426E-40dd-AFC4-6F175D3DCCD1}">
-              <a14:hiddenFill xmlns:a14="http://schemas.microsoft.com/office/drawing/2010/main" xmlns="">
+              <a14:hiddenFill xmlns="" xmlns:a14="http://schemas.microsoft.com/office/drawing/2010/main">
                 <a:solidFill>
                   <a:srgbClr val="FFFFFF"/>
                 </a:solidFill>
               </a14:hiddenFill>
             </a:ext>
             <a:ext uri="{91240B29-F687-4f45-9708-019B960494DF}">
-              <a14:hiddenLine xmlns:a14="http://schemas.microsoft.com/office/drawing/2010/main" xmlns="" w="9525">
+              <a14:hiddenLine xmlns="" xmlns:a14="http://schemas.microsoft.com/office/drawing/2010/main" w="9525">
                 <a:solidFill>
                   <a:srgbClr val="000000"/>
                 </a:solidFill>
@@ -7571,14 +7571,14 @@
           </a:ln>
           <a:extLst>
             <a:ext uri="{909E8E84-426E-40dd-AFC4-6F175D3DCCD1}">
-              <a14:hiddenFill xmlns:a14="http://schemas.microsoft.com/office/drawing/2010/main" xmlns="">
+              <a14:hiddenFill xmlns="" xmlns:a14="http://schemas.microsoft.com/office/drawing/2010/main">
                 <a:solidFill>
                   <a:srgbClr val="FFFFFF"/>
                 </a:solidFill>
               </a14:hiddenFill>
             </a:ext>
             <a:ext uri="{FAA26D3D-D897-4be2-8F04-BA451C77F1D7}">
-              <ma14:placeholderFlag xmlns:ma14="http://schemas.microsoft.com/office/mac/drawingml/2011/main" xmlns="" val="1"/>
+              <ma14:placeholderFlag xmlns="" xmlns:ma14="http://schemas.microsoft.com/office/mac/drawingml/2011/main" val="1"/>
             </a:ext>
           </a:extLst>
         </p:spPr>
@@ -7597,14 +7597,14 @@
           <a:noFill/>
           <a:extLst>
             <a:ext uri="{909E8E84-426E-40dd-AFC4-6F175D3DCCD1}">
-              <a14:hiddenFill xmlns:a14="http://schemas.microsoft.com/office/drawing/2010/main" xmlns="">
+              <a14:hiddenFill xmlns="" xmlns:a14="http://schemas.microsoft.com/office/drawing/2010/main">
                 <a:solidFill>
                   <a:srgbClr val="FFFFFF"/>
                 </a:solidFill>
               </a14:hiddenFill>
             </a:ext>
             <a:ext uri="{91240B29-F687-4f45-9708-019B960494DF}">
-              <a14:hiddenLine xmlns:a14="http://schemas.microsoft.com/office/drawing/2010/main" xmlns="" w="9525">
+              <a14:hiddenLine xmlns="" xmlns:a14="http://schemas.microsoft.com/office/drawing/2010/main" w="9525">
                 <a:solidFill>
                   <a:srgbClr val="000000"/>
                 </a:solidFill>
@@ -7673,14 +7673,14 @@
           </a:ln>
           <a:extLst>
             <a:ext uri="{909E8E84-426E-40dd-AFC4-6F175D3DCCD1}">
-              <a14:hiddenFill xmlns:a14="http://schemas.microsoft.com/office/drawing/2010/main" xmlns="">
+              <a14:hiddenFill xmlns="" xmlns:a14="http://schemas.microsoft.com/office/drawing/2010/main">
                 <a:solidFill>
                   <a:srgbClr val="FFFFFF"/>
                 </a:solidFill>
               </a14:hiddenFill>
             </a:ext>
             <a:ext uri="{FAA26D3D-D897-4be2-8F04-BA451C77F1D7}">
-              <ma14:placeholderFlag xmlns:ma14="http://schemas.microsoft.com/office/mac/drawingml/2011/main" xmlns="" val="1"/>
+              <ma14:placeholderFlag xmlns="" xmlns:ma14="http://schemas.microsoft.com/office/mac/drawingml/2011/main" val="1"/>
             </a:ext>
           </a:extLst>
         </p:spPr>
@@ -7699,14 +7699,14 @@
           <a:noFill/>
           <a:extLst>
             <a:ext uri="{909E8E84-426E-40dd-AFC4-6F175D3DCCD1}">
-              <a14:hiddenFill xmlns:a14="http://schemas.microsoft.com/office/drawing/2010/main" xmlns="">
+              <a14:hiddenFill xmlns="" xmlns:a14="http://schemas.microsoft.com/office/drawing/2010/main">
                 <a:solidFill>
                   <a:srgbClr val="FFFFFF"/>
                 </a:solidFill>
               </a14:hiddenFill>
             </a:ext>
             <a:ext uri="{91240B29-F687-4f45-9708-019B960494DF}">
-              <a14:hiddenLine xmlns:a14="http://schemas.microsoft.com/office/drawing/2010/main" xmlns="" w="9525">
+              <a14:hiddenLine xmlns="" xmlns:a14="http://schemas.microsoft.com/office/drawing/2010/main" w="9525">
                 <a:solidFill>
                   <a:srgbClr val="000000"/>
                 </a:solidFill>
@@ -7806,14 +7806,14 @@
           </a:ln>
           <a:extLst>
             <a:ext uri="{909E8E84-426E-40dd-AFC4-6F175D3DCCD1}">
-              <a14:hiddenFill xmlns:a14="http://schemas.microsoft.com/office/drawing/2010/main" xmlns="">
+              <a14:hiddenFill xmlns="" xmlns:a14="http://schemas.microsoft.com/office/drawing/2010/main">
                 <a:solidFill>
                   <a:srgbClr val="FFFFFF"/>
                 </a:solidFill>
               </a14:hiddenFill>
             </a:ext>
             <a:ext uri="{FAA26D3D-D897-4be2-8F04-BA451C77F1D7}">
-              <ma14:placeholderFlag xmlns:ma14="http://schemas.microsoft.com/office/mac/drawingml/2011/main" xmlns="" val="1"/>
+              <ma14:placeholderFlag xmlns="" xmlns:ma14="http://schemas.microsoft.com/office/mac/drawingml/2011/main" val="1"/>
             </a:ext>
           </a:extLst>
         </p:spPr>
@@ -7832,14 +7832,14 @@
           <a:noFill/>
           <a:extLst>
             <a:ext uri="{909E8E84-426E-40dd-AFC4-6F175D3DCCD1}">
-              <a14:hiddenFill xmlns:a14="http://schemas.microsoft.com/office/drawing/2010/main" xmlns="">
+              <a14:hiddenFill xmlns="" xmlns:a14="http://schemas.microsoft.com/office/drawing/2010/main">
                 <a:solidFill>
                   <a:srgbClr val="FFFFFF"/>
                 </a:solidFill>
               </a14:hiddenFill>
             </a:ext>
             <a:ext uri="{91240B29-F687-4f45-9708-019B960494DF}">
-              <a14:hiddenLine xmlns:a14="http://schemas.microsoft.com/office/drawing/2010/main" xmlns="" w="9525">
+              <a14:hiddenLine xmlns="" xmlns:a14="http://schemas.microsoft.com/office/drawing/2010/main" w="9525">
                 <a:solidFill>
                   <a:srgbClr val="000000"/>
                 </a:solidFill>
@@ -7926,14 +7926,14 @@
           </a:ln>
           <a:extLst>
             <a:ext uri="{909E8E84-426E-40dd-AFC4-6F175D3DCCD1}">
-              <a14:hiddenFill xmlns:a14="http://schemas.microsoft.com/office/drawing/2010/main" xmlns="">
+              <a14:hiddenFill xmlns="" xmlns:a14="http://schemas.microsoft.com/office/drawing/2010/main">
                 <a:solidFill>
                   <a:srgbClr val="FFFFFF"/>
                 </a:solidFill>
               </a14:hiddenFill>
             </a:ext>
             <a:ext uri="{FAA26D3D-D897-4be2-8F04-BA451C77F1D7}">
-              <ma14:placeholderFlag xmlns:ma14="http://schemas.microsoft.com/office/mac/drawingml/2011/main" xmlns="" val="1"/>
+              <ma14:placeholderFlag xmlns="" xmlns:ma14="http://schemas.microsoft.com/office/mac/drawingml/2011/main" val="1"/>
             </a:ext>
           </a:extLst>
         </p:spPr>
@@ -7952,14 +7952,14 @@
           <a:noFill/>
           <a:extLst>
             <a:ext uri="{909E8E84-426E-40dd-AFC4-6F175D3DCCD1}">
-              <a14:hiddenFill xmlns:a14="http://schemas.microsoft.com/office/drawing/2010/main" xmlns="">
+              <a14:hiddenFill xmlns="" xmlns:a14="http://schemas.microsoft.com/office/drawing/2010/main">
                 <a:solidFill>
                   <a:srgbClr val="FFFFFF"/>
                 </a:solidFill>
               </a14:hiddenFill>
             </a:ext>
             <a:ext uri="{91240B29-F687-4f45-9708-019B960494DF}">
-              <a14:hiddenLine xmlns:a14="http://schemas.microsoft.com/office/drawing/2010/main" xmlns="" w="9525">
+              <a14:hiddenLine xmlns="" xmlns:a14="http://schemas.microsoft.com/office/drawing/2010/main" w="9525">
                 <a:solidFill>
                   <a:srgbClr val="000000"/>
                 </a:solidFill>
@@ -8040,14 +8040,14 @@
           </a:ln>
           <a:extLst>
             <a:ext uri="{909E8E84-426E-40dd-AFC4-6F175D3DCCD1}">
-              <a14:hiddenFill xmlns:a14="http://schemas.microsoft.com/office/drawing/2010/main" xmlns="">
+              <a14:hiddenFill xmlns="" xmlns:a14="http://schemas.microsoft.com/office/drawing/2010/main">
                 <a:solidFill>
                   <a:srgbClr val="FFFFFF"/>
                 </a:solidFill>
               </a14:hiddenFill>
             </a:ext>
             <a:ext uri="{FAA26D3D-D897-4be2-8F04-BA451C77F1D7}">
-              <ma14:placeholderFlag xmlns:ma14="http://schemas.microsoft.com/office/mac/drawingml/2011/main" xmlns="" val="1"/>
+              <ma14:placeholderFlag xmlns="" xmlns:ma14="http://schemas.microsoft.com/office/mac/drawingml/2011/main" val="1"/>
             </a:ext>
           </a:extLst>
         </p:spPr>
@@ -8066,14 +8066,14 @@
           <a:noFill/>
           <a:extLst>
             <a:ext uri="{909E8E84-426E-40dd-AFC4-6F175D3DCCD1}">
-              <a14:hiddenFill xmlns:a14="http://schemas.microsoft.com/office/drawing/2010/main" xmlns="">
+              <a14:hiddenFill xmlns="" xmlns:a14="http://schemas.microsoft.com/office/drawing/2010/main">
                 <a:solidFill>
                   <a:srgbClr val="FFFFFF"/>
                 </a:solidFill>
               </a14:hiddenFill>
             </a:ext>
             <a:ext uri="{91240B29-F687-4f45-9708-019B960494DF}">
-              <a14:hiddenLine xmlns:a14="http://schemas.microsoft.com/office/drawing/2010/main" xmlns="" w="9525">
+              <a14:hiddenLine xmlns="" xmlns:a14="http://schemas.microsoft.com/office/drawing/2010/main" w="9525">
                 <a:solidFill>
                   <a:srgbClr val="000000"/>
                 </a:solidFill>
@@ -8160,14 +8160,14 @@
           </a:ln>
           <a:extLst>
             <a:ext uri="{909E8E84-426E-40dd-AFC4-6F175D3DCCD1}">
-              <a14:hiddenFill xmlns:a14="http://schemas.microsoft.com/office/drawing/2010/main" xmlns="">
+              <a14:hiddenFill xmlns="" xmlns:a14="http://schemas.microsoft.com/office/drawing/2010/main">
                 <a:solidFill>
                   <a:srgbClr val="FFFFFF"/>
                 </a:solidFill>
               </a14:hiddenFill>
             </a:ext>
             <a:ext uri="{FAA26D3D-D897-4be2-8F04-BA451C77F1D7}">
-              <ma14:placeholderFlag xmlns:ma14="http://schemas.microsoft.com/office/mac/drawingml/2011/main" xmlns="" val="1"/>
+              <ma14:placeholderFlag xmlns="" xmlns:ma14="http://schemas.microsoft.com/office/mac/drawingml/2011/main" val="1"/>
             </a:ext>
           </a:extLst>
         </p:spPr>
@@ -8186,14 +8186,14 @@
           <a:noFill/>
           <a:extLst>
             <a:ext uri="{909E8E84-426E-40dd-AFC4-6F175D3DCCD1}">
-              <a14:hiddenFill xmlns:a14="http://schemas.microsoft.com/office/drawing/2010/main" xmlns="">
+              <a14:hiddenFill xmlns="" xmlns:a14="http://schemas.microsoft.com/office/drawing/2010/main">
                 <a:solidFill>
                   <a:srgbClr val="FFFFFF"/>
                 </a:solidFill>
               </a14:hiddenFill>
             </a:ext>
             <a:ext uri="{91240B29-F687-4f45-9708-019B960494DF}">
-              <a14:hiddenLine xmlns:a14="http://schemas.microsoft.com/office/drawing/2010/main" xmlns="" w="9525">
+              <a14:hiddenLine xmlns="" xmlns:a14="http://schemas.microsoft.com/office/drawing/2010/main" w="9525">
                 <a:solidFill>
                   <a:srgbClr val="000000"/>
                 </a:solidFill>
@@ -8295,7 +8295,7 @@
           </a:ln>
           <a:extLst>
             <a:ext uri="{909E8E84-426E-40dd-AFC4-6F175D3DCCD1}">
-              <a14:hiddenFill xmlns:a14="http://schemas.microsoft.com/office/drawing/2010/main" xmlns="">
+              <a14:hiddenFill xmlns="" xmlns:a14="http://schemas.microsoft.com/office/drawing/2010/main">
                 <a:solidFill>
                   <a:srgbClr val="FFFFFF"/>
                 </a:solidFill>
@@ -8318,14 +8318,14 @@
           <a:noFill/>
           <a:extLst>
             <a:ext uri="{909E8E84-426E-40dd-AFC4-6F175D3DCCD1}">
-              <a14:hiddenFill xmlns:a14="http://schemas.microsoft.com/office/drawing/2010/main" xmlns="">
+              <a14:hiddenFill xmlns="" xmlns:a14="http://schemas.microsoft.com/office/drawing/2010/main">
                 <a:solidFill>
                   <a:srgbClr val="FFFFFF"/>
                 </a:solidFill>
               </a14:hiddenFill>
             </a:ext>
             <a:ext uri="{91240B29-F687-4f45-9708-019B960494DF}">
-              <a14:hiddenLine xmlns:a14="http://schemas.microsoft.com/office/drawing/2010/main" xmlns="" w="9525">
+              <a14:hiddenLine xmlns="" xmlns:a14="http://schemas.microsoft.com/office/drawing/2010/main" w="9525">
                 <a:solidFill>
                   <a:srgbClr val="000000"/>
                 </a:solidFill>
@@ -8448,7 +8448,7 @@
           </a:ln>
           <a:extLst>
             <a:ext uri="{909E8E84-426E-40dd-AFC4-6F175D3DCCD1}">
-              <a14:hiddenFill xmlns:a14="http://schemas.microsoft.com/office/drawing/2010/main" xmlns="">
+              <a14:hiddenFill xmlns="" xmlns:a14="http://schemas.microsoft.com/office/drawing/2010/main">
                 <a:solidFill>
                   <a:srgbClr val="FFFFFF"/>
                 </a:solidFill>
@@ -8471,14 +8471,14 @@
           <a:noFill/>
           <a:extLst>
             <a:ext uri="{909E8E84-426E-40dd-AFC4-6F175D3DCCD1}">
-              <a14:hiddenFill xmlns:a14="http://schemas.microsoft.com/office/drawing/2010/main" xmlns="">
+              <a14:hiddenFill xmlns="" xmlns:a14="http://schemas.microsoft.com/office/drawing/2010/main">
                 <a:solidFill>
                   <a:srgbClr val="FFFFFF"/>
                 </a:solidFill>
               </a14:hiddenFill>
             </a:ext>
             <a:ext uri="{91240B29-F687-4f45-9708-019B960494DF}">
-              <a14:hiddenLine xmlns:a14="http://schemas.microsoft.com/office/drawing/2010/main" xmlns="" w="9525">
+              <a14:hiddenLine xmlns="" xmlns:a14="http://schemas.microsoft.com/office/drawing/2010/main" w="9525">
                 <a:solidFill>
                   <a:srgbClr val="000000"/>
                 </a:solidFill>
@@ -10958,14 +10958,14 @@
           </a:ln>
           <a:extLst>
             <a:ext uri="{909E8E84-426E-40dd-AFC4-6F175D3DCCD1}">
-              <a14:hiddenFill xmlns:a14="http://schemas.microsoft.com/office/drawing/2010/main" xmlns="">
+              <a14:hiddenFill xmlns="" xmlns:a14="http://schemas.microsoft.com/office/drawing/2010/main">
                 <a:solidFill>
                   <a:srgbClr val="FFFFFF"/>
                 </a:solidFill>
               </a14:hiddenFill>
             </a:ext>
             <a:ext uri="{91240B29-F687-4f45-9708-019B960494DF}">
-              <a14:hiddenLine xmlns:a14="http://schemas.microsoft.com/office/drawing/2010/main" xmlns="" w="9525">
+              <a14:hiddenLine xmlns="" xmlns:a14="http://schemas.microsoft.com/office/drawing/2010/main" w="9525">
                 <a:solidFill>
                   <a:srgbClr val="000000"/>
                 </a:solidFill>
@@ -11016,14 +11016,14 @@
           </a:ln>
           <a:extLst>
             <a:ext uri="{909E8E84-426E-40dd-AFC4-6F175D3DCCD1}">
-              <a14:hiddenFill xmlns:a14="http://schemas.microsoft.com/office/drawing/2010/main" xmlns="">
+              <a14:hiddenFill xmlns="" xmlns:a14="http://schemas.microsoft.com/office/drawing/2010/main">
                 <a:solidFill>
                   <a:srgbClr val="FFFFFF"/>
                 </a:solidFill>
               </a14:hiddenFill>
             </a:ext>
             <a:ext uri="{91240B29-F687-4f45-9708-019B960494DF}">
-              <a14:hiddenLine xmlns:a14="http://schemas.microsoft.com/office/drawing/2010/main" xmlns="" w="9525">
+              <a14:hiddenLine xmlns="" xmlns:a14="http://schemas.microsoft.com/office/drawing/2010/main" w="9525">
                 <a:solidFill>
                   <a:srgbClr val="000000"/>
                 </a:solidFill>
@@ -11514,14 +11514,14 @@
           </a:ln>
           <a:extLst>
             <a:ext uri="{909E8E84-426E-40dd-AFC4-6F175D3DCCD1}">
-              <a14:hiddenFill xmlns:a14="http://schemas.microsoft.com/office/drawing/2010/main" xmlns="">
+              <a14:hiddenFill xmlns="" xmlns:a14="http://schemas.microsoft.com/office/drawing/2010/main">
                 <a:solidFill>
                   <a:srgbClr val="FFFFFF"/>
                 </a:solidFill>
               </a14:hiddenFill>
             </a:ext>
             <a:ext uri="{91240B29-F687-4f45-9708-019B960494DF}">
-              <a14:hiddenLine xmlns:a14="http://schemas.microsoft.com/office/drawing/2010/main" xmlns="" w="9525">
+              <a14:hiddenLine xmlns="" xmlns:a14="http://schemas.microsoft.com/office/drawing/2010/main" w="9525">
                 <a:solidFill>
                   <a:srgbClr val="000000"/>
                 </a:solidFill>
@@ -11572,14 +11572,14 @@
           </a:ln>
           <a:extLst>
             <a:ext uri="{909E8E84-426E-40dd-AFC4-6F175D3DCCD1}">
-              <a14:hiddenFill xmlns:a14="http://schemas.microsoft.com/office/drawing/2010/main" xmlns="">
+              <a14:hiddenFill xmlns="" xmlns:a14="http://schemas.microsoft.com/office/drawing/2010/main">
                 <a:solidFill>
                   <a:srgbClr val="FFFFFF"/>
                 </a:solidFill>
               </a14:hiddenFill>
             </a:ext>
             <a:ext uri="{91240B29-F687-4f45-9708-019B960494DF}">
-              <a14:hiddenLine xmlns:a14="http://schemas.microsoft.com/office/drawing/2010/main" xmlns="" w="9525">
+              <a14:hiddenLine xmlns="" xmlns:a14="http://schemas.microsoft.com/office/drawing/2010/main" w="9525">
                 <a:solidFill>
                   <a:srgbClr val="000000"/>
                 </a:solidFill>
@@ -12278,14 +12278,14 @@
           </a:ln>
           <a:extLst>
             <a:ext uri="{909E8E84-426E-40dd-AFC4-6F175D3DCCD1}">
-              <a14:hiddenFill xmlns:a14="http://schemas.microsoft.com/office/drawing/2010/main" xmlns="">
+              <a14:hiddenFill xmlns="" xmlns:a14="http://schemas.microsoft.com/office/drawing/2010/main">
                 <a:solidFill>
                   <a:srgbClr val="FFFFFF"/>
                 </a:solidFill>
               </a14:hiddenFill>
             </a:ext>
             <a:ext uri="{91240B29-F687-4f45-9708-019B960494DF}">
-              <a14:hiddenLine xmlns:a14="http://schemas.microsoft.com/office/drawing/2010/main" xmlns="" w="9525">
+              <a14:hiddenLine xmlns="" xmlns:a14="http://schemas.microsoft.com/office/drawing/2010/main" w="9525">
                 <a:solidFill>
                   <a:srgbClr val="000000"/>
                 </a:solidFill>
@@ -12450,14 +12450,14 @@
           </a:ln>
           <a:extLst>
             <a:ext uri="{909E8E84-426E-40dd-AFC4-6F175D3DCCD1}">
-              <a14:hiddenFill xmlns:a14="http://schemas.microsoft.com/office/drawing/2010/main" xmlns="">
+              <a14:hiddenFill xmlns="" xmlns:a14="http://schemas.microsoft.com/office/drawing/2010/main">
                 <a:solidFill>
                   <a:srgbClr val="FFFFFF"/>
                 </a:solidFill>
               </a14:hiddenFill>
             </a:ext>
             <a:ext uri="{91240B29-F687-4f45-9708-019B960494DF}">
-              <a14:hiddenLine xmlns:a14="http://schemas.microsoft.com/office/drawing/2010/main" xmlns="" w="9525">
+              <a14:hiddenLine xmlns="" xmlns:a14="http://schemas.microsoft.com/office/drawing/2010/main" w="9525">
                 <a:solidFill>
                   <a:srgbClr val="000000"/>
                 </a:solidFill>
@@ -14066,14 +14066,14 @@
           </a:ln>
           <a:extLst>
             <a:ext uri="{909E8E84-426E-40dd-AFC4-6F175D3DCCD1}">
-              <a14:hiddenFill xmlns:a14="http://schemas.microsoft.com/office/drawing/2010/main" xmlns="">
+              <a14:hiddenFill xmlns="" xmlns:a14="http://schemas.microsoft.com/office/drawing/2010/main">
                 <a:solidFill>
                   <a:srgbClr val="FFFFFF"/>
                 </a:solidFill>
               </a14:hiddenFill>
             </a:ext>
             <a:ext uri="{91240B29-F687-4f45-9708-019B960494DF}">
-              <a14:hiddenLine xmlns:a14="http://schemas.microsoft.com/office/drawing/2010/main" xmlns="" w="9525">
+              <a14:hiddenLine xmlns="" xmlns:a14="http://schemas.microsoft.com/office/drawing/2010/main" w="9525">
                 <a:solidFill>
                   <a:srgbClr val="000000"/>
                 </a:solidFill>
@@ -14393,14 +14393,14 @@
           </a:ln>
           <a:extLst>
             <a:ext uri="{909E8E84-426E-40dd-AFC4-6F175D3DCCD1}">
-              <a14:hiddenFill xmlns:a14="http://schemas.microsoft.com/office/drawing/2010/main" xmlns="">
+              <a14:hiddenFill xmlns="" xmlns:a14="http://schemas.microsoft.com/office/drawing/2010/main">
                 <a:solidFill>
                   <a:srgbClr val="FFFFFF"/>
                 </a:solidFill>
               </a14:hiddenFill>
             </a:ext>
             <a:ext uri="{91240B29-F687-4f45-9708-019B960494DF}">
-              <a14:hiddenLine xmlns:a14="http://schemas.microsoft.com/office/drawing/2010/main" xmlns="" w="9525">
+              <a14:hiddenLine xmlns="" xmlns:a14="http://schemas.microsoft.com/office/drawing/2010/main" w="9525">
                 <a:solidFill>
                   <a:srgbClr val="000000"/>
                 </a:solidFill>
@@ -14566,14 +14566,14 @@
           </a:ln>
           <a:extLst>
             <a:ext uri="{909E8E84-426E-40dd-AFC4-6F175D3DCCD1}">
-              <a14:hiddenFill xmlns:a14="http://schemas.microsoft.com/office/drawing/2010/main" xmlns="">
+              <a14:hiddenFill xmlns="" xmlns:a14="http://schemas.microsoft.com/office/drawing/2010/main">
                 <a:solidFill>
                   <a:srgbClr val="FFFFFF"/>
                 </a:solidFill>
               </a14:hiddenFill>
             </a:ext>
             <a:ext uri="{91240B29-F687-4f45-9708-019B960494DF}">
-              <a14:hiddenLine xmlns:a14="http://schemas.microsoft.com/office/drawing/2010/main" xmlns="" w="9525">
+              <a14:hiddenLine xmlns="" xmlns:a14="http://schemas.microsoft.com/office/drawing/2010/main" w="9525">
                 <a:solidFill>
                   <a:srgbClr val="000000"/>
                 </a:solidFill>
@@ -14739,14 +14739,14 @@
           </a:ln>
           <a:extLst>
             <a:ext uri="{909E8E84-426E-40dd-AFC4-6F175D3DCCD1}">
-              <a14:hiddenFill xmlns:a14="http://schemas.microsoft.com/office/drawing/2010/main" xmlns="">
+              <a14:hiddenFill xmlns="" xmlns:a14="http://schemas.microsoft.com/office/drawing/2010/main">
                 <a:solidFill>
                   <a:srgbClr val="FFFFFF"/>
                 </a:solidFill>
               </a14:hiddenFill>
             </a:ext>
             <a:ext uri="{91240B29-F687-4f45-9708-019B960494DF}">
-              <a14:hiddenLine xmlns:a14="http://schemas.microsoft.com/office/drawing/2010/main" xmlns="" w="9525">
+              <a14:hiddenLine xmlns="" xmlns:a14="http://schemas.microsoft.com/office/drawing/2010/main" w="9525">
                 <a:solidFill>
                   <a:srgbClr val="000000"/>
                 </a:solidFill>
@@ -14912,14 +14912,14 @@
           </a:ln>
           <a:extLst>
             <a:ext uri="{909E8E84-426E-40dd-AFC4-6F175D3DCCD1}">
-              <a14:hiddenFill xmlns:a14="http://schemas.microsoft.com/office/drawing/2010/main" xmlns="">
+              <a14:hiddenFill xmlns="" xmlns:a14="http://schemas.microsoft.com/office/drawing/2010/main">
                 <a:solidFill>
                   <a:srgbClr val="FFFFFF"/>
                 </a:solidFill>
               </a14:hiddenFill>
             </a:ext>
             <a:ext uri="{91240B29-F687-4f45-9708-019B960494DF}">
-              <a14:hiddenLine xmlns:a14="http://schemas.microsoft.com/office/drawing/2010/main" xmlns="" w="9525">
+              <a14:hiddenLine xmlns="" xmlns:a14="http://schemas.microsoft.com/office/drawing/2010/main" w="9525">
                 <a:solidFill>
                   <a:srgbClr val="000000"/>
                 </a:solidFill>
@@ -15105,14 +15105,14 @@
           </a:ln>
           <a:extLst>
             <a:ext uri="{909E8E84-426E-40dd-AFC4-6F175D3DCCD1}">
-              <a14:hiddenFill xmlns:a14="http://schemas.microsoft.com/office/drawing/2010/main" xmlns="">
+              <a14:hiddenFill xmlns="" xmlns:a14="http://schemas.microsoft.com/office/drawing/2010/main">
                 <a:solidFill>
                   <a:srgbClr val="FFFFFF"/>
                 </a:solidFill>
               </a14:hiddenFill>
             </a:ext>
             <a:ext uri="{91240B29-F687-4f45-9708-019B960494DF}">
-              <a14:hiddenLine xmlns:a14="http://schemas.microsoft.com/office/drawing/2010/main" xmlns="" w="9525">
+              <a14:hiddenLine xmlns="" xmlns:a14="http://schemas.microsoft.com/office/drawing/2010/main" w="9525">
                 <a:solidFill>
                   <a:srgbClr val="000000"/>
                 </a:solidFill>
@@ -16411,14 +16411,14 @@
           </a:ln>
           <a:extLst>
             <a:ext uri="{909E8E84-426E-40dd-AFC4-6F175D3DCCD1}">
-              <a14:hiddenFill xmlns:a14="http://schemas.microsoft.com/office/drawing/2010/main" xmlns="">
+              <a14:hiddenFill xmlns="" xmlns:a14="http://schemas.microsoft.com/office/drawing/2010/main">
                 <a:solidFill>
                   <a:srgbClr val="FFFFFF"/>
                 </a:solidFill>
               </a14:hiddenFill>
             </a:ext>
             <a:ext uri="{91240B29-F687-4f45-9708-019B960494DF}">
-              <a14:hiddenLine xmlns:a14="http://schemas.microsoft.com/office/drawing/2010/main" xmlns="" w="9525">
+              <a14:hiddenLine xmlns="" xmlns:a14="http://schemas.microsoft.com/office/drawing/2010/main" w="9525">
                 <a:solidFill>
                   <a:srgbClr val="000000"/>
                 </a:solidFill>
@@ -16465,14 +16465,14 @@
           </a:ln>
           <a:extLst>
             <a:ext uri="{909E8E84-426E-40dd-AFC4-6F175D3DCCD1}">
-              <a14:hiddenFill xmlns:a14="http://schemas.microsoft.com/office/drawing/2010/main" xmlns="">
+              <a14:hiddenFill xmlns="" xmlns:a14="http://schemas.microsoft.com/office/drawing/2010/main">
                 <a:solidFill>
                   <a:srgbClr val="FFFFFF"/>
                 </a:solidFill>
               </a14:hiddenFill>
             </a:ext>
             <a:ext uri="{91240B29-F687-4f45-9708-019B960494DF}">
-              <a14:hiddenLine xmlns:a14="http://schemas.microsoft.com/office/drawing/2010/main" xmlns="" w="9525">
+              <a14:hiddenLine xmlns="" xmlns:a14="http://schemas.microsoft.com/office/drawing/2010/main" w="9525">
                 <a:solidFill>
                   <a:srgbClr val="000000"/>
                 </a:solidFill>
@@ -16519,14 +16519,14 @@
           </a:ln>
           <a:extLst>
             <a:ext uri="{909E8E84-426E-40dd-AFC4-6F175D3DCCD1}">
-              <a14:hiddenFill xmlns:a14="http://schemas.microsoft.com/office/drawing/2010/main" xmlns="">
+              <a14:hiddenFill xmlns="" xmlns:a14="http://schemas.microsoft.com/office/drawing/2010/main">
                 <a:solidFill>
                   <a:srgbClr val="FFFFFF"/>
                 </a:solidFill>
               </a14:hiddenFill>
             </a:ext>
             <a:ext uri="{91240B29-F687-4f45-9708-019B960494DF}">
-              <a14:hiddenLine xmlns:a14="http://schemas.microsoft.com/office/drawing/2010/main" xmlns="" w="9525">
+              <a14:hiddenLine xmlns="" xmlns:a14="http://schemas.microsoft.com/office/drawing/2010/main" w="9525">
                 <a:solidFill>
                   <a:srgbClr val="000000"/>
                 </a:solidFill>
@@ -16573,14 +16573,14 @@
           </a:ln>
           <a:extLst>
             <a:ext uri="{909E8E84-426E-40dd-AFC4-6F175D3DCCD1}">
-              <a14:hiddenFill xmlns:a14="http://schemas.microsoft.com/office/drawing/2010/main" xmlns="">
+              <a14:hiddenFill xmlns="" xmlns:a14="http://schemas.microsoft.com/office/drawing/2010/main">
                 <a:solidFill>
                   <a:srgbClr val="FFFFFF"/>
                 </a:solidFill>
               </a14:hiddenFill>
             </a:ext>
             <a:ext uri="{91240B29-F687-4f45-9708-019B960494DF}">
-              <a14:hiddenLine xmlns:a14="http://schemas.microsoft.com/office/drawing/2010/main" xmlns="" w="9525">
+              <a14:hiddenLine xmlns="" xmlns:a14="http://schemas.microsoft.com/office/drawing/2010/main" w="9525">
                 <a:solidFill>
                   <a:srgbClr val="000000"/>
                 </a:solidFill>
@@ -17402,14 +17402,14 @@
           </a:ln>
           <a:extLst>
             <a:ext uri="{909E8E84-426E-40dd-AFC4-6F175D3DCCD1}">
-              <a14:hiddenFill xmlns:a14="http://schemas.microsoft.com/office/drawing/2010/main" xmlns="">
+              <a14:hiddenFill xmlns="" xmlns:a14="http://schemas.microsoft.com/office/drawing/2010/main">
                 <a:solidFill>
                   <a:srgbClr val="FFFFFF"/>
                 </a:solidFill>
               </a14:hiddenFill>
             </a:ext>
             <a:ext uri="{91240B29-F687-4f45-9708-019B960494DF}">
-              <a14:hiddenLine xmlns:a14="http://schemas.microsoft.com/office/drawing/2010/main" xmlns="" w="9525">
+              <a14:hiddenLine xmlns="" xmlns:a14="http://schemas.microsoft.com/office/drawing/2010/main" w="9525">
                 <a:solidFill>
                   <a:srgbClr val="000000"/>
                 </a:solidFill>
@@ -17456,14 +17456,14 @@
           </a:ln>
           <a:extLst>
             <a:ext uri="{909E8E84-426E-40dd-AFC4-6F175D3DCCD1}">
-              <a14:hiddenFill xmlns:a14="http://schemas.microsoft.com/office/drawing/2010/main" xmlns="">
+              <a14:hiddenFill xmlns="" xmlns:a14="http://schemas.microsoft.com/office/drawing/2010/main">
                 <a:solidFill>
                   <a:srgbClr val="FFFFFF"/>
                 </a:solidFill>
               </a14:hiddenFill>
             </a:ext>
             <a:ext uri="{91240B29-F687-4f45-9708-019B960494DF}">
-              <a14:hiddenLine xmlns:a14="http://schemas.microsoft.com/office/drawing/2010/main" xmlns="" w="9525">
+              <a14:hiddenLine xmlns="" xmlns:a14="http://schemas.microsoft.com/office/drawing/2010/main" w="9525">
                 <a:solidFill>
                   <a:srgbClr val="000000"/>
                 </a:solidFill>
@@ -17510,14 +17510,14 @@
           </a:ln>
           <a:extLst>
             <a:ext uri="{909E8E84-426E-40dd-AFC4-6F175D3DCCD1}">
-              <a14:hiddenFill xmlns:a14="http://schemas.microsoft.com/office/drawing/2010/main" xmlns="">
+              <a14:hiddenFill xmlns="" xmlns:a14="http://schemas.microsoft.com/office/drawing/2010/main">
                 <a:solidFill>
                   <a:srgbClr val="FFFFFF"/>
                 </a:solidFill>
               </a14:hiddenFill>
             </a:ext>
             <a:ext uri="{91240B29-F687-4f45-9708-019B960494DF}">
-              <a14:hiddenLine xmlns:a14="http://schemas.microsoft.com/office/drawing/2010/main" xmlns="" w="9525">
+              <a14:hiddenLine xmlns="" xmlns:a14="http://schemas.microsoft.com/office/drawing/2010/main" w="9525">
                 <a:solidFill>
                   <a:srgbClr val="000000"/>
                 </a:solidFill>
@@ -17564,14 +17564,14 @@
           </a:ln>
           <a:extLst>
             <a:ext uri="{909E8E84-426E-40dd-AFC4-6F175D3DCCD1}">
-              <a14:hiddenFill xmlns:a14="http://schemas.microsoft.com/office/drawing/2010/main" xmlns="">
+              <a14:hiddenFill xmlns="" xmlns:a14="http://schemas.microsoft.com/office/drawing/2010/main">
                 <a:solidFill>
                   <a:srgbClr val="FFFFFF"/>
                 </a:solidFill>
               </a14:hiddenFill>
             </a:ext>
             <a:ext uri="{91240B29-F687-4f45-9708-019B960494DF}">
-              <a14:hiddenLine xmlns:a14="http://schemas.microsoft.com/office/drawing/2010/main" xmlns="" w="9525">
+              <a14:hiddenLine xmlns="" xmlns:a14="http://schemas.microsoft.com/office/drawing/2010/main" w="9525">
                 <a:solidFill>
                   <a:srgbClr val="000000"/>
                 </a:solidFill>
@@ -17618,14 +17618,14 @@
           </a:ln>
           <a:extLst>
             <a:ext uri="{909E8E84-426E-40dd-AFC4-6F175D3DCCD1}">
-              <a14:hiddenFill xmlns:a14="http://schemas.microsoft.com/office/drawing/2010/main" xmlns="">
+              <a14:hiddenFill xmlns="" xmlns:a14="http://schemas.microsoft.com/office/drawing/2010/main">
                 <a:solidFill>
                   <a:srgbClr val="FFFFFF"/>
                 </a:solidFill>
               </a14:hiddenFill>
             </a:ext>
             <a:ext uri="{91240B29-F687-4f45-9708-019B960494DF}">
-              <a14:hiddenLine xmlns:a14="http://schemas.microsoft.com/office/drawing/2010/main" xmlns="" w="9525">
+              <a14:hiddenLine xmlns="" xmlns:a14="http://schemas.microsoft.com/office/drawing/2010/main" w="9525">
                 <a:solidFill>
                   <a:srgbClr val="000000"/>
                 </a:solidFill>
@@ -18184,14 +18184,14 @@
           </a:ln>
           <a:extLst>
             <a:ext uri="{909E8E84-426E-40dd-AFC4-6F175D3DCCD1}">
-              <a14:hiddenFill xmlns:a14="http://schemas.microsoft.com/office/drawing/2010/main" xmlns="">
+              <a14:hiddenFill xmlns="" xmlns:a14="http://schemas.microsoft.com/office/drawing/2010/main">
                 <a:solidFill>
                   <a:srgbClr val="FFFFFF"/>
                 </a:solidFill>
               </a14:hiddenFill>
             </a:ext>
             <a:ext uri="{91240B29-F687-4f45-9708-019B960494DF}">
-              <a14:hiddenLine xmlns:a14="http://schemas.microsoft.com/office/drawing/2010/main" xmlns="" w="9525">
+              <a14:hiddenLine xmlns="" xmlns:a14="http://schemas.microsoft.com/office/drawing/2010/main" w="9525">
                 <a:solidFill>
                   <a:srgbClr val="000000"/>
                 </a:solidFill>
@@ -19340,14 +19340,14 @@
           </a:ln>
           <a:extLst>
             <a:ext uri="{909E8E84-426E-40dd-AFC4-6F175D3DCCD1}">
-              <a14:hiddenFill xmlns:a14="http://schemas.microsoft.com/office/drawing/2010/main" xmlns="">
+              <a14:hiddenFill xmlns="" xmlns:a14="http://schemas.microsoft.com/office/drawing/2010/main">
                 <a:solidFill>
                   <a:srgbClr val="FFFFFF"/>
                 </a:solidFill>
               </a14:hiddenFill>
             </a:ext>
             <a:ext uri="{91240B29-F687-4f45-9708-019B960494DF}">
-              <a14:hiddenLine xmlns:a14="http://schemas.microsoft.com/office/drawing/2010/main" xmlns="" w="9525">
+              <a14:hiddenLine xmlns="" xmlns:a14="http://schemas.microsoft.com/office/drawing/2010/main" w="9525">
                 <a:solidFill>
                   <a:srgbClr val="000000"/>
                 </a:solidFill>
@@ -19676,14 +19676,14 @@
           </a:ln>
           <a:extLst>
             <a:ext uri="{909E8E84-426E-40dd-AFC4-6F175D3DCCD1}">
-              <a14:hiddenFill xmlns:a14="http://schemas.microsoft.com/office/drawing/2010/main" xmlns="">
+              <a14:hiddenFill xmlns="" xmlns:a14="http://schemas.microsoft.com/office/drawing/2010/main">
                 <a:solidFill>
                   <a:srgbClr val="FFFFFF"/>
                 </a:solidFill>
               </a14:hiddenFill>
             </a:ext>
             <a:ext uri="{91240B29-F687-4f45-9708-019B960494DF}">
-              <a14:hiddenLine xmlns:a14="http://schemas.microsoft.com/office/drawing/2010/main" xmlns="" w="9525">
+              <a14:hiddenLine xmlns="" xmlns:a14="http://schemas.microsoft.com/office/drawing/2010/main" w="9525">
                 <a:solidFill>
                   <a:srgbClr val="000000"/>
                 </a:solidFill>
@@ -20026,14 +20026,14 @@
           </a:ln>
           <a:extLst>
             <a:ext uri="{909E8E84-426E-40dd-AFC4-6F175D3DCCD1}">
-              <a14:hiddenFill xmlns:a14="http://schemas.microsoft.com/office/drawing/2010/main" xmlns="">
+              <a14:hiddenFill xmlns="" xmlns:a14="http://schemas.microsoft.com/office/drawing/2010/main">
                 <a:solidFill>
                   <a:srgbClr val="FFFFFF"/>
                 </a:solidFill>
               </a14:hiddenFill>
             </a:ext>
             <a:ext uri="{91240B29-F687-4f45-9708-019B960494DF}">
-              <a14:hiddenLine xmlns:a14="http://schemas.microsoft.com/office/drawing/2010/main" xmlns="" w="9525">
+              <a14:hiddenLine xmlns="" xmlns:a14="http://schemas.microsoft.com/office/drawing/2010/main" w="9525">
                 <a:solidFill>
                   <a:srgbClr val="000000"/>
                 </a:solidFill>
@@ -20333,14 +20333,14 @@
           </a:ln>
           <a:extLst>
             <a:ext uri="{909E8E84-426E-40dd-AFC4-6F175D3DCCD1}">
-              <a14:hiddenFill xmlns:a14="http://schemas.microsoft.com/office/drawing/2010/main" xmlns="">
+              <a14:hiddenFill xmlns="" xmlns:a14="http://schemas.microsoft.com/office/drawing/2010/main">
                 <a:solidFill>
                   <a:srgbClr val="FFFFFF"/>
                 </a:solidFill>
               </a14:hiddenFill>
             </a:ext>
             <a:ext uri="{91240B29-F687-4f45-9708-019B960494DF}">
-              <a14:hiddenLine xmlns:a14="http://schemas.microsoft.com/office/drawing/2010/main" xmlns="" w="9525">
+              <a14:hiddenLine xmlns="" xmlns:a14="http://schemas.microsoft.com/office/drawing/2010/main" w="9525">
                 <a:solidFill>
                   <a:srgbClr val="000000"/>
                 </a:solidFill>
@@ -20549,14 +20549,14 @@
           </a:ln>
           <a:extLst>
             <a:ext uri="{909E8E84-426E-40dd-AFC4-6F175D3DCCD1}">
-              <a14:hiddenFill xmlns:a14="http://schemas.microsoft.com/office/drawing/2010/main" xmlns="">
+              <a14:hiddenFill xmlns="" xmlns:a14="http://schemas.microsoft.com/office/drawing/2010/main">
                 <a:solidFill>
                   <a:srgbClr val="FFFFFF"/>
                 </a:solidFill>
               </a14:hiddenFill>
             </a:ext>
             <a:ext uri="{91240B29-F687-4f45-9708-019B960494DF}">
-              <a14:hiddenLine xmlns:a14="http://schemas.microsoft.com/office/drawing/2010/main" xmlns="" w="9525">
+              <a14:hiddenLine xmlns="" xmlns:a14="http://schemas.microsoft.com/office/drawing/2010/main" w="9525">
                 <a:solidFill>
                   <a:srgbClr val="000000"/>
                 </a:solidFill>
@@ -20603,14 +20603,14 @@
           </a:ln>
           <a:extLst>
             <a:ext uri="{909E8E84-426E-40dd-AFC4-6F175D3DCCD1}">
-              <a14:hiddenFill xmlns:a14="http://schemas.microsoft.com/office/drawing/2010/main" xmlns="">
+              <a14:hiddenFill xmlns="" xmlns:a14="http://schemas.microsoft.com/office/drawing/2010/main">
                 <a:solidFill>
                   <a:srgbClr val="FFFFFF"/>
                 </a:solidFill>
               </a14:hiddenFill>
             </a:ext>
             <a:ext uri="{91240B29-F687-4f45-9708-019B960494DF}">
-              <a14:hiddenLine xmlns:a14="http://schemas.microsoft.com/office/drawing/2010/main" xmlns="" w="9525">
+              <a14:hiddenLine xmlns="" xmlns:a14="http://schemas.microsoft.com/office/drawing/2010/main" w="9525">
                 <a:solidFill>
                   <a:srgbClr val="000000"/>
                 </a:solidFill>
@@ -20657,14 +20657,14 @@
           </a:ln>
           <a:extLst>
             <a:ext uri="{909E8E84-426E-40dd-AFC4-6F175D3DCCD1}">
-              <a14:hiddenFill xmlns:a14="http://schemas.microsoft.com/office/drawing/2010/main" xmlns="">
+              <a14:hiddenFill xmlns="" xmlns:a14="http://schemas.microsoft.com/office/drawing/2010/main">
                 <a:solidFill>
                   <a:srgbClr val="FFFFFF"/>
                 </a:solidFill>
               </a14:hiddenFill>
             </a:ext>
             <a:ext uri="{91240B29-F687-4f45-9708-019B960494DF}">
-              <a14:hiddenLine xmlns:a14="http://schemas.microsoft.com/office/drawing/2010/main" xmlns="" w="9525">
+              <a14:hiddenLine xmlns="" xmlns:a14="http://schemas.microsoft.com/office/drawing/2010/main" w="9525">
                 <a:solidFill>
                   <a:srgbClr val="000000"/>
                 </a:solidFill>
@@ -20711,14 +20711,14 @@
           </a:ln>
           <a:extLst>
             <a:ext uri="{909E8E84-426E-40dd-AFC4-6F175D3DCCD1}">
-              <a14:hiddenFill xmlns:a14="http://schemas.microsoft.com/office/drawing/2010/main" xmlns="">
+              <a14:hiddenFill xmlns="" xmlns:a14="http://schemas.microsoft.com/office/drawing/2010/main">
                 <a:solidFill>
                   <a:srgbClr val="FFFFFF"/>
                 </a:solidFill>
               </a14:hiddenFill>
             </a:ext>
             <a:ext uri="{91240B29-F687-4f45-9708-019B960494DF}">
-              <a14:hiddenLine xmlns:a14="http://schemas.microsoft.com/office/drawing/2010/main" xmlns="" w="9525">
+              <a14:hiddenLine xmlns="" xmlns:a14="http://schemas.microsoft.com/office/drawing/2010/main" w="9525">
                 <a:solidFill>
                   <a:srgbClr val="000000"/>
                 </a:solidFill>
@@ -22631,14 +22631,14 @@
           </a:ln>
           <a:extLst>
             <a:ext uri="{909E8E84-426E-40dd-AFC4-6F175D3DCCD1}">
-              <a14:hiddenFill xmlns:a14="http://schemas.microsoft.com/office/drawing/2010/main" xmlns="">
+              <a14:hiddenFill xmlns="" xmlns:a14="http://schemas.microsoft.com/office/drawing/2010/main">
                 <a:solidFill>
                   <a:srgbClr val="FFFFFF"/>
                 </a:solidFill>
               </a14:hiddenFill>
             </a:ext>
             <a:ext uri="{91240B29-F687-4f45-9708-019B960494DF}">
-              <a14:hiddenLine xmlns:a14="http://schemas.microsoft.com/office/drawing/2010/main" xmlns="" w="9525">
+              <a14:hiddenLine xmlns="" xmlns:a14="http://schemas.microsoft.com/office/drawing/2010/main" w="9525">
                 <a:solidFill>
                   <a:srgbClr val="000000"/>
                 </a:solidFill>
@@ -22855,14 +22855,14 @@
           </a:ln>
           <a:extLst>
             <a:ext uri="{909E8E84-426E-40dd-AFC4-6F175D3DCCD1}">
-              <a14:hiddenFill xmlns:a14="http://schemas.microsoft.com/office/drawing/2010/main" xmlns="">
+              <a14:hiddenFill xmlns="" xmlns:a14="http://schemas.microsoft.com/office/drawing/2010/main">
                 <a:solidFill>
                   <a:srgbClr val="FFFFFF"/>
                 </a:solidFill>
               </a14:hiddenFill>
             </a:ext>
             <a:ext uri="{91240B29-F687-4f45-9708-019B960494DF}">
-              <a14:hiddenLine xmlns:a14="http://schemas.microsoft.com/office/drawing/2010/main" xmlns="" w="9525">
+              <a14:hiddenLine xmlns="" xmlns:a14="http://schemas.microsoft.com/office/drawing/2010/main" w="9525">
                 <a:solidFill>
                   <a:srgbClr val="000000"/>
                 </a:solidFill>
@@ -22909,14 +22909,14 @@
           </a:ln>
           <a:extLst>
             <a:ext uri="{909E8E84-426E-40dd-AFC4-6F175D3DCCD1}">
-              <a14:hiddenFill xmlns:a14="http://schemas.microsoft.com/office/drawing/2010/main" xmlns="">
+              <a14:hiddenFill xmlns="" xmlns:a14="http://schemas.microsoft.com/office/drawing/2010/main">
                 <a:solidFill>
                   <a:srgbClr val="FFFFFF"/>
                 </a:solidFill>
               </a14:hiddenFill>
             </a:ext>
             <a:ext uri="{91240B29-F687-4f45-9708-019B960494DF}">
-              <a14:hiddenLine xmlns:a14="http://schemas.microsoft.com/office/drawing/2010/main" xmlns="" w="9525">
+              <a14:hiddenLine xmlns="" xmlns:a14="http://schemas.microsoft.com/office/drawing/2010/main" w="9525">
                 <a:solidFill>
                   <a:srgbClr val="000000"/>
                 </a:solidFill>
@@ -22963,14 +22963,14 @@
           </a:ln>
           <a:extLst>
             <a:ext uri="{909E8E84-426E-40dd-AFC4-6F175D3DCCD1}">
-              <a14:hiddenFill xmlns:a14="http://schemas.microsoft.com/office/drawing/2010/main" xmlns="">
+              <a14:hiddenFill xmlns="" xmlns:a14="http://schemas.microsoft.com/office/drawing/2010/main">
                 <a:solidFill>
                   <a:srgbClr val="FFFFFF"/>
                 </a:solidFill>
               </a14:hiddenFill>
             </a:ext>
             <a:ext uri="{91240B29-F687-4f45-9708-019B960494DF}">
-              <a14:hiddenLine xmlns:a14="http://schemas.microsoft.com/office/drawing/2010/main" xmlns="" w="9525">
+              <a14:hiddenLine xmlns="" xmlns:a14="http://schemas.microsoft.com/office/drawing/2010/main" w="9525">
                 <a:solidFill>
                   <a:srgbClr val="000000"/>
                 </a:solidFill>
@@ -23437,14 +23437,14 @@
           </a:ln>
           <a:extLst>
             <a:ext uri="{909E8E84-426E-40dd-AFC4-6F175D3DCCD1}">
-              <a14:hiddenFill xmlns:a14="http://schemas.microsoft.com/office/drawing/2010/main" xmlns="">
+              <a14:hiddenFill xmlns="" xmlns:a14="http://schemas.microsoft.com/office/drawing/2010/main">
                 <a:solidFill>
                   <a:srgbClr val="FFFFFF"/>
                 </a:solidFill>
               </a14:hiddenFill>
             </a:ext>
             <a:ext uri="{91240B29-F687-4f45-9708-019B960494DF}">
-              <a14:hiddenLine xmlns:a14="http://schemas.microsoft.com/office/drawing/2010/main" xmlns="" w="9525">
+              <a14:hiddenLine xmlns="" xmlns:a14="http://schemas.microsoft.com/office/drawing/2010/main" w="9525">
                 <a:solidFill>
                   <a:srgbClr val="000000"/>
                 </a:solidFill>
@@ -23491,14 +23491,14 @@
           </a:ln>
           <a:extLst>
             <a:ext uri="{909E8E84-426E-40dd-AFC4-6F175D3DCCD1}">
-              <a14:hiddenFill xmlns:a14="http://schemas.microsoft.com/office/drawing/2010/main" xmlns="">
+              <a14:hiddenFill xmlns="" xmlns:a14="http://schemas.microsoft.com/office/drawing/2010/main">
                 <a:solidFill>
                   <a:srgbClr val="FFFFFF"/>
                 </a:solidFill>
               </a14:hiddenFill>
             </a:ext>
             <a:ext uri="{91240B29-F687-4f45-9708-019B960494DF}">
-              <a14:hiddenLine xmlns:a14="http://schemas.microsoft.com/office/drawing/2010/main" xmlns="" w="9525">
+              <a14:hiddenLine xmlns="" xmlns:a14="http://schemas.microsoft.com/office/drawing/2010/main" w="9525">
                 <a:solidFill>
                   <a:srgbClr val="000000"/>
                 </a:solidFill>
@@ -23545,14 +23545,14 @@
           </a:ln>
           <a:extLst>
             <a:ext uri="{909E8E84-426E-40dd-AFC4-6F175D3DCCD1}">
-              <a14:hiddenFill xmlns:a14="http://schemas.microsoft.com/office/drawing/2010/main" xmlns="">
+              <a14:hiddenFill xmlns="" xmlns:a14="http://schemas.microsoft.com/office/drawing/2010/main">
                 <a:solidFill>
                   <a:srgbClr val="FFFFFF"/>
                 </a:solidFill>
               </a14:hiddenFill>
             </a:ext>
             <a:ext uri="{91240B29-F687-4f45-9708-019B960494DF}">
-              <a14:hiddenLine xmlns:a14="http://schemas.microsoft.com/office/drawing/2010/main" xmlns="" w="9525">
+              <a14:hiddenLine xmlns="" xmlns:a14="http://schemas.microsoft.com/office/drawing/2010/main" w="9525">
                 <a:solidFill>
                   <a:srgbClr val="000000"/>
                 </a:solidFill>
@@ -23599,14 +23599,14 @@
           </a:ln>
           <a:extLst>
             <a:ext uri="{909E8E84-426E-40dd-AFC4-6F175D3DCCD1}">
-              <a14:hiddenFill xmlns:a14="http://schemas.microsoft.com/office/drawing/2010/main" xmlns="">
+              <a14:hiddenFill xmlns="" xmlns:a14="http://schemas.microsoft.com/office/drawing/2010/main">
                 <a:solidFill>
                   <a:srgbClr val="FFFFFF"/>
                 </a:solidFill>
               </a14:hiddenFill>
             </a:ext>
             <a:ext uri="{91240B29-F687-4f45-9708-019B960494DF}">
-              <a14:hiddenLine xmlns:a14="http://schemas.microsoft.com/office/drawing/2010/main" xmlns="" w="9525">
+              <a14:hiddenLine xmlns="" xmlns:a14="http://schemas.microsoft.com/office/drawing/2010/main" w="9525">
                 <a:solidFill>
                   <a:srgbClr val="000000"/>
                 </a:solidFill>
@@ -23653,14 +23653,14 @@
           </a:ln>
           <a:extLst>
             <a:ext uri="{909E8E84-426E-40dd-AFC4-6F175D3DCCD1}">
-              <a14:hiddenFill xmlns:a14="http://schemas.microsoft.com/office/drawing/2010/main" xmlns="">
+              <a14:hiddenFill xmlns="" xmlns:a14="http://schemas.microsoft.com/office/drawing/2010/main">
                 <a:solidFill>
                   <a:srgbClr val="FFFFFF"/>
                 </a:solidFill>
               </a14:hiddenFill>
             </a:ext>
             <a:ext uri="{91240B29-F687-4f45-9708-019B960494DF}">
-              <a14:hiddenLine xmlns:a14="http://schemas.microsoft.com/office/drawing/2010/main" xmlns="" w="9525">
+              <a14:hiddenLine xmlns="" xmlns:a14="http://schemas.microsoft.com/office/drawing/2010/main" w="9525">
                 <a:solidFill>
                   <a:srgbClr val="000000"/>
                 </a:solidFill>
@@ -24024,14 +24024,14 @@
           </a:ln>
           <a:extLst>
             <a:ext uri="{909E8E84-426E-40dd-AFC4-6F175D3DCCD1}">
-              <a14:hiddenFill xmlns:a14="http://schemas.microsoft.com/office/drawing/2010/main" xmlns="">
+              <a14:hiddenFill xmlns="" xmlns:a14="http://schemas.microsoft.com/office/drawing/2010/main">
                 <a:solidFill>
                   <a:srgbClr val="FFFFFF"/>
                 </a:solidFill>
               </a14:hiddenFill>
             </a:ext>
             <a:ext uri="{91240B29-F687-4f45-9708-019B960494DF}">
-              <a14:hiddenLine xmlns:a14="http://schemas.microsoft.com/office/drawing/2010/main" xmlns="" w="9525">
+              <a14:hiddenLine xmlns="" xmlns:a14="http://schemas.microsoft.com/office/drawing/2010/main" w="9525">
                 <a:solidFill>
                   <a:srgbClr val="000000"/>
                 </a:solidFill>
@@ -24196,14 +24196,14 @@
           </a:ln>
           <a:extLst>
             <a:ext uri="{909E8E84-426E-40dd-AFC4-6F175D3DCCD1}">
-              <a14:hiddenFill xmlns:a14="http://schemas.microsoft.com/office/drawing/2010/main" xmlns="">
+              <a14:hiddenFill xmlns="" xmlns:a14="http://schemas.microsoft.com/office/drawing/2010/main">
                 <a:solidFill>
                   <a:srgbClr val="FFFFFF"/>
                 </a:solidFill>
               </a14:hiddenFill>
             </a:ext>
             <a:ext uri="{91240B29-F687-4f45-9708-019B960494DF}">
-              <a14:hiddenLine xmlns:a14="http://schemas.microsoft.com/office/drawing/2010/main" xmlns="" w="9525">
+              <a14:hiddenLine xmlns="" xmlns:a14="http://schemas.microsoft.com/office/drawing/2010/main" w="9525">
                 <a:solidFill>
                   <a:srgbClr val="000000"/>
                 </a:solidFill>
@@ -25273,14 +25273,14 @@
           </a:ln>
           <a:extLst>
             <a:ext uri="{909E8E84-426E-40dd-AFC4-6F175D3DCCD1}">
-              <a14:hiddenFill xmlns:a14="http://schemas.microsoft.com/office/drawing/2010/main" xmlns="">
+              <a14:hiddenFill xmlns="" xmlns:a14="http://schemas.microsoft.com/office/drawing/2010/main">
                 <a:solidFill>
                   <a:srgbClr val="FFFFFF"/>
                 </a:solidFill>
               </a14:hiddenFill>
             </a:ext>
             <a:ext uri="{91240B29-F687-4f45-9708-019B960494DF}">
-              <a14:hiddenLine xmlns:a14="http://schemas.microsoft.com/office/drawing/2010/main" xmlns="" w="9525">
+              <a14:hiddenLine xmlns="" xmlns:a14="http://schemas.microsoft.com/office/drawing/2010/main" w="9525">
                 <a:solidFill>
                   <a:srgbClr val="000000"/>
                 </a:solidFill>
@@ -25327,14 +25327,14 @@
           </a:ln>
           <a:extLst>
             <a:ext uri="{909E8E84-426E-40dd-AFC4-6F175D3DCCD1}">
-              <a14:hiddenFill xmlns:a14="http://schemas.microsoft.com/office/drawing/2010/main" xmlns="">
+              <a14:hiddenFill xmlns="" xmlns:a14="http://schemas.microsoft.com/office/drawing/2010/main">
                 <a:solidFill>
                   <a:srgbClr val="FFFFFF"/>
                 </a:solidFill>
               </a14:hiddenFill>
             </a:ext>
             <a:ext uri="{91240B29-F687-4f45-9708-019B960494DF}">
-              <a14:hiddenLine xmlns:a14="http://schemas.microsoft.com/office/drawing/2010/main" xmlns="" w="9525">
+              <a14:hiddenLine xmlns="" xmlns:a14="http://schemas.microsoft.com/office/drawing/2010/main" w="9525">
                 <a:solidFill>
                   <a:srgbClr val="000000"/>
                 </a:solidFill>
@@ -25381,14 +25381,14 @@
           </a:ln>
           <a:extLst>
             <a:ext uri="{909E8E84-426E-40dd-AFC4-6F175D3DCCD1}">
-              <a14:hiddenFill xmlns:a14="http://schemas.microsoft.com/office/drawing/2010/main" xmlns="">
+              <a14:hiddenFill xmlns="" xmlns:a14="http://schemas.microsoft.com/office/drawing/2010/main">
                 <a:solidFill>
                   <a:srgbClr val="FFFFFF"/>
                 </a:solidFill>
               </a14:hiddenFill>
             </a:ext>
             <a:ext uri="{91240B29-F687-4f45-9708-019B960494DF}">
-              <a14:hiddenLine xmlns:a14="http://schemas.microsoft.com/office/drawing/2010/main" xmlns="" w="9525">
+              <a14:hiddenLine xmlns="" xmlns:a14="http://schemas.microsoft.com/office/drawing/2010/main" w="9525">
                 <a:solidFill>
                   <a:srgbClr val="000000"/>
                 </a:solidFill>
@@ -26024,14 +26024,14 @@
           </a:ln>
           <a:extLst>
             <a:ext uri="{909E8E84-426E-40dd-AFC4-6F175D3DCCD1}">
-              <a14:hiddenFill xmlns:a14="http://schemas.microsoft.com/office/drawing/2010/main" xmlns="">
+              <a14:hiddenFill xmlns="" xmlns:a14="http://schemas.microsoft.com/office/drawing/2010/main">
                 <a:solidFill>
                   <a:srgbClr val="FFFFFF"/>
                 </a:solidFill>
               </a14:hiddenFill>
             </a:ext>
             <a:ext uri="{91240B29-F687-4f45-9708-019B960494DF}">
-              <a14:hiddenLine xmlns:a14="http://schemas.microsoft.com/office/drawing/2010/main" xmlns="" w="9525">
+              <a14:hiddenLine xmlns="" xmlns:a14="http://schemas.microsoft.com/office/drawing/2010/main" w="9525">
                 <a:solidFill>
                   <a:srgbClr val="000000"/>
                 </a:solidFill>
@@ -26078,14 +26078,14 @@
           </a:ln>
           <a:extLst>
             <a:ext uri="{909E8E84-426E-40dd-AFC4-6F175D3DCCD1}">
-              <a14:hiddenFill xmlns:a14="http://schemas.microsoft.com/office/drawing/2010/main" xmlns="">
+              <a14:hiddenFill xmlns="" xmlns:a14="http://schemas.microsoft.com/office/drawing/2010/main">
                 <a:solidFill>
                   <a:srgbClr val="FFFFFF"/>
                 </a:solidFill>
               </a14:hiddenFill>
             </a:ext>
             <a:ext uri="{91240B29-F687-4f45-9708-019B960494DF}">
-              <a14:hiddenLine xmlns:a14="http://schemas.microsoft.com/office/drawing/2010/main" xmlns="" w="9525">
+              <a14:hiddenLine xmlns="" xmlns:a14="http://schemas.microsoft.com/office/drawing/2010/main" w="9525">
                 <a:solidFill>
                   <a:srgbClr val="000000"/>
                 </a:solidFill>
@@ -26132,14 +26132,14 @@
           </a:ln>
           <a:extLst>
             <a:ext uri="{909E8E84-426E-40dd-AFC4-6F175D3DCCD1}">
-              <a14:hiddenFill xmlns:a14="http://schemas.microsoft.com/office/drawing/2010/main" xmlns="">
+              <a14:hiddenFill xmlns="" xmlns:a14="http://schemas.microsoft.com/office/drawing/2010/main">
                 <a:solidFill>
                   <a:srgbClr val="FFFFFF"/>
                 </a:solidFill>
               </a14:hiddenFill>
             </a:ext>
             <a:ext uri="{91240B29-F687-4f45-9708-019B960494DF}">
-              <a14:hiddenLine xmlns:a14="http://schemas.microsoft.com/office/drawing/2010/main" xmlns="" w="9525">
+              <a14:hiddenLine xmlns="" xmlns:a14="http://schemas.microsoft.com/office/drawing/2010/main" w="9525">
                 <a:solidFill>
                   <a:srgbClr val="000000"/>
                 </a:solidFill>
@@ -26186,14 +26186,14 @@
           </a:ln>
           <a:extLst>
             <a:ext uri="{909E8E84-426E-40dd-AFC4-6F175D3DCCD1}">
-              <a14:hiddenFill xmlns:a14="http://schemas.microsoft.com/office/drawing/2010/main" xmlns="">
+              <a14:hiddenFill xmlns="" xmlns:a14="http://schemas.microsoft.com/office/drawing/2010/main">
                 <a:solidFill>
                   <a:srgbClr val="FFFFFF"/>
                 </a:solidFill>
               </a14:hiddenFill>
             </a:ext>
             <a:ext uri="{91240B29-F687-4f45-9708-019B960494DF}">
-              <a14:hiddenLine xmlns:a14="http://schemas.microsoft.com/office/drawing/2010/main" xmlns="" w="9525">
+              <a14:hiddenLine xmlns="" xmlns:a14="http://schemas.microsoft.com/office/drawing/2010/main" w="9525">
                 <a:solidFill>
                   <a:srgbClr val="000000"/>
                 </a:solidFill>
@@ -26240,14 +26240,14 @@
           </a:ln>
           <a:extLst>
             <a:ext uri="{909E8E84-426E-40dd-AFC4-6F175D3DCCD1}">
-              <a14:hiddenFill xmlns:a14="http://schemas.microsoft.com/office/drawing/2010/main" xmlns="">
+              <a14:hiddenFill xmlns="" xmlns:a14="http://schemas.microsoft.com/office/drawing/2010/main">
                 <a:solidFill>
                   <a:srgbClr val="FFFFFF"/>
                 </a:solidFill>
               </a14:hiddenFill>
             </a:ext>
             <a:ext uri="{91240B29-F687-4f45-9708-019B960494DF}">
-              <a14:hiddenLine xmlns:a14="http://schemas.microsoft.com/office/drawing/2010/main" xmlns="" w="9525">
+              <a14:hiddenLine xmlns="" xmlns:a14="http://schemas.microsoft.com/office/drawing/2010/main" w="9525">
                 <a:solidFill>
                   <a:srgbClr val="000000"/>
                 </a:solidFill>
@@ -27544,14 +27544,14 @@
           </a:ln>
           <a:extLst>
             <a:ext uri="{909E8E84-426E-40dd-AFC4-6F175D3DCCD1}">
-              <a14:hiddenFill xmlns:a14="http://schemas.microsoft.com/office/drawing/2010/main" xmlns="">
+              <a14:hiddenFill xmlns="" xmlns:a14="http://schemas.microsoft.com/office/drawing/2010/main">
                 <a:solidFill>
                   <a:srgbClr val="FFFFFF"/>
                 </a:solidFill>
               </a14:hiddenFill>
             </a:ext>
             <a:ext uri="{91240B29-F687-4f45-9708-019B960494DF}">
-              <a14:hiddenLine xmlns:a14="http://schemas.microsoft.com/office/drawing/2010/main" xmlns="" w="9525">
+              <a14:hiddenLine xmlns="" xmlns:a14="http://schemas.microsoft.com/office/drawing/2010/main" w="9525">
                 <a:solidFill>
                   <a:srgbClr val="000000"/>
                 </a:solidFill>
@@ -27598,14 +27598,14 @@
           </a:ln>
           <a:extLst>
             <a:ext uri="{909E8E84-426E-40dd-AFC4-6F175D3DCCD1}">
-              <a14:hiddenFill xmlns:a14="http://schemas.microsoft.com/office/drawing/2010/main" xmlns="">
+              <a14:hiddenFill xmlns="" xmlns:a14="http://schemas.microsoft.com/office/drawing/2010/main">
                 <a:solidFill>
                   <a:srgbClr val="FFFFFF"/>
                 </a:solidFill>
               </a14:hiddenFill>
             </a:ext>
             <a:ext uri="{91240B29-F687-4f45-9708-019B960494DF}">
-              <a14:hiddenLine xmlns:a14="http://schemas.microsoft.com/office/drawing/2010/main" xmlns="" w="9525">
+              <a14:hiddenLine xmlns="" xmlns:a14="http://schemas.microsoft.com/office/drawing/2010/main" w="9525">
                 <a:solidFill>
                   <a:srgbClr val="000000"/>
                 </a:solidFill>
@@ -27652,14 +27652,14 @@
           </a:ln>
           <a:extLst>
             <a:ext uri="{909E8E84-426E-40dd-AFC4-6F175D3DCCD1}">
-              <a14:hiddenFill xmlns:a14="http://schemas.microsoft.com/office/drawing/2010/main" xmlns="">
+              <a14:hiddenFill xmlns="" xmlns:a14="http://schemas.microsoft.com/office/drawing/2010/main">
                 <a:solidFill>
                   <a:srgbClr val="FFFFFF"/>
                 </a:solidFill>
               </a14:hiddenFill>
             </a:ext>
             <a:ext uri="{91240B29-F687-4f45-9708-019B960494DF}">
-              <a14:hiddenLine xmlns:a14="http://schemas.microsoft.com/office/drawing/2010/main" xmlns="" w="9525">
+              <a14:hiddenLine xmlns="" xmlns:a14="http://schemas.microsoft.com/office/drawing/2010/main" w="9525">
                 <a:solidFill>
                   <a:srgbClr val="000000"/>
                 </a:solidFill>
@@ -27706,14 +27706,14 @@
           </a:ln>
           <a:extLst>
             <a:ext uri="{909E8E84-426E-40dd-AFC4-6F175D3DCCD1}">
-              <a14:hiddenFill xmlns:a14="http://schemas.microsoft.com/office/drawing/2010/main" xmlns="">
+              <a14:hiddenFill xmlns="" xmlns:a14="http://schemas.microsoft.com/office/drawing/2010/main">
                 <a:solidFill>
                   <a:srgbClr val="FFFFFF"/>
                 </a:solidFill>
               </a14:hiddenFill>
             </a:ext>
             <a:ext uri="{91240B29-F687-4f45-9708-019B960494DF}">
-              <a14:hiddenLine xmlns:a14="http://schemas.microsoft.com/office/drawing/2010/main" xmlns="" w="9525">
+              <a14:hiddenLine xmlns="" xmlns:a14="http://schemas.microsoft.com/office/drawing/2010/main" w="9525">
                 <a:solidFill>
                   <a:srgbClr val="000000"/>
                 </a:solidFill>
@@ -27760,14 +27760,14 @@
           </a:ln>
           <a:extLst>
             <a:ext uri="{909E8E84-426E-40dd-AFC4-6F175D3DCCD1}">
-              <a14:hiddenFill xmlns:a14="http://schemas.microsoft.com/office/drawing/2010/main" xmlns="">
+              <a14:hiddenFill xmlns="" xmlns:a14="http://schemas.microsoft.com/office/drawing/2010/main">
                 <a:solidFill>
                   <a:srgbClr val="FFFFFF"/>
                 </a:solidFill>
               </a14:hiddenFill>
             </a:ext>
             <a:ext uri="{91240B29-F687-4f45-9708-019B960494DF}">
-              <a14:hiddenLine xmlns:a14="http://schemas.microsoft.com/office/drawing/2010/main" xmlns="" w="9525">
+              <a14:hiddenLine xmlns="" xmlns:a14="http://schemas.microsoft.com/office/drawing/2010/main" w="9525">
                 <a:solidFill>
                   <a:srgbClr val="000000"/>
                 </a:solidFill>
@@ -27814,14 +27814,14 @@
           </a:ln>
           <a:extLst>
             <a:ext uri="{909E8E84-426E-40dd-AFC4-6F175D3DCCD1}">
-              <a14:hiddenFill xmlns:a14="http://schemas.microsoft.com/office/drawing/2010/main" xmlns="">
+              <a14:hiddenFill xmlns="" xmlns:a14="http://schemas.microsoft.com/office/drawing/2010/main">
                 <a:solidFill>
                   <a:srgbClr val="FFFFFF"/>
                 </a:solidFill>
               </a14:hiddenFill>
             </a:ext>
             <a:ext uri="{91240B29-F687-4f45-9708-019B960494DF}">
-              <a14:hiddenLine xmlns:a14="http://schemas.microsoft.com/office/drawing/2010/main" xmlns="" w="9525">
+              <a14:hiddenLine xmlns="" xmlns:a14="http://schemas.microsoft.com/office/drawing/2010/main" w="9525">
                 <a:solidFill>
                   <a:srgbClr val="000000"/>
                 </a:solidFill>
@@ -28231,14 +28231,14 @@
             </a:ln>
             <a:extLst>
               <a:ext uri="{909E8E84-426E-40dd-AFC4-6F175D3DCCD1}">
-                <a14:hiddenFill xmlns:a14="http://schemas.microsoft.com/office/drawing/2010/main" xmlns="">
+                <a14:hiddenFill xmlns="" xmlns:a14="http://schemas.microsoft.com/office/drawing/2010/main">
                   <a:solidFill>
                     <a:srgbClr val="FFFFFF"/>
                   </a:solidFill>
                 </a14:hiddenFill>
               </a:ext>
               <a:ext uri="{91240B29-F687-4f45-9708-019B960494DF}">
-                <a14:hiddenLine xmlns:a14="http://schemas.microsoft.com/office/drawing/2010/main" xmlns="" w="9525">
+                <a14:hiddenLine xmlns="" xmlns:a14="http://schemas.microsoft.com/office/drawing/2010/main" w="9525">
                   <a:solidFill>
                     <a:srgbClr val="000000"/>
                   </a:solidFill>
@@ -28286,7 +28286,7 @@
             </a:ln>
             <a:extLst>
               <a:ext uri="{909E8E84-426E-40dd-AFC4-6F175D3DCCD1}">
-                <a14:hiddenFill xmlns:a14="http://schemas.microsoft.com/office/drawing/2010/main" xmlns="">
+                <a14:hiddenFill xmlns="" xmlns:a14="http://schemas.microsoft.com/office/drawing/2010/main">
                   <a:noFill/>
                 </a14:hiddenFill>
               </a:ext>
@@ -28329,7 +28329,7 @@
             </a:ln>
             <a:extLst>
               <a:ext uri="{909E8E84-426E-40dd-AFC4-6F175D3DCCD1}">
-                <a14:hiddenFill xmlns:a14="http://schemas.microsoft.com/office/drawing/2010/main" xmlns="">
+                <a14:hiddenFill xmlns="" xmlns:a14="http://schemas.microsoft.com/office/drawing/2010/main">
                   <a:noFill/>
                 </a14:hiddenFill>
               </a:ext>
@@ -28369,7 +28369,7 @@
             </a:ln>
             <a:extLst>
               <a:ext uri="{91240B29-F687-4f45-9708-019B960494DF}">
-                <a14:hiddenLine xmlns:a14="http://schemas.microsoft.com/office/drawing/2010/main" xmlns="" w="9525">
+                <a14:hiddenLine xmlns="" xmlns:a14="http://schemas.microsoft.com/office/drawing/2010/main" w="9525">
                   <a:solidFill>
                     <a:srgbClr val="000000"/>
                   </a:solidFill>
@@ -28527,7 +28527,7 @@
             </a:ln>
             <a:extLst>
               <a:ext uri="{909E8E84-426E-40dd-AFC4-6F175D3DCCD1}">
-                <a14:hiddenFill xmlns:a14="http://schemas.microsoft.com/office/drawing/2010/main" xmlns="">
+                <a14:hiddenFill xmlns="" xmlns:a14="http://schemas.microsoft.com/office/drawing/2010/main">
                   <a:noFill/>
                 </a14:hiddenFill>
               </a:ext>
@@ -28570,7 +28570,7 @@
             </a:ln>
             <a:extLst>
               <a:ext uri="{909E8E84-426E-40dd-AFC4-6F175D3DCCD1}">
-                <a14:hiddenFill xmlns:a14="http://schemas.microsoft.com/office/drawing/2010/main" xmlns="">
+                <a14:hiddenFill xmlns="" xmlns:a14="http://schemas.microsoft.com/office/drawing/2010/main">
                   <a:noFill/>
                 </a14:hiddenFill>
               </a:ext>
@@ -28613,7 +28613,7 @@
             </a:ln>
             <a:extLst>
               <a:ext uri="{909E8E84-426E-40dd-AFC4-6F175D3DCCD1}">
-                <a14:hiddenFill xmlns:a14="http://schemas.microsoft.com/office/drawing/2010/main" xmlns="">
+                <a14:hiddenFill xmlns="" xmlns:a14="http://schemas.microsoft.com/office/drawing/2010/main">
                   <a:noFill/>
                 </a14:hiddenFill>
               </a:ext>
@@ -28653,7 +28653,7 @@
             </a:ln>
             <a:extLst>
               <a:ext uri="{91240B29-F687-4f45-9708-019B960494DF}">
-                <a14:hiddenLine xmlns:a14="http://schemas.microsoft.com/office/drawing/2010/main" xmlns="" w="9525">
+                <a14:hiddenLine xmlns="" xmlns:a14="http://schemas.microsoft.com/office/drawing/2010/main" w="9525">
                   <a:solidFill>
                     <a:srgbClr val="000000"/>
                   </a:solidFill>
@@ -28808,7 +28808,7 @@
             </a:ln>
             <a:extLst>
               <a:ext uri="{91240B29-F687-4f45-9708-019B960494DF}">
-                <a14:hiddenLine xmlns:a14="http://schemas.microsoft.com/office/drawing/2010/main" xmlns="" w="9525">
+                <a14:hiddenLine xmlns="" xmlns:a14="http://schemas.microsoft.com/office/drawing/2010/main" w="9525">
                   <a:solidFill>
                     <a:srgbClr val="000000"/>
                   </a:solidFill>
@@ -28963,7 +28963,7 @@
             </a:ln>
             <a:extLst>
               <a:ext uri="{91240B29-F687-4f45-9708-019B960494DF}">
-                <a14:hiddenLine xmlns:a14="http://schemas.microsoft.com/office/drawing/2010/main" xmlns="" w="9525">
+                <a14:hiddenLine xmlns="" xmlns:a14="http://schemas.microsoft.com/office/drawing/2010/main" w="9525">
                   <a:solidFill>
                     <a:srgbClr val="000000"/>
                   </a:solidFill>
@@ -29167,7 +29167,7 @@
             </a:ln>
             <a:extLst>
               <a:ext uri="{91240B29-F687-4f45-9708-019B960494DF}">
-                <a14:hiddenLine xmlns:a14="http://schemas.microsoft.com/office/drawing/2010/main" xmlns="" w="9525">
+                <a14:hiddenLine xmlns="" xmlns:a14="http://schemas.microsoft.com/office/drawing/2010/main" w="9525">
                   <a:solidFill>
                     <a:srgbClr val="000000"/>
                   </a:solidFill>
@@ -29329,7 +29329,7 @@
             </a:ln>
             <a:extLst>
               <a:ext uri="{91240B29-F687-4f45-9708-019B960494DF}">
-                <a14:hiddenLine xmlns:a14="http://schemas.microsoft.com/office/drawing/2010/main" xmlns="" w="9525">
+                <a14:hiddenLine xmlns="" xmlns:a14="http://schemas.microsoft.com/office/drawing/2010/main" w="9525">
                   <a:solidFill>
                     <a:srgbClr val="000000"/>
                   </a:solidFill>
@@ -29491,7 +29491,7 @@
             </a:ln>
             <a:extLst>
               <a:ext uri="{91240B29-F687-4f45-9708-019B960494DF}">
-                <a14:hiddenLine xmlns:a14="http://schemas.microsoft.com/office/drawing/2010/main" xmlns="" w="9525">
+                <a14:hiddenLine xmlns="" xmlns:a14="http://schemas.microsoft.com/office/drawing/2010/main" w="9525">
                   <a:solidFill>
                     <a:srgbClr val="000000"/>
                   </a:solidFill>
@@ -29653,7 +29653,7 @@
             </a:ln>
             <a:extLst>
               <a:ext uri="{91240B29-F687-4f45-9708-019B960494DF}">
-                <a14:hiddenLine xmlns:a14="http://schemas.microsoft.com/office/drawing/2010/main" xmlns="" w="9525">
+                <a14:hiddenLine xmlns="" xmlns:a14="http://schemas.microsoft.com/office/drawing/2010/main" w="9525">
                   <a:solidFill>
                     <a:srgbClr val="000000"/>
                   </a:solidFill>
@@ -29855,7 +29855,7 @@
             </a:ln>
             <a:extLst>
               <a:ext uri="{909E8E84-426E-40dd-AFC4-6F175D3DCCD1}">
-                <a14:hiddenFill xmlns:a14="http://schemas.microsoft.com/office/drawing/2010/main" xmlns="">
+                <a14:hiddenFill xmlns="" xmlns:a14="http://schemas.microsoft.com/office/drawing/2010/main">
                   <a:noFill/>
                 </a14:hiddenFill>
               </a:ext>
@@ -29890,7 +29890,7 @@
             </a:ln>
             <a:extLst>
               <a:ext uri="{909E8E84-426E-40dd-AFC4-6F175D3DCCD1}">
-                <a14:hiddenFill xmlns:a14="http://schemas.microsoft.com/office/drawing/2010/main" xmlns="">
+                <a14:hiddenFill xmlns="" xmlns:a14="http://schemas.microsoft.com/office/drawing/2010/main">
                   <a:noFill/>
                 </a14:hiddenFill>
               </a:ext>
@@ -30073,7 +30073,7 @@
             </a:ln>
             <a:extLst>
               <a:ext uri="{909E8E84-426E-40dd-AFC4-6F175D3DCCD1}">
-                <a14:hiddenFill xmlns:a14="http://schemas.microsoft.com/office/drawing/2010/main" xmlns="">
+                <a14:hiddenFill xmlns="" xmlns:a14="http://schemas.microsoft.com/office/drawing/2010/main">
                   <a:noFill/>
                 </a14:hiddenFill>
               </a:ext>
@@ -30116,14 +30116,14 @@
           </a:ln>
           <a:extLst>
             <a:ext uri="{909E8E84-426E-40dd-AFC4-6F175D3DCCD1}">
-              <a14:hiddenFill xmlns:a14="http://schemas.microsoft.com/office/drawing/2010/main" xmlns="">
+              <a14:hiddenFill xmlns="" xmlns:a14="http://schemas.microsoft.com/office/drawing/2010/main">
                 <a:solidFill>
                   <a:srgbClr val="FFFFFF"/>
                 </a:solidFill>
               </a14:hiddenFill>
             </a:ext>
             <a:ext uri="{91240B29-F687-4f45-9708-019B960494DF}">
-              <a14:hiddenLine xmlns:a14="http://schemas.microsoft.com/office/drawing/2010/main" xmlns="" w="9525">
+              <a14:hiddenLine xmlns="" xmlns:a14="http://schemas.microsoft.com/office/drawing/2010/main" w="9525">
                 <a:solidFill>
                   <a:srgbClr val="000000"/>
                 </a:solidFill>
@@ -30711,14 +30711,14 @@
           </a:ln>
           <a:extLst>
             <a:ext uri="{909E8E84-426E-40dd-AFC4-6F175D3DCCD1}">
-              <a14:hiddenFill xmlns:a14="http://schemas.microsoft.com/office/drawing/2010/main" xmlns="">
+              <a14:hiddenFill xmlns="" xmlns:a14="http://schemas.microsoft.com/office/drawing/2010/main">
                 <a:solidFill>
                   <a:srgbClr val="FFFFFF"/>
                 </a:solidFill>
               </a14:hiddenFill>
             </a:ext>
             <a:ext uri="{91240B29-F687-4f45-9708-019B960494DF}">
-              <a14:hiddenLine xmlns:a14="http://schemas.microsoft.com/office/drawing/2010/main" xmlns="" w="9525">
+              <a14:hiddenLine xmlns="" xmlns:a14="http://schemas.microsoft.com/office/drawing/2010/main" w="9525">
                 <a:solidFill>
                   <a:srgbClr val="000000"/>
                 </a:solidFill>
@@ -30765,14 +30765,14 @@
           </a:ln>
           <a:extLst>
             <a:ext uri="{909E8E84-426E-40dd-AFC4-6F175D3DCCD1}">
-              <a14:hiddenFill xmlns:a14="http://schemas.microsoft.com/office/drawing/2010/main" xmlns="">
+              <a14:hiddenFill xmlns="" xmlns:a14="http://schemas.microsoft.com/office/drawing/2010/main">
                 <a:solidFill>
                   <a:srgbClr val="FFFFFF"/>
                 </a:solidFill>
               </a14:hiddenFill>
             </a:ext>
             <a:ext uri="{91240B29-F687-4f45-9708-019B960494DF}">
-              <a14:hiddenLine xmlns:a14="http://schemas.microsoft.com/office/drawing/2010/main" xmlns="" w="9525">
+              <a14:hiddenLine xmlns="" xmlns:a14="http://schemas.microsoft.com/office/drawing/2010/main" w="9525">
                 <a:solidFill>
                   <a:srgbClr val="000000"/>
                 </a:solidFill>
@@ -30819,14 +30819,14 @@
           </a:ln>
           <a:extLst>
             <a:ext uri="{909E8E84-426E-40dd-AFC4-6F175D3DCCD1}">
-              <a14:hiddenFill xmlns:a14="http://schemas.microsoft.com/office/drawing/2010/main" xmlns="">
+              <a14:hiddenFill xmlns="" xmlns:a14="http://schemas.microsoft.com/office/drawing/2010/main">
                 <a:solidFill>
                   <a:srgbClr val="FFFFFF"/>
                 </a:solidFill>
               </a14:hiddenFill>
             </a:ext>
             <a:ext uri="{91240B29-F687-4f45-9708-019B960494DF}">
-              <a14:hiddenLine xmlns:a14="http://schemas.microsoft.com/office/drawing/2010/main" xmlns="" w="9525">
+              <a14:hiddenLine xmlns="" xmlns:a14="http://schemas.microsoft.com/office/drawing/2010/main" w="9525">
                 <a:solidFill>
                   <a:srgbClr val="000000"/>
                 </a:solidFill>
@@ -30873,14 +30873,14 @@
           </a:ln>
           <a:extLst>
             <a:ext uri="{909E8E84-426E-40dd-AFC4-6F175D3DCCD1}">
-              <a14:hiddenFill xmlns:a14="http://schemas.microsoft.com/office/drawing/2010/main" xmlns="">
+              <a14:hiddenFill xmlns="" xmlns:a14="http://schemas.microsoft.com/office/drawing/2010/main">
                 <a:solidFill>
                   <a:srgbClr val="FFFFFF"/>
                 </a:solidFill>
               </a14:hiddenFill>
             </a:ext>
             <a:ext uri="{91240B29-F687-4f45-9708-019B960494DF}">
-              <a14:hiddenLine xmlns:a14="http://schemas.microsoft.com/office/drawing/2010/main" xmlns="" w="9525">
+              <a14:hiddenLine xmlns="" xmlns:a14="http://schemas.microsoft.com/office/drawing/2010/main" w="9525">
                 <a:solidFill>
                   <a:srgbClr val="000000"/>
                 </a:solidFill>
@@ -31335,14 +31335,14 @@
           </a:ln>
           <a:extLst>
             <a:ext uri="{909E8E84-426E-40dd-AFC4-6F175D3DCCD1}">
-              <a14:hiddenFill xmlns:a14="http://schemas.microsoft.com/office/drawing/2010/main" xmlns="">
+              <a14:hiddenFill xmlns="" xmlns:a14="http://schemas.microsoft.com/office/drawing/2010/main">
                 <a:solidFill>
                   <a:srgbClr val="FFFFFF"/>
                 </a:solidFill>
               </a14:hiddenFill>
             </a:ext>
             <a:ext uri="{91240B29-F687-4f45-9708-019B960494DF}">
-              <a14:hiddenLine xmlns:a14="http://schemas.microsoft.com/office/drawing/2010/main" xmlns="" w="9525">
+              <a14:hiddenLine xmlns="" xmlns:a14="http://schemas.microsoft.com/office/drawing/2010/main" w="9525">
                 <a:solidFill>
                   <a:srgbClr val="000000"/>
                 </a:solidFill>
@@ -31389,14 +31389,14 @@
           </a:ln>
           <a:extLst>
             <a:ext uri="{909E8E84-426E-40dd-AFC4-6F175D3DCCD1}">
-              <a14:hiddenFill xmlns:a14="http://schemas.microsoft.com/office/drawing/2010/main" xmlns="">
+              <a14:hiddenFill xmlns="" xmlns:a14="http://schemas.microsoft.com/office/drawing/2010/main">
                 <a:solidFill>
                   <a:srgbClr val="FFFFFF"/>
                 </a:solidFill>
               </a14:hiddenFill>
             </a:ext>
             <a:ext uri="{91240B29-F687-4f45-9708-019B960494DF}">
-              <a14:hiddenLine xmlns:a14="http://schemas.microsoft.com/office/drawing/2010/main" xmlns="" w="9525">
+              <a14:hiddenLine xmlns="" xmlns:a14="http://schemas.microsoft.com/office/drawing/2010/main" w="9525">
                 <a:solidFill>
                   <a:srgbClr val="000000"/>
                 </a:solidFill>
@@ -31443,14 +31443,14 @@
           </a:ln>
           <a:extLst>
             <a:ext uri="{909E8E84-426E-40dd-AFC4-6F175D3DCCD1}">
-              <a14:hiddenFill xmlns:a14="http://schemas.microsoft.com/office/drawing/2010/main" xmlns="">
+              <a14:hiddenFill xmlns="" xmlns:a14="http://schemas.microsoft.com/office/drawing/2010/main">
                 <a:solidFill>
                   <a:srgbClr val="FFFFFF"/>
                 </a:solidFill>
               </a14:hiddenFill>
             </a:ext>
             <a:ext uri="{91240B29-F687-4f45-9708-019B960494DF}">
-              <a14:hiddenLine xmlns:a14="http://schemas.microsoft.com/office/drawing/2010/main" xmlns="" w="9525">
+              <a14:hiddenLine xmlns="" xmlns:a14="http://schemas.microsoft.com/office/drawing/2010/main" w="9525">
                 <a:solidFill>
                   <a:srgbClr val="000000"/>
                 </a:solidFill>
@@ -31497,14 +31497,14 @@
           </a:ln>
           <a:extLst>
             <a:ext uri="{909E8E84-426E-40dd-AFC4-6F175D3DCCD1}">
-              <a14:hiddenFill xmlns:a14="http://schemas.microsoft.com/office/drawing/2010/main" xmlns="">
+              <a14:hiddenFill xmlns="" xmlns:a14="http://schemas.microsoft.com/office/drawing/2010/main">
                 <a:solidFill>
                   <a:srgbClr val="FFFFFF"/>
                 </a:solidFill>
               </a14:hiddenFill>
             </a:ext>
             <a:ext uri="{91240B29-F687-4f45-9708-019B960494DF}">
-              <a14:hiddenLine xmlns:a14="http://schemas.microsoft.com/office/drawing/2010/main" xmlns="" w="9525">
+              <a14:hiddenLine xmlns="" xmlns:a14="http://schemas.microsoft.com/office/drawing/2010/main" w="9525">
                 <a:solidFill>
                   <a:srgbClr val="000000"/>
                 </a:solidFill>
@@ -31551,14 +31551,14 @@
           </a:ln>
           <a:extLst>
             <a:ext uri="{909E8E84-426E-40dd-AFC4-6F175D3DCCD1}">
-              <a14:hiddenFill xmlns:a14="http://schemas.microsoft.com/office/drawing/2010/main" xmlns="">
+              <a14:hiddenFill xmlns="" xmlns:a14="http://schemas.microsoft.com/office/drawing/2010/main">
                 <a:solidFill>
                   <a:srgbClr val="FFFFFF"/>
                 </a:solidFill>
               </a14:hiddenFill>
             </a:ext>
             <a:ext uri="{91240B29-F687-4f45-9708-019B960494DF}">
-              <a14:hiddenLine xmlns:a14="http://schemas.microsoft.com/office/drawing/2010/main" xmlns="" w="9525">
+              <a14:hiddenLine xmlns="" xmlns:a14="http://schemas.microsoft.com/office/drawing/2010/main" w="9525">
                 <a:solidFill>
                   <a:srgbClr val="000000"/>
                 </a:solidFill>
@@ -31605,14 +31605,14 @@
           </a:ln>
           <a:extLst>
             <a:ext uri="{909E8E84-426E-40dd-AFC4-6F175D3DCCD1}">
-              <a14:hiddenFill xmlns:a14="http://schemas.microsoft.com/office/drawing/2010/main" xmlns="">
+              <a14:hiddenFill xmlns="" xmlns:a14="http://schemas.microsoft.com/office/drawing/2010/main">
                 <a:solidFill>
                   <a:srgbClr val="FFFFFF"/>
                 </a:solidFill>
               </a14:hiddenFill>
             </a:ext>
             <a:ext uri="{91240B29-F687-4f45-9708-019B960494DF}">
-              <a14:hiddenLine xmlns:a14="http://schemas.microsoft.com/office/drawing/2010/main" xmlns="" w="9525">
+              <a14:hiddenLine xmlns="" xmlns:a14="http://schemas.microsoft.com/office/drawing/2010/main" w="9525">
                 <a:solidFill>
                   <a:srgbClr val="000000"/>
                 </a:solidFill>
@@ -32090,7 +32090,7 @@
                 <a:latin typeface="Cambria"/>
                 <a:cs typeface="Cambria"/>
               </a:rPr>
-              <a:t>Y &gt; Y*</a:t>
+              <a:t>Y* &gt; Y</a:t>
             </a:r>
           </a:p>
           <a:p>
@@ -32102,7 +32102,7 @@
                 <a:latin typeface="Cambria"/>
                 <a:cs typeface="Cambria"/>
               </a:rPr>
-              <a:t>u &lt; u*</a:t>
+              <a:t>u* &lt; u</a:t>
             </a:r>
           </a:p>
         </p:txBody>
@@ -32142,14 +32142,14 @@
           </a:ln>
           <a:extLst>
             <a:ext uri="{909E8E84-426E-40dd-AFC4-6F175D3DCCD1}">
-              <a14:hiddenFill xmlns:a14="http://schemas.microsoft.com/office/drawing/2010/main" xmlns="">
+              <a14:hiddenFill xmlns="" xmlns:a14="http://schemas.microsoft.com/office/drawing/2010/main">
                 <a:solidFill>
                   <a:srgbClr val="FFFFFF"/>
                 </a:solidFill>
               </a14:hiddenFill>
             </a:ext>
             <a:ext uri="{91240B29-F687-4f45-9708-019B960494DF}">
-              <a14:hiddenLine xmlns:a14="http://schemas.microsoft.com/office/drawing/2010/main" xmlns="" w="9525">
+              <a14:hiddenLine xmlns="" xmlns:a14="http://schemas.microsoft.com/office/drawing/2010/main" w="9525">
                 <a:solidFill>
                   <a:srgbClr val="000000"/>
                 </a:solidFill>
@@ -32196,14 +32196,14 @@
           </a:ln>
           <a:extLst>
             <a:ext uri="{909E8E84-426E-40dd-AFC4-6F175D3DCCD1}">
-              <a14:hiddenFill xmlns:a14="http://schemas.microsoft.com/office/drawing/2010/main" xmlns="">
+              <a14:hiddenFill xmlns="" xmlns:a14="http://schemas.microsoft.com/office/drawing/2010/main">
                 <a:solidFill>
                   <a:srgbClr val="FFFFFF"/>
                 </a:solidFill>
               </a14:hiddenFill>
             </a:ext>
             <a:ext uri="{91240B29-F687-4f45-9708-019B960494DF}">
-              <a14:hiddenLine xmlns:a14="http://schemas.microsoft.com/office/drawing/2010/main" xmlns="" w="9525">
+              <a14:hiddenLine xmlns="" xmlns:a14="http://schemas.microsoft.com/office/drawing/2010/main" w="9525">
                 <a:solidFill>
                   <a:srgbClr val="000000"/>
                 </a:solidFill>
@@ -32250,14 +32250,14 @@
           </a:ln>
           <a:extLst>
             <a:ext uri="{909E8E84-426E-40dd-AFC4-6F175D3DCCD1}">
-              <a14:hiddenFill xmlns:a14="http://schemas.microsoft.com/office/drawing/2010/main" xmlns="">
+              <a14:hiddenFill xmlns="" xmlns:a14="http://schemas.microsoft.com/office/drawing/2010/main">
                 <a:solidFill>
                   <a:srgbClr val="FFFFFF"/>
                 </a:solidFill>
               </a14:hiddenFill>
             </a:ext>
             <a:ext uri="{91240B29-F687-4f45-9708-019B960494DF}">
-              <a14:hiddenLine xmlns:a14="http://schemas.microsoft.com/office/drawing/2010/main" xmlns="" w="9525">
+              <a14:hiddenLine xmlns="" xmlns:a14="http://schemas.microsoft.com/office/drawing/2010/main" w="9525">
                 <a:solidFill>
                   <a:srgbClr val="000000"/>
                 </a:solidFill>
@@ -32304,14 +32304,14 @@
           </a:ln>
           <a:extLst>
             <a:ext uri="{909E8E84-426E-40dd-AFC4-6F175D3DCCD1}">
-              <a14:hiddenFill xmlns:a14="http://schemas.microsoft.com/office/drawing/2010/main" xmlns="">
+              <a14:hiddenFill xmlns="" xmlns:a14="http://schemas.microsoft.com/office/drawing/2010/main">
                 <a:solidFill>
                   <a:srgbClr val="FFFFFF"/>
                 </a:solidFill>
               </a14:hiddenFill>
             </a:ext>
             <a:ext uri="{91240B29-F687-4f45-9708-019B960494DF}">
-              <a14:hiddenLine xmlns:a14="http://schemas.microsoft.com/office/drawing/2010/main" xmlns="" w="9525">
+              <a14:hiddenLine xmlns="" xmlns:a14="http://schemas.microsoft.com/office/drawing/2010/main" w="9525">
                 <a:solidFill>
                   <a:srgbClr val="000000"/>
                 </a:solidFill>
@@ -32358,14 +32358,14 @@
           </a:ln>
           <a:extLst>
             <a:ext uri="{909E8E84-426E-40dd-AFC4-6F175D3DCCD1}">
-              <a14:hiddenFill xmlns:a14="http://schemas.microsoft.com/office/drawing/2010/main" xmlns="">
+              <a14:hiddenFill xmlns="" xmlns:a14="http://schemas.microsoft.com/office/drawing/2010/main">
                 <a:solidFill>
                   <a:srgbClr val="FFFFFF"/>
                 </a:solidFill>
               </a14:hiddenFill>
             </a:ext>
             <a:ext uri="{91240B29-F687-4f45-9708-019B960494DF}">
-              <a14:hiddenLine xmlns:a14="http://schemas.microsoft.com/office/drawing/2010/main" xmlns="" w="9525">
+              <a14:hiddenLine xmlns="" xmlns:a14="http://schemas.microsoft.com/office/drawing/2010/main" w="9525">
                 <a:solidFill>
                   <a:srgbClr val="000000"/>
                 </a:solidFill>
@@ -32412,14 +32412,14 @@
           </a:ln>
           <a:extLst>
             <a:ext uri="{909E8E84-426E-40dd-AFC4-6F175D3DCCD1}">
-              <a14:hiddenFill xmlns:a14="http://schemas.microsoft.com/office/drawing/2010/main" xmlns="">
+              <a14:hiddenFill xmlns="" xmlns:a14="http://schemas.microsoft.com/office/drawing/2010/main">
                 <a:solidFill>
                   <a:srgbClr val="FFFFFF"/>
                 </a:solidFill>
               </a14:hiddenFill>
             </a:ext>
             <a:ext uri="{91240B29-F687-4f45-9708-019B960494DF}">
-              <a14:hiddenLine xmlns:a14="http://schemas.microsoft.com/office/drawing/2010/main" xmlns="" w="9525">
+              <a14:hiddenLine xmlns="" xmlns:a14="http://schemas.microsoft.com/office/drawing/2010/main" w="9525">
                 <a:solidFill>
                   <a:srgbClr val="000000"/>
                 </a:solidFill>
@@ -32828,14 +32828,14 @@
           </a:ln>
           <a:extLst>
             <a:ext uri="{909E8E84-426E-40dd-AFC4-6F175D3DCCD1}">
-              <a14:hiddenFill xmlns:a14="http://schemas.microsoft.com/office/drawing/2010/main" xmlns="">
+              <a14:hiddenFill xmlns="" xmlns:a14="http://schemas.microsoft.com/office/drawing/2010/main">
                 <a:solidFill>
                   <a:srgbClr val="FFFFFF"/>
                 </a:solidFill>
               </a14:hiddenFill>
             </a:ext>
             <a:ext uri="{91240B29-F687-4f45-9708-019B960494DF}">
-              <a14:hiddenLine xmlns:a14="http://schemas.microsoft.com/office/drawing/2010/main" xmlns="" w="9525">
+              <a14:hiddenLine xmlns="" xmlns:a14="http://schemas.microsoft.com/office/drawing/2010/main" w="9525">
                 <a:solidFill>
                   <a:srgbClr val="000000"/>
                 </a:solidFill>
@@ -32882,14 +32882,14 @@
           </a:ln>
           <a:extLst>
             <a:ext uri="{909E8E84-426E-40dd-AFC4-6F175D3DCCD1}">
-              <a14:hiddenFill xmlns:a14="http://schemas.microsoft.com/office/drawing/2010/main" xmlns="">
+              <a14:hiddenFill xmlns="" xmlns:a14="http://schemas.microsoft.com/office/drawing/2010/main">
                 <a:solidFill>
                   <a:srgbClr val="FFFFFF"/>
                 </a:solidFill>
               </a14:hiddenFill>
             </a:ext>
             <a:ext uri="{91240B29-F687-4f45-9708-019B960494DF}">
-              <a14:hiddenLine xmlns:a14="http://schemas.microsoft.com/office/drawing/2010/main" xmlns="" w="9525">
+              <a14:hiddenLine xmlns="" xmlns:a14="http://schemas.microsoft.com/office/drawing/2010/main" w="9525">
                 <a:solidFill>
                   <a:srgbClr val="000000"/>
                 </a:solidFill>
@@ -32936,14 +32936,14 @@
           </a:ln>
           <a:extLst>
             <a:ext uri="{909E8E84-426E-40dd-AFC4-6F175D3DCCD1}">
-              <a14:hiddenFill xmlns:a14="http://schemas.microsoft.com/office/drawing/2010/main" xmlns="">
+              <a14:hiddenFill xmlns="" xmlns:a14="http://schemas.microsoft.com/office/drawing/2010/main">
                 <a:solidFill>
                   <a:srgbClr val="FFFFFF"/>
                 </a:solidFill>
               </a14:hiddenFill>
             </a:ext>
             <a:ext uri="{91240B29-F687-4f45-9708-019B960494DF}">
-              <a14:hiddenLine xmlns:a14="http://schemas.microsoft.com/office/drawing/2010/main" xmlns="" w="9525">
+              <a14:hiddenLine xmlns="" xmlns:a14="http://schemas.microsoft.com/office/drawing/2010/main" w="9525">
                 <a:solidFill>
                   <a:srgbClr val="000000"/>
                 </a:solidFill>
@@ -32990,14 +32990,14 @@
           </a:ln>
           <a:extLst>
             <a:ext uri="{909E8E84-426E-40dd-AFC4-6F175D3DCCD1}">
-              <a14:hiddenFill xmlns:a14="http://schemas.microsoft.com/office/drawing/2010/main" xmlns="">
+              <a14:hiddenFill xmlns="" xmlns:a14="http://schemas.microsoft.com/office/drawing/2010/main">
                 <a:solidFill>
                   <a:srgbClr val="FFFFFF"/>
                 </a:solidFill>
               </a14:hiddenFill>
             </a:ext>
             <a:ext uri="{91240B29-F687-4f45-9708-019B960494DF}">
-              <a14:hiddenLine xmlns:a14="http://schemas.microsoft.com/office/drawing/2010/main" xmlns="" w="9525">
+              <a14:hiddenLine xmlns="" xmlns:a14="http://schemas.microsoft.com/office/drawing/2010/main" w="9525">
                 <a:solidFill>
                   <a:srgbClr val="000000"/>
                 </a:solidFill>
@@ -33044,14 +33044,14 @@
           </a:ln>
           <a:extLst>
             <a:ext uri="{909E8E84-426E-40dd-AFC4-6F175D3DCCD1}">
-              <a14:hiddenFill xmlns:a14="http://schemas.microsoft.com/office/drawing/2010/main" xmlns="">
+              <a14:hiddenFill xmlns="" xmlns:a14="http://schemas.microsoft.com/office/drawing/2010/main">
                 <a:solidFill>
                   <a:srgbClr val="FFFFFF"/>
                 </a:solidFill>
               </a14:hiddenFill>
             </a:ext>
             <a:ext uri="{91240B29-F687-4f45-9708-019B960494DF}">
-              <a14:hiddenLine xmlns:a14="http://schemas.microsoft.com/office/drawing/2010/main" xmlns="" w="9525">
+              <a14:hiddenLine xmlns="" xmlns:a14="http://schemas.microsoft.com/office/drawing/2010/main" w="9525">
                 <a:solidFill>
                   <a:srgbClr val="000000"/>
                 </a:solidFill>
@@ -33098,14 +33098,14 @@
           </a:ln>
           <a:extLst>
             <a:ext uri="{909E8E84-426E-40dd-AFC4-6F175D3DCCD1}">
-              <a14:hiddenFill xmlns:a14="http://schemas.microsoft.com/office/drawing/2010/main" xmlns="">
+              <a14:hiddenFill xmlns="" xmlns:a14="http://schemas.microsoft.com/office/drawing/2010/main">
                 <a:solidFill>
                   <a:srgbClr val="FFFFFF"/>
                 </a:solidFill>
               </a14:hiddenFill>
             </a:ext>
             <a:ext uri="{91240B29-F687-4f45-9708-019B960494DF}">
-              <a14:hiddenLine xmlns:a14="http://schemas.microsoft.com/office/drawing/2010/main" xmlns="" w="9525">
+              <a14:hiddenLine xmlns="" xmlns:a14="http://schemas.microsoft.com/office/drawing/2010/main" w="9525">
                 <a:solidFill>
                   <a:srgbClr val="000000"/>
                 </a:solidFill>
@@ -33876,14 +33876,14 @@
           </a:ln>
           <a:extLst>
             <a:ext uri="{909E8E84-426E-40dd-AFC4-6F175D3DCCD1}">
-              <a14:hiddenFill xmlns:a14="http://schemas.microsoft.com/office/drawing/2010/main" xmlns="">
+              <a14:hiddenFill xmlns="" xmlns:a14="http://schemas.microsoft.com/office/drawing/2010/main">
                 <a:solidFill>
                   <a:srgbClr val="FFFFFF"/>
                 </a:solidFill>
               </a14:hiddenFill>
             </a:ext>
             <a:ext uri="{91240B29-F687-4f45-9708-019B960494DF}">
-              <a14:hiddenLine xmlns:a14="http://schemas.microsoft.com/office/drawing/2010/main" xmlns="" w="9525">
+              <a14:hiddenLine xmlns="" xmlns:a14="http://schemas.microsoft.com/office/drawing/2010/main" w="9525">
                 <a:solidFill>
                   <a:srgbClr val="000000"/>
                 </a:solidFill>
@@ -33930,14 +33930,14 @@
           </a:ln>
           <a:extLst>
             <a:ext uri="{909E8E84-426E-40dd-AFC4-6F175D3DCCD1}">
-              <a14:hiddenFill xmlns:a14="http://schemas.microsoft.com/office/drawing/2010/main" xmlns="">
+              <a14:hiddenFill xmlns="" xmlns:a14="http://schemas.microsoft.com/office/drawing/2010/main">
                 <a:solidFill>
                   <a:srgbClr val="FFFFFF"/>
                 </a:solidFill>
               </a14:hiddenFill>
             </a:ext>
             <a:ext uri="{91240B29-F687-4f45-9708-019B960494DF}">
-              <a14:hiddenLine xmlns:a14="http://schemas.microsoft.com/office/drawing/2010/main" xmlns="" w="9525">
+              <a14:hiddenLine xmlns="" xmlns:a14="http://schemas.microsoft.com/office/drawing/2010/main" w="9525">
                 <a:solidFill>
                   <a:srgbClr val="000000"/>
                 </a:solidFill>
@@ -33984,14 +33984,14 @@
           </a:ln>
           <a:extLst>
             <a:ext uri="{909E8E84-426E-40dd-AFC4-6F175D3DCCD1}">
-              <a14:hiddenFill xmlns:a14="http://schemas.microsoft.com/office/drawing/2010/main" xmlns="">
+              <a14:hiddenFill xmlns="" xmlns:a14="http://schemas.microsoft.com/office/drawing/2010/main">
                 <a:solidFill>
                   <a:srgbClr val="FFFFFF"/>
                 </a:solidFill>
               </a14:hiddenFill>
             </a:ext>
             <a:ext uri="{91240B29-F687-4f45-9708-019B960494DF}">
-              <a14:hiddenLine xmlns:a14="http://schemas.microsoft.com/office/drawing/2010/main" xmlns="" w="9525">
+              <a14:hiddenLine xmlns="" xmlns:a14="http://schemas.microsoft.com/office/drawing/2010/main" w="9525">
                 <a:solidFill>
                   <a:srgbClr val="000000"/>
                 </a:solidFill>
@@ -34038,14 +34038,14 @@
           </a:ln>
           <a:extLst>
             <a:ext uri="{909E8E84-426E-40dd-AFC4-6F175D3DCCD1}">
-              <a14:hiddenFill xmlns:a14="http://schemas.microsoft.com/office/drawing/2010/main" xmlns="">
+              <a14:hiddenFill xmlns="" xmlns:a14="http://schemas.microsoft.com/office/drawing/2010/main">
                 <a:solidFill>
                   <a:srgbClr val="FFFFFF"/>
                 </a:solidFill>
               </a14:hiddenFill>
             </a:ext>
             <a:ext uri="{91240B29-F687-4f45-9708-019B960494DF}">
-              <a14:hiddenLine xmlns:a14="http://schemas.microsoft.com/office/drawing/2010/main" xmlns="" w="9525">
+              <a14:hiddenLine xmlns="" xmlns:a14="http://schemas.microsoft.com/office/drawing/2010/main" w="9525">
                 <a:solidFill>
                   <a:srgbClr val="000000"/>
                 </a:solidFill>
@@ -34092,14 +34092,14 @@
           </a:ln>
           <a:extLst>
             <a:ext uri="{909E8E84-426E-40dd-AFC4-6F175D3DCCD1}">
-              <a14:hiddenFill xmlns:a14="http://schemas.microsoft.com/office/drawing/2010/main" xmlns="">
+              <a14:hiddenFill xmlns="" xmlns:a14="http://schemas.microsoft.com/office/drawing/2010/main">
                 <a:solidFill>
                   <a:srgbClr val="FFFFFF"/>
                 </a:solidFill>
               </a14:hiddenFill>
             </a:ext>
             <a:ext uri="{91240B29-F687-4f45-9708-019B960494DF}">
-              <a14:hiddenLine xmlns:a14="http://schemas.microsoft.com/office/drawing/2010/main" xmlns="" w="9525">
+              <a14:hiddenLine xmlns="" xmlns:a14="http://schemas.microsoft.com/office/drawing/2010/main" w="9525">
                 <a:solidFill>
                   <a:srgbClr val="000000"/>
                 </a:solidFill>
@@ -34146,14 +34146,14 @@
           </a:ln>
           <a:extLst>
             <a:ext uri="{909E8E84-426E-40dd-AFC4-6F175D3DCCD1}">
-              <a14:hiddenFill xmlns:a14="http://schemas.microsoft.com/office/drawing/2010/main" xmlns="">
+              <a14:hiddenFill xmlns="" xmlns:a14="http://schemas.microsoft.com/office/drawing/2010/main">
                 <a:solidFill>
                   <a:srgbClr val="FFFFFF"/>
                 </a:solidFill>
               </a14:hiddenFill>
             </a:ext>
             <a:ext uri="{91240B29-F687-4f45-9708-019B960494DF}">
-              <a14:hiddenLine xmlns:a14="http://schemas.microsoft.com/office/drawing/2010/main" xmlns="" w="9525">
+              <a14:hiddenLine xmlns="" xmlns:a14="http://schemas.microsoft.com/office/drawing/2010/main" w="9525">
                 <a:solidFill>
                   <a:srgbClr val="000000"/>
                 </a:solidFill>
@@ -34200,14 +34200,14 @@
           </a:ln>
           <a:extLst>
             <a:ext uri="{909E8E84-426E-40dd-AFC4-6F175D3DCCD1}">
-              <a14:hiddenFill xmlns:a14="http://schemas.microsoft.com/office/drawing/2010/main" xmlns="">
+              <a14:hiddenFill xmlns="" xmlns:a14="http://schemas.microsoft.com/office/drawing/2010/main">
                 <a:solidFill>
                   <a:srgbClr val="FFFFFF"/>
                 </a:solidFill>
               </a14:hiddenFill>
             </a:ext>
             <a:ext uri="{91240B29-F687-4f45-9708-019B960494DF}">
-              <a14:hiddenLine xmlns:a14="http://schemas.microsoft.com/office/drawing/2010/main" xmlns="" w="9525">
+              <a14:hiddenLine xmlns="" xmlns:a14="http://schemas.microsoft.com/office/drawing/2010/main" w="9525">
                 <a:solidFill>
                   <a:srgbClr val="000000"/>
                 </a:solidFill>
@@ -34254,14 +34254,14 @@
           </a:ln>
           <a:extLst>
             <a:ext uri="{909E8E84-426E-40dd-AFC4-6F175D3DCCD1}">
-              <a14:hiddenFill xmlns:a14="http://schemas.microsoft.com/office/drawing/2010/main" xmlns="">
+              <a14:hiddenFill xmlns="" xmlns:a14="http://schemas.microsoft.com/office/drawing/2010/main">
                 <a:solidFill>
                   <a:srgbClr val="FFFFFF"/>
                 </a:solidFill>
               </a14:hiddenFill>
             </a:ext>
             <a:ext uri="{91240B29-F687-4f45-9708-019B960494DF}">
-              <a14:hiddenLine xmlns:a14="http://schemas.microsoft.com/office/drawing/2010/main" xmlns="" w="9525">
+              <a14:hiddenLine xmlns="" xmlns:a14="http://schemas.microsoft.com/office/drawing/2010/main" w="9525">
                 <a:solidFill>
                   <a:srgbClr val="000000"/>
                 </a:solidFill>
@@ -35502,14 +35502,14 @@
           </a:ln>
           <a:extLst>
             <a:ext uri="{909E8E84-426E-40dd-AFC4-6F175D3DCCD1}">
-              <a14:hiddenFill xmlns:a14="http://schemas.microsoft.com/office/drawing/2010/main" xmlns="">
+              <a14:hiddenFill xmlns="" xmlns:a14="http://schemas.microsoft.com/office/drawing/2010/main">
                 <a:solidFill>
                   <a:srgbClr val="FFFFFF"/>
                 </a:solidFill>
               </a14:hiddenFill>
             </a:ext>
             <a:ext uri="{91240B29-F687-4f45-9708-019B960494DF}">
-              <a14:hiddenLine xmlns:a14="http://schemas.microsoft.com/office/drawing/2010/main" xmlns="" w="9525">
+              <a14:hiddenLine xmlns="" xmlns:a14="http://schemas.microsoft.com/office/drawing/2010/main" w="9525">
                 <a:solidFill>
                   <a:srgbClr val="000000"/>
                 </a:solidFill>
@@ -36017,14 +36017,14 @@
           </a:ln>
           <a:extLst>
             <a:ext uri="{909E8E84-426E-40dd-AFC4-6F175D3DCCD1}">
-              <a14:hiddenFill xmlns:a14="http://schemas.microsoft.com/office/drawing/2010/main" xmlns="">
+              <a14:hiddenFill xmlns="" xmlns:a14="http://schemas.microsoft.com/office/drawing/2010/main">
                 <a:solidFill>
                   <a:srgbClr val="FFFFFF"/>
                 </a:solidFill>
               </a14:hiddenFill>
             </a:ext>
             <a:ext uri="{91240B29-F687-4f45-9708-019B960494DF}">
-              <a14:hiddenLine xmlns:a14="http://schemas.microsoft.com/office/drawing/2010/main" xmlns="" w="9525">
+              <a14:hiddenLine xmlns="" xmlns:a14="http://schemas.microsoft.com/office/drawing/2010/main" w="9525">
                 <a:solidFill>
                   <a:srgbClr val="000000"/>
                 </a:solidFill>
@@ -36071,14 +36071,14 @@
           </a:ln>
           <a:extLst>
             <a:ext uri="{909E8E84-426E-40dd-AFC4-6F175D3DCCD1}">
-              <a14:hiddenFill xmlns:a14="http://schemas.microsoft.com/office/drawing/2010/main" xmlns="">
+              <a14:hiddenFill xmlns="" xmlns:a14="http://schemas.microsoft.com/office/drawing/2010/main">
                 <a:solidFill>
                   <a:srgbClr val="FFFFFF"/>
                 </a:solidFill>
               </a14:hiddenFill>
             </a:ext>
             <a:ext uri="{91240B29-F687-4f45-9708-019B960494DF}">
-              <a14:hiddenLine xmlns:a14="http://schemas.microsoft.com/office/drawing/2010/main" xmlns="" w="9525">
+              <a14:hiddenLine xmlns="" xmlns:a14="http://schemas.microsoft.com/office/drawing/2010/main" w="9525">
                 <a:solidFill>
                   <a:srgbClr val="000000"/>
                 </a:solidFill>
@@ -36125,14 +36125,14 @@
           </a:ln>
           <a:extLst>
             <a:ext uri="{909E8E84-426E-40dd-AFC4-6F175D3DCCD1}">
-              <a14:hiddenFill xmlns:a14="http://schemas.microsoft.com/office/drawing/2010/main" xmlns="">
+              <a14:hiddenFill xmlns="" xmlns:a14="http://schemas.microsoft.com/office/drawing/2010/main">
                 <a:solidFill>
                   <a:srgbClr val="FFFFFF"/>
                 </a:solidFill>
               </a14:hiddenFill>
             </a:ext>
             <a:ext uri="{91240B29-F687-4f45-9708-019B960494DF}">
-              <a14:hiddenLine xmlns:a14="http://schemas.microsoft.com/office/drawing/2010/main" xmlns="" w="9525">
+              <a14:hiddenLine xmlns="" xmlns:a14="http://schemas.microsoft.com/office/drawing/2010/main" w="9525">
                 <a:solidFill>
                   <a:srgbClr val="000000"/>
                 </a:solidFill>
@@ -36179,14 +36179,14 @@
           </a:ln>
           <a:extLst>
             <a:ext uri="{909E8E84-426E-40dd-AFC4-6F175D3DCCD1}">
-              <a14:hiddenFill xmlns:a14="http://schemas.microsoft.com/office/drawing/2010/main" xmlns="">
+              <a14:hiddenFill xmlns="" xmlns:a14="http://schemas.microsoft.com/office/drawing/2010/main">
                 <a:solidFill>
                   <a:srgbClr val="FFFFFF"/>
                 </a:solidFill>
               </a14:hiddenFill>
             </a:ext>
             <a:ext uri="{91240B29-F687-4f45-9708-019B960494DF}">
-              <a14:hiddenLine xmlns:a14="http://schemas.microsoft.com/office/drawing/2010/main" xmlns="" w="9525">
+              <a14:hiddenLine xmlns="" xmlns:a14="http://schemas.microsoft.com/office/drawing/2010/main" w="9525">
                 <a:solidFill>
                   <a:srgbClr val="000000"/>
                 </a:solidFill>
@@ -36233,14 +36233,14 @@
           </a:ln>
           <a:extLst>
             <a:ext uri="{909E8E84-426E-40dd-AFC4-6F175D3DCCD1}">
-              <a14:hiddenFill xmlns:a14="http://schemas.microsoft.com/office/drawing/2010/main" xmlns="">
+              <a14:hiddenFill xmlns="" xmlns:a14="http://schemas.microsoft.com/office/drawing/2010/main">
                 <a:solidFill>
                   <a:srgbClr val="FFFFFF"/>
                 </a:solidFill>
               </a14:hiddenFill>
             </a:ext>
             <a:ext uri="{91240B29-F687-4f45-9708-019B960494DF}">
-              <a14:hiddenLine xmlns:a14="http://schemas.microsoft.com/office/drawing/2010/main" xmlns="" w="9525">
+              <a14:hiddenLine xmlns="" xmlns:a14="http://schemas.microsoft.com/office/drawing/2010/main" w="9525">
                 <a:solidFill>
                   <a:srgbClr val="000000"/>
                 </a:solidFill>
@@ -36287,14 +36287,14 @@
           </a:ln>
           <a:extLst>
             <a:ext uri="{909E8E84-426E-40dd-AFC4-6F175D3DCCD1}">
-              <a14:hiddenFill xmlns:a14="http://schemas.microsoft.com/office/drawing/2010/main" xmlns="">
+              <a14:hiddenFill xmlns="" xmlns:a14="http://schemas.microsoft.com/office/drawing/2010/main">
                 <a:solidFill>
                   <a:srgbClr val="FFFFFF"/>
                 </a:solidFill>
               </a14:hiddenFill>
             </a:ext>
             <a:ext uri="{91240B29-F687-4f45-9708-019B960494DF}">
-              <a14:hiddenLine xmlns:a14="http://schemas.microsoft.com/office/drawing/2010/main" xmlns="" w="9525">
+              <a14:hiddenLine xmlns="" xmlns:a14="http://schemas.microsoft.com/office/drawing/2010/main" w="9525">
                 <a:solidFill>
                   <a:srgbClr val="000000"/>
                 </a:solidFill>
@@ -36341,14 +36341,14 @@
           </a:ln>
           <a:extLst>
             <a:ext uri="{909E8E84-426E-40dd-AFC4-6F175D3DCCD1}">
-              <a14:hiddenFill xmlns:a14="http://schemas.microsoft.com/office/drawing/2010/main" xmlns="">
+              <a14:hiddenFill xmlns="" xmlns:a14="http://schemas.microsoft.com/office/drawing/2010/main">
                 <a:solidFill>
                   <a:srgbClr val="FFFFFF"/>
                 </a:solidFill>
               </a14:hiddenFill>
             </a:ext>
             <a:ext uri="{91240B29-F687-4f45-9708-019B960494DF}">
-              <a14:hiddenLine xmlns:a14="http://schemas.microsoft.com/office/drawing/2010/main" xmlns="" w="9525">
+              <a14:hiddenLine xmlns="" xmlns:a14="http://schemas.microsoft.com/office/drawing/2010/main" w="9525">
                 <a:solidFill>
                   <a:srgbClr val="000000"/>
                 </a:solidFill>
@@ -38700,14 +38700,14 @@
           </a:ln>
           <a:extLst>
             <a:ext uri="{909E8E84-426E-40dd-AFC4-6F175D3DCCD1}">
-              <a14:hiddenFill xmlns:a14="http://schemas.microsoft.com/office/drawing/2010/main" xmlns="">
+              <a14:hiddenFill xmlns="" xmlns:a14="http://schemas.microsoft.com/office/drawing/2010/main">
                 <a:solidFill>
                   <a:srgbClr val="FFFFFF"/>
                 </a:solidFill>
               </a14:hiddenFill>
             </a:ext>
             <a:ext uri="{91240B29-F687-4f45-9708-019B960494DF}">
-              <a14:hiddenLine xmlns:a14="http://schemas.microsoft.com/office/drawing/2010/main" xmlns="" w="9525">
+              <a14:hiddenLine xmlns="" xmlns:a14="http://schemas.microsoft.com/office/drawing/2010/main" w="9525">
                 <a:solidFill>
                   <a:srgbClr val="000000"/>
                 </a:solidFill>
@@ -38754,14 +38754,14 @@
           </a:ln>
           <a:extLst>
             <a:ext uri="{909E8E84-426E-40dd-AFC4-6F175D3DCCD1}">
-              <a14:hiddenFill xmlns:a14="http://schemas.microsoft.com/office/drawing/2010/main" xmlns="">
+              <a14:hiddenFill xmlns="" xmlns:a14="http://schemas.microsoft.com/office/drawing/2010/main">
                 <a:solidFill>
                   <a:srgbClr val="FFFFFF"/>
                 </a:solidFill>
               </a14:hiddenFill>
             </a:ext>
             <a:ext uri="{91240B29-F687-4f45-9708-019B960494DF}">
-              <a14:hiddenLine xmlns:a14="http://schemas.microsoft.com/office/drawing/2010/main" xmlns="" w="9525">
+              <a14:hiddenLine xmlns="" xmlns:a14="http://schemas.microsoft.com/office/drawing/2010/main" w="9525">
                 <a:solidFill>
                   <a:srgbClr val="000000"/>
                 </a:solidFill>
@@ -38808,14 +38808,14 @@
           </a:ln>
           <a:extLst>
             <a:ext uri="{909E8E84-426E-40dd-AFC4-6F175D3DCCD1}">
-              <a14:hiddenFill xmlns:a14="http://schemas.microsoft.com/office/drawing/2010/main" xmlns="">
+              <a14:hiddenFill xmlns="" xmlns:a14="http://schemas.microsoft.com/office/drawing/2010/main">
                 <a:solidFill>
                   <a:srgbClr val="FFFFFF"/>
                 </a:solidFill>
               </a14:hiddenFill>
             </a:ext>
             <a:ext uri="{91240B29-F687-4f45-9708-019B960494DF}">
-              <a14:hiddenLine xmlns:a14="http://schemas.microsoft.com/office/drawing/2010/main" xmlns="" w="9525">
+              <a14:hiddenLine xmlns="" xmlns:a14="http://schemas.microsoft.com/office/drawing/2010/main" w="9525">
                 <a:solidFill>
                   <a:srgbClr val="000000"/>
                 </a:solidFill>
@@ -38862,14 +38862,14 @@
           </a:ln>
           <a:extLst>
             <a:ext uri="{909E8E84-426E-40dd-AFC4-6F175D3DCCD1}">
-              <a14:hiddenFill xmlns:a14="http://schemas.microsoft.com/office/drawing/2010/main" xmlns="">
+              <a14:hiddenFill xmlns="" xmlns:a14="http://schemas.microsoft.com/office/drawing/2010/main">
                 <a:solidFill>
                   <a:srgbClr val="FFFFFF"/>
                 </a:solidFill>
               </a14:hiddenFill>
             </a:ext>
             <a:ext uri="{91240B29-F687-4f45-9708-019B960494DF}">
-              <a14:hiddenLine xmlns:a14="http://schemas.microsoft.com/office/drawing/2010/main" xmlns="" w="9525">
+              <a14:hiddenLine xmlns="" xmlns:a14="http://schemas.microsoft.com/office/drawing/2010/main" w="9525">
                 <a:solidFill>
                   <a:srgbClr val="000000"/>
                 </a:solidFill>
@@ -38916,14 +38916,14 @@
           </a:ln>
           <a:extLst>
             <a:ext uri="{909E8E84-426E-40dd-AFC4-6F175D3DCCD1}">
-              <a14:hiddenFill xmlns:a14="http://schemas.microsoft.com/office/drawing/2010/main" xmlns="">
+              <a14:hiddenFill xmlns="" xmlns:a14="http://schemas.microsoft.com/office/drawing/2010/main">
                 <a:solidFill>
                   <a:srgbClr val="FFFFFF"/>
                 </a:solidFill>
               </a14:hiddenFill>
             </a:ext>
             <a:ext uri="{91240B29-F687-4f45-9708-019B960494DF}">
-              <a14:hiddenLine xmlns:a14="http://schemas.microsoft.com/office/drawing/2010/main" xmlns="" w="9525">
+              <a14:hiddenLine xmlns="" xmlns:a14="http://schemas.microsoft.com/office/drawing/2010/main" w="9525">
                 <a:solidFill>
                   <a:srgbClr val="000000"/>
                 </a:solidFill>
@@ -39729,7 +39729,7 @@
           <a:graphicData uri="http://schemas.openxmlformats.org/presentationml/2006/ole">
             <mc:AlternateContent xmlns:mc="http://schemas.openxmlformats.org/markup-compatibility/2006">
               <mc:Choice xmlns:v="urn:schemas-microsoft-com:vml" Requires="v">
-                <p:oleObj spid="_x0000_s1265" name="Equation" r:id="rId4" imgW="3340100" imgH="635000" progId="Equation.DSMT4">
+                <p:oleObj spid="_x0000_s1268" name="Equation" r:id="rId4" imgW="3340100" imgH="635000" progId="Equation.DSMT4">
                   <p:embed/>
                 </p:oleObj>
               </mc:Choice>
@@ -40070,14 +40070,14 @@
           </a:ln>
           <a:extLst>
             <a:ext uri="{909E8E84-426E-40dd-AFC4-6F175D3DCCD1}">
-              <a14:hiddenFill xmlns:a14="http://schemas.microsoft.com/office/drawing/2010/main" xmlns="">
+              <a14:hiddenFill xmlns="" xmlns:a14="http://schemas.microsoft.com/office/drawing/2010/main">
                 <a:solidFill>
                   <a:srgbClr val="FFFFFF"/>
                 </a:solidFill>
               </a14:hiddenFill>
             </a:ext>
             <a:ext uri="{91240B29-F687-4f45-9708-019B960494DF}">
-              <a14:hiddenLine xmlns:a14="http://schemas.microsoft.com/office/drawing/2010/main" xmlns="" w="9525">
+              <a14:hiddenLine xmlns="" xmlns:a14="http://schemas.microsoft.com/office/drawing/2010/main" w="9525">
                 <a:solidFill>
                   <a:srgbClr val="000000"/>
                 </a:solidFill>

--- a/static/repo/akek/courses/economics/Economics - Week 10 (Kara).pptx
+++ b/static/repo/akek/courses/economics/Economics - Week 10 (Kara).pptx
@@ -45,10 +45,10 @@
     <p:sldId id="296" r:id="rId36"/>
     <p:sldId id="300" r:id="rId37"/>
     <p:sldId id="309" r:id="rId38"/>
-    <p:sldId id="314" r:id="rId39"/>
-    <p:sldId id="328" r:id="rId40"/>
-    <p:sldId id="312" r:id="rId41"/>
-    <p:sldId id="326" r:id="rId42"/>
+    <p:sldId id="328" r:id="rId39"/>
+    <p:sldId id="312" r:id="rId40"/>
+    <p:sldId id="326" r:id="rId41"/>
+    <p:sldId id="314" r:id="rId42"/>
     <p:sldId id="327" r:id="rId43"/>
     <p:sldId id="303" r:id="rId44"/>
     <p:sldId id="304" r:id="rId45"/>
@@ -284,7 +284,7 @@
             <a:fld id="{6BFE0501-E253-467A-B081-810B1B5DA4E1}" type="datetimeFigureOut">
               <a:rPr lang="en-US" smtClean="0"/>
               <a:pPr/>
-              <a:t>1/14/21</a:t>
+              <a:t>8/26/21</a:t>
             </a:fld>
             <a:endParaRPr lang="en-US" dirty="0"/>
           </a:p>
@@ -599,7 +599,7 @@
           </a:ln>
           <a:extLst>
             <a:ext uri="{909E8E84-426E-40dd-AFC4-6F175D3DCCD1}">
-              <a14:hiddenFill xmlns="" xmlns:a14="http://schemas.microsoft.com/office/drawing/2010/main">
+              <a14:hiddenFill xmlns:a14="http://schemas.microsoft.com/office/drawing/2010/main" xmlns="">
                 <a:solidFill>
                   <a:srgbClr val="FFFFFF"/>
                 </a:solidFill>
@@ -622,14 +622,14 @@
           <a:noFill/>
           <a:extLst>
             <a:ext uri="{909E8E84-426E-40dd-AFC4-6F175D3DCCD1}">
-              <a14:hiddenFill xmlns="" xmlns:a14="http://schemas.microsoft.com/office/drawing/2010/main">
+              <a14:hiddenFill xmlns:a14="http://schemas.microsoft.com/office/drawing/2010/main" xmlns="">
                 <a:solidFill>
                   <a:srgbClr val="FFFFFF"/>
                 </a:solidFill>
               </a14:hiddenFill>
             </a:ext>
             <a:ext uri="{91240B29-F687-4f45-9708-019B960494DF}">
-              <a14:hiddenLine xmlns="" xmlns:a14="http://schemas.microsoft.com/office/drawing/2010/main" w="9525">
+              <a14:hiddenLine xmlns:a14="http://schemas.microsoft.com/office/drawing/2010/main" xmlns="" w="9525">
                 <a:solidFill>
                   <a:srgbClr val="000000"/>
                 </a:solidFill>
@@ -704,7 +704,7 @@
           </a:ln>
           <a:extLst>
             <a:ext uri="{909E8E84-426E-40dd-AFC4-6F175D3DCCD1}">
-              <a14:hiddenFill xmlns="" xmlns:a14="http://schemas.microsoft.com/office/drawing/2010/main">
+              <a14:hiddenFill xmlns:a14="http://schemas.microsoft.com/office/drawing/2010/main" xmlns="">
                 <a:solidFill>
                   <a:srgbClr val="FFFFFF"/>
                 </a:solidFill>
@@ -727,14 +727,14 @@
           <a:noFill/>
           <a:extLst>
             <a:ext uri="{909E8E84-426E-40dd-AFC4-6F175D3DCCD1}">
-              <a14:hiddenFill xmlns="" xmlns:a14="http://schemas.microsoft.com/office/drawing/2010/main">
+              <a14:hiddenFill xmlns:a14="http://schemas.microsoft.com/office/drawing/2010/main" xmlns="">
                 <a:solidFill>
                   <a:srgbClr val="FFFFFF"/>
                 </a:solidFill>
               </a14:hiddenFill>
             </a:ext>
             <a:ext uri="{91240B29-F687-4f45-9708-019B960494DF}">
-              <a14:hiddenLine xmlns="" xmlns:a14="http://schemas.microsoft.com/office/drawing/2010/main" w="9525">
+              <a14:hiddenLine xmlns:a14="http://schemas.microsoft.com/office/drawing/2010/main" xmlns="" w="9525">
                 <a:solidFill>
                   <a:srgbClr val="000000"/>
                 </a:solidFill>
@@ -815,7 +815,7 @@
           </a:ln>
           <a:extLst>
             <a:ext uri="{909E8E84-426E-40dd-AFC4-6F175D3DCCD1}">
-              <a14:hiddenFill xmlns="" xmlns:a14="http://schemas.microsoft.com/office/drawing/2010/main">
+              <a14:hiddenFill xmlns:a14="http://schemas.microsoft.com/office/drawing/2010/main" xmlns="">
                 <a:solidFill>
                   <a:srgbClr val="FFFFFF"/>
                 </a:solidFill>
@@ -838,14 +838,14 @@
           <a:noFill/>
           <a:extLst>
             <a:ext uri="{909E8E84-426E-40dd-AFC4-6F175D3DCCD1}">
-              <a14:hiddenFill xmlns="" xmlns:a14="http://schemas.microsoft.com/office/drawing/2010/main">
+              <a14:hiddenFill xmlns:a14="http://schemas.microsoft.com/office/drawing/2010/main" xmlns="">
                 <a:solidFill>
                   <a:srgbClr val="FFFFFF"/>
                 </a:solidFill>
               </a14:hiddenFill>
             </a:ext>
             <a:ext uri="{91240B29-F687-4f45-9708-019B960494DF}">
-              <a14:hiddenLine xmlns="" xmlns:a14="http://schemas.microsoft.com/office/drawing/2010/main" w="9525">
+              <a14:hiddenLine xmlns:a14="http://schemas.microsoft.com/office/drawing/2010/main" xmlns="" w="9525">
                 <a:solidFill>
                   <a:srgbClr val="000000"/>
                 </a:solidFill>
@@ -935,7 +935,7 @@
           </a:ln>
           <a:extLst>
             <a:ext uri="{909E8E84-426E-40dd-AFC4-6F175D3DCCD1}">
-              <a14:hiddenFill xmlns="" xmlns:a14="http://schemas.microsoft.com/office/drawing/2010/main">
+              <a14:hiddenFill xmlns:a14="http://schemas.microsoft.com/office/drawing/2010/main" xmlns="">
                 <a:solidFill>
                   <a:srgbClr val="FFFFFF"/>
                 </a:solidFill>
@@ -958,14 +958,14 @@
           <a:noFill/>
           <a:extLst>
             <a:ext uri="{909E8E84-426E-40dd-AFC4-6F175D3DCCD1}">
-              <a14:hiddenFill xmlns="" xmlns:a14="http://schemas.microsoft.com/office/drawing/2010/main">
+              <a14:hiddenFill xmlns:a14="http://schemas.microsoft.com/office/drawing/2010/main" xmlns="">
                 <a:solidFill>
                   <a:srgbClr val="FFFFFF"/>
                 </a:solidFill>
               </a14:hiddenFill>
             </a:ext>
             <a:ext uri="{91240B29-F687-4f45-9708-019B960494DF}">
-              <a14:hiddenLine xmlns="" xmlns:a14="http://schemas.microsoft.com/office/drawing/2010/main" w="9525">
+              <a14:hiddenLine xmlns:a14="http://schemas.microsoft.com/office/drawing/2010/main" xmlns="" w="9525">
                 <a:solidFill>
                   <a:srgbClr val="000000"/>
                 </a:solidFill>
@@ -1061,7 +1061,7 @@
           </a:ln>
           <a:extLst>
             <a:ext uri="{909E8E84-426E-40dd-AFC4-6F175D3DCCD1}">
-              <a14:hiddenFill xmlns="" xmlns:a14="http://schemas.microsoft.com/office/drawing/2010/main">
+              <a14:hiddenFill xmlns:a14="http://schemas.microsoft.com/office/drawing/2010/main" xmlns="">
                 <a:solidFill>
                   <a:srgbClr val="FFFFFF"/>
                 </a:solidFill>
@@ -1084,14 +1084,14 @@
           <a:noFill/>
           <a:extLst>
             <a:ext uri="{909E8E84-426E-40dd-AFC4-6F175D3DCCD1}">
-              <a14:hiddenFill xmlns="" xmlns:a14="http://schemas.microsoft.com/office/drawing/2010/main">
+              <a14:hiddenFill xmlns:a14="http://schemas.microsoft.com/office/drawing/2010/main" xmlns="">
                 <a:solidFill>
                   <a:srgbClr val="FFFFFF"/>
                 </a:solidFill>
               </a14:hiddenFill>
             </a:ext>
             <a:ext uri="{91240B29-F687-4f45-9708-019B960494DF}">
-              <a14:hiddenLine xmlns="" xmlns:a14="http://schemas.microsoft.com/office/drawing/2010/main" w="9525">
+              <a14:hiddenLine xmlns:a14="http://schemas.microsoft.com/office/drawing/2010/main" xmlns="" w="9525">
                 <a:solidFill>
                   <a:srgbClr val="000000"/>
                 </a:solidFill>
@@ -1214,7 +1214,7 @@
           </a:ln>
           <a:extLst>
             <a:ext uri="{909E8E84-426E-40dd-AFC4-6F175D3DCCD1}">
-              <a14:hiddenFill xmlns="" xmlns:a14="http://schemas.microsoft.com/office/drawing/2010/main">
+              <a14:hiddenFill xmlns:a14="http://schemas.microsoft.com/office/drawing/2010/main" xmlns="">
                 <a:solidFill>
                   <a:srgbClr val="FFFFFF"/>
                 </a:solidFill>
@@ -1237,14 +1237,14 @@
           <a:noFill/>
           <a:extLst>
             <a:ext uri="{909E8E84-426E-40dd-AFC4-6F175D3DCCD1}">
-              <a14:hiddenFill xmlns="" xmlns:a14="http://schemas.microsoft.com/office/drawing/2010/main">
+              <a14:hiddenFill xmlns:a14="http://schemas.microsoft.com/office/drawing/2010/main" xmlns="">
                 <a:solidFill>
                   <a:srgbClr val="FFFFFF"/>
                 </a:solidFill>
               </a14:hiddenFill>
             </a:ext>
             <a:ext uri="{91240B29-F687-4f45-9708-019B960494DF}">
-              <a14:hiddenLine xmlns="" xmlns:a14="http://schemas.microsoft.com/office/drawing/2010/main" w="9525">
+              <a14:hiddenLine xmlns:a14="http://schemas.microsoft.com/office/drawing/2010/main" xmlns="" w="9525">
                 <a:solidFill>
                   <a:srgbClr val="000000"/>
                 </a:solidFill>
@@ -1319,14 +1319,14 @@
           </a:ln>
           <a:extLst>
             <a:ext uri="{909E8E84-426E-40dd-AFC4-6F175D3DCCD1}">
-              <a14:hiddenFill xmlns="" xmlns:a14="http://schemas.microsoft.com/office/drawing/2010/main">
+              <a14:hiddenFill xmlns:a14="http://schemas.microsoft.com/office/drawing/2010/main" xmlns="">
                 <a:solidFill>
                   <a:srgbClr val="FFFFFF"/>
                 </a:solidFill>
               </a14:hiddenFill>
             </a:ext>
             <a:ext uri="{FAA26D3D-D897-4be2-8F04-BA451C77F1D7}">
-              <ma14:placeholderFlag xmlns="" xmlns:ma14="http://schemas.microsoft.com/office/mac/drawingml/2011/main" val="1"/>
+              <ma14:placeholderFlag xmlns:ma14="http://schemas.microsoft.com/office/mac/drawingml/2011/main" xmlns="" val="1"/>
             </a:ext>
           </a:extLst>
         </p:spPr>
@@ -1406,14 +1406,14 @@
           </a:ln>
           <a:extLst>
             <a:ext uri="{909E8E84-426E-40dd-AFC4-6F175D3DCCD1}">
-              <a14:hiddenFill xmlns="" xmlns:a14="http://schemas.microsoft.com/office/drawing/2010/main">
+              <a14:hiddenFill xmlns:a14="http://schemas.microsoft.com/office/drawing/2010/main" xmlns="">
                 <a:solidFill>
                   <a:srgbClr val="FFFFFF"/>
                 </a:solidFill>
               </a14:hiddenFill>
             </a:ext>
             <a:ext uri="{FAA26D3D-D897-4be2-8F04-BA451C77F1D7}">
-              <ma14:placeholderFlag xmlns="" xmlns:ma14="http://schemas.microsoft.com/office/mac/drawingml/2011/main" val="1"/>
+              <ma14:placeholderFlag xmlns:ma14="http://schemas.microsoft.com/office/mac/drawingml/2011/main" xmlns="" val="1"/>
             </a:ext>
           </a:extLst>
         </p:spPr>
@@ -1548,14 +1548,14 @@
           </a:ln>
           <a:extLst>
             <a:ext uri="{909E8E84-426E-40dd-AFC4-6F175D3DCCD1}">
-              <a14:hiddenFill xmlns="" xmlns:a14="http://schemas.microsoft.com/office/drawing/2010/main">
+              <a14:hiddenFill xmlns:a14="http://schemas.microsoft.com/office/drawing/2010/main" xmlns="">
                 <a:solidFill>
                   <a:srgbClr val="FFFFFF"/>
                 </a:solidFill>
               </a14:hiddenFill>
             </a:ext>
             <a:ext uri="{FAA26D3D-D897-4be2-8F04-BA451C77F1D7}">
-              <ma14:placeholderFlag xmlns="" xmlns:ma14="http://schemas.microsoft.com/office/mac/drawingml/2011/main" val="1"/>
+              <ma14:placeholderFlag xmlns:ma14="http://schemas.microsoft.com/office/mac/drawingml/2011/main" xmlns="" val="1"/>
             </a:ext>
           </a:extLst>
         </p:spPr>
@@ -1690,14 +1690,14 @@
           </a:ln>
           <a:extLst>
             <a:ext uri="{909E8E84-426E-40dd-AFC4-6F175D3DCCD1}">
-              <a14:hiddenFill xmlns="" xmlns:a14="http://schemas.microsoft.com/office/drawing/2010/main">
+              <a14:hiddenFill xmlns:a14="http://schemas.microsoft.com/office/drawing/2010/main" xmlns="">
                 <a:solidFill>
                   <a:srgbClr val="FFFFFF"/>
                 </a:solidFill>
               </a14:hiddenFill>
             </a:ext>
             <a:ext uri="{FAA26D3D-D897-4be2-8F04-BA451C77F1D7}">
-              <ma14:placeholderFlag xmlns="" xmlns:ma14="http://schemas.microsoft.com/office/mac/drawingml/2011/main" val="1"/>
+              <ma14:placeholderFlag xmlns:ma14="http://schemas.microsoft.com/office/mac/drawingml/2011/main" xmlns="" val="1"/>
             </a:ext>
           </a:extLst>
         </p:spPr>
@@ -1777,14 +1777,14 @@
           </a:ln>
           <a:extLst>
             <a:ext uri="{909E8E84-426E-40dd-AFC4-6F175D3DCCD1}">
-              <a14:hiddenFill xmlns="" xmlns:a14="http://schemas.microsoft.com/office/drawing/2010/main">
+              <a14:hiddenFill xmlns:a14="http://schemas.microsoft.com/office/drawing/2010/main" xmlns="">
                 <a:solidFill>
                   <a:srgbClr val="FFFFFF"/>
                 </a:solidFill>
               </a14:hiddenFill>
             </a:ext>
             <a:ext uri="{FAA26D3D-D897-4be2-8F04-BA451C77F1D7}">
-              <ma14:placeholderFlag xmlns="" xmlns:ma14="http://schemas.microsoft.com/office/mac/drawingml/2011/main" val="1"/>
+              <ma14:placeholderFlag xmlns:ma14="http://schemas.microsoft.com/office/mac/drawingml/2011/main" xmlns="" val="1"/>
             </a:ext>
           </a:extLst>
         </p:spPr>
@@ -1803,14 +1803,14 @@
           <a:noFill/>
           <a:extLst>
             <a:ext uri="{909E8E84-426E-40dd-AFC4-6F175D3DCCD1}">
-              <a14:hiddenFill xmlns="" xmlns:a14="http://schemas.microsoft.com/office/drawing/2010/main">
+              <a14:hiddenFill xmlns:a14="http://schemas.microsoft.com/office/drawing/2010/main" xmlns="">
                 <a:solidFill>
                   <a:srgbClr val="FFFFFF"/>
                 </a:solidFill>
               </a14:hiddenFill>
             </a:ext>
             <a:ext uri="{91240B29-F687-4f45-9708-019B960494DF}">
-              <a14:hiddenLine xmlns="" xmlns:a14="http://schemas.microsoft.com/office/drawing/2010/main" w="9525">
+              <a14:hiddenLine xmlns:a14="http://schemas.microsoft.com/office/drawing/2010/main" xmlns="" w="9525">
                 <a:solidFill>
                   <a:srgbClr val="000000"/>
                 </a:solidFill>
@@ -1920,7 +1920,7 @@
           </a:ln>
           <a:extLst>
             <a:ext uri="{909E8E84-426E-40dd-AFC4-6F175D3DCCD1}">
-              <a14:hiddenFill xmlns="" xmlns:a14="http://schemas.microsoft.com/office/drawing/2010/main">
+              <a14:hiddenFill xmlns:a14="http://schemas.microsoft.com/office/drawing/2010/main" xmlns="">
                 <a:solidFill>
                   <a:srgbClr val="FFFFFF"/>
                 </a:solidFill>
@@ -1943,14 +1943,14 @@
           <a:noFill/>
           <a:extLst>
             <a:ext uri="{909E8E84-426E-40dd-AFC4-6F175D3DCCD1}">
-              <a14:hiddenFill xmlns="" xmlns:a14="http://schemas.microsoft.com/office/drawing/2010/main">
+              <a14:hiddenFill xmlns:a14="http://schemas.microsoft.com/office/drawing/2010/main" xmlns="">
                 <a:solidFill>
                   <a:srgbClr val="FFFFFF"/>
                 </a:solidFill>
               </a14:hiddenFill>
             </a:ext>
             <a:ext uri="{91240B29-F687-4f45-9708-019B960494DF}">
-              <a14:hiddenLine xmlns="" xmlns:a14="http://schemas.microsoft.com/office/drawing/2010/main" w="9525">
+              <a14:hiddenLine xmlns:a14="http://schemas.microsoft.com/office/drawing/2010/main" xmlns="" w="9525">
                 <a:solidFill>
                   <a:srgbClr val="000000"/>
                 </a:solidFill>
@@ -2042,14 +2042,14 @@
           </a:ln>
           <a:extLst>
             <a:ext uri="{909E8E84-426E-40dd-AFC4-6F175D3DCCD1}">
-              <a14:hiddenFill xmlns="" xmlns:a14="http://schemas.microsoft.com/office/drawing/2010/main">
+              <a14:hiddenFill xmlns:a14="http://schemas.microsoft.com/office/drawing/2010/main" xmlns="">
                 <a:solidFill>
                   <a:srgbClr val="FFFFFF"/>
                 </a:solidFill>
               </a14:hiddenFill>
             </a:ext>
             <a:ext uri="{FAA26D3D-D897-4be2-8F04-BA451C77F1D7}">
-              <ma14:placeholderFlag xmlns="" xmlns:ma14="http://schemas.microsoft.com/office/mac/drawingml/2011/main" val="1"/>
+              <ma14:placeholderFlag xmlns:ma14="http://schemas.microsoft.com/office/mac/drawingml/2011/main" xmlns="" val="1"/>
             </a:ext>
           </a:extLst>
         </p:spPr>
@@ -2129,14 +2129,14 @@
           </a:ln>
           <a:extLst>
             <a:ext uri="{909E8E84-426E-40dd-AFC4-6F175D3DCCD1}">
-              <a14:hiddenFill xmlns="" xmlns:a14="http://schemas.microsoft.com/office/drawing/2010/main">
+              <a14:hiddenFill xmlns:a14="http://schemas.microsoft.com/office/drawing/2010/main" xmlns="">
                 <a:solidFill>
                   <a:srgbClr val="FFFFFF"/>
                 </a:solidFill>
               </a14:hiddenFill>
             </a:ext>
             <a:ext uri="{FAA26D3D-D897-4be2-8F04-BA451C77F1D7}">
-              <ma14:placeholderFlag xmlns="" xmlns:ma14="http://schemas.microsoft.com/office/mac/drawingml/2011/main" val="1"/>
+              <ma14:placeholderFlag xmlns:ma14="http://schemas.microsoft.com/office/mac/drawingml/2011/main" xmlns="" val="1"/>
             </a:ext>
           </a:extLst>
         </p:spPr>
@@ -2240,14 +2240,14 @@
           </a:ln>
           <a:extLst>
             <a:ext uri="{909E8E84-426E-40dd-AFC4-6F175D3DCCD1}">
-              <a14:hiddenFill xmlns="" xmlns:a14="http://schemas.microsoft.com/office/drawing/2010/main">
+              <a14:hiddenFill xmlns:a14="http://schemas.microsoft.com/office/drawing/2010/main" xmlns="">
                 <a:solidFill>
                   <a:srgbClr val="FFFFFF"/>
                 </a:solidFill>
               </a14:hiddenFill>
             </a:ext>
             <a:ext uri="{FAA26D3D-D897-4be2-8F04-BA451C77F1D7}">
-              <ma14:placeholderFlag xmlns="" xmlns:ma14="http://schemas.microsoft.com/office/mac/drawingml/2011/main" val="1"/>
+              <ma14:placeholderFlag xmlns:ma14="http://schemas.microsoft.com/office/mac/drawingml/2011/main" xmlns="" val="1"/>
             </a:ext>
           </a:extLst>
         </p:spPr>
@@ -2404,14 +2404,14 @@
           </a:ln>
           <a:extLst>
             <a:ext uri="{909E8E84-426E-40dd-AFC4-6F175D3DCCD1}">
-              <a14:hiddenFill xmlns="" xmlns:a14="http://schemas.microsoft.com/office/drawing/2010/main">
+              <a14:hiddenFill xmlns:a14="http://schemas.microsoft.com/office/drawing/2010/main" xmlns="">
                 <a:solidFill>
                   <a:srgbClr val="FFFFFF"/>
                 </a:solidFill>
               </a14:hiddenFill>
             </a:ext>
             <a:ext uri="{FAA26D3D-D897-4be2-8F04-BA451C77F1D7}">
-              <ma14:placeholderFlag xmlns="" xmlns:ma14="http://schemas.microsoft.com/office/mac/drawingml/2011/main" val="1"/>
+              <ma14:placeholderFlag xmlns:ma14="http://schemas.microsoft.com/office/mac/drawingml/2011/main" xmlns="" val="1"/>
             </a:ext>
           </a:extLst>
         </p:spPr>
@@ -2530,14 +2530,14 @@
           </a:ln>
           <a:extLst>
             <a:ext uri="{909E8E84-426E-40dd-AFC4-6F175D3DCCD1}">
-              <a14:hiddenFill xmlns="" xmlns:a14="http://schemas.microsoft.com/office/drawing/2010/main">
+              <a14:hiddenFill xmlns:a14="http://schemas.microsoft.com/office/drawing/2010/main" xmlns="">
                 <a:solidFill>
                   <a:srgbClr val="FFFFFF"/>
                 </a:solidFill>
               </a14:hiddenFill>
             </a:ext>
             <a:ext uri="{FAA26D3D-D897-4be2-8F04-BA451C77F1D7}">
-              <ma14:placeholderFlag xmlns="" xmlns:ma14="http://schemas.microsoft.com/office/mac/drawingml/2011/main" val="1"/>
+              <ma14:placeholderFlag xmlns:ma14="http://schemas.microsoft.com/office/mac/drawingml/2011/main" xmlns="" val="1"/>
             </a:ext>
           </a:extLst>
         </p:spPr>
@@ -2556,14 +2556,14 @@
           <a:noFill/>
           <a:extLst>
             <a:ext uri="{909E8E84-426E-40dd-AFC4-6F175D3DCCD1}">
-              <a14:hiddenFill xmlns="" xmlns:a14="http://schemas.microsoft.com/office/drawing/2010/main">
+              <a14:hiddenFill xmlns:a14="http://schemas.microsoft.com/office/drawing/2010/main" xmlns="">
                 <a:solidFill>
                   <a:srgbClr val="FFFFFF"/>
                 </a:solidFill>
               </a14:hiddenFill>
             </a:ext>
             <a:ext uri="{91240B29-F687-4f45-9708-019B960494DF}">
-              <a14:hiddenLine xmlns="" xmlns:a14="http://schemas.microsoft.com/office/drawing/2010/main" w="9525">
+              <a14:hiddenLine xmlns:a14="http://schemas.microsoft.com/office/drawing/2010/main" xmlns="" w="9525">
                 <a:solidFill>
                   <a:srgbClr val="000000"/>
                 </a:solidFill>
@@ -2708,14 +2708,14 @@
           </a:ln>
           <a:extLst>
             <a:ext uri="{909E8E84-426E-40dd-AFC4-6F175D3DCCD1}">
-              <a14:hiddenFill xmlns="" xmlns:a14="http://schemas.microsoft.com/office/drawing/2010/main">
+              <a14:hiddenFill xmlns:a14="http://schemas.microsoft.com/office/drawing/2010/main" xmlns="">
                 <a:solidFill>
                   <a:srgbClr val="FFFFFF"/>
                 </a:solidFill>
               </a14:hiddenFill>
             </a:ext>
             <a:ext uri="{FAA26D3D-D897-4be2-8F04-BA451C77F1D7}">
-              <ma14:placeholderFlag xmlns="" xmlns:ma14="http://schemas.microsoft.com/office/mac/drawingml/2011/main" val="1"/>
+              <ma14:placeholderFlag xmlns:ma14="http://schemas.microsoft.com/office/mac/drawingml/2011/main" xmlns="" val="1"/>
             </a:ext>
           </a:extLst>
         </p:spPr>
@@ -2795,14 +2795,14 @@
           </a:ln>
           <a:extLst>
             <a:ext uri="{909E8E84-426E-40dd-AFC4-6F175D3DCCD1}">
-              <a14:hiddenFill xmlns="" xmlns:a14="http://schemas.microsoft.com/office/drawing/2010/main">
+              <a14:hiddenFill xmlns:a14="http://schemas.microsoft.com/office/drawing/2010/main" xmlns="">
                 <a:solidFill>
                   <a:srgbClr val="FFFFFF"/>
                 </a:solidFill>
               </a14:hiddenFill>
             </a:ext>
             <a:ext uri="{FAA26D3D-D897-4be2-8F04-BA451C77F1D7}">
-              <ma14:placeholderFlag xmlns="" xmlns:ma14="http://schemas.microsoft.com/office/mac/drawingml/2011/main" val="1"/>
+              <ma14:placeholderFlag xmlns:ma14="http://schemas.microsoft.com/office/mac/drawingml/2011/main" xmlns="" val="1"/>
             </a:ext>
           </a:extLst>
         </p:spPr>
@@ -2924,14 +2924,14 @@
           </a:ln>
           <a:extLst>
             <a:ext uri="{909E8E84-426E-40dd-AFC4-6F175D3DCCD1}">
-              <a14:hiddenFill xmlns="" xmlns:a14="http://schemas.microsoft.com/office/drawing/2010/main">
+              <a14:hiddenFill xmlns:a14="http://schemas.microsoft.com/office/drawing/2010/main" xmlns="">
                 <a:solidFill>
                   <a:srgbClr val="FFFFFF"/>
                 </a:solidFill>
               </a14:hiddenFill>
             </a:ext>
             <a:ext uri="{FAA26D3D-D897-4be2-8F04-BA451C77F1D7}">
-              <ma14:placeholderFlag xmlns="" xmlns:ma14="http://schemas.microsoft.com/office/mac/drawingml/2011/main" val="1"/>
+              <ma14:placeholderFlag xmlns:ma14="http://schemas.microsoft.com/office/mac/drawingml/2011/main" xmlns="" val="1"/>
             </a:ext>
           </a:extLst>
         </p:spPr>
@@ -3136,14 +3136,14 @@
           </a:ln>
           <a:extLst>
             <a:ext uri="{909E8E84-426E-40dd-AFC4-6F175D3DCCD1}">
-              <a14:hiddenFill xmlns="" xmlns:a14="http://schemas.microsoft.com/office/drawing/2010/main">
+              <a14:hiddenFill xmlns:a14="http://schemas.microsoft.com/office/drawing/2010/main" xmlns="">
                 <a:solidFill>
                   <a:srgbClr val="FFFFFF"/>
                 </a:solidFill>
               </a14:hiddenFill>
             </a:ext>
             <a:ext uri="{FAA26D3D-D897-4be2-8F04-BA451C77F1D7}">
-              <ma14:placeholderFlag xmlns="" xmlns:ma14="http://schemas.microsoft.com/office/mac/drawingml/2011/main" val="1"/>
+              <ma14:placeholderFlag xmlns:ma14="http://schemas.microsoft.com/office/mac/drawingml/2011/main" xmlns="" val="1"/>
             </a:ext>
           </a:extLst>
         </p:spPr>
@@ -3223,14 +3223,14 @@
           </a:ln>
           <a:extLst>
             <a:ext uri="{909E8E84-426E-40dd-AFC4-6F175D3DCCD1}">
-              <a14:hiddenFill xmlns="" xmlns:a14="http://schemas.microsoft.com/office/drawing/2010/main">
+              <a14:hiddenFill xmlns:a14="http://schemas.microsoft.com/office/drawing/2010/main" xmlns="">
                 <a:solidFill>
                   <a:srgbClr val="FFFFFF"/>
                 </a:solidFill>
               </a14:hiddenFill>
             </a:ext>
             <a:ext uri="{FAA26D3D-D897-4be2-8F04-BA451C77F1D7}">
-              <ma14:placeholderFlag xmlns="" xmlns:ma14="http://schemas.microsoft.com/office/mac/drawingml/2011/main" val="1"/>
+              <ma14:placeholderFlag xmlns:ma14="http://schemas.microsoft.com/office/mac/drawingml/2011/main" xmlns="" val="1"/>
             </a:ext>
           </a:extLst>
         </p:spPr>
@@ -3310,7 +3310,7 @@
           </a:ln>
           <a:extLst>
             <a:ext uri="{909E8E84-426E-40dd-AFC4-6F175D3DCCD1}">
-              <a14:hiddenFill xmlns="" xmlns:a14="http://schemas.microsoft.com/office/drawing/2010/main">
+              <a14:hiddenFill xmlns:a14="http://schemas.microsoft.com/office/drawing/2010/main" xmlns="">
                 <a:solidFill>
                   <a:srgbClr val="FFFFFF"/>
                 </a:solidFill>
@@ -3333,14 +3333,14 @@
           <a:noFill/>
           <a:extLst>
             <a:ext uri="{909E8E84-426E-40dd-AFC4-6F175D3DCCD1}">
-              <a14:hiddenFill xmlns="" xmlns:a14="http://schemas.microsoft.com/office/drawing/2010/main">
+              <a14:hiddenFill xmlns:a14="http://schemas.microsoft.com/office/drawing/2010/main" xmlns="">
                 <a:solidFill>
                   <a:srgbClr val="FFFFFF"/>
                 </a:solidFill>
               </a14:hiddenFill>
             </a:ext>
             <a:ext uri="{91240B29-F687-4f45-9708-019B960494DF}">
-              <a14:hiddenLine xmlns="" xmlns:a14="http://schemas.microsoft.com/office/drawing/2010/main" w="9525">
+              <a14:hiddenLine xmlns:a14="http://schemas.microsoft.com/office/drawing/2010/main" xmlns="" w="9525">
                 <a:solidFill>
                   <a:srgbClr val="000000"/>
                 </a:solidFill>
@@ -3459,14 +3459,14 @@
           </a:ln>
           <a:extLst>
             <a:ext uri="{909E8E84-426E-40dd-AFC4-6F175D3DCCD1}">
-              <a14:hiddenFill xmlns="" xmlns:a14="http://schemas.microsoft.com/office/drawing/2010/main">
+              <a14:hiddenFill xmlns:a14="http://schemas.microsoft.com/office/drawing/2010/main" xmlns="">
                 <a:solidFill>
                   <a:srgbClr val="FFFFFF"/>
                 </a:solidFill>
               </a14:hiddenFill>
             </a:ext>
             <a:ext uri="{FAA26D3D-D897-4be2-8F04-BA451C77F1D7}">
-              <ma14:placeholderFlag xmlns="" xmlns:ma14="http://schemas.microsoft.com/office/mac/drawingml/2011/main" val="1"/>
+              <ma14:placeholderFlag xmlns:ma14="http://schemas.microsoft.com/office/mac/drawingml/2011/main" xmlns="" val="1"/>
             </a:ext>
           </a:extLst>
         </p:spPr>
@@ -3546,14 +3546,14 @@
           </a:ln>
           <a:extLst>
             <a:ext uri="{909E8E84-426E-40dd-AFC4-6F175D3DCCD1}">
-              <a14:hiddenFill xmlns="" xmlns:a14="http://schemas.microsoft.com/office/drawing/2010/main">
+              <a14:hiddenFill xmlns:a14="http://schemas.microsoft.com/office/drawing/2010/main" xmlns="">
                 <a:solidFill>
                   <a:srgbClr val="FFFFFF"/>
                 </a:solidFill>
               </a14:hiddenFill>
             </a:ext>
             <a:ext uri="{FAA26D3D-D897-4be2-8F04-BA451C77F1D7}">
-              <ma14:placeholderFlag xmlns="" xmlns:ma14="http://schemas.microsoft.com/office/mac/drawingml/2011/main" val="1"/>
+              <ma14:placeholderFlag xmlns:ma14="http://schemas.microsoft.com/office/mac/drawingml/2011/main" xmlns="" val="1"/>
             </a:ext>
           </a:extLst>
         </p:spPr>
@@ -3633,14 +3633,14 @@
           </a:ln>
           <a:extLst>
             <a:ext uri="{909E8E84-426E-40dd-AFC4-6F175D3DCCD1}">
-              <a14:hiddenFill xmlns="" xmlns:a14="http://schemas.microsoft.com/office/drawing/2010/main">
+              <a14:hiddenFill xmlns:a14="http://schemas.microsoft.com/office/drawing/2010/main" xmlns="">
                 <a:solidFill>
                   <a:srgbClr val="FFFFFF"/>
                 </a:solidFill>
               </a14:hiddenFill>
             </a:ext>
             <a:ext uri="{FAA26D3D-D897-4be2-8F04-BA451C77F1D7}">
-              <ma14:placeholderFlag xmlns="" xmlns:ma14="http://schemas.microsoft.com/office/mac/drawingml/2011/main" val="1"/>
+              <ma14:placeholderFlag xmlns:ma14="http://schemas.microsoft.com/office/mac/drawingml/2011/main" xmlns="" val="1"/>
             </a:ext>
           </a:extLst>
         </p:spPr>
@@ -3720,14 +3720,14 @@
           </a:ln>
           <a:extLst>
             <a:ext uri="{909E8E84-426E-40dd-AFC4-6F175D3DCCD1}">
-              <a14:hiddenFill xmlns="" xmlns:a14="http://schemas.microsoft.com/office/drawing/2010/main">
+              <a14:hiddenFill xmlns:a14="http://schemas.microsoft.com/office/drawing/2010/main" xmlns="">
                 <a:solidFill>
                   <a:srgbClr val="FFFFFF"/>
                 </a:solidFill>
               </a14:hiddenFill>
             </a:ext>
             <a:ext uri="{FAA26D3D-D897-4be2-8F04-BA451C77F1D7}">
-              <ma14:placeholderFlag xmlns="" xmlns:ma14="http://schemas.microsoft.com/office/mac/drawingml/2011/main" val="1"/>
+              <ma14:placeholderFlag xmlns:ma14="http://schemas.microsoft.com/office/mac/drawingml/2011/main" xmlns="" val="1"/>
             </a:ext>
           </a:extLst>
         </p:spPr>
@@ -3833,14 +3833,14 @@
           </a:ln>
           <a:extLst>
             <a:ext uri="{909E8E84-426E-40dd-AFC4-6F175D3DCCD1}">
-              <a14:hiddenFill xmlns="" xmlns:a14="http://schemas.microsoft.com/office/drawing/2010/main">
+              <a14:hiddenFill xmlns:a14="http://schemas.microsoft.com/office/drawing/2010/main" xmlns="">
                 <a:solidFill>
                   <a:srgbClr val="FFFFFF"/>
                 </a:solidFill>
               </a14:hiddenFill>
             </a:ext>
             <a:ext uri="{FAA26D3D-D897-4be2-8F04-BA451C77F1D7}">
-              <ma14:placeholderFlag xmlns="" xmlns:ma14="http://schemas.microsoft.com/office/mac/drawingml/2011/main" val="1"/>
+              <ma14:placeholderFlag xmlns:ma14="http://schemas.microsoft.com/office/mac/drawingml/2011/main" xmlns="" val="1"/>
             </a:ext>
           </a:extLst>
         </p:spPr>
@@ -3859,14 +3859,14 @@
           <a:noFill/>
           <a:extLst>
             <a:ext uri="{909E8E84-426E-40dd-AFC4-6F175D3DCCD1}">
-              <a14:hiddenFill xmlns="" xmlns:a14="http://schemas.microsoft.com/office/drawing/2010/main">
+              <a14:hiddenFill xmlns:a14="http://schemas.microsoft.com/office/drawing/2010/main" xmlns="">
                 <a:solidFill>
                   <a:srgbClr val="FFFFFF"/>
                 </a:solidFill>
               </a14:hiddenFill>
             </a:ext>
             <a:ext uri="{91240B29-F687-4f45-9708-019B960494DF}">
-              <a14:hiddenLine xmlns="" xmlns:a14="http://schemas.microsoft.com/office/drawing/2010/main" w="9525">
+              <a14:hiddenLine xmlns:a14="http://schemas.microsoft.com/office/drawing/2010/main" xmlns="" w="9525">
                 <a:solidFill>
                   <a:srgbClr val="000000"/>
                 </a:solidFill>
@@ -3900,6 +3900,411 @@
 </file>
 
 <file path=ppt/notesSlides/notesSlide35.xml><?xml version="1.0" encoding="utf-8"?>
+<p:notes xmlns:a="http://schemas.openxmlformats.org/drawingml/2006/main" xmlns:r="http://schemas.openxmlformats.org/officeDocument/2006/relationships" xmlns:p="http://schemas.openxmlformats.org/presentationml/2006/main">
+  <p:cSld>
+    <p:spTree>
+      <p:nvGrpSpPr>
+        <p:cNvPr id="1" name=""/>
+        <p:cNvGrpSpPr/>
+        <p:nvPr/>
+      </p:nvGrpSpPr>
+      <p:grpSpPr>
+        <a:xfrm>
+          <a:off x="0" y="0"/>
+          <a:ext cx="0" cy="0"/>
+          <a:chOff x="0" y="0"/>
+          <a:chExt cx="0" cy="0"/>
+        </a:xfrm>
+      </p:grpSpPr>
+      <p:sp>
+        <p:nvSpPr>
+          <p:cNvPr id="25601" name="Slide Image Placeholder 1"/>
+          <p:cNvSpPr>
+            <a:spLocks noGrp="1" noRot="1" noChangeAspect="1" noTextEdit="1"/>
+          </p:cNvSpPr>
+          <p:nvPr>
+            <p:ph type="sldImg"/>
+          </p:nvPr>
+        </p:nvSpPr>
+        <p:spPr bwMode="auto">
+          <a:xfrm>
+            <a:off x="685800" y="1143000"/>
+            <a:ext cx="5486400" cy="3086100"/>
+          </a:xfrm>
+          <a:noFill/>
+          <a:ln>
+            <a:solidFill>
+              <a:srgbClr val="000000"/>
+            </a:solidFill>
+            <a:miter lim="800000"/>
+            <a:headEnd/>
+            <a:tailEnd/>
+          </a:ln>
+          <a:extLst>
+            <a:ext uri="{909E8E84-426E-40dd-AFC4-6F175D3DCCD1}">
+              <a14:hiddenFill xmlns:a14="http://schemas.microsoft.com/office/drawing/2010/main" xmlns="">
+                <a:solidFill>
+                  <a:srgbClr val="FFFFFF"/>
+                </a:solidFill>
+              </a14:hiddenFill>
+            </a:ext>
+            <a:ext uri="{FAA26D3D-D897-4be2-8F04-BA451C77F1D7}">
+              <ma14:placeholderFlag xmlns:ma14="http://schemas.microsoft.com/office/mac/drawingml/2011/main" xmlns="" val="1"/>
+            </a:ext>
+          </a:extLst>
+        </p:spPr>
+      </p:sp>
+      <p:sp>
+        <p:nvSpPr>
+          <p:cNvPr id="72707" name="Notes Placeholder 2"/>
+          <p:cNvSpPr>
+            <a:spLocks noGrp="1"/>
+          </p:cNvSpPr>
+          <p:nvPr>
+            <p:ph type="body" idx="1"/>
+          </p:nvPr>
+        </p:nvSpPr>
+        <p:spPr bwMode="auto"/>
+        <p:txBody>
+          <a:bodyPr/>
+          <a:lstStyle/>
+          <a:p>
+            <a:pPr marL="0" marR="0" indent="0" algn="l" defTabSz="914400" rtl="0" eaLnBrk="1" fontAlgn="auto" latinLnBrk="0" hangingPunct="1">
+              <a:lnSpc>
+                <a:spcPct val="100000"/>
+              </a:lnSpc>
+              <a:spcBef>
+                <a:spcPts val="0"/>
+              </a:spcBef>
+              <a:spcAft>
+                <a:spcPts val="0"/>
+              </a:spcAft>
+              <a:buClrTx/>
+              <a:buSzTx/>
+              <a:buFontTx/>
+              <a:buNone/>
+              <a:tabLst/>
+              <a:defRPr/>
+            </a:pPr>
+            <a:r>
+              <a:rPr lang="en-US" dirty="0">
+                <a:ea typeface="MS PGothic" charset="0"/>
+                <a:cs typeface="MS PGothic" charset="0"/>
+              </a:rPr>
+              <a:t>Money is essentially just green pieces of paper. How does the extra money affect the quantity of output, or real GDP, in the economy? The extra money does not affect the supply of labor, capital, amount of natural resources, or technological knowledge—all of those are identical across the economies. This means that the extra money in circulation is chasing the same output so it takes 10 times the money to buy goods and services than it does in the economy with less money.</a:t>
+            </a:r>
+          </a:p>
+          <a:p>
+            <a:pPr marL="0" marR="0" indent="0" algn="l" defTabSz="914400" rtl="0" eaLnBrk="1" fontAlgn="auto" latinLnBrk="0" hangingPunct="1">
+              <a:lnSpc>
+                <a:spcPct val="100000"/>
+              </a:lnSpc>
+              <a:spcBef>
+                <a:spcPts val="0"/>
+              </a:spcBef>
+              <a:spcAft>
+                <a:spcPts val="0"/>
+              </a:spcAft>
+              <a:buClrTx/>
+              <a:buSzTx/>
+              <a:buFontTx/>
+              <a:buNone/>
+              <a:tabLst/>
+              <a:defRPr/>
+            </a:pPr>
+            <a:endParaRPr lang="en-US" dirty="0">
+              <a:ea typeface="MS PGothic" charset="0"/>
+              <a:cs typeface="MS PGothic" charset="0"/>
+            </a:endParaRPr>
+          </a:p>
+          <a:p>
+            <a:pPr marL="0" marR="0" lvl="1" indent="0" algn="l" defTabSz="914400" rtl="0" eaLnBrk="1" fontAlgn="auto" latinLnBrk="0" hangingPunct="1">
+              <a:lnSpc>
+                <a:spcPct val="100000"/>
+              </a:lnSpc>
+              <a:spcBef>
+                <a:spcPts val="0"/>
+              </a:spcBef>
+              <a:spcAft>
+                <a:spcPts val="0"/>
+              </a:spcAft>
+              <a:buClrTx/>
+              <a:buSzTx/>
+              <a:buFontTx/>
+              <a:buNone/>
+              <a:tabLst/>
+              <a:defRPr/>
+            </a:pPr>
+            <a:r>
+              <a:rPr lang="en-US" dirty="0">
+                <a:cs typeface="Cambria"/>
+              </a:rPr>
+              <a:t>Causes of growth are resources, technology, and institutions</a:t>
+            </a:r>
+            <a:r>
+              <a:rPr lang="en-US" dirty="0">
+                <a:cs typeface="+mn-cs"/>
+              </a:rPr>
+              <a:t>. Therefore, long-run growth (and a shift in the long-run AS) occur when changes to these three causes happen!</a:t>
+            </a:r>
+          </a:p>
+          <a:p>
+            <a:pPr marL="0" marR="0" indent="0" algn="l" defTabSz="914400" rtl="0" eaLnBrk="1" fontAlgn="auto" latinLnBrk="0" hangingPunct="1">
+              <a:lnSpc>
+                <a:spcPct val="100000"/>
+              </a:lnSpc>
+              <a:spcBef>
+                <a:spcPts val="0"/>
+              </a:spcBef>
+              <a:spcAft>
+                <a:spcPts val="0"/>
+              </a:spcAft>
+              <a:buClrTx/>
+              <a:buSzTx/>
+              <a:buFontTx/>
+              <a:buNone/>
+              <a:tabLst/>
+              <a:defRPr/>
+            </a:pPr>
+            <a:endParaRPr lang="en-US" dirty="0">
+              <a:ea typeface="MS PGothic" charset="0"/>
+              <a:cs typeface="MS PGothic" charset="0"/>
+            </a:endParaRPr>
+          </a:p>
+        </p:txBody>
+      </p:sp>
+    </p:spTree>
+  </p:cSld>
+  <p:clrMapOvr>
+    <a:masterClrMapping/>
+  </p:clrMapOvr>
+</p:notes>
+</file>
+
+<file path=ppt/notesSlides/notesSlide36.xml><?xml version="1.0" encoding="utf-8"?>
+<p:notes xmlns:a="http://schemas.openxmlformats.org/drawingml/2006/main" xmlns:r="http://schemas.openxmlformats.org/officeDocument/2006/relationships" xmlns:p="http://schemas.openxmlformats.org/presentationml/2006/main">
+  <p:cSld>
+    <p:spTree>
+      <p:nvGrpSpPr>
+        <p:cNvPr id="1" name=""/>
+        <p:cNvGrpSpPr/>
+        <p:nvPr/>
+      </p:nvGrpSpPr>
+      <p:grpSpPr>
+        <a:xfrm>
+          <a:off x="0" y="0"/>
+          <a:ext cx="0" cy="0"/>
+          <a:chOff x="0" y="0"/>
+          <a:chExt cx="0" cy="0"/>
+        </a:xfrm>
+      </p:grpSpPr>
+      <p:sp>
+        <p:nvSpPr>
+          <p:cNvPr id="66561" name="Slide Image Placeholder 1"/>
+          <p:cNvSpPr>
+            <a:spLocks noGrp="1" noRot="1" noChangeAspect="1"/>
+          </p:cNvSpPr>
+          <p:nvPr>
+            <p:ph type="sldImg"/>
+          </p:nvPr>
+        </p:nvSpPr>
+        <p:spPr bwMode="auto">
+          <a:xfrm>
+            <a:off x="685800" y="1143000"/>
+            <a:ext cx="5486400" cy="3086100"/>
+          </a:xfrm>
+          <a:noFill/>
+          <a:ln>
+            <a:solidFill>
+              <a:srgbClr val="000000"/>
+            </a:solidFill>
+            <a:miter lim="800000"/>
+            <a:headEnd/>
+            <a:tailEnd/>
+          </a:ln>
+          <a:extLst>
+            <a:ext uri="{909E8E84-426E-40dd-AFC4-6F175D3DCCD1}">
+              <a14:hiddenFill xmlns:a14="http://schemas.microsoft.com/office/drawing/2010/main" xmlns="">
+                <a:solidFill>
+                  <a:srgbClr val="FFFFFF"/>
+                </a:solidFill>
+              </a14:hiddenFill>
+            </a:ext>
+            <a:ext uri="{FAA26D3D-D897-4be2-8F04-BA451C77F1D7}">
+              <ma14:placeholderFlag xmlns:ma14="http://schemas.microsoft.com/office/mac/drawingml/2011/main" xmlns="" val="1"/>
+            </a:ext>
+          </a:extLst>
+        </p:spPr>
+      </p:sp>
+      <p:sp>
+        <p:nvSpPr>
+          <p:cNvPr id="66562" name="Notes Placeholder 2"/>
+          <p:cNvSpPr>
+            <a:spLocks noGrp="1"/>
+          </p:cNvSpPr>
+          <p:nvPr>
+            <p:ph type="body" idx="1"/>
+          </p:nvPr>
+        </p:nvSpPr>
+        <p:spPr bwMode="auto">
+          <a:noFill/>
+          <a:extLst>
+            <a:ext uri="{909E8E84-426E-40dd-AFC4-6F175D3DCCD1}">
+              <a14:hiddenFill xmlns:a14="http://schemas.microsoft.com/office/drawing/2010/main" xmlns="">
+                <a:solidFill>
+                  <a:srgbClr val="FFFFFF"/>
+                </a:solidFill>
+              </a14:hiddenFill>
+            </a:ext>
+            <a:ext uri="{91240B29-F687-4f45-9708-019B960494DF}">
+              <a14:hiddenLine xmlns:a14="http://schemas.microsoft.com/office/drawing/2010/main" xmlns="" w="9525">
+                <a:solidFill>
+                  <a:srgbClr val="000000"/>
+                </a:solidFill>
+                <a:miter lim="800000"/>
+                <a:headEnd/>
+                <a:tailEnd/>
+              </a14:hiddenLine>
+            </a:ext>
+          </a:extLst>
+        </p:spPr>
+        <p:txBody>
+          <a:bodyPr/>
+          <a:lstStyle/>
+          <a:p>
+            <a:r>
+              <a:rPr lang="en-US" dirty="0">
+                <a:ea typeface="MS PGothic" charset="0"/>
+                <a:cs typeface="MS PGothic" charset="0"/>
+              </a:rPr>
+              <a:t>Shifts in the long-run aggregate supply curve occur when there is a change in an economy</a:t>
+            </a:r>
+            <a:r>
+              <a:rPr lang="en-US" altLang="ja-JP" dirty="0">
+                <a:ea typeface="MS PGothic" charset="0"/>
+                <a:cs typeface="MS PGothic" charset="0"/>
+              </a:rPr>
+              <a:t>'s resources, technology, or institutions. A technological advance moves an economy from LRAS to LRAS</a:t>
+            </a:r>
+            <a:r>
+              <a:rPr lang="en-US" altLang="ja-JP" baseline="-25000" dirty="0">
+                <a:ea typeface="MS PGothic" charset="0"/>
+                <a:cs typeface="MS PGothic" charset="0"/>
+              </a:rPr>
+              <a:t>1</a:t>
+            </a:r>
+            <a:r>
+              <a:rPr lang="en-US" altLang="ja-JP" dirty="0">
+                <a:ea typeface="MS PGothic" charset="0"/>
+                <a:cs typeface="MS PGothic" charset="0"/>
+              </a:rPr>
+              <a:t>. This is a picture of economic growth. When the LRAS curve shifts to the right, this movement also indicates a change in the economy's full employment output level from Y* to Y**. The unemployment rate does not change, but workers are more productive. </a:t>
+            </a:r>
+          </a:p>
+          <a:p>
+            <a:endParaRPr lang="en-US" dirty="0">
+              <a:ea typeface="MS PGothic" charset="0"/>
+              <a:cs typeface="MS PGothic" charset="0"/>
+            </a:endParaRPr>
+          </a:p>
+        </p:txBody>
+      </p:sp>
+    </p:spTree>
+  </p:cSld>
+  <p:clrMapOvr>
+    <a:masterClrMapping/>
+  </p:clrMapOvr>
+</p:notes>
+</file>
+
+<file path=ppt/notesSlides/notesSlide37.xml><?xml version="1.0" encoding="utf-8"?>
+<p:notes xmlns:a="http://schemas.openxmlformats.org/drawingml/2006/main" xmlns:r="http://schemas.openxmlformats.org/officeDocument/2006/relationships" xmlns:p="http://schemas.openxmlformats.org/presentationml/2006/main">
+  <p:cSld>
+    <p:spTree>
+      <p:nvGrpSpPr>
+        <p:cNvPr id="1" name=""/>
+        <p:cNvGrpSpPr/>
+        <p:nvPr/>
+      </p:nvGrpSpPr>
+      <p:grpSpPr>
+        <a:xfrm>
+          <a:off x="0" y="0"/>
+          <a:ext cx="0" cy="0"/>
+          <a:chOff x="0" y="0"/>
+          <a:chExt cx="0" cy="0"/>
+        </a:xfrm>
+      </p:grpSpPr>
+      <p:sp>
+        <p:nvSpPr>
+          <p:cNvPr id="25601" name="Slide Image Placeholder 1"/>
+          <p:cNvSpPr>
+            <a:spLocks noGrp="1" noRot="1" noChangeAspect="1" noTextEdit="1"/>
+          </p:cNvSpPr>
+          <p:nvPr>
+            <p:ph type="sldImg"/>
+          </p:nvPr>
+        </p:nvSpPr>
+        <p:spPr bwMode="auto">
+          <a:xfrm>
+            <a:off x="685800" y="1143000"/>
+            <a:ext cx="5486400" cy="3086100"/>
+          </a:xfrm>
+          <a:noFill/>
+          <a:ln>
+            <a:solidFill>
+              <a:srgbClr val="000000"/>
+            </a:solidFill>
+            <a:miter lim="800000"/>
+            <a:headEnd/>
+            <a:tailEnd/>
+          </a:ln>
+          <a:extLst>
+            <a:ext uri="{909E8E84-426E-40dd-AFC4-6F175D3DCCD1}">
+              <a14:hiddenFill xmlns:a14="http://schemas.microsoft.com/office/drawing/2010/main" xmlns="">
+                <a:solidFill>
+                  <a:srgbClr val="FFFFFF"/>
+                </a:solidFill>
+              </a14:hiddenFill>
+            </a:ext>
+            <a:ext uri="{FAA26D3D-D897-4be2-8F04-BA451C77F1D7}">
+              <ma14:placeholderFlag xmlns:ma14="http://schemas.microsoft.com/office/mac/drawingml/2011/main" xmlns="" val="1"/>
+            </a:ext>
+          </a:extLst>
+        </p:spPr>
+      </p:sp>
+      <p:sp>
+        <p:nvSpPr>
+          <p:cNvPr id="72707" name="Notes Placeholder 2"/>
+          <p:cNvSpPr>
+            <a:spLocks noGrp="1"/>
+          </p:cNvSpPr>
+          <p:nvPr>
+            <p:ph type="body" idx="1"/>
+          </p:nvPr>
+        </p:nvSpPr>
+        <p:spPr bwMode="auto"/>
+        <p:txBody>
+          <a:bodyPr/>
+          <a:lstStyle/>
+          <a:p>
+            <a:pPr>
+              <a:defRPr/>
+            </a:pPr>
+            <a:endParaRPr lang="en-US" dirty="0">
+              <a:cs typeface="ＭＳ Ｐゴシック" charset="0"/>
+            </a:endParaRPr>
+          </a:p>
+        </p:txBody>
+      </p:sp>
+    </p:spTree>
+  </p:cSld>
+  <p:clrMapOvr>
+    <a:masterClrMapping/>
+  </p:clrMapOvr>
+</p:notes>
+</file>
+
+<file path=ppt/notesSlides/notesSlide38.xml><?xml version="1.0" encoding="utf-8"?>
 <p:notes xmlns:a="http://schemas.openxmlformats.org/drawingml/2006/main" xmlns:r="http://schemas.openxmlformats.org/officeDocument/2006/relationships" xmlns:p="http://schemas.openxmlformats.org/presentationml/2006/main">
   <p:cSld>
     <p:spTree>
@@ -3942,14 +4347,14 @@
           </a:ln>
           <a:extLst>
             <a:ext uri="{909E8E84-426E-40dd-AFC4-6F175D3DCCD1}">
-              <a14:hiddenFill xmlns="" xmlns:a14="http://schemas.microsoft.com/office/drawing/2010/main">
+              <a14:hiddenFill xmlns:a14="http://schemas.microsoft.com/office/drawing/2010/main" xmlns="">
                 <a:solidFill>
                   <a:srgbClr val="FFFFFF"/>
                 </a:solidFill>
               </a14:hiddenFill>
             </a:ext>
             <a:ext uri="{FAA26D3D-D897-4be2-8F04-BA451C77F1D7}">
-              <ma14:placeholderFlag xmlns="" xmlns:ma14="http://schemas.microsoft.com/office/mac/drawingml/2011/main" val="1"/>
+              <ma14:placeholderFlag xmlns:ma14="http://schemas.microsoft.com/office/mac/drawingml/2011/main" xmlns="" val="1"/>
             </a:ext>
           </a:extLst>
         </p:spPr>
@@ -3968,14 +4373,14 @@
           <a:noFill/>
           <a:extLst>
             <a:ext uri="{909E8E84-426E-40dd-AFC4-6F175D3DCCD1}">
-              <a14:hiddenFill xmlns="" xmlns:a14="http://schemas.microsoft.com/office/drawing/2010/main">
+              <a14:hiddenFill xmlns:a14="http://schemas.microsoft.com/office/drawing/2010/main" xmlns="">
                 <a:solidFill>
                   <a:srgbClr val="FFFFFF"/>
                 </a:solidFill>
               </a14:hiddenFill>
             </a:ext>
             <a:ext uri="{91240B29-F687-4f45-9708-019B960494DF}">
-              <a14:hiddenLine xmlns="" xmlns:a14="http://schemas.microsoft.com/office/drawing/2010/main" w="9525">
+              <a14:hiddenLine xmlns:a14="http://schemas.microsoft.com/office/drawing/2010/main" xmlns="" w="9525">
                 <a:solidFill>
                   <a:srgbClr val="000000"/>
                 </a:solidFill>
@@ -4007,411 +4412,6 @@
             <a:endParaRPr lang="en-US" dirty="0">
               <a:ea typeface="MS PGothic" charset="0"/>
               <a:cs typeface="MS PGothic" charset="0"/>
-            </a:endParaRPr>
-          </a:p>
-        </p:txBody>
-      </p:sp>
-    </p:spTree>
-  </p:cSld>
-  <p:clrMapOvr>
-    <a:masterClrMapping/>
-  </p:clrMapOvr>
-</p:notes>
-</file>
-
-<file path=ppt/notesSlides/notesSlide36.xml><?xml version="1.0" encoding="utf-8"?>
-<p:notes xmlns:a="http://schemas.openxmlformats.org/drawingml/2006/main" xmlns:r="http://schemas.openxmlformats.org/officeDocument/2006/relationships" xmlns:p="http://schemas.openxmlformats.org/presentationml/2006/main">
-  <p:cSld>
-    <p:spTree>
-      <p:nvGrpSpPr>
-        <p:cNvPr id="1" name=""/>
-        <p:cNvGrpSpPr/>
-        <p:nvPr/>
-      </p:nvGrpSpPr>
-      <p:grpSpPr>
-        <a:xfrm>
-          <a:off x="0" y="0"/>
-          <a:ext cx="0" cy="0"/>
-          <a:chOff x="0" y="0"/>
-          <a:chExt cx="0" cy="0"/>
-        </a:xfrm>
-      </p:grpSpPr>
-      <p:sp>
-        <p:nvSpPr>
-          <p:cNvPr id="25601" name="Slide Image Placeholder 1"/>
-          <p:cNvSpPr>
-            <a:spLocks noGrp="1" noRot="1" noChangeAspect="1" noTextEdit="1"/>
-          </p:cNvSpPr>
-          <p:nvPr>
-            <p:ph type="sldImg"/>
-          </p:nvPr>
-        </p:nvSpPr>
-        <p:spPr bwMode="auto">
-          <a:xfrm>
-            <a:off x="685800" y="1143000"/>
-            <a:ext cx="5486400" cy="3086100"/>
-          </a:xfrm>
-          <a:noFill/>
-          <a:ln>
-            <a:solidFill>
-              <a:srgbClr val="000000"/>
-            </a:solidFill>
-            <a:miter lim="800000"/>
-            <a:headEnd/>
-            <a:tailEnd/>
-          </a:ln>
-          <a:extLst>
-            <a:ext uri="{909E8E84-426E-40dd-AFC4-6F175D3DCCD1}">
-              <a14:hiddenFill xmlns="" xmlns:a14="http://schemas.microsoft.com/office/drawing/2010/main">
-                <a:solidFill>
-                  <a:srgbClr val="FFFFFF"/>
-                </a:solidFill>
-              </a14:hiddenFill>
-            </a:ext>
-            <a:ext uri="{FAA26D3D-D897-4be2-8F04-BA451C77F1D7}">
-              <ma14:placeholderFlag xmlns="" xmlns:ma14="http://schemas.microsoft.com/office/mac/drawingml/2011/main" val="1"/>
-            </a:ext>
-          </a:extLst>
-        </p:spPr>
-      </p:sp>
-      <p:sp>
-        <p:nvSpPr>
-          <p:cNvPr id="72707" name="Notes Placeholder 2"/>
-          <p:cNvSpPr>
-            <a:spLocks noGrp="1"/>
-          </p:cNvSpPr>
-          <p:nvPr>
-            <p:ph type="body" idx="1"/>
-          </p:nvPr>
-        </p:nvSpPr>
-        <p:spPr bwMode="auto"/>
-        <p:txBody>
-          <a:bodyPr/>
-          <a:lstStyle/>
-          <a:p>
-            <a:pPr marL="0" marR="0" indent="0" algn="l" defTabSz="914400" rtl="0" eaLnBrk="1" fontAlgn="auto" latinLnBrk="0" hangingPunct="1">
-              <a:lnSpc>
-                <a:spcPct val="100000"/>
-              </a:lnSpc>
-              <a:spcBef>
-                <a:spcPts val="0"/>
-              </a:spcBef>
-              <a:spcAft>
-                <a:spcPts val="0"/>
-              </a:spcAft>
-              <a:buClrTx/>
-              <a:buSzTx/>
-              <a:buFontTx/>
-              <a:buNone/>
-              <a:tabLst/>
-              <a:defRPr/>
-            </a:pPr>
-            <a:r>
-              <a:rPr lang="en-US" dirty="0">
-                <a:ea typeface="MS PGothic" charset="0"/>
-                <a:cs typeface="MS PGothic" charset="0"/>
-              </a:rPr>
-              <a:t>Money is essentially just green pieces of paper. How does the extra money affect the quantity of output, or real GDP, in the economy? The extra money does not affect the supply of labor, capital, amount of natural resources, or technological knowledge—all of those are identical across the economies. This means that the extra money in circulation is chasing the same output so it takes 10 times the money to buy goods and services than it does in the economy with less money.</a:t>
-            </a:r>
-          </a:p>
-          <a:p>
-            <a:pPr marL="0" marR="0" indent="0" algn="l" defTabSz="914400" rtl="0" eaLnBrk="1" fontAlgn="auto" latinLnBrk="0" hangingPunct="1">
-              <a:lnSpc>
-                <a:spcPct val="100000"/>
-              </a:lnSpc>
-              <a:spcBef>
-                <a:spcPts val="0"/>
-              </a:spcBef>
-              <a:spcAft>
-                <a:spcPts val="0"/>
-              </a:spcAft>
-              <a:buClrTx/>
-              <a:buSzTx/>
-              <a:buFontTx/>
-              <a:buNone/>
-              <a:tabLst/>
-              <a:defRPr/>
-            </a:pPr>
-            <a:endParaRPr lang="en-US" dirty="0">
-              <a:ea typeface="MS PGothic" charset="0"/>
-              <a:cs typeface="MS PGothic" charset="0"/>
-            </a:endParaRPr>
-          </a:p>
-          <a:p>
-            <a:pPr marL="0" marR="0" lvl="1" indent="0" algn="l" defTabSz="914400" rtl="0" eaLnBrk="1" fontAlgn="auto" latinLnBrk="0" hangingPunct="1">
-              <a:lnSpc>
-                <a:spcPct val="100000"/>
-              </a:lnSpc>
-              <a:spcBef>
-                <a:spcPts val="0"/>
-              </a:spcBef>
-              <a:spcAft>
-                <a:spcPts val="0"/>
-              </a:spcAft>
-              <a:buClrTx/>
-              <a:buSzTx/>
-              <a:buFontTx/>
-              <a:buNone/>
-              <a:tabLst/>
-              <a:defRPr/>
-            </a:pPr>
-            <a:r>
-              <a:rPr lang="en-US" dirty="0">
-                <a:cs typeface="Cambria"/>
-              </a:rPr>
-              <a:t>Causes of growth are resources, technology, and institutions</a:t>
-            </a:r>
-            <a:r>
-              <a:rPr lang="en-US" dirty="0">
-                <a:cs typeface="+mn-cs"/>
-              </a:rPr>
-              <a:t>. Therefore, long-run growth (and a shift in the long-run AS) occur when changes to these three causes happen!</a:t>
-            </a:r>
-          </a:p>
-          <a:p>
-            <a:pPr marL="0" marR="0" indent="0" algn="l" defTabSz="914400" rtl="0" eaLnBrk="1" fontAlgn="auto" latinLnBrk="0" hangingPunct="1">
-              <a:lnSpc>
-                <a:spcPct val="100000"/>
-              </a:lnSpc>
-              <a:spcBef>
-                <a:spcPts val="0"/>
-              </a:spcBef>
-              <a:spcAft>
-                <a:spcPts val="0"/>
-              </a:spcAft>
-              <a:buClrTx/>
-              <a:buSzTx/>
-              <a:buFontTx/>
-              <a:buNone/>
-              <a:tabLst/>
-              <a:defRPr/>
-            </a:pPr>
-            <a:endParaRPr lang="en-US" dirty="0">
-              <a:ea typeface="MS PGothic" charset="0"/>
-              <a:cs typeface="MS PGothic" charset="0"/>
-            </a:endParaRPr>
-          </a:p>
-        </p:txBody>
-      </p:sp>
-    </p:spTree>
-  </p:cSld>
-  <p:clrMapOvr>
-    <a:masterClrMapping/>
-  </p:clrMapOvr>
-</p:notes>
-</file>
-
-<file path=ppt/notesSlides/notesSlide37.xml><?xml version="1.0" encoding="utf-8"?>
-<p:notes xmlns:a="http://schemas.openxmlformats.org/drawingml/2006/main" xmlns:r="http://schemas.openxmlformats.org/officeDocument/2006/relationships" xmlns:p="http://schemas.openxmlformats.org/presentationml/2006/main">
-  <p:cSld>
-    <p:spTree>
-      <p:nvGrpSpPr>
-        <p:cNvPr id="1" name=""/>
-        <p:cNvGrpSpPr/>
-        <p:nvPr/>
-      </p:nvGrpSpPr>
-      <p:grpSpPr>
-        <a:xfrm>
-          <a:off x="0" y="0"/>
-          <a:ext cx="0" cy="0"/>
-          <a:chOff x="0" y="0"/>
-          <a:chExt cx="0" cy="0"/>
-        </a:xfrm>
-      </p:grpSpPr>
-      <p:sp>
-        <p:nvSpPr>
-          <p:cNvPr id="66561" name="Slide Image Placeholder 1"/>
-          <p:cNvSpPr>
-            <a:spLocks noGrp="1" noRot="1" noChangeAspect="1"/>
-          </p:cNvSpPr>
-          <p:nvPr>
-            <p:ph type="sldImg"/>
-          </p:nvPr>
-        </p:nvSpPr>
-        <p:spPr bwMode="auto">
-          <a:xfrm>
-            <a:off x="685800" y="1143000"/>
-            <a:ext cx="5486400" cy="3086100"/>
-          </a:xfrm>
-          <a:noFill/>
-          <a:ln>
-            <a:solidFill>
-              <a:srgbClr val="000000"/>
-            </a:solidFill>
-            <a:miter lim="800000"/>
-            <a:headEnd/>
-            <a:tailEnd/>
-          </a:ln>
-          <a:extLst>
-            <a:ext uri="{909E8E84-426E-40dd-AFC4-6F175D3DCCD1}">
-              <a14:hiddenFill xmlns="" xmlns:a14="http://schemas.microsoft.com/office/drawing/2010/main">
-                <a:solidFill>
-                  <a:srgbClr val="FFFFFF"/>
-                </a:solidFill>
-              </a14:hiddenFill>
-            </a:ext>
-            <a:ext uri="{FAA26D3D-D897-4be2-8F04-BA451C77F1D7}">
-              <ma14:placeholderFlag xmlns="" xmlns:ma14="http://schemas.microsoft.com/office/mac/drawingml/2011/main" val="1"/>
-            </a:ext>
-          </a:extLst>
-        </p:spPr>
-      </p:sp>
-      <p:sp>
-        <p:nvSpPr>
-          <p:cNvPr id="66562" name="Notes Placeholder 2"/>
-          <p:cNvSpPr>
-            <a:spLocks noGrp="1"/>
-          </p:cNvSpPr>
-          <p:nvPr>
-            <p:ph type="body" idx="1"/>
-          </p:nvPr>
-        </p:nvSpPr>
-        <p:spPr bwMode="auto">
-          <a:noFill/>
-          <a:extLst>
-            <a:ext uri="{909E8E84-426E-40dd-AFC4-6F175D3DCCD1}">
-              <a14:hiddenFill xmlns="" xmlns:a14="http://schemas.microsoft.com/office/drawing/2010/main">
-                <a:solidFill>
-                  <a:srgbClr val="FFFFFF"/>
-                </a:solidFill>
-              </a14:hiddenFill>
-            </a:ext>
-            <a:ext uri="{91240B29-F687-4f45-9708-019B960494DF}">
-              <a14:hiddenLine xmlns="" xmlns:a14="http://schemas.microsoft.com/office/drawing/2010/main" w="9525">
-                <a:solidFill>
-                  <a:srgbClr val="000000"/>
-                </a:solidFill>
-                <a:miter lim="800000"/>
-                <a:headEnd/>
-                <a:tailEnd/>
-              </a14:hiddenLine>
-            </a:ext>
-          </a:extLst>
-        </p:spPr>
-        <p:txBody>
-          <a:bodyPr/>
-          <a:lstStyle/>
-          <a:p>
-            <a:r>
-              <a:rPr lang="en-US" dirty="0">
-                <a:ea typeface="MS PGothic" charset="0"/>
-                <a:cs typeface="MS PGothic" charset="0"/>
-              </a:rPr>
-              <a:t>Shifts in the long-run aggregate supply curve occur when there is a change in an economy</a:t>
-            </a:r>
-            <a:r>
-              <a:rPr lang="en-US" altLang="ja-JP" dirty="0">
-                <a:ea typeface="MS PGothic" charset="0"/>
-                <a:cs typeface="MS PGothic" charset="0"/>
-              </a:rPr>
-              <a:t>'s resources, technology, or institutions. A technological advance moves an economy from LRAS to LRAS</a:t>
-            </a:r>
-            <a:r>
-              <a:rPr lang="en-US" altLang="ja-JP" baseline="-25000" dirty="0">
-                <a:ea typeface="MS PGothic" charset="0"/>
-                <a:cs typeface="MS PGothic" charset="0"/>
-              </a:rPr>
-              <a:t>1</a:t>
-            </a:r>
-            <a:r>
-              <a:rPr lang="en-US" altLang="ja-JP" dirty="0">
-                <a:ea typeface="MS PGothic" charset="0"/>
-                <a:cs typeface="MS PGothic" charset="0"/>
-              </a:rPr>
-              <a:t>. This is a picture of economic growth. When the LRAS curve shifts to the right, this movement also indicates a change in the economy's full employment output level from Y* to Y**. The unemployment rate does not change, but workers are more productive. </a:t>
-            </a:r>
-          </a:p>
-          <a:p>
-            <a:endParaRPr lang="en-US" dirty="0">
-              <a:ea typeface="MS PGothic" charset="0"/>
-              <a:cs typeface="MS PGothic" charset="0"/>
-            </a:endParaRPr>
-          </a:p>
-        </p:txBody>
-      </p:sp>
-    </p:spTree>
-  </p:cSld>
-  <p:clrMapOvr>
-    <a:masterClrMapping/>
-  </p:clrMapOvr>
-</p:notes>
-</file>
-
-<file path=ppt/notesSlides/notesSlide38.xml><?xml version="1.0" encoding="utf-8"?>
-<p:notes xmlns:a="http://schemas.openxmlformats.org/drawingml/2006/main" xmlns:r="http://schemas.openxmlformats.org/officeDocument/2006/relationships" xmlns:p="http://schemas.openxmlformats.org/presentationml/2006/main">
-  <p:cSld>
-    <p:spTree>
-      <p:nvGrpSpPr>
-        <p:cNvPr id="1" name=""/>
-        <p:cNvGrpSpPr/>
-        <p:nvPr/>
-      </p:nvGrpSpPr>
-      <p:grpSpPr>
-        <a:xfrm>
-          <a:off x="0" y="0"/>
-          <a:ext cx="0" cy="0"/>
-          <a:chOff x="0" y="0"/>
-          <a:chExt cx="0" cy="0"/>
-        </a:xfrm>
-      </p:grpSpPr>
-      <p:sp>
-        <p:nvSpPr>
-          <p:cNvPr id="25601" name="Slide Image Placeholder 1"/>
-          <p:cNvSpPr>
-            <a:spLocks noGrp="1" noRot="1" noChangeAspect="1" noTextEdit="1"/>
-          </p:cNvSpPr>
-          <p:nvPr>
-            <p:ph type="sldImg"/>
-          </p:nvPr>
-        </p:nvSpPr>
-        <p:spPr bwMode="auto">
-          <a:xfrm>
-            <a:off x="685800" y="1143000"/>
-            <a:ext cx="5486400" cy="3086100"/>
-          </a:xfrm>
-          <a:noFill/>
-          <a:ln>
-            <a:solidFill>
-              <a:srgbClr val="000000"/>
-            </a:solidFill>
-            <a:miter lim="800000"/>
-            <a:headEnd/>
-            <a:tailEnd/>
-          </a:ln>
-          <a:extLst>
-            <a:ext uri="{909E8E84-426E-40dd-AFC4-6F175D3DCCD1}">
-              <a14:hiddenFill xmlns="" xmlns:a14="http://schemas.microsoft.com/office/drawing/2010/main">
-                <a:solidFill>
-                  <a:srgbClr val="FFFFFF"/>
-                </a:solidFill>
-              </a14:hiddenFill>
-            </a:ext>
-            <a:ext uri="{FAA26D3D-D897-4be2-8F04-BA451C77F1D7}">
-              <ma14:placeholderFlag xmlns="" xmlns:ma14="http://schemas.microsoft.com/office/mac/drawingml/2011/main" val="1"/>
-            </a:ext>
-          </a:extLst>
-        </p:spPr>
-      </p:sp>
-      <p:sp>
-        <p:nvSpPr>
-          <p:cNvPr id="72707" name="Notes Placeholder 2"/>
-          <p:cNvSpPr>
-            <a:spLocks noGrp="1"/>
-          </p:cNvSpPr>
-          <p:nvPr>
-            <p:ph type="body" idx="1"/>
-          </p:nvPr>
-        </p:nvSpPr>
-        <p:spPr bwMode="auto"/>
-        <p:txBody>
-          <a:bodyPr/>
-          <a:lstStyle/>
-          <a:p>
-            <a:pPr>
-              <a:defRPr/>
-            </a:pPr>
-            <a:endParaRPr lang="en-US" dirty="0">
-              <a:cs typeface="ＭＳ Ｐゴシック" charset="0"/>
             </a:endParaRPr>
           </a:p>
         </p:txBody>
@@ -4467,14 +4467,14 @@
           </a:ln>
           <a:extLst>
             <a:ext uri="{909E8E84-426E-40dd-AFC4-6F175D3DCCD1}">
-              <a14:hiddenFill xmlns="" xmlns:a14="http://schemas.microsoft.com/office/drawing/2010/main">
+              <a14:hiddenFill xmlns:a14="http://schemas.microsoft.com/office/drawing/2010/main" xmlns="">
                 <a:solidFill>
                   <a:srgbClr val="FFFFFF"/>
                 </a:solidFill>
               </a14:hiddenFill>
             </a:ext>
             <a:ext uri="{FAA26D3D-D897-4be2-8F04-BA451C77F1D7}">
-              <ma14:placeholderFlag xmlns="" xmlns:ma14="http://schemas.microsoft.com/office/mac/drawingml/2011/main" val="1"/>
+              <ma14:placeholderFlag xmlns:ma14="http://schemas.microsoft.com/office/mac/drawingml/2011/main" xmlns="" val="1"/>
             </a:ext>
           </a:extLst>
         </p:spPr>
@@ -4554,7 +4554,7 @@
           </a:ln>
           <a:extLst>
             <a:ext uri="{909E8E84-426E-40dd-AFC4-6F175D3DCCD1}">
-              <a14:hiddenFill xmlns="" xmlns:a14="http://schemas.microsoft.com/office/drawing/2010/main">
+              <a14:hiddenFill xmlns:a14="http://schemas.microsoft.com/office/drawing/2010/main" xmlns="">
                 <a:solidFill>
                   <a:srgbClr val="FFFFFF"/>
                 </a:solidFill>
@@ -4577,14 +4577,14 @@
           <a:noFill/>
           <a:extLst>
             <a:ext uri="{909E8E84-426E-40dd-AFC4-6F175D3DCCD1}">
-              <a14:hiddenFill xmlns="" xmlns:a14="http://schemas.microsoft.com/office/drawing/2010/main">
+              <a14:hiddenFill xmlns:a14="http://schemas.microsoft.com/office/drawing/2010/main" xmlns="">
                 <a:solidFill>
                   <a:srgbClr val="FFFFFF"/>
                 </a:solidFill>
               </a14:hiddenFill>
             </a:ext>
             <a:ext uri="{91240B29-F687-4f45-9708-019B960494DF}">
-              <a14:hiddenLine xmlns="" xmlns:a14="http://schemas.microsoft.com/office/drawing/2010/main" w="9525">
+              <a14:hiddenLine xmlns:a14="http://schemas.microsoft.com/office/drawing/2010/main" xmlns="" w="9525">
                 <a:solidFill>
                   <a:srgbClr val="000000"/>
                 </a:solidFill>
@@ -4698,14 +4698,14 @@
           </a:ln>
           <a:extLst>
             <a:ext uri="{909E8E84-426E-40dd-AFC4-6F175D3DCCD1}">
-              <a14:hiddenFill xmlns="" xmlns:a14="http://schemas.microsoft.com/office/drawing/2010/main">
+              <a14:hiddenFill xmlns:a14="http://schemas.microsoft.com/office/drawing/2010/main" xmlns="">
                 <a:solidFill>
                   <a:srgbClr val="FFFFFF"/>
                 </a:solidFill>
               </a14:hiddenFill>
             </a:ext>
             <a:ext uri="{FAA26D3D-D897-4be2-8F04-BA451C77F1D7}">
-              <ma14:placeholderFlag xmlns="" xmlns:ma14="http://schemas.microsoft.com/office/mac/drawingml/2011/main" val="1"/>
+              <ma14:placeholderFlag xmlns:ma14="http://schemas.microsoft.com/office/mac/drawingml/2011/main" xmlns="" val="1"/>
             </a:ext>
           </a:extLst>
         </p:spPr>
@@ -4785,14 +4785,14 @@
           </a:ln>
           <a:extLst>
             <a:ext uri="{909E8E84-426E-40dd-AFC4-6F175D3DCCD1}">
-              <a14:hiddenFill xmlns="" xmlns:a14="http://schemas.microsoft.com/office/drawing/2010/main">
+              <a14:hiddenFill xmlns:a14="http://schemas.microsoft.com/office/drawing/2010/main" xmlns="">
                 <a:solidFill>
                   <a:srgbClr val="FFFFFF"/>
                 </a:solidFill>
               </a14:hiddenFill>
             </a:ext>
             <a:ext uri="{FAA26D3D-D897-4be2-8F04-BA451C77F1D7}">
-              <ma14:placeholderFlag xmlns="" xmlns:ma14="http://schemas.microsoft.com/office/mac/drawingml/2011/main" val="1"/>
+              <ma14:placeholderFlag xmlns:ma14="http://schemas.microsoft.com/office/mac/drawingml/2011/main" xmlns="" val="1"/>
             </a:ext>
           </a:extLst>
         </p:spPr>
@@ -4869,14 +4869,14 @@
           </a:ln>
           <a:extLst>
             <a:ext uri="{909E8E84-426E-40dd-AFC4-6F175D3DCCD1}">
-              <a14:hiddenFill xmlns="" xmlns:a14="http://schemas.microsoft.com/office/drawing/2010/main">
+              <a14:hiddenFill xmlns:a14="http://schemas.microsoft.com/office/drawing/2010/main" xmlns="">
                 <a:solidFill>
                   <a:srgbClr val="FFFFFF"/>
                 </a:solidFill>
               </a14:hiddenFill>
             </a:ext>
             <a:ext uri="{FAA26D3D-D897-4be2-8F04-BA451C77F1D7}">
-              <ma14:placeholderFlag xmlns="" xmlns:ma14="http://schemas.microsoft.com/office/mac/drawingml/2011/main" val="1"/>
+              <ma14:placeholderFlag xmlns:ma14="http://schemas.microsoft.com/office/mac/drawingml/2011/main" xmlns="" val="1"/>
             </a:ext>
           </a:extLst>
         </p:spPr>
@@ -4895,14 +4895,14 @@
           <a:noFill/>
           <a:extLst>
             <a:ext uri="{909E8E84-426E-40dd-AFC4-6F175D3DCCD1}">
-              <a14:hiddenFill xmlns="" xmlns:a14="http://schemas.microsoft.com/office/drawing/2010/main">
+              <a14:hiddenFill xmlns:a14="http://schemas.microsoft.com/office/drawing/2010/main" xmlns="">
                 <a:solidFill>
                   <a:srgbClr val="FFFFFF"/>
                 </a:solidFill>
               </a14:hiddenFill>
             </a:ext>
             <a:ext uri="{91240B29-F687-4f45-9708-019B960494DF}">
-              <a14:hiddenLine xmlns="" xmlns:a14="http://schemas.microsoft.com/office/drawing/2010/main" w="9525">
+              <a14:hiddenLine xmlns:a14="http://schemas.microsoft.com/office/drawing/2010/main" xmlns="" w="9525">
                 <a:solidFill>
                   <a:srgbClr val="000000"/>
                 </a:solidFill>
@@ -4912,7 +4912,7 @@
               </a14:hiddenLine>
             </a:ext>
             <a:ext uri="{FAA26D3D-D897-4be2-8F04-BA451C77F1D7}">
-              <ma14:placeholderFlag xmlns="" xmlns:ma14="http://schemas.microsoft.com/office/mac/drawingml/2011/main" val="1"/>
+              <ma14:placeholderFlag xmlns:ma14="http://schemas.microsoft.com/office/mac/drawingml/2011/main" xmlns="" val="1"/>
             </a:ext>
           </a:extLst>
         </p:spPr>
@@ -4978,14 +4978,14 @@
           </a:ln>
           <a:extLst>
             <a:ext uri="{909E8E84-426E-40dd-AFC4-6F175D3DCCD1}">
-              <a14:hiddenFill xmlns="" xmlns:a14="http://schemas.microsoft.com/office/drawing/2010/main">
+              <a14:hiddenFill xmlns:a14="http://schemas.microsoft.com/office/drawing/2010/main" xmlns="">
                 <a:solidFill>
                   <a:srgbClr val="FFFFFF"/>
                 </a:solidFill>
               </a14:hiddenFill>
             </a:ext>
             <a:ext uri="{FAA26D3D-D897-4be2-8F04-BA451C77F1D7}">
-              <ma14:placeholderFlag xmlns="" xmlns:ma14="http://schemas.microsoft.com/office/mac/drawingml/2011/main" val="1"/>
+              <ma14:placeholderFlag xmlns:ma14="http://schemas.microsoft.com/office/mac/drawingml/2011/main" xmlns="" val="1"/>
             </a:ext>
           </a:extLst>
         </p:spPr>
@@ -5004,14 +5004,14 @@
           <a:noFill/>
           <a:extLst>
             <a:ext uri="{909E8E84-426E-40dd-AFC4-6F175D3DCCD1}">
-              <a14:hiddenFill xmlns="" xmlns:a14="http://schemas.microsoft.com/office/drawing/2010/main">
+              <a14:hiddenFill xmlns:a14="http://schemas.microsoft.com/office/drawing/2010/main" xmlns="">
                 <a:solidFill>
                   <a:srgbClr val="FFFFFF"/>
                 </a:solidFill>
               </a14:hiddenFill>
             </a:ext>
             <a:ext uri="{91240B29-F687-4f45-9708-019B960494DF}">
-              <a14:hiddenLine xmlns="" xmlns:a14="http://schemas.microsoft.com/office/drawing/2010/main" w="9525">
+              <a14:hiddenLine xmlns:a14="http://schemas.microsoft.com/office/drawing/2010/main" xmlns="" w="9525">
                 <a:solidFill>
                   <a:srgbClr val="000000"/>
                 </a:solidFill>
@@ -5125,14 +5125,14 @@
           </a:ln>
           <a:extLst>
             <a:ext uri="{909E8E84-426E-40dd-AFC4-6F175D3DCCD1}">
-              <a14:hiddenFill xmlns="" xmlns:a14="http://schemas.microsoft.com/office/drawing/2010/main">
+              <a14:hiddenFill xmlns:a14="http://schemas.microsoft.com/office/drawing/2010/main" xmlns="">
                 <a:solidFill>
                   <a:srgbClr val="FFFFFF"/>
                 </a:solidFill>
               </a14:hiddenFill>
             </a:ext>
             <a:ext uri="{FAA26D3D-D897-4be2-8F04-BA451C77F1D7}">
-              <ma14:placeholderFlag xmlns="" xmlns:ma14="http://schemas.microsoft.com/office/mac/drawingml/2011/main" val="1"/>
+              <ma14:placeholderFlag xmlns:ma14="http://schemas.microsoft.com/office/mac/drawingml/2011/main" xmlns="" val="1"/>
             </a:ext>
           </a:extLst>
         </p:spPr>
@@ -5151,14 +5151,14 @@
           <a:noFill/>
           <a:extLst>
             <a:ext uri="{909E8E84-426E-40dd-AFC4-6F175D3DCCD1}">
-              <a14:hiddenFill xmlns="" xmlns:a14="http://schemas.microsoft.com/office/drawing/2010/main">
+              <a14:hiddenFill xmlns:a14="http://schemas.microsoft.com/office/drawing/2010/main" xmlns="">
                 <a:solidFill>
                   <a:srgbClr val="FFFFFF"/>
                 </a:solidFill>
               </a14:hiddenFill>
             </a:ext>
             <a:ext uri="{91240B29-F687-4f45-9708-019B960494DF}">
-              <a14:hiddenLine xmlns="" xmlns:a14="http://schemas.microsoft.com/office/drawing/2010/main" w="9525">
+              <a14:hiddenLine xmlns:a14="http://schemas.microsoft.com/office/drawing/2010/main" xmlns="" w="9525">
                 <a:solidFill>
                   <a:srgbClr val="000000"/>
                 </a:solidFill>
@@ -5248,14 +5248,14 @@
           </a:ln>
           <a:extLst>
             <a:ext uri="{909E8E84-426E-40dd-AFC4-6F175D3DCCD1}">
-              <a14:hiddenFill xmlns="" xmlns:a14="http://schemas.microsoft.com/office/drawing/2010/main">
+              <a14:hiddenFill xmlns:a14="http://schemas.microsoft.com/office/drawing/2010/main" xmlns="">
                 <a:solidFill>
                   <a:srgbClr val="FFFFFF"/>
                 </a:solidFill>
               </a14:hiddenFill>
             </a:ext>
             <a:ext uri="{FAA26D3D-D897-4be2-8F04-BA451C77F1D7}">
-              <ma14:placeholderFlag xmlns="" xmlns:ma14="http://schemas.microsoft.com/office/mac/drawingml/2011/main" val="1"/>
+              <ma14:placeholderFlag xmlns:ma14="http://schemas.microsoft.com/office/mac/drawingml/2011/main" xmlns="" val="1"/>
             </a:ext>
           </a:extLst>
         </p:spPr>
@@ -5274,14 +5274,14 @@
           <a:noFill/>
           <a:extLst>
             <a:ext uri="{909E8E84-426E-40dd-AFC4-6F175D3DCCD1}">
-              <a14:hiddenFill xmlns="" xmlns:a14="http://schemas.microsoft.com/office/drawing/2010/main">
+              <a14:hiddenFill xmlns:a14="http://schemas.microsoft.com/office/drawing/2010/main" xmlns="">
                 <a:solidFill>
                   <a:srgbClr val="FFFFFF"/>
                 </a:solidFill>
               </a14:hiddenFill>
             </a:ext>
             <a:ext uri="{91240B29-F687-4f45-9708-019B960494DF}">
-              <a14:hiddenLine xmlns="" xmlns:a14="http://schemas.microsoft.com/office/drawing/2010/main" w="9525">
+              <a14:hiddenLine xmlns:a14="http://schemas.microsoft.com/office/drawing/2010/main" xmlns="" w="9525">
                 <a:solidFill>
                   <a:srgbClr val="000000"/>
                 </a:solidFill>
@@ -5363,14 +5363,14 @@
           </a:ln>
           <a:extLst>
             <a:ext uri="{909E8E84-426E-40dd-AFC4-6F175D3DCCD1}">
-              <a14:hiddenFill xmlns="" xmlns:a14="http://schemas.microsoft.com/office/drawing/2010/main">
+              <a14:hiddenFill xmlns:a14="http://schemas.microsoft.com/office/drawing/2010/main" xmlns="">
                 <a:solidFill>
                   <a:srgbClr val="FFFFFF"/>
                 </a:solidFill>
               </a14:hiddenFill>
             </a:ext>
             <a:ext uri="{FAA26D3D-D897-4be2-8F04-BA451C77F1D7}">
-              <ma14:placeholderFlag xmlns="" xmlns:ma14="http://schemas.microsoft.com/office/mac/drawingml/2011/main" val="1"/>
+              <ma14:placeholderFlag xmlns:ma14="http://schemas.microsoft.com/office/mac/drawingml/2011/main" xmlns="" val="1"/>
             </a:ext>
           </a:extLst>
         </p:spPr>
@@ -5389,14 +5389,14 @@
           <a:noFill/>
           <a:extLst>
             <a:ext uri="{909E8E84-426E-40dd-AFC4-6F175D3DCCD1}">
-              <a14:hiddenFill xmlns="" xmlns:a14="http://schemas.microsoft.com/office/drawing/2010/main">
+              <a14:hiddenFill xmlns:a14="http://schemas.microsoft.com/office/drawing/2010/main" xmlns="">
                 <a:solidFill>
                   <a:srgbClr val="FFFFFF"/>
                 </a:solidFill>
               </a14:hiddenFill>
             </a:ext>
             <a:ext uri="{91240B29-F687-4f45-9708-019B960494DF}">
-              <a14:hiddenLine xmlns="" xmlns:a14="http://schemas.microsoft.com/office/drawing/2010/main" w="9525">
+              <a14:hiddenLine xmlns:a14="http://schemas.microsoft.com/office/drawing/2010/main" xmlns="" w="9525">
                 <a:solidFill>
                   <a:srgbClr val="000000"/>
                 </a:solidFill>
@@ -5406,7 +5406,7 @@
               </a14:hiddenLine>
             </a:ext>
             <a:ext uri="{FAA26D3D-D897-4be2-8F04-BA451C77F1D7}">
-              <ma14:placeholderFlag xmlns="" xmlns:ma14="http://schemas.microsoft.com/office/mac/drawingml/2011/main" val="1"/>
+              <ma14:placeholderFlag xmlns:ma14="http://schemas.microsoft.com/office/mac/drawingml/2011/main" xmlns="" val="1"/>
             </a:ext>
           </a:extLst>
         </p:spPr>
@@ -5472,14 +5472,14 @@
           </a:ln>
           <a:extLst>
             <a:ext uri="{909E8E84-426E-40dd-AFC4-6F175D3DCCD1}">
-              <a14:hiddenFill xmlns="" xmlns:a14="http://schemas.microsoft.com/office/drawing/2010/main">
+              <a14:hiddenFill xmlns:a14="http://schemas.microsoft.com/office/drawing/2010/main" xmlns="">
                 <a:solidFill>
                   <a:srgbClr val="FFFFFF"/>
                 </a:solidFill>
               </a14:hiddenFill>
             </a:ext>
             <a:ext uri="{FAA26D3D-D897-4be2-8F04-BA451C77F1D7}">
-              <ma14:placeholderFlag xmlns="" xmlns:ma14="http://schemas.microsoft.com/office/mac/drawingml/2011/main" val="1"/>
+              <ma14:placeholderFlag xmlns:ma14="http://schemas.microsoft.com/office/mac/drawingml/2011/main" xmlns="" val="1"/>
             </a:ext>
           </a:extLst>
         </p:spPr>
@@ -5498,14 +5498,14 @@
           <a:noFill/>
           <a:extLst>
             <a:ext uri="{909E8E84-426E-40dd-AFC4-6F175D3DCCD1}">
-              <a14:hiddenFill xmlns="" xmlns:a14="http://schemas.microsoft.com/office/drawing/2010/main">
+              <a14:hiddenFill xmlns:a14="http://schemas.microsoft.com/office/drawing/2010/main" xmlns="">
                 <a:solidFill>
                   <a:srgbClr val="FFFFFF"/>
                 </a:solidFill>
               </a14:hiddenFill>
             </a:ext>
             <a:ext uri="{91240B29-F687-4f45-9708-019B960494DF}">
-              <a14:hiddenLine xmlns="" xmlns:a14="http://schemas.microsoft.com/office/drawing/2010/main" w="9525">
+              <a14:hiddenLine xmlns:a14="http://schemas.microsoft.com/office/drawing/2010/main" xmlns="" w="9525">
                 <a:solidFill>
                   <a:srgbClr val="000000"/>
                 </a:solidFill>
@@ -5578,14 +5578,14 @@
           </a:ln>
           <a:extLst>
             <a:ext uri="{909E8E84-426E-40dd-AFC4-6F175D3DCCD1}">
-              <a14:hiddenFill xmlns="" xmlns:a14="http://schemas.microsoft.com/office/drawing/2010/main">
+              <a14:hiddenFill xmlns:a14="http://schemas.microsoft.com/office/drawing/2010/main" xmlns="">
                 <a:solidFill>
                   <a:srgbClr val="FFFFFF"/>
                 </a:solidFill>
               </a14:hiddenFill>
             </a:ext>
             <a:ext uri="{FAA26D3D-D897-4be2-8F04-BA451C77F1D7}">
-              <ma14:placeholderFlag xmlns="" xmlns:ma14="http://schemas.microsoft.com/office/mac/drawingml/2011/main" val="1"/>
+              <ma14:placeholderFlag xmlns:ma14="http://schemas.microsoft.com/office/mac/drawingml/2011/main" xmlns="" val="1"/>
             </a:ext>
           </a:extLst>
         </p:spPr>
@@ -5604,14 +5604,14 @@
           <a:noFill/>
           <a:extLst>
             <a:ext uri="{909E8E84-426E-40dd-AFC4-6F175D3DCCD1}">
-              <a14:hiddenFill xmlns="" xmlns:a14="http://schemas.microsoft.com/office/drawing/2010/main">
+              <a14:hiddenFill xmlns:a14="http://schemas.microsoft.com/office/drawing/2010/main" xmlns="">
                 <a:solidFill>
                   <a:srgbClr val="FFFFFF"/>
                 </a:solidFill>
               </a14:hiddenFill>
             </a:ext>
             <a:ext uri="{91240B29-F687-4f45-9708-019B960494DF}">
-              <a14:hiddenLine xmlns="" xmlns:a14="http://schemas.microsoft.com/office/drawing/2010/main" w="9525">
+              <a14:hiddenLine xmlns:a14="http://schemas.microsoft.com/office/drawing/2010/main" xmlns="" w="9525">
                 <a:solidFill>
                   <a:srgbClr val="000000"/>
                 </a:solidFill>
@@ -5684,14 +5684,14 @@
           </a:ln>
           <a:extLst>
             <a:ext uri="{909E8E84-426E-40dd-AFC4-6F175D3DCCD1}">
-              <a14:hiddenFill xmlns="" xmlns:a14="http://schemas.microsoft.com/office/drawing/2010/main">
+              <a14:hiddenFill xmlns:a14="http://schemas.microsoft.com/office/drawing/2010/main" xmlns="">
                 <a:solidFill>
                   <a:srgbClr val="FFFFFF"/>
                 </a:solidFill>
               </a14:hiddenFill>
             </a:ext>
             <a:ext uri="{FAA26D3D-D897-4be2-8F04-BA451C77F1D7}">
-              <ma14:placeholderFlag xmlns="" xmlns:ma14="http://schemas.microsoft.com/office/mac/drawingml/2011/main" val="1"/>
+              <ma14:placeholderFlag xmlns:ma14="http://schemas.microsoft.com/office/mac/drawingml/2011/main" xmlns="" val="1"/>
             </a:ext>
           </a:extLst>
         </p:spPr>
@@ -5710,14 +5710,14 @@
           <a:noFill/>
           <a:extLst>
             <a:ext uri="{909E8E84-426E-40dd-AFC4-6F175D3DCCD1}">
-              <a14:hiddenFill xmlns="" xmlns:a14="http://schemas.microsoft.com/office/drawing/2010/main">
+              <a14:hiddenFill xmlns:a14="http://schemas.microsoft.com/office/drawing/2010/main" xmlns="">
                 <a:solidFill>
                   <a:srgbClr val="FFFFFF"/>
                 </a:solidFill>
               </a14:hiddenFill>
             </a:ext>
             <a:ext uri="{91240B29-F687-4f45-9708-019B960494DF}">
-              <a14:hiddenLine xmlns="" xmlns:a14="http://schemas.microsoft.com/office/drawing/2010/main" w="9525">
+              <a14:hiddenLine xmlns:a14="http://schemas.microsoft.com/office/drawing/2010/main" xmlns="" w="9525">
                 <a:solidFill>
                   <a:srgbClr val="000000"/>
                 </a:solidFill>
@@ -5790,7 +5790,7 @@
           </a:ln>
           <a:extLst>
             <a:ext uri="{909E8E84-426E-40dd-AFC4-6F175D3DCCD1}">
-              <a14:hiddenFill xmlns="" xmlns:a14="http://schemas.microsoft.com/office/drawing/2010/main">
+              <a14:hiddenFill xmlns:a14="http://schemas.microsoft.com/office/drawing/2010/main" xmlns="">
                 <a:solidFill>
                   <a:srgbClr val="FFFFFF"/>
                 </a:solidFill>
@@ -5813,14 +5813,14 @@
           <a:noFill/>
           <a:extLst>
             <a:ext uri="{909E8E84-426E-40dd-AFC4-6F175D3DCCD1}">
-              <a14:hiddenFill xmlns="" xmlns:a14="http://schemas.microsoft.com/office/drawing/2010/main">
+              <a14:hiddenFill xmlns:a14="http://schemas.microsoft.com/office/drawing/2010/main" xmlns="">
                 <a:solidFill>
                   <a:srgbClr val="FFFFFF"/>
                 </a:solidFill>
               </a14:hiddenFill>
             </a:ext>
             <a:ext uri="{91240B29-F687-4f45-9708-019B960494DF}">
-              <a14:hiddenLine xmlns="" xmlns:a14="http://schemas.microsoft.com/office/drawing/2010/main" w="9525">
+              <a14:hiddenLine xmlns:a14="http://schemas.microsoft.com/office/drawing/2010/main" xmlns="" w="9525">
                 <a:solidFill>
                   <a:srgbClr val="000000"/>
                 </a:solidFill>
@@ -5898,14 +5898,14 @@
           </a:ln>
           <a:extLst>
             <a:ext uri="{909E8E84-426E-40dd-AFC4-6F175D3DCCD1}">
-              <a14:hiddenFill xmlns="" xmlns:a14="http://schemas.microsoft.com/office/drawing/2010/main">
+              <a14:hiddenFill xmlns:a14="http://schemas.microsoft.com/office/drawing/2010/main" xmlns="">
                 <a:solidFill>
                   <a:srgbClr val="FFFFFF"/>
                 </a:solidFill>
               </a14:hiddenFill>
             </a:ext>
             <a:ext uri="{FAA26D3D-D897-4be2-8F04-BA451C77F1D7}">
-              <ma14:placeholderFlag xmlns="" xmlns:ma14="http://schemas.microsoft.com/office/mac/drawingml/2011/main" val="1"/>
+              <ma14:placeholderFlag xmlns:ma14="http://schemas.microsoft.com/office/mac/drawingml/2011/main" xmlns="" val="1"/>
             </a:ext>
           </a:extLst>
         </p:spPr>
@@ -5924,14 +5924,14 @@
           <a:noFill/>
           <a:extLst>
             <a:ext uri="{909E8E84-426E-40dd-AFC4-6F175D3DCCD1}">
-              <a14:hiddenFill xmlns="" xmlns:a14="http://schemas.microsoft.com/office/drawing/2010/main">
+              <a14:hiddenFill xmlns:a14="http://schemas.microsoft.com/office/drawing/2010/main" xmlns="">
                 <a:solidFill>
                   <a:srgbClr val="FFFFFF"/>
                 </a:solidFill>
               </a14:hiddenFill>
             </a:ext>
             <a:ext uri="{91240B29-F687-4f45-9708-019B960494DF}">
-              <a14:hiddenLine xmlns="" xmlns:a14="http://schemas.microsoft.com/office/drawing/2010/main" w="9525">
+              <a14:hiddenLine xmlns:a14="http://schemas.microsoft.com/office/drawing/2010/main" xmlns="" w="9525">
                 <a:solidFill>
                   <a:srgbClr val="000000"/>
                 </a:solidFill>
@@ -6057,14 +6057,14 @@
           </a:ln>
           <a:extLst>
             <a:ext uri="{909E8E84-426E-40dd-AFC4-6F175D3DCCD1}">
-              <a14:hiddenFill xmlns="" xmlns:a14="http://schemas.microsoft.com/office/drawing/2010/main">
+              <a14:hiddenFill xmlns:a14="http://schemas.microsoft.com/office/drawing/2010/main" xmlns="">
                 <a:solidFill>
                   <a:srgbClr val="FFFFFF"/>
                 </a:solidFill>
               </a14:hiddenFill>
             </a:ext>
             <a:ext uri="{FAA26D3D-D897-4be2-8F04-BA451C77F1D7}">
-              <ma14:placeholderFlag xmlns="" xmlns:ma14="http://schemas.microsoft.com/office/mac/drawingml/2011/main" val="1"/>
+              <ma14:placeholderFlag xmlns:ma14="http://schemas.microsoft.com/office/mac/drawingml/2011/main" xmlns="" val="1"/>
             </a:ext>
           </a:extLst>
         </p:spPr>
@@ -6083,14 +6083,14 @@
           <a:noFill/>
           <a:extLst>
             <a:ext uri="{909E8E84-426E-40dd-AFC4-6F175D3DCCD1}">
-              <a14:hiddenFill xmlns="" xmlns:a14="http://schemas.microsoft.com/office/drawing/2010/main">
+              <a14:hiddenFill xmlns:a14="http://schemas.microsoft.com/office/drawing/2010/main" xmlns="">
                 <a:solidFill>
                   <a:srgbClr val="FFFFFF"/>
                 </a:solidFill>
               </a14:hiddenFill>
             </a:ext>
             <a:ext uri="{91240B29-F687-4f45-9708-019B960494DF}">
-              <a14:hiddenLine xmlns="" xmlns:a14="http://schemas.microsoft.com/office/drawing/2010/main" w="9525">
+              <a14:hiddenLine xmlns:a14="http://schemas.microsoft.com/office/drawing/2010/main" xmlns="" w="9525">
                 <a:solidFill>
                   <a:srgbClr val="000000"/>
                 </a:solidFill>
@@ -6163,14 +6163,14 @@
           </a:ln>
           <a:extLst>
             <a:ext uri="{909E8E84-426E-40dd-AFC4-6F175D3DCCD1}">
-              <a14:hiddenFill xmlns="" xmlns:a14="http://schemas.microsoft.com/office/drawing/2010/main">
+              <a14:hiddenFill xmlns:a14="http://schemas.microsoft.com/office/drawing/2010/main" xmlns="">
                 <a:solidFill>
                   <a:srgbClr val="FFFFFF"/>
                 </a:solidFill>
               </a14:hiddenFill>
             </a:ext>
             <a:ext uri="{FAA26D3D-D897-4be2-8F04-BA451C77F1D7}">
-              <ma14:placeholderFlag xmlns="" xmlns:ma14="http://schemas.microsoft.com/office/mac/drawingml/2011/main" val="1"/>
+              <ma14:placeholderFlag xmlns:ma14="http://schemas.microsoft.com/office/mac/drawingml/2011/main" xmlns="" val="1"/>
             </a:ext>
           </a:extLst>
         </p:spPr>
@@ -6189,14 +6189,14 @@
           <a:noFill/>
           <a:extLst>
             <a:ext uri="{909E8E84-426E-40dd-AFC4-6F175D3DCCD1}">
-              <a14:hiddenFill xmlns="" xmlns:a14="http://schemas.microsoft.com/office/drawing/2010/main">
+              <a14:hiddenFill xmlns:a14="http://schemas.microsoft.com/office/drawing/2010/main" xmlns="">
                 <a:solidFill>
                   <a:srgbClr val="FFFFFF"/>
                 </a:solidFill>
               </a14:hiddenFill>
             </a:ext>
             <a:ext uri="{91240B29-F687-4f45-9708-019B960494DF}">
-              <a14:hiddenLine xmlns="" xmlns:a14="http://schemas.microsoft.com/office/drawing/2010/main" w="9525">
+              <a14:hiddenLine xmlns:a14="http://schemas.microsoft.com/office/drawing/2010/main" xmlns="" w="9525">
                 <a:solidFill>
                   <a:srgbClr val="000000"/>
                 </a:solidFill>
@@ -6269,14 +6269,14 @@
           </a:ln>
           <a:extLst>
             <a:ext uri="{909E8E84-426E-40dd-AFC4-6F175D3DCCD1}">
-              <a14:hiddenFill xmlns="" xmlns:a14="http://schemas.microsoft.com/office/drawing/2010/main">
+              <a14:hiddenFill xmlns:a14="http://schemas.microsoft.com/office/drawing/2010/main" xmlns="">
                 <a:solidFill>
                   <a:srgbClr val="FFFFFF"/>
                 </a:solidFill>
               </a14:hiddenFill>
             </a:ext>
             <a:ext uri="{FAA26D3D-D897-4be2-8F04-BA451C77F1D7}">
-              <ma14:placeholderFlag xmlns="" xmlns:ma14="http://schemas.microsoft.com/office/mac/drawingml/2011/main" val="1"/>
+              <ma14:placeholderFlag xmlns:ma14="http://schemas.microsoft.com/office/mac/drawingml/2011/main" xmlns="" val="1"/>
             </a:ext>
           </a:extLst>
         </p:spPr>
@@ -6295,14 +6295,14 @@
           <a:noFill/>
           <a:extLst>
             <a:ext uri="{909E8E84-426E-40dd-AFC4-6F175D3DCCD1}">
-              <a14:hiddenFill xmlns="" xmlns:a14="http://schemas.microsoft.com/office/drawing/2010/main">
+              <a14:hiddenFill xmlns:a14="http://schemas.microsoft.com/office/drawing/2010/main" xmlns="">
                 <a:solidFill>
                   <a:srgbClr val="FFFFFF"/>
                 </a:solidFill>
               </a14:hiddenFill>
             </a:ext>
             <a:ext uri="{91240B29-F687-4f45-9708-019B960494DF}">
-              <a14:hiddenLine xmlns="" xmlns:a14="http://schemas.microsoft.com/office/drawing/2010/main" w="9525">
+              <a14:hiddenLine xmlns:a14="http://schemas.microsoft.com/office/drawing/2010/main" xmlns="" w="9525">
                 <a:solidFill>
                   <a:srgbClr val="000000"/>
                 </a:solidFill>
@@ -6375,14 +6375,14 @@
           </a:ln>
           <a:extLst>
             <a:ext uri="{909E8E84-426E-40dd-AFC4-6F175D3DCCD1}">
-              <a14:hiddenFill xmlns="" xmlns:a14="http://schemas.microsoft.com/office/drawing/2010/main">
+              <a14:hiddenFill xmlns:a14="http://schemas.microsoft.com/office/drawing/2010/main" xmlns="">
                 <a:solidFill>
                   <a:srgbClr val="FFFFFF"/>
                 </a:solidFill>
               </a14:hiddenFill>
             </a:ext>
             <a:ext uri="{FAA26D3D-D897-4be2-8F04-BA451C77F1D7}">
-              <ma14:placeholderFlag xmlns="" xmlns:ma14="http://schemas.microsoft.com/office/mac/drawingml/2011/main" val="1"/>
+              <ma14:placeholderFlag xmlns:ma14="http://schemas.microsoft.com/office/mac/drawingml/2011/main" xmlns="" val="1"/>
             </a:ext>
           </a:extLst>
         </p:spPr>
@@ -6401,14 +6401,14 @@
           <a:noFill/>
           <a:extLst>
             <a:ext uri="{909E8E84-426E-40dd-AFC4-6F175D3DCCD1}">
-              <a14:hiddenFill xmlns="" xmlns:a14="http://schemas.microsoft.com/office/drawing/2010/main">
+              <a14:hiddenFill xmlns:a14="http://schemas.microsoft.com/office/drawing/2010/main" xmlns="">
                 <a:solidFill>
                   <a:srgbClr val="FFFFFF"/>
                 </a:solidFill>
               </a14:hiddenFill>
             </a:ext>
             <a:ext uri="{91240B29-F687-4f45-9708-019B960494DF}">
-              <a14:hiddenLine xmlns="" xmlns:a14="http://schemas.microsoft.com/office/drawing/2010/main" w="9525">
+              <a14:hiddenLine xmlns:a14="http://schemas.microsoft.com/office/drawing/2010/main" xmlns="" w="9525">
                 <a:solidFill>
                   <a:srgbClr val="000000"/>
                 </a:solidFill>
@@ -6496,14 +6496,14 @@
           </a:ln>
           <a:extLst>
             <a:ext uri="{909E8E84-426E-40dd-AFC4-6F175D3DCCD1}">
-              <a14:hiddenFill xmlns="" xmlns:a14="http://schemas.microsoft.com/office/drawing/2010/main">
+              <a14:hiddenFill xmlns:a14="http://schemas.microsoft.com/office/drawing/2010/main" xmlns="">
                 <a:solidFill>
                   <a:srgbClr val="FFFFFF"/>
                 </a:solidFill>
               </a14:hiddenFill>
             </a:ext>
             <a:ext uri="{FAA26D3D-D897-4be2-8F04-BA451C77F1D7}">
-              <ma14:placeholderFlag xmlns="" xmlns:ma14="http://schemas.microsoft.com/office/mac/drawingml/2011/main" val="1"/>
+              <ma14:placeholderFlag xmlns:ma14="http://schemas.microsoft.com/office/mac/drawingml/2011/main" xmlns="" val="1"/>
             </a:ext>
           </a:extLst>
         </p:spPr>
@@ -6522,14 +6522,14 @@
           <a:noFill/>
           <a:extLst>
             <a:ext uri="{909E8E84-426E-40dd-AFC4-6F175D3DCCD1}">
-              <a14:hiddenFill xmlns="" xmlns:a14="http://schemas.microsoft.com/office/drawing/2010/main">
+              <a14:hiddenFill xmlns:a14="http://schemas.microsoft.com/office/drawing/2010/main" xmlns="">
                 <a:solidFill>
                   <a:srgbClr val="FFFFFF"/>
                 </a:solidFill>
               </a14:hiddenFill>
             </a:ext>
             <a:ext uri="{91240B29-F687-4f45-9708-019B960494DF}">
-              <a14:hiddenLine xmlns="" xmlns:a14="http://schemas.microsoft.com/office/drawing/2010/main" w="9525">
+              <a14:hiddenLine xmlns:a14="http://schemas.microsoft.com/office/drawing/2010/main" xmlns="" w="9525">
                 <a:solidFill>
                   <a:srgbClr val="000000"/>
                 </a:solidFill>
@@ -6602,14 +6602,14 @@
           </a:ln>
           <a:extLst>
             <a:ext uri="{909E8E84-426E-40dd-AFC4-6F175D3DCCD1}">
-              <a14:hiddenFill xmlns="" xmlns:a14="http://schemas.microsoft.com/office/drawing/2010/main">
+              <a14:hiddenFill xmlns:a14="http://schemas.microsoft.com/office/drawing/2010/main" xmlns="">
                 <a:solidFill>
                   <a:srgbClr val="FFFFFF"/>
                 </a:solidFill>
               </a14:hiddenFill>
             </a:ext>
             <a:ext uri="{FAA26D3D-D897-4be2-8F04-BA451C77F1D7}">
-              <ma14:placeholderFlag xmlns="" xmlns:ma14="http://schemas.microsoft.com/office/mac/drawingml/2011/main" val="1"/>
+              <ma14:placeholderFlag xmlns:ma14="http://schemas.microsoft.com/office/mac/drawingml/2011/main" xmlns="" val="1"/>
             </a:ext>
           </a:extLst>
         </p:spPr>
@@ -6628,14 +6628,14 @@
           <a:noFill/>
           <a:extLst>
             <a:ext uri="{909E8E84-426E-40dd-AFC4-6F175D3DCCD1}">
-              <a14:hiddenFill xmlns="" xmlns:a14="http://schemas.microsoft.com/office/drawing/2010/main">
+              <a14:hiddenFill xmlns:a14="http://schemas.microsoft.com/office/drawing/2010/main" xmlns="">
                 <a:solidFill>
                   <a:srgbClr val="FFFFFF"/>
                 </a:solidFill>
               </a14:hiddenFill>
             </a:ext>
             <a:ext uri="{91240B29-F687-4f45-9708-019B960494DF}">
-              <a14:hiddenLine xmlns="" xmlns:a14="http://schemas.microsoft.com/office/drawing/2010/main" w="9525">
+              <a14:hiddenLine xmlns:a14="http://schemas.microsoft.com/office/drawing/2010/main" xmlns="" w="9525">
                 <a:solidFill>
                   <a:srgbClr val="000000"/>
                 </a:solidFill>
@@ -6708,14 +6708,14 @@
           </a:ln>
           <a:extLst>
             <a:ext uri="{909E8E84-426E-40dd-AFC4-6F175D3DCCD1}">
-              <a14:hiddenFill xmlns="" xmlns:a14="http://schemas.microsoft.com/office/drawing/2010/main">
+              <a14:hiddenFill xmlns:a14="http://schemas.microsoft.com/office/drawing/2010/main" xmlns="">
                 <a:solidFill>
                   <a:srgbClr val="FFFFFF"/>
                 </a:solidFill>
               </a14:hiddenFill>
             </a:ext>
             <a:ext uri="{FAA26D3D-D897-4be2-8F04-BA451C77F1D7}">
-              <ma14:placeholderFlag xmlns="" xmlns:ma14="http://schemas.microsoft.com/office/mac/drawingml/2011/main" val="1"/>
+              <ma14:placeholderFlag xmlns:ma14="http://schemas.microsoft.com/office/mac/drawingml/2011/main" xmlns="" val="1"/>
             </a:ext>
           </a:extLst>
         </p:spPr>
@@ -6734,14 +6734,14 @@
           <a:noFill/>
           <a:extLst>
             <a:ext uri="{909E8E84-426E-40dd-AFC4-6F175D3DCCD1}">
-              <a14:hiddenFill xmlns="" xmlns:a14="http://schemas.microsoft.com/office/drawing/2010/main">
+              <a14:hiddenFill xmlns:a14="http://schemas.microsoft.com/office/drawing/2010/main" xmlns="">
                 <a:solidFill>
                   <a:srgbClr val="FFFFFF"/>
                 </a:solidFill>
               </a14:hiddenFill>
             </a:ext>
             <a:ext uri="{91240B29-F687-4f45-9708-019B960494DF}">
-              <a14:hiddenLine xmlns="" xmlns:a14="http://schemas.microsoft.com/office/drawing/2010/main" w="9525">
+              <a14:hiddenLine xmlns:a14="http://schemas.microsoft.com/office/drawing/2010/main" xmlns="" w="9525">
                 <a:solidFill>
                   <a:srgbClr val="000000"/>
                 </a:solidFill>
@@ -6930,14 +6930,14 @@
           </a:ln>
           <a:extLst>
             <a:ext uri="{909E8E84-426E-40dd-AFC4-6F175D3DCCD1}">
-              <a14:hiddenFill xmlns="" xmlns:a14="http://schemas.microsoft.com/office/drawing/2010/main">
+              <a14:hiddenFill xmlns:a14="http://schemas.microsoft.com/office/drawing/2010/main" xmlns="">
                 <a:solidFill>
                   <a:srgbClr val="FFFFFF"/>
                 </a:solidFill>
               </a14:hiddenFill>
             </a:ext>
             <a:ext uri="{FAA26D3D-D897-4be2-8F04-BA451C77F1D7}">
-              <ma14:placeholderFlag xmlns="" xmlns:ma14="http://schemas.microsoft.com/office/mac/drawingml/2011/main" val="1"/>
+              <ma14:placeholderFlag xmlns:ma14="http://schemas.microsoft.com/office/mac/drawingml/2011/main" xmlns="" val="1"/>
             </a:ext>
           </a:extLst>
         </p:spPr>
@@ -6956,14 +6956,14 @@
           <a:noFill/>
           <a:extLst>
             <a:ext uri="{909E8E84-426E-40dd-AFC4-6F175D3DCCD1}">
-              <a14:hiddenFill xmlns="" xmlns:a14="http://schemas.microsoft.com/office/drawing/2010/main">
+              <a14:hiddenFill xmlns:a14="http://schemas.microsoft.com/office/drawing/2010/main" xmlns="">
                 <a:solidFill>
                   <a:srgbClr val="FFFFFF"/>
                 </a:solidFill>
               </a14:hiddenFill>
             </a:ext>
             <a:ext uri="{91240B29-F687-4f45-9708-019B960494DF}">
-              <a14:hiddenLine xmlns="" xmlns:a14="http://schemas.microsoft.com/office/drawing/2010/main" w="9525">
+              <a14:hiddenLine xmlns:a14="http://schemas.microsoft.com/office/drawing/2010/main" xmlns="" w="9525">
                 <a:solidFill>
                   <a:srgbClr val="000000"/>
                 </a:solidFill>
@@ -7036,14 +7036,14 @@
           </a:ln>
           <a:extLst>
             <a:ext uri="{909E8E84-426E-40dd-AFC4-6F175D3DCCD1}">
-              <a14:hiddenFill xmlns="" xmlns:a14="http://schemas.microsoft.com/office/drawing/2010/main">
+              <a14:hiddenFill xmlns:a14="http://schemas.microsoft.com/office/drawing/2010/main" xmlns="">
                 <a:solidFill>
                   <a:srgbClr val="FFFFFF"/>
                 </a:solidFill>
               </a14:hiddenFill>
             </a:ext>
             <a:ext uri="{FAA26D3D-D897-4be2-8F04-BA451C77F1D7}">
-              <ma14:placeholderFlag xmlns="" xmlns:ma14="http://schemas.microsoft.com/office/mac/drawingml/2011/main" val="1"/>
+              <ma14:placeholderFlag xmlns:ma14="http://schemas.microsoft.com/office/mac/drawingml/2011/main" xmlns="" val="1"/>
             </a:ext>
           </a:extLst>
         </p:spPr>
@@ -7062,14 +7062,14 @@
           <a:noFill/>
           <a:extLst>
             <a:ext uri="{909E8E84-426E-40dd-AFC4-6F175D3DCCD1}">
-              <a14:hiddenFill xmlns="" xmlns:a14="http://schemas.microsoft.com/office/drawing/2010/main">
+              <a14:hiddenFill xmlns:a14="http://schemas.microsoft.com/office/drawing/2010/main" xmlns="">
                 <a:solidFill>
                   <a:srgbClr val="FFFFFF"/>
                 </a:solidFill>
               </a14:hiddenFill>
             </a:ext>
             <a:ext uri="{91240B29-F687-4f45-9708-019B960494DF}">
-              <a14:hiddenLine xmlns="" xmlns:a14="http://schemas.microsoft.com/office/drawing/2010/main" w="9525">
+              <a14:hiddenLine xmlns:a14="http://schemas.microsoft.com/office/drawing/2010/main" xmlns="" w="9525">
                 <a:solidFill>
                   <a:srgbClr val="000000"/>
                 </a:solidFill>
@@ -7142,7 +7142,7 @@
           </a:ln>
           <a:extLst>
             <a:ext uri="{909E8E84-426E-40dd-AFC4-6F175D3DCCD1}">
-              <a14:hiddenFill xmlns="" xmlns:a14="http://schemas.microsoft.com/office/drawing/2010/main">
+              <a14:hiddenFill xmlns:a14="http://schemas.microsoft.com/office/drawing/2010/main" xmlns="">
                 <a:solidFill>
                   <a:srgbClr val="FFFFFF"/>
                 </a:solidFill>
@@ -7165,14 +7165,14 @@
           <a:noFill/>
           <a:extLst>
             <a:ext uri="{909E8E84-426E-40dd-AFC4-6F175D3DCCD1}">
-              <a14:hiddenFill xmlns="" xmlns:a14="http://schemas.microsoft.com/office/drawing/2010/main">
+              <a14:hiddenFill xmlns:a14="http://schemas.microsoft.com/office/drawing/2010/main" xmlns="">
                 <a:solidFill>
                   <a:srgbClr val="FFFFFF"/>
                 </a:solidFill>
               </a14:hiddenFill>
             </a:ext>
             <a:ext uri="{91240B29-F687-4f45-9708-019B960494DF}">
-              <a14:hiddenLine xmlns="" xmlns:a14="http://schemas.microsoft.com/office/drawing/2010/main" w="9525">
+              <a14:hiddenLine xmlns:a14="http://schemas.microsoft.com/office/drawing/2010/main" xmlns="" w="9525">
                 <a:solidFill>
                   <a:srgbClr val="000000"/>
                 </a:solidFill>
@@ -7253,14 +7253,14 @@
           </a:ln>
           <a:extLst>
             <a:ext uri="{909E8E84-426E-40dd-AFC4-6F175D3DCCD1}">
-              <a14:hiddenFill xmlns="" xmlns:a14="http://schemas.microsoft.com/office/drawing/2010/main">
+              <a14:hiddenFill xmlns:a14="http://schemas.microsoft.com/office/drawing/2010/main" xmlns="">
                 <a:solidFill>
                   <a:srgbClr val="FFFFFF"/>
                 </a:solidFill>
               </a14:hiddenFill>
             </a:ext>
             <a:ext uri="{FAA26D3D-D897-4be2-8F04-BA451C77F1D7}">
-              <ma14:placeholderFlag xmlns="" xmlns:ma14="http://schemas.microsoft.com/office/mac/drawingml/2011/main" val="1"/>
+              <ma14:placeholderFlag xmlns:ma14="http://schemas.microsoft.com/office/mac/drawingml/2011/main" xmlns="" val="1"/>
             </a:ext>
           </a:extLst>
         </p:spPr>
@@ -7279,14 +7279,14 @@
           <a:noFill/>
           <a:extLst>
             <a:ext uri="{909E8E84-426E-40dd-AFC4-6F175D3DCCD1}">
-              <a14:hiddenFill xmlns="" xmlns:a14="http://schemas.microsoft.com/office/drawing/2010/main">
+              <a14:hiddenFill xmlns:a14="http://schemas.microsoft.com/office/drawing/2010/main" xmlns="">
                 <a:solidFill>
                   <a:srgbClr val="FFFFFF"/>
                 </a:solidFill>
               </a14:hiddenFill>
             </a:ext>
             <a:ext uri="{91240B29-F687-4f45-9708-019B960494DF}">
-              <a14:hiddenLine xmlns="" xmlns:a14="http://schemas.microsoft.com/office/drawing/2010/main" w="9525">
+              <a14:hiddenLine xmlns:a14="http://schemas.microsoft.com/office/drawing/2010/main" xmlns="" w="9525">
                 <a:solidFill>
                   <a:srgbClr val="000000"/>
                 </a:solidFill>
@@ -7359,14 +7359,14 @@
           </a:ln>
           <a:extLst>
             <a:ext uri="{909E8E84-426E-40dd-AFC4-6F175D3DCCD1}">
-              <a14:hiddenFill xmlns="" xmlns:a14="http://schemas.microsoft.com/office/drawing/2010/main">
+              <a14:hiddenFill xmlns:a14="http://schemas.microsoft.com/office/drawing/2010/main" xmlns="">
                 <a:solidFill>
                   <a:srgbClr val="FFFFFF"/>
                 </a:solidFill>
               </a14:hiddenFill>
             </a:ext>
             <a:ext uri="{FAA26D3D-D897-4be2-8F04-BA451C77F1D7}">
-              <ma14:placeholderFlag xmlns="" xmlns:ma14="http://schemas.microsoft.com/office/mac/drawingml/2011/main" val="1"/>
+              <ma14:placeholderFlag xmlns:ma14="http://schemas.microsoft.com/office/mac/drawingml/2011/main" xmlns="" val="1"/>
             </a:ext>
           </a:extLst>
         </p:spPr>
@@ -7385,14 +7385,14 @@
           <a:noFill/>
           <a:extLst>
             <a:ext uri="{909E8E84-426E-40dd-AFC4-6F175D3DCCD1}">
-              <a14:hiddenFill xmlns="" xmlns:a14="http://schemas.microsoft.com/office/drawing/2010/main">
+              <a14:hiddenFill xmlns:a14="http://schemas.microsoft.com/office/drawing/2010/main" xmlns="">
                 <a:solidFill>
                   <a:srgbClr val="FFFFFF"/>
                 </a:solidFill>
               </a14:hiddenFill>
             </a:ext>
             <a:ext uri="{91240B29-F687-4f45-9708-019B960494DF}">
-              <a14:hiddenLine xmlns="" xmlns:a14="http://schemas.microsoft.com/office/drawing/2010/main" w="9525">
+              <a14:hiddenLine xmlns:a14="http://schemas.microsoft.com/office/drawing/2010/main" xmlns="" w="9525">
                 <a:solidFill>
                   <a:srgbClr val="000000"/>
                 </a:solidFill>
@@ -7465,14 +7465,14 @@
           </a:ln>
           <a:extLst>
             <a:ext uri="{909E8E84-426E-40dd-AFC4-6F175D3DCCD1}">
-              <a14:hiddenFill xmlns="" xmlns:a14="http://schemas.microsoft.com/office/drawing/2010/main">
+              <a14:hiddenFill xmlns:a14="http://schemas.microsoft.com/office/drawing/2010/main" xmlns="">
                 <a:solidFill>
                   <a:srgbClr val="FFFFFF"/>
                 </a:solidFill>
               </a14:hiddenFill>
             </a:ext>
             <a:ext uri="{FAA26D3D-D897-4be2-8F04-BA451C77F1D7}">
-              <ma14:placeholderFlag xmlns="" xmlns:ma14="http://schemas.microsoft.com/office/mac/drawingml/2011/main" val="1"/>
+              <ma14:placeholderFlag xmlns:ma14="http://schemas.microsoft.com/office/mac/drawingml/2011/main" xmlns="" val="1"/>
             </a:ext>
           </a:extLst>
         </p:spPr>
@@ -7491,14 +7491,14 @@
           <a:noFill/>
           <a:extLst>
             <a:ext uri="{909E8E84-426E-40dd-AFC4-6F175D3DCCD1}">
-              <a14:hiddenFill xmlns="" xmlns:a14="http://schemas.microsoft.com/office/drawing/2010/main">
+              <a14:hiddenFill xmlns:a14="http://schemas.microsoft.com/office/drawing/2010/main" xmlns="">
                 <a:solidFill>
                   <a:srgbClr val="FFFFFF"/>
                 </a:solidFill>
               </a14:hiddenFill>
             </a:ext>
             <a:ext uri="{91240B29-F687-4f45-9708-019B960494DF}">
-              <a14:hiddenLine xmlns="" xmlns:a14="http://schemas.microsoft.com/office/drawing/2010/main" w="9525">
+              <a14:hiddenLine xmlns:a14="http://schemas.microsoft.com/office/drawing/2010/main" xmlns="" w="9525">
                 <a:solidFill>
                   <a:srgbClr val="000000"/>
                 </a:solidFill>
@@ -7571,14 +7571,14 @@
           </a:ln>
           <a:extLst>
             <a:ext uri="{909E8E84-426E-40dd-AFC4-6F175D3DCCD1}">
-              <a14:hiddenFill xmlns="" xmlns:a14="http://schemas.microsoft.com/office/drawing/2010/main">
+              <a14:hiddenFill xmlns:a14="http://schemas.microsoft.com/office/drawing/2010/main" xmlns="">
                 <a:solidFill>
                   <a:srgbClr val="FFFFFF"/>
                 </a:solidFill>
               </a14:hiddenFill>
             </a:ext>
             <a:ext uri="{FAA26D3D-D897-4be2-8F04-BA451C77F1D7}">
-              <ma14:placeholderFlag xmlns="" xmlns:ma14="http://schemas.microsoft.com/office/mac/drawingml/2011/main" val="1"/>
+              <ma14:placeholderFlag xmlns:ma14="http://schemas.microsoft.com/office/mac/drawingml/2011/main" xmlns="" val="1"/>
             </a:ext>
           </a:extLst>
         </p:spPr>
@@ -7597,14 +7597,14 @@
           <a:noFill/>
           <a:extLst>
             <a:ext uri="{909E8E84-426E-40dd-AFC4-6F175D3DCCD1}">
-              <a14:hiddenFill xmlns="" xmlns:a14="http://schemas.microsoft.com/office/drawing/2010/main">
+              <a14:hiddenFill xmlns:a14="http://schemas.microsoft.com/office/drawing/2010/main" xmlns="">
                 <a:solidFill>
                   <a:srgbClr val="FFFFFF"/>
                 </a:solidFill>
               </a14:hiddenFill>
             </a:ext>
             <a:ext uri="{91240B29-F687-4f45-9708-019B960494DF}">
-              <a14:hiddenLine xmlns="" xmlns:a14="http://schemas.microsoft.com/office/drawing/2010/main" w="9525">
+              <a14:hiddenLine xmlns:a14="http://schemas.microsoft.com/office/drawing/2010/main" xmlns="" w="9525">
                 <a:solidFill>
                   <a:srgbClr val="000000"/>
                 </a:solidFill>
@@ -7673,14 +7673,14 @@
           </a:ln>
           <a:extLst>
             <a:ext uri="{909E8E84-426E-40dd-AFC4-6F175D3DCCD1}">
-              <a14:hiddenFill xmlns="" xmlns:a14="http://schemas.microsoft.com/office/drawing/2010/main">
+              <a14:hiddenFill xmlns:a14="http://schemas.microsoft.com/office/drawing/2010/main" xmlns="">
                 <a:solidFill>
                   <a:srgbClr val="FFFFFF"/>
                 </a:solidFill>
               </a14:hiddenFill>
             </a:ext>
             <a:ext uri="{FAA26D3D-D897-4be2-8F04-BA451C77F1D7}">
-              <ma14:placeholderFlag xmlns="" xmlns:ma14="http://schemas.microsoft.com/office/mac/drawingml/2011/main" val="1"/>
+              <ma14:placeholderFlag xmlns:ma14="http://schemas.microsoft.com/office/mac/drawingml/2011/main" xmlns="" val="1"/>
             </a:ext>
           </a:extLst>
         </p:spPr>
@@ -7699,14 +7699,14 @@
           <a:noFill/>
           <a:extLst>
             <a:ext uri="{909E8E84-426E-40dd-AFC4-6F175D3DCCD1}">
-              <a14:hiddenFill xmlns="" xmlns:a14="http://schemas.microsoft.com/office/drawing/2010/main">
+              <a14:hiddenFill xmlns:a14="http://schemas.microsoft.com/office/drawing/2010/main" xmlns="">
                 <a:solidFill>
                   <a:srgbClr val="FFFFFF"/>
                 </a:solidFill>
               </a14:hiddenFill>
             </a:ext>
             <a:ext uri="{91240B29-F687-4f45-9708-019B960494DF}">
-              <a14:hiddenLine xmlns="" xmlns:a14="http://schemas.microsoft.com/office/drawing/2010/main" w="9525">
+              <a14:hiddenLine xmlns:a14="http://schemas.microsoft.com/office/drawing/2010/main" xmlns="" w="9525">
                 <a:solidFill>
                   <a:srgbClr val="000000"/>
                 </a:solidFill>
@@ -7806,14 +7806,14 @@
           </a:ln>
           <a:extLst>
             <a:ext uri="{909E8E84-426E-40dd-AFC4-6F175D3DCCD1}">
-              <a14:hiddenFill xmlns="" xmlns:a14="http://schemas.microsoft.com/office/drawing/2010/main">
+              <a14:hiddenFill xmlns:a14="http://schemas.microsoft.com/office/drawing/2010/main" xmlns="">
                 <a:solidFill>
                   <a:srgbClr val="FFFFFF"/>
                 </a:solidFill>
               </a14:hiddenFill>
             </a:ext>
             <a:ext uri="{FAA26D3D-D897-4be2-8F04-BA451C77F1D7}">
-              <ma14:placeholderFlag xmlns="" xmlns:ma14="http://schemas.microsoft.com/office/mac/drawingml/2011/main" val="1"/>
+              <ma14:placeholderFlag xmlns:ma14="http://schemas.microsoft.com/office/mac/drawingml/2011/main" xmlns="" val="1"/>
             </a:ext>
           </a:extLst>
         </p:spPr>
@@ -7832,14 +7832,14 @@
           <a:noFill/>
           <a:extLst>
             <a:ext uri="{909E8E84-426E-40dd-AFC4-6F175D3DCCD1}">
-              <a14:hiddenFill xmlns="" xmlns:a14="http://schemas.microsoft.com/office/drawing/2010/main">
+              <a14:hiddenFill xmlns:a14="http://schemas.microsoft.com/office/drawing/2010/main" xmlns="">
                 <a:solidFill>
                   <a:srgbClr val="FFFFFF"/>
                 </a:solidFill>
               </a14:hiddenFill>
             </a:ext>
             <a:ext uri="{91240B29-F687-4f45-9708-019B960494DF}">
-              <a14:hiddenLine xmlns="" xmlns:a14="http://schemas.microsoft.com/office/drawing/2010/main" w="9525">
+              <a14:hiddenLine xmlns:a14="http://schemas.microsoft.com/office/drawing/2010/main" xmlns="" w="9525">
                 <a:solidFill>
                   <a:srgbClr val="000000"/>
                 </a:solidFill>
@@ -7926,14 +7926,14 @@
           </a:ln>
           <a:extLst>
             <a:ext uri="{909E8E84-426E-40dd-AFC4-6F175D3DCCD1}">
-              <a14:hiddenFill xmlns="" xmlns:a14="http://schemas.microsoft.com/office/drawing/2010/main">
+              <a14:hiddenFill xmlns:a14="http://schemas.microsoft.com/office/drawing/2010/main" xmlns="">
                 <a:solidFill>
                   <a:srgbClr val="FFFFFF"/>
                 </a:solidFill>
               </a14:hiddenFill>
             </a:ext>
             <a:ext uri="{FAA26D3D-D897-4be2-8F04-BA451C77F1D7}">
-              <ma14:placeholderFlag xmlns="" xmlns:ma14="http://schemas.microsoft.com/office/mac/drawingml/2011/main" val="1"/>
+              <ma14:placeholderFlag xmlns:ma14="http://schemas.microsoft.com/office/mac/drawingml/2011/main" xmlns="" val="1"/>
             </a:ext>
           </a:extLst>
         </p:spPr>
@@ -7952,14 +7952,14 @@
           <a:noFill/>
           <a:extLst>
             <a:ext uri="{909E8E84-426E-40dd-AFC4-6F175D3DCCD1}">
-              <a14:hiddenFill xmlns="" xmlns:a14="http://schemas.microsoft.com/office/drawing/2010/main">
+              <a14:hiddenFill xmlns:a14="http://schemas.microsoft.com/office/drawing/2010/main" xmlns="">
                 <a:solidFill>
                   <a:srgbClr val="FFFFFF"/>
                 </a:solidFill>
               </a14:hiddenFill>
             </a:ext>
             <a:ext uri="{91240B29-F687-4f45-9708-019B960494DF}">
-              <a14:hiddenLine xmlns="" xmlns:a14="http://schemas.microsoft.com/office/drawing/2010/main" w="9525">
+              <a14:hiddenLine xmlns:a14="http://schemas.microsoft.com/office/drawing/2010/main" xmlns="" w="9525">
                 <a:solidFill>
                   <a:srgbClr val="000000"/>
                 </a:solidFill>
@@ -8040,14 +8040,14 @@
           </a:ln>
           <a:extLst>
             <a:ext uri="{909E8E84-426E-40dd-AFC4-6F175D3DCCD1}">
-              <a14:hiddenFill xmlns="" xmlns:a14="http://schemas.microsoft.com/office/drawing/2010/main">
+              <a14:hiddenFill xmlns:a14="http://schemas.microsoft.com/office/drawing/2010/main" xmlns="">
                 <a:solidFill>
                   <a:srgbClr val="FFFFFF"/>
                 </a:solidFill>
               </a14:hiddenFill>
             </a:ext>
             <a:ext uri="{FAA26D3D-D897-4be2-8F04-BA451C77F1D7}">
-              <ma14:placeholderFlag xmlns="" xmlns:ma14="http://schemas.microsoft.com/office/mac/drawingml/2011/main" val="1"/>
+              <ma14:placeholderFlag xmlns:ma14="http://schemas.microsoft.com/office/mac/drawingml/2011/main" xmlns="" val="1"/>
             </a:ext>
           </a:extLst>
         </p:spPr>
@@ -8066,14 +8066,14 @@
           <a:noFill/>
           <a:extLst>
             <a:ext uri="{909E8E84-426E-40dd-AFC4-6F175D3DCCD1}">
-              <a14:hiddenFill xmlns="" xmlns:a14="http://schemas.microsoft.com/office/drawing/2010/main">
+              <a14:hiddenFill xmlns:a14="http://schemas.microsoft.com/office/drawing/2010/main" xmlns="">
                 <a:solidFill>
                   <a:srgbClr val="FFFFFF"/>
                 </a:solidFill>
               </a14:hiddenFill>
             </a:ext>
             <a:ext uri="{91240B29-F687-4f45-9708-019B960494DF}">
-              <a14:hiddenLine xmlns="" xmlns:a14="http://schemas.microsoft.com/office/drawing/2010/main" w="9525">
+              <a14:hiddenLine xmlns:a14="http://schemas.microsoft.com/office/drawing/2010/main" xmlns="" w="9525">
                 <a:solidFill>
                   <a:srgbClr val="000000"/>
                 </a:solidFill>
@@ -8160,14 +8160,14 @@
           </a:ln>
           <a:extLst>
             <a:ext uri="{909E8E84-426E-40dd-AFC4-6F175D3DCCD1}">
-              <a14:hiddenFill xmlns="" xmlns:a14="http://schemas.microsoft.com/office/drawing/2010/main">
+              <a14:hiddenFill xmlns:a14="http://schemas.microsoft.com/office/drawing/2010/main" xmlns="">
                 <a:solidFill>
                   <a:srgbClr val="FFFFFF"/>
                 </a:solidFill>
               </a14:hiddenFill>
             </a:ext>
             <a:ext uri="{FAA26D3D-D897-4be2-8F04-BA451C77F1D7}">
-              <ma14:placeholderFlag xmlns="" xmlns:ma14="http://schemas.microsoft.com/office/mac/drawingml/2011/main" val="1"/>
+              <ma14:placeholderFlag xmlns:ma14="http://schemas.microsoft.com/office/mac/drawingml/2011/main" xmlns="" val="1"/>
             </a:ext>
           </a:extLst>
         </p:spPr>
@@ -8186,14 +8186,14 @@
           <a:noFill/>
           <a:extLst>
             <a:ext uri="{909E8E84-426E-40dd-AFC4-6F175D3DCCD1}">
-              <a14:hiddenFill xmlns="" xmlns:a14="http://schemas.microsoft.com/office/drawing/2010/main">
+              <a14:hiddenFill xmlns:a14="http://schemas.microsoft.com/office/drawing/2010/main" xmlns="">
                 <a:solidFill>
                   <a:srgbClr val="FFFFFF"/>
                 </a:solidFill>
               </a14:hiddenFill>
             </a:ext>
             <a:ext uri="{91240B29-F687-4f45-9708-019B960494DF}">
-              <a14:hiddenLine xmlns="" xmlns:a14="http://schemas.microsoft.com/office/drawing/2010/main" w="9525">
+              <a14:hiddenLine xmlns:a14="http://schemas.microsoft.com/office/drawing/2010/main" xmlns="" w="9525">
                 <a:solidFill>
                   <a:srgbClr val="000000"/>
                 </a:solidFill>
@@ -8295,7 +8295,7 @@
           </a:ln>
           <a:extLst>
             <a:ext uri="{909E8E84-426E-40dd-AFC4-6F175D3DCCD1}">
-              <a14:hiddenFill xmlns="" xmlns:a14="http://schemas.microsoft.com/office/drawing/2010/main">
+              <a14:hiddenFill xmlns:a14="http://schemas.microsoft.com/office/drawing/2010/main" xmlns="">
                 <a:solidFill>
                   <a:srgbClr val="FFFFFF"/>
                 </a:solidFill>
@@ -8318,14 +8318,14 @@
           <a:noFill/>
           <a:extLst>
             <a:ext uri="{909E8E84-426E-40dd-AFC4-6F175D3DCCD1}">
-              <a14:hiddenFill xmlns="" xmlns:a14="http://schemas.microsoft.com/office/drawing/2010/main">
+              <a14:hiddenFill xmlns:a14="http://schemas.microsoft.com/office/drawing/2010/main" xmlns="">
                 <a:solidFill>
                   <a:srgbClr val="FFFFFF"/>
                 </a:solidFill>
               </a14:hiddenFill>
             </a:ext>
             <a:ext uri="{91240B29-F687-4f45-9708-019B960494DF}">
-              <a14:hiddenLine xmlns="" xmlns:a14="http://schemas.microsoft.com/office/drawing/2010/main" w="9525">
+              <a14:hiddenLine xmlns:a14="http://schemas.microsoft.com/office/drawing/2010/main" xmlns="" w="9525">
                 <a:solidFill>
                   <a:srgbClr val="000000"/>
                 </a:solidFill>
@@ -8448,7 +8448,7 @@
           </a:ln>
           <a:extLst>
             <a:ext uri="{909E8E84-426E-40dd-AFC4-6F175D3DCCD1}">
-              <a14:hiddenFill xmlns="" xmlns:a14="http://schemas.microsoft.com/office/drawing/2010/main">
+              <a14:hiddenFill xmlns:a14="http://schemas.microsoft.com/office/drawing/2010/main" xmlns="">
                 <a:solidFill>
                   <a:srgbClr val="FFFFFF"/>
                 </a:solidFill>
@@ -8471,14 +8471,14 @@
           <a:noFill/>
           <a:extLst>
             <a:ext uri="{909E8E84-426E-40dd-AFC4-6F175D3DCCD1}">
-              <a14:hiddenFill xmlns="" xmlns:a14="http://schemas.microsoft.com/office/drawing/2010/main">
+              <a14:hiddenFill xmlns:a14="http://schemas.microsoft.com/office/drawing/2010/main" xmlns="">
                 <a:solidFill>
                   <a:srgbClr val="FFFFFF"/>
                 </a:solidFill>
               </a14:hiddenFill>
             </a:ext>
             <a:ext uri="{91240B29-F687-4f45-9708-019B960494DF}">
-              <a14:hiddenLine xmlns="" xmlns:a14="http://schemas.microsoft.com/office/drawing/2010/main" w="9525">
+              <a14:hiddenLine xmlns:a14="http://schemas.microsoft.com/office/drawing/2010/main" xmlns="" w="9525">
                 <a:solidFill>
                   <a:srgbClr val="000000"/>
                 </a:solidFill>
@@ -10958,14 +10958,14 @@
           </a:ln>
           <a:extLst>
             <a:ext uri="{909E8E84-426E-40dd-AFC4-6F175D3DCCD1}">
-              <a14:hiddenFill xmlns="" xmlns:a14="http://schemas.microsoft.com/office/drawing/2010/main">
+              <a14:hiddenFill xmlns:a14="http://schemas.microsoft.com/office/drawing/2010/main" xmlns="">
                 <a:solidFill>
                   <a:srgbClr val="FFFFFF"/>
                 </a:solidFill>
               </a14:hiddenFill>
             </a:ext>
             <a:ext uri="{91240B29-F687-4f45-9708-019B960494DF}">
-              <a14:hiddenLine xmlns="" xmlns:a14="http://schemas.microsoft.com/office/drawing/2010/main" w="9525">
+              <a14:hiddenLine xmlns:a14="http://schemas.microsoft.com/office/drawing/2010/main" xmlns="" w="9525">
                 <a:solidFill>
                   <a:srgbClr val="000000"/>
                 </a:solidFill>
@@ -11016,14 +11016,14 @@
           </a:ln>
           <a:extLst>
             <a:ext uri="{909E8E84-426E-40dd-AFC4-6F175D3DCCD1}">
-              <a14:hiddenFill xmlns="" xmlns:a14="http://schemas.microsoft.com/office/drawing/2010/main">
+              <a14:hiddenFill xmlns:a14="http://schemas.microsoft.com/office/drawing/2010/main" xmlns="">
                 <a:solidFill>
                   <a:srgbClr val="FFFFFF"/>
                 </a:solidFill>
               </a14:hiddenFill>
             </a:ext>
             <a:ext uri="{91240B29-F687-4f45-9708-019B960494DF}">
-              <a14:hiddenLine xmlns="" xmlns:a14="http://schemas.microsoft.com/office/drawing/2010/main" w="9525">
+              <a14:hiddenLine xmlns:a14="http://schemas.microsoft.com/office/drawing/2010/main" xmlns="" w="9525">
                 <a:solidFill>
                   <a:srgbClr val="000000"/>
                 </a:solidFill>
@@ -11514,14 +11514,14 @@
           </a:ln>
           <a:extLst>
             <a:ext uri="{909E8E84-426E-40dd-AFC4-6F175D3DCCD1}">
-              <a14:hiddenFill xmlns="" xmlns:a14="http://schemas.microsoft.com/office/drawing/2010/main">
+              <a14:hiddenFill xmlns:a14="http://schemas.microsoft.com/office/drawing/2010/main" xmlns="">
                 <a:solidFill>
                   <a:srgbClr val="FFFFFF"/>
                 </a:solidFill>
               </a14:hiddenFill>
             </a:ext>
             <a:ext uri="{91240B29-F687-4f45-9708-019B960494DF}">
-              <a14:hiddenLine xmlns="" xmlns:a14="http://schemas.microsoft.com/office/drawing/2010/main" w="9525">
+              <a14:hiddenLine xmlns:a14="http://schemas.microsoft.com/office/drawing/2010/main" xmlns="" w="9525">
                 <a:solidFill>
                   <a:srgbClr val="000000"/>
                 </a:solidFill>
@@ -11572,14 +11572,14 @@
           </a:ln>
           <a:extLst>
             <a:ext uri="{909E8E84-426E-40dd-AFC4-6F175D3DCCD1}">
-              <a14:hiddenFill xmlns="" xmlns:a14="http://schemas.microsoft.com/office/drawing/2010/main">
+              <a14:hiddenFill xmlns:a14="http://schemas.microsoft.com/office/drawing/2010/main" xmlns="">
                 <a:solidFill>
                   <a:srgbClr val="FFFFFF"/>
                 </a:solidFill>
               </a14:hiddenFill>
             </a:ext>
             <a:ext uri="{91240B29-F687-4f45-9708-019B960494DF}">
-              <a14:hiddenLine xmlns="" xmlns:a14="http://schemas.microsoft.com/office/drawing/2010/main" w="9525">
+              <a14:hiddenLine xmlns:a14="http://schemas.microsoft.com/office/drawing/2010/main" xmlns="" w="9525">
                 <a:solidFill>
                   <a:srgbClr val="000000"/>
                 </a:solidFill>
@@ -12278,14 +12278,14 @@
           </a:ln>
           <a:extLst>
             <a:ext uri="{909E8E84-426E-40dd-AFC4-6F175D3DCCD1}">
-              <a14:hiddenFill xmlns="" xmlns:a14="http://schemas.microsoft.com/office/drawing/2010/main">
+              <a14:hiddenFill xmlns:a14="http://schemas.microsoft.com/office/drawing/2010/main" xmlns="">
                 <a:solidFill>
                   <a:srgbClr val="FFFFFF"/>
                 </a:solidFill>
               </a14:hiddenFill>
             </a:ext>
             <a:ext uri="{91240B29-F687-4f45-9708-019B960494DF}">
-              <a14:hiddenLine xmlns="" xmlns:a14="http://schemas.microsoft.com/office/drawing/2010/main" w="9525">
+              <a14:hiddenLine xmlns:a14="http://schemas.microsoft.com/office/drawing/2010/main" xmlns="" w="9525">
                 <a:solidFill>
                   <a:srgbClr val="000000"/>
                 </a:solidFill>
@@ -12450,14 +12450,14 @@
           </a:ln>
           <a:extLst>
             <a:ext uri="{909E8E84-426E-40dd-AFC4-6F175D3DCCD1}">
-              <a14:hiddenFill xmlns="" xmlns:a14="http://schemas.microsoft.com/office/drawing/2010/main">
+              <a14:hiddenFill xmlns:a14="http://schemas.microsoft.com/office/drawing/2010/main" xmlns="">
                 <a:solidFill>
                   <a:srgbClr val="FFFFFF"/>
                 </a:solidFill>
               </a14:hiddenFill>
             </a:ext>
             <a:ext uri="{91240B29-F687-4f45-9708-019B960494DF}">
-              <a14:hiddenLine xmlns="" xmlns:a14="http://schemas.microsoft.com/office/drawing/2010/main" w="9525">
+              <a14:hiddenLine xmlns:a14="http://schemas.microsoft.com/office/drawing/2010/main" xmlns="" w="9525">
                 <a:solidFill>
                   <a:srgbClr val="000000"/>
                 </a:solidFill>
@@ -14066,14 +14066,14 @@
           </a:ln>
           <a:extLst>
             <a:ext uri="{909E8E84-426E-40dd-AFC4-6F175D3DCCD1}">
-              <a14:hiddenFill xmlns="" xmlns:a14="http://schemas.microsoft.com/office/drawing/2010/main">
+              <a14:hiddenFill xmlns:a14="http://schemas.microsoft.com/office/drawing/2010/main" xmlns="">
                 <a:solidFill>
                   <a:srgbClr val="FFFFFF"/>
                 </a:solidFill>
               </a14:hiddenFill>
             </a:ext>
             <a:ext uri="{91240B29-F687-4f45-9708-019B960494DF}">
-              <a14:hiddenLine xmlns="" xmlns:a14="http://schemas.microsoft.com/office/drawing/2010/main" w="9525">
+              <a14:hiddenLine xmlns:a14="http://schemas.microsoft.com/office/drawing/2010/main" xmlns="" w="9525">
                 <a:solidFill>
                   <a:srgbClr val="000000"/>
                 </a:solidFill>
@@ -14393,14 +14393,14 @@
           </a:ln>
           <a:extLst>
             <a:ext uri="{909E8E84-426E-40dd-AFC4-6F175D3DCCD1}">
-              <a14:hiddenFill xmlns="" xmlns:a14="http://schemas.microsoft.com/office/drawing/2010/main">
+              <a14:hiddenFill xmlns:a14="http://schemas.microsoft.com/office/drawing/2010/main" xmlns="">
                 <a:solidFill>
                   <a:srgbClr val="FFFFFF"/>
                 </a:solidFill>
               </a14:hiddenFill>
             </a:ext>
             <a:ext uri="{91240B29-F687-4f45-9708-019B960494DF}">
-              <a14:hiddenLine xmlns="" xmlns:a14="http://schemas.microsoft.com/office/drawing/2010/main" w="9525">
+              <a14:hiddenLine xmlns:a14="http://schemas.microsoft.com/office/drawing/2010/main" xmlns="" w="9525">
                 <a:solidFill>
                   <a:srgbClr val="000000"/>
                 </a:solidFill>
@@ -14566,14 +14566,14 @@
           </a:ln>
           <a:extLst>
             <a:ext uri="{909E8E84-426E-40dd-AFC4-6F175D3DCCD1}">
-              <a14:hiddenFill xmlns="" xmlns:a14="http://schemas.microsoft.com/office/drawing/2010/main">
+              <a14:hiddenFill xmlns:a14="http://schemas.microsoft.com/office/drawing/2010/main" xmlns="">
                 <a:solidFill>
                   <a:srgbClr val="FFFFFF"/>
                 </a:solidFill>
               </a14:hiddenFill>
             </a:ext>
             <a:ext uri="{91240B29-F687-4f45-9708-019B960494DF}">
-              <a14:hiddenLine xmlns="" xmlns:a14="http://schemas.microsoft.com/office/drawing/2010/main" w="9525">
+              <a14:hiddenLine xmlns:a14="http://schemas.microsoft.com/office/drawing/2010/main" xmlns="" w="9525">
                 <a:solidFill>
                   <a:srgbClr val="000000"/>
                 </a:solidFill>
@@ -14739,14 +14739,14 @@
           </a:ln>
           <a:extLst>
             <a:ext uri="{909E8E84-426E-40dd-AFC4-6F175D3DCCD1}">
-              <a14:hiddenFill xmlns="" xmlns:a14="http://schemas.microsoft.com/office/drawing/2010/main">
+              <a14:hiddenFill xmlns:a14="http://schemas.microsoft.com/office/drawing/2010/main" xmlns="">
                 <a:solidFill>
                   <a:srgbClr val="FFFFFF"/>
                 </a:solidFill>
               </a14:hiddenFill>
             </a:ext>
             <a:ext uri="{91240B29-F687-4f45-9708-019B960494DF}">
-              <a14:hiddenLine xmlns="" xmlns:a14="http://schemas.microsoft.com/office/drawing/2010/main" w="9525">
+              <a14:hiddenLine xmlns:a14="http://schemas.microsoft.com/office/drawing/2010/main" xmlns="" w="9525">
                 <a:solidFill>
                   <a:srgbClr val="000000"/>
                 </a:solidFill>
@@ -14912,14 +14912,14 @@
           </a:ln>
           <a:extLst>
             <a:ext uri="{909E8E84-426E-40dd-AFC4-6F175D3DCCD1}">
-              <a14:hiddenFill xmlns="" xmlns:a14="http://schemas.microsoft.com/office/drawing/2010/main">
+              <a14:hiddenFill xmlns:a14="http://schemas.microsoft.com/office/drawing/2010/main" xmlns="">
                 <a:solidFill>
                   <a:srgbClr val="FFFFFF"/>
                 </a:solidFill>
               </a14:hiddenFill>
             </a:ext>
             <a:ext uri="{91240B29-F687-4f45-9708-019B960494DF}">
-              <a14:hiddenLine xmlns="" xmlns:a14="http://schemas.microsoft.com/office/drawing/2010/main" w="9525">
+              <a14:hiddenLine xmlns:a14="http://schemas.microsoft.com/office/drawing/2010/main" xmlns="" w="9525">
                 <a:solidFill>
                   <a:srgbClr val="000000"/>
                 </a:solidFill>
@@ -15105,14 +15105,14 @@
           </a:ln>
           <a:extLst>
             <a:ext uri="{909E8E84-426E-40dd-AFC4-6F175D3DCCD1}">
-              <a14:hiddenFill xmlns="" xmlns:a14="http://schemas.microsoft.com/office/drawing/2010/main">
+              <a14:hiddenFill xmlns:a14="http://schemas.microsoft.com/office/drawing/2010/main" xmlns="">
                 <a:solidFill>
                   <a:srgbClr val="FFFFFF"/>
                 </a:solidFill>
               </a14:hiddenFill>
             </a:ext>
             <a:ext uri="{91240B29-F687-4f45-9708-019B960494DF}">
-              <a14:hiddenLine xmlns="" xmlns:a14="http://schemas.microsoft.com/office/drawing/2010/main" w="9525">
+              <a14:hiddenLine xmlns:a14="http://schemas.microsoft.com/office/drawing/2010/main" xmlns="" w="9525">
                 <a:solidFill>
                   <a:srgbClr val="000000"/>
                 </a:solidFill>
@@ -16411,14 +16411,14 @@
           </a:ln>
           <a:extLst>
             <a:ext uri="{909E8E84-426E-40dd-AFC4-6F175D3DCCD1}">
-              <a14:hiddenFill xmlns="" xmlns:a14="http://schemas.microsoft.com/office/drawing/2010/main">
+              <a14:hiddenFill xmlns:a14="http://schemas.microsoft.com/office/drawing/2010/main" xmlns="">
                 <a:solidFill>
                   <a:srgbClr val="FFFFFF"/>
                 </a:solidFill>
               </a14:hiddenFill>
             </a:ext>
             <a:ext uri="{91240B29-F687-4f45-9708-019B960494DF}">
-              <a14:hiddenLine xmlns="" xmlns:a14="http://schemas.microsoft.com/office/drawing/2010/main" w="9525">
+              <a14:hiddenLine xmlns:a14="http://schemas.microsoft.com/office/drawing/2010/main" xmlns="" w="9525">
                 <a:solidFill>
                   <a:srgbClr val="000000"/>
                 </a:solidFill>
@@ -16465,14 +16465,14 @@
           </a:ln>
           <a:extLst>
             <a:ext uri="{909E8E84-426E-40dd-AFC4-6F175D3DCCD1}">
-              <a14:hiddenFill xmlns="" xmlns:a14="http://schemas.microsoft.com/office/drawing/2010/main">
+              <a14:hiddenFill xmlns:a14="http://schemas.microsoft.com/office/drawing/2010/main" xmlns="">
                 <a:solidFill>
                   <a:srgbClr val="FFFFFF"/>
                 </a:solidFill>
               </a14:hiddenFill>
             </a:ext>
             <a:ext uri="{91240B29-F687-4f45-9708-019B960494DF}">
-              <a14:hiddenLine xmlns="" xmlns:a14="http://schemas.microsoft.com/office/drawing/2010/main" w="9525">
+              <a14:hiddenLine xmlns:a14="http://schemas.microsoft.com/office/drawing/2010/main" xmlns="" w="9525">
                 <a:solidFill>
                   <a:srgbClr val="000000"/>
                 </a:solidFill>
@@ -16519,14 +16519,14 @@
           </a:ln>
           <a:extLst>
             <a:ext uri="{909E8E84-426E-40dd-AFC4-6F175D3DCCD1}">
-              <a14:hiddenFill xmlns="" xmlns:a14="http://schemas.microsoft.com/office/drawing/2010/main">
+              <a14:hiddenFill xmlns:a14="http://schemas.microsoft.com/office/drawing/2010/main" xmlns="">
                 <a:solidFill>
                   <a:srgbClr val="FFFFFF"/>
                 </a:solidFill>
               </a14:hiddenFill>
             </a:ext>
             <a:ext uri="{91240B29-F687-4f45-9708-019B960494DF}">
-              <a14:hiddenLine xmlns="" xmlns:a14="http://schemas.microsoft.com/office/drawing/2010/main" w="9525">
+              <a14:hiddenLine xmlns:a14="http://schemas.microsoft.com/office/drawing/2010/main" xmlns="" w="9525">
                 <a:solidFill>
                   <a:srgbClr val="000000"/>
                 </a:solidFill>
@@ -16573,14 +16573,14 @@
           </a:ln>
           <a:extLst>
             <a:ext uri="{909E8E84-426E-40dd-AFC4-6F175D3DCCD1}">
-              <a14:hiddenFill xmlns="" xmlns:a14="http://schemas.microsoft.com/office/drawing/2010/main">
+              <a14:hiddenFill xmlns:a14="http://schemas.microsoft.com/office/drawing/2010/main" xmlns="">
                 <a:solidFill>
                   <a:srgbClr val="FFFFFF"/>
                 </a:solidFill>
               </a14:hiddenFill>
             </a:ext>
             <a:ext uri="{91240B29-F687-4f45-9708-019B960494DF}">
-              <a14:hiddenLine xmlns="" xmlns:a14="http://schemas.microsoft.com/office/drawing/2010/main" w="9525">
+              <a14:hiddenLine xmlns:a14="http://schemas.microsoft.com/office/drawing/2010/main" xmlns="" w="9525">
                 <a:solidFill>
                   <a:srgbClr val="000000"/>
                 </a:solidFill>
@@ -17022,42 +17022,42 @@
           <a:lstStyle/>
           <a:p>
             <a:r>
-              <a:rPr lang="en-US" sz="3200" noProof="0"/>
+              <a:rPr lang="en-US" sz="3200" noProof="0" dirty="0"/>
               <a:t>The Real Wealth Effect:</a:t>
             </a:r>
           </a:p>
           <a:p>
             <a:pPr lvl="1"/>
             <a:r>
-              <a:rPr lang="en-US" sz="2800" noProof="0"/>
+              <a:rPr lang="en-US" sz="2800" noProof="0" dirty="0"/>
               <a:t>A high price level can decrease real wealth in a nation and reduce consumption (C) on final products.</a:t>
             </a:r>
           </a:p>
           <a:p>
             <a:pPr lvl="1"/>
             <a:r>
-              <a:rPr lang="en-US" sz="2800" noProof="0"/>
+              <a:rPr lang="en-US" sz="2800" noProof="0" dirty="0"/>
               <a:t>Lower C means lower quantity of goods demanded and lower AQD.</a:t>
             </a:r>
           </a:p>
           <a:p>
             <a:pPr lvl="1"/>
             <a:r>
-              <a:rPr lang="en-US" sz="2800" noProof="0"/>
+              <a:rPr lang="en-US" sz="2800" noProof="0" dirty="0"/>
               <a:t>So high price level means low AQD.</a:t>
             </a:r>
           </a:p>
           <a:p>
             <a:pPr lvl="1"/>
             <a:r>
-              <a:rPr lang="en-US" sz="2800" noProof="0"/>
+              <a:rPr lang="en-US" sz="2800" noProof="0" dirty="0"/>
               <a:t>Negative relationship between AQD and price level.</a:t>
             </a:r>
-            <a:endParaRPr lang="en-US" sz="1800" noProof="0"/>
+            <a:endParaRPr lang="en-US" sz="1800" noProof="0" dirty="0"/>
           </a:p>
           <a:p>
             <a:pPr lvl="1"/>
-            <a:endParaRPr lang="en-US" sz="1400" noProof="0"/>
+            <a:endParaRPr lang="en-US" sz="1400" noProof="0" dirty="0"/>
           </a:p>
         </p:txBody>
       </p:sp>
@@ -17293,21 +17293,8 @@
                 <a:ea typeface="Cambria"/>
                 <a:cs typeface="Cambria"/>
               </a:rPr>
-              <a:t>NX = EX </a:t>
-            </a:r>
-            <a:r>
-              <a:rPr lang="en-US" sz="2000" noProof="0">
-                <a:latin typeface="Cambria"/>
-                <a:ea typeface="Cambria"/>
-                <a:cs typeface="Cambria"/>
-              </a:rPr>
-              <a:t>- IM</a:t>
-            </a:r>
-            <a:endParaRPr lang="en-US" sz="2000" noProof="0" dirty="0">
-              <a:latin typeface="Cambria"/>
-              <a:ea typeface="Cambria"/>
-              <a:cs typeface="Cambria"/>
-            </a:endParaRPr>
+              <a:t>NX = EX - IM</a:t>
+            </a:r>
           </a:p>
           <a:p>
             <a:pPr lvl="1"/>
@@ -17402,14 +17389,14 @@
           </a:ln>
           <a:extLst>
             <a:ext uri="{909E8E84-426E-40dd-AFC4-6F175D3DCCD1}">
-              <a14:hiddenFill xmlns="" xmlns:a14="http://schemas.microsoft.com/office/drawing/2010/main">
+              <a14:hiddenFill xmlns:a14="http://schemas.microsoft.com/office/drawing/2010/main" xmlns="">
                 <a:solidFill>
                   <a:srgbClr val="FFFFFF"/>
                 </a:solidFill>
               </a14:hiddenFill>
             </a:ext>
             <a:ext uri="{91240B29-F687-4f45-9708-019B960494DF}">
-              <a14:hiddenLine xmlns="" xmlns:a14="http://schemas.microsoft.com/office/drawing/2010/main" w="9525">
+              <a14:hiddenLine xmlns:a14="http://schemas.microsoft.com/office/drawing/2010/main" xmlns="" w="9525">
                 <a:solidFill>
                   <a:srgbClr val="000000"/>
                 </a:solidFill>
@@ -17456,14 +17443,14 @@
           </a:ln>
           <a:extLst>
             <a:ext uri="{909E8E84-426E-40dd-AFC4-6F175D3DCCD1}">
-              <a14:hiddenFill xmlns="" xmlns:a14="http://schemas.microsoft.com/office/drawing/2010/main">
+              <a14:hiddenFill xmlns:a14="http://schemas.microsoft.com/office/drawing/2010/main" xmlns="">
                 <a:solidFill>
                   <a:srgbClr val="FFFFFF"/>
                 </a:solidFill>
               </a14:hiddenFill>
             </a:ext>
             <a:ext uri="{91240B29-F687-4f45-9708-019B960494DF}">
-              <a14:hiddenLine xmlns="" xmlns:a14="http://schemas.microsoft.com/office/drawing/2010/main" w="9525">
+              <a14:hiddenLine xmlns:a14="http://schemas.microsoft.com/office/drawing/2010/main" xmlns="" w="9525">
                 <a:solidFill>
                   <a:srgbClr val="000000"/>
                 </a:solidFill>
@@ -17510,14 +17497,14 @@
           </a:ln>
           <a:extLst>
             <a:ext uri="{909E8E84-426E-40dd-AFC4-6F175D3DCCD1}">
-              <a14:hiddenFill xmlns="" xmlns:a14="http://schemas.microsoft.com/office/drawing/2010/main">
+              <a14:hiddenFill xmlns:a14="http://schemas.microsoft.com/office/drawing/2010/main" xmlns="">
                 <a:solidFill>
                   <a:srgbClr val="FFFFFF"/>
                 </a:solidFill>
               </a14:hiddenFill>
             </a:ext>
             <a:ext uri="{91240B29-F687-4f45-9708-019B960494DF}">
-              <a14:hiddenLine xmlns="" xmlns:a14="http://schemas.microsoft.com/office/drawing/2010/main" w="9525">
+              <a14:hiddenLine xmlns:a14="http://schemas.microsoft.com/office/drawing/2010/main" xmlns="" w="9525">
                 <a:solidFill>
                   <a:srgbClr val="000000"/>
                 </a:solidFill>
@@ -17564,14 +17551,14 @@
           </a:ln>
           <a:extLst>
             <a:ext uri="{909E8E84-426E-40dd-AFC4-6F175D3DCCD1}">
-              <a14:hiddenFill xmlns="" xmlns:a14="http://schemas.microsoft.com/office/drawing/2010/main">
+              <a14:hiddenFill xmlns:a14="http://schemas.microsoft.com/office/drawing/2010/main" xmlns="">
                 <a:solidFill>
                   <a:srgbClr val="FFFFFF"/>
                 </a:solidFill>
               </a14:hiddenFill>
             </a:ext>
             <a:ext uri="{91240B29-F687-4f45-9708-019B960494DF}">
-              <a14:hiddenLine xmlns="" xmlns:a14="http://schemas.microsoft.com/office/drawing/2010/main" w="9525">
+              <a14:hiddenLine xmlns:a14="http://schemas.microsoft.com/office/drawing/2010/main" xmlns="" w="9525">
                 <a:solidFill>
                   <a:srgbClr val="000000"/>
                 </a:solidFill>
@@ -17618,14 +17605,14 @@
           </a:ln>
           <a:extLst>
             <a:ext uri="{909E8E84-426E-40dd-AFC4-6F175D3DCCD1}">
-              <a14:hiddenFill xmlns="" xmlns:a14="http://schemas.microsoft.com/office/drawing/2010/main">
+              <a14:hiddenFill xmlns:a14="http://schemas.microsoft.com/office/drawing/2010/main" xmlns="">
                 <a:solidFill>
                   <a:srgbClr val="FFFFFF"/>
                 </a:solidFill>
               </a14:hiddenFill>
             </a:ext>
             <a:ext uri="{91240B29-F687-4f45-9708-019B960494DF}">
-              <a14:hiddenLine xmlns="" xmlns:a14="http://schemas.microsoft.com/office/drawing/2010/main" w="9525">
+              <a14:hiddenLine xmlns:a14="http://schemas.microsoft.com/office/drawing/2010/main" xmlns="" w="9525">
                 <a:solidFill>
                   <a:srgbClr val="000000"/>
                 </a:solidFill>
@@ -18184,14 +18171,14 @@
           </a:ln>
           <a:extLst>
             <a:ext uri="{909E8E84-426E-40dd-AFC4-6F175D3DCCD1}">
-              <a14:hiddenFill xmlns="" xmlns:a14="http://schemas.microsoft.com/office/drawing/2010/main">
+              <a14:hiddenFill xmlns:a14="http://schemas.microsoft.com/office/drawing/2010/main" xmlns="">
                 <a:solidFill>
                   <a:srgbClr val="FFFFFF"/>
                 </a:solidFill>
               </a14:hiddenFill>
             </a:ext>
             <a:ext uri="{91240B29-F687-4f45-9708-019B960494DF}">
-              <a14:hiddenLine xmlns="" xmlns:a14="http://schemas.microsoft.com/office/drawing/2010/main" w="9525">
+              <a14:hiddenLine xmlns:a14="http://schemas.microsoft.com/office/drawing/2010/main" xmlns="" w="9525">
                 <a:solidFill>
                   <a:srgbClr val="000000"/>
                 </a:solidFill>
@@ -19340,14 +19327,14 @@
           </a:ln>
           <a:extLst>
             <a:ext uri="{909E8E84-426E-40dd-AFC4-6F175D3DCCD1}">
-              <a14:hiddenFill xmlns="" xmlns:a14="http://schemas.microsoft.com/office/drawing/2010/main">
+              <a14:hiddenFill xmlns:a14="http://schemas.microsoft.com/office/drawing/2010/main" xmlns="">
                 <a:solidFill>
                   <a:srgbClr val="FFFFFF"/>
                 </a:solidFill>
               </a14:hiddenFill>
             </a:ext>
             <a:ext uri="{91240B29-F687-4f45-9708-019B960494DF}">
-              <a14:hiddenLine xmlns="" xmlns:a14="http://schemas.microsoft.com/office/drawing/2010/main" w="9525">
+              <a14:hiddenLine xmlns:a14="http://schemas.microsoft.com/office/drawing/2010/main" xmlns="" w="9525">
                 <a:solidFill>
                   <a:srgbClr val="000000"/>
                 </a:solidFill>
@@ -19676,14 +19663,14 @@
           </a:ln>
           <a:extLst>
             <a:ext uri="{909E8E84-426E-40dd-AFC4-6F175D3DCCD1}">
-              <a14:hiddenFill xmlns="" xmlns:a14="http://schemas.microsoft.com/office/drawing/2010/main">
+              <a14:hiddenFill xmlns:a14="http://schemas.microsoft.com/office/drawing/2010/main" xmlns="">
                 <a:solidFill>
                   <a:srgbClr val="FFFFFF"/>
                 </a:solidFill>
               </a14:hiddenFill>
             </a:ext>
             <a:ext uri="{91240B29-F687-4f45-9708-019B960494DF}">
-              <a14:hiddenLine xmlns="" xmlns:a14="http://schemas.microsoft.com/office/drawing/2010/main" w="9525">
+              <a14:hiddenLine xmlns:a14="http://schemas.microsoft.com/office/drawing/2010/main" xmlns="" w="9525">
                 <a:solidFill>
                   <a:srgbClr val="000000"/>
                 </a:solidFill>
@@ -20026,14 +20013,14 @@
           </a:ln>
           <a:extLst>
             <a:ext uri="{909E8E84-426E-40dd-AFC4-6F175D3DCCD1}">
-              <a14:hiddenFill xmlns="" xmlns:a14="http://schemas.microsoft.com/office/drawing/2010/main">
+              <a14:hiddenFill xmlns:a14="http://schemas.microsoft.com/office/drawing/2010/main" xmlns="">
                 <a:solidFill>
                   <a:srgbClr val="FFFFFF"/>
                 </a:solidFill>
               </a14:hiddenFill>
             </a:ext>
             <a:ext uri="{91240B29-F687-4f45-9708-019B960494DF}">
-              <a14:hiddenLine xmlns="" xmlns:a14="http://schemas.microsoft.com/office/drawing/2010/main" w="9525">
+              <a14:hiddenLine xmlns:a14="http://schemas.microsoft.com/office/drawing/2010/main" xmlns="" w="9525">
                 <a:solidFill>
                   <a:srgbClr val="000000"/>
                 </a:solidFill>
@@ -20333,14 +20320,14 @@
           </a:ln>
           <a:extLst>
             <a:ext uri="{909E8E84-426E-40dd-AFC4-6F175D3DCCD1}">
-              <a14:hiddenFill xmlns="" xmlns:a14="http://schemas.microsoft.com/office/drawing/2010/main">
+              <a14:hiddenFill xmlns:a14="http://schemas.microsoft.com/office/drawing/2010/main" xmlns="">
                 <a:solidFill>
                   <a:srgbClr val="FFFFFF"/>
                 </a:solidFill>
               </a14:hiddenFill>
             </a:ext>
             <a:ext uri="{91240B29-F687-4f45-9708-019B960494DF}">
-              <a14:hiddenLine xmlns="" xmlns:a14="http://schemas.microsoft.com/office/drawing/2010/main" w="9525">
+              <a14:hiddenLine xmlns:a14="http://schemas.microsoft.com/office/drawing/2010/main" xmlns="" w="9525">
                 <a:solidFill>
                   <a:srgbClr val="000000"/>
                 </a:solidFill>
@@ -20549,14 +20536,14 @@
           </a:ln>
           <a:extLst>
             <a:ext uri="{909E8E84-426E-40dd-AFC4-6F175D3DCCD1}">
-              <a14:hiddenFill xmlns="" xmlns:a14="http://schemas.microsoft.com/office/drawing/2010/main">
+              <a14:hiddenFill xmlns:a14="http://schemas.microsoft.com/office/drawing/2010/main" xmlns="">
                 <a:solidFill>
                   <a:srgbClr val="FFFFFF"/>
                 </a:solidFill>
               </a14:hiddenFill>
             </a:ext>
             <a:ext uri="{91240B29-F687-4f45-9708-019B960494DF}">
-              <a14:hiddenLine xmlns="" xmlns:a14="http://schemas.microsoft.com/office/drawing/2010/main" w="9525">
+              <a14:hiddenLine xmlns:a14="http://schemas.microsoft.com/office/drawing/2010/main" xmlns="" w="9525">
                 <a:solidFill>
                   <a:srgbClr val="000000"/>
                 </a:solidFill>
@@ -20603,14 +20590,14 @@
           </a:ln>
           <a:extLst>
             <a:ext uri="{909E8E84-426E-40dd-AFC4-6F175D3DCCD1}">
-              <a14:hiddenFill xmlns="" xmlns:a14="http://schemas.microsoft.com/office/drawing/2010/main">
+              <a14:hiddenFill xmlns:a14="http://schemas.microsoft.com/office/drawing/2010/main" xmlns="">
                 <a:solidFill>
                   <a:srgbClr val="FFFFFF"/>
                 </a:solidFill>
               </a14:hiddenFill>
             </a:ext>
             <a:ext uri="{91240B29-F687-4f45-9708-019B960494DF}">
-              <a14:hiddenLine xmlns="" xmlns:a14="http://schemas.microsoft.com/office/drawing/2010/main" w="9525">
+              <a14:hiddenLine xmlns:a14="http://schemas.microsoft.com/office/drawing/2010/main" xmlns="" w="9525">
                 <a:solidFill>
                   <a:srgbClr val="000000"/>
                 </a:solidFill>
@@ -20657,14 +20644,14 @@
           </a:ln>
           <a:extLst>
             <a:ext uri="{909E8E84-426E-40dd-AFC4-6F175D3DCCD1}">
-              <a14:hiddenFill xmlns="" xmlns:a14="http://schemas.microsoft.com/office/drawing/2010/main">
+              <a14:hiddenFill xmlns:a14="http://schemas.microsoft.com/office/drawing/2010/main" xmlns="">
                 <a:solidFill>
                   <a:srgbClr val="FFFFFF"/>
                 </a:solidFill>
               </a14:hiddenFill>
             </a:ext>
             <a:ext uri="{91240B29-F687-4f45-9708-019B960494DF}">
-              <a14:hiddenLine xmlns="" xmlns:a14="http://schemas.microsoft.com/office/drawing/2010/main" w="9525">
+              <a14:hiddenLine xmlns:a14="http://schemas.microsoft.com/office/drawing/2010/main" xmlns="" w="9525">
                 <a:solidFill>
                   <a:srgbClr val="000000"/>
                 </a:solidFill>
@@ -20711,14 +20698,14 @@
           </a:ln>
           <a:extLst>
             <a:ext uri="{909E8E84-426E-40dd-AFC4-6F175D3DCCD1}">
-              <a14:hiddenFill xmlns="" xmlns:a14="http://schemas.microsoft.com/office/drawing/2010/main">
+              <a14:hiddenFill xmlns:a14="http://schemas.microsoft.com/office/drawing/2010/main" xmlns="">
                 <a:solidFill>
                   <a:srgbClr val="FFFFFF"/>
                 </a:solidFill>
               </a14:hiddenFill>
             </a:ext>
             <a:ext uri="{91240B29-F687-4f45-9708-019B960494DF}">
-              <a14:hiddenLine xmlns="" xmlns:a14="http://schemas.microsoft.com/office/drawing/2010/main" w="9525">
+              <a14:hiddenLine xmlns:a14="http://schemas.microsoft.com/office/drawing/2010/main" xmlns="" w="9525">
                 <a:solidFill>
                   <a:srgbClr val="000000"/>
                 </a:solidFill>
@@ -20739,7 +20726,7 @@
           <p:nvPr>
             <p:extLst>
               <p:ext uri="{D42A27DB-BD31-4B8C-83A1-F6EECF244321}">
-                <p14:modId xmlns:p14="http://schemas.microsoft.com/office/powerpoint/2010/main" val="3716784494"/>
+                <p14:modId xmlns:p14="http://schemas.microsoft.com/office/powerpoint/2010/main" val="1344571153"/>
               </p:ext>
             </p:extLst>
           </p:nvPr>
@@ -21619,7 +21606,7 @@
                         <a:rPr lang="en-US" dirty="0">
                           <a:latin typeface="Cambria"/>
                         </a:rPr>
-                        <a:t>İncome</a:t>
+                        <a:t>Income</a:t>
                       </a:r>
                       <a:r>
                         <a:rPr lang="en-US" baseline="0" dirty="0">
@@ -22631,14 +22618,14 @@
           </a:ln>
           <a:extLst>
             <a:ext uri="{909E8E84-426E-40dd-AFC4-6F175D3DCCD1}">
-              <a14:hiddenFill xmlns="" xmlns:a14="http://schemas.microsoft.com/office/drawing/2010/main">
+              <a14:hiddenFill xmlns:a14="http://schemas.microsoft.com/office/drawing/2010/main" xmlns="">
                 <a:solidFill>
                   <a:srgbClr val="FFFFFF"/>
                 </a:solidFill>
               </a14:hiddenFill>
             </a:ext>
             <a:ext uri="{91240B29-F687-4f45-9708-019B960494DF}">
-              <a14:hiddenLine xmlns="" xmlns:a14="http://schemas.microsoft.com/office/drawing/2010/main" w="9525">
+              <a14:hiddenLine xmlns:a14="http://schemas.microsoft.com/office/drawing/2010/main" xmlns="" w="9525">
                 <a:solidFill>
                   <a:srgbClr val="000000"/>
                 </a:solidFill>
@@ -22804,364 +22791,6 @@
 </file>
 
 <file path=ppt/slides/slide37.xml><?xml version="1.0" encoding="utf-8"?>
-<p:sld xmlns:a="http://schemas.openxmlformats.org/drawingml/2006/main" xmlns:r="http://schemas.openxmlformats.org/officeDocument/2006/relationships" xmlns:p="http://schemas.openxmlformats.org/presentationml/2006/main">
-  <p:cSld>
-    <p:spTree>
-      <p:nvGrpSpPr>
-        <p:cNvPr id="1" name=""/>
-        <p:cNvGrpSpPr/>
-        <p:nvPr/>
-      </p:nvGrpSpPr>
-      <p:grpSpPr>
-        <a:xfrm>
-          <a:off x="0" y="0"/>
-          <a:ext cx="0" cy="0"/>
-          <a:chOff x="0" y="0"/>
-          <a:chExt cx="0" cy="0"/>
-        </a:xfrm>
-      </p:grpSpPr>
-      <p:pic>
-        <p:nvPicPr>
-          <p:cNvPr id="69633" name="Picture 3" descr="axes.eps"/>
-          <p:cNvPicPr>
-            <a:picLocks noChangeAspect="1"/>
-          </p:cNvPicPr>
-          <p:nvPr/>
-        </p:nvPicPr>
-        <p:blipFill>
-          <a:blip r:embed="rId3">
-            <a:extLst>
-              <a:ext uri="{28A0092B-C50C-407E-A947-70E740481C1C}">
-                <a14:useLocalDpi xmlns:a14="http://schemas.microsoft.com/office/drawing/2010/main" val="0"/>
-              </a:ext>
-            </a:extLst>
-          </a:blip>
-          <a:srcRect/>
-          <a:stretch>
-            <a:fillRect/>
-          </a:stretch>
-        </p:blipFill>
-        <p:spPr bwMode="auto">
-          <a:xfrm>
-            <a:off x="2144184" y="1630378"/>
-            <a:ext cx="7569200" cy="5133975"/>
-          </a:xfrm>
-          <a:prstGeom prst="rect">
-            <a:avLst/>
-          </a:prstGeom>
-          <a:noFill/>
-          <a:ln>
-            <a:noFill/>
-          </a:ln>
-          <a:extLst>
-            <a:ext uri="{909E8E84-426E-40dd-AFC4-6F175D3DCCD1}">
-              <a14:hiddenFill xmlns="" xmlns:a14="http://schemas.microsoft.com/office/drawing/2010/main">
-                <a:solidFill>
-                  <a:srgbClr val="FFFFFF"/>
-                </a:solidFill>
-              </a14:hiddenFill>
-            </a:ext>
-            <a:ext uri="{91240B29-F687-4f45-9708-019B960494DF}">
-              <a14:hiddenLine xmlns="" xmlns:a14="http://schemas.microsoft.com/office/drawing/2010/main" w="9525">
-                <a:solidFill>
-                  <a:srgbClr val="000000"/>
-                </a:solidFill>
-                <a:miter lim="800000"/>
-                <a:headEnd/>
-                <a:tailEnd/>
-              </a14:hiddenLine>
-            </a:ext>
-          </a:extLst>
-        </p:spPr>
-      </p:pic>
-      <p:pic>
-        <p:nvPicPr>
-          <p:cNvPr id="5" name="Picture 4" descr="lines.eps"/>
-          <p:cNvPicPr>
-            <a:picLocks noChangeAspect="1"/>
-          </p:cNvPicPr>
-          <p:nvPr/>
-        </p:nvPicPr>
-        <p:blipFill>
-          <a:blip r:embed="rId4">
-            <a:extLst>
-              <a:ext uri="{28A0092B-C50C-407E-A947-70E740481C1C}">
-                <a14:useLocalDpi xmlns:a14="http://schemas.microsoft.com/office/drawing/2010/main" val="0"/>
-              </a:ext>
-            </a:extLst>
-          </a:blip>
-          <a:srcRect/>
-          <a:stretch>
-            <a:fillRect/>
-          </a:stretch>
-        </p:blipFill>
-        <p:spPr bwMode="auto">
-          <a:xfrm>
-            <a:off x="3083994" y="3046413"/>
-            <a:ext cx="4542367" cy="3109912"/>
-          </a:xfrm>
-          <a:prstGeom prst="rect">
-            <a:avLst/>
-          </a:prstGeom>
-          <a:noFill/>
-          <a:ln>
-            <a:noFill/>
-          </a:ln>
-          <a:extLst>
-            <a:ext uri="{909E8E84-426E-40dd-AFC4-6F175D3DCCD1}">
-              <a14:hiddenFill xmlns="" xmlns:a14="http://schemas.microsoft.com/office/drawing/2010/main">
-                <a:solidFill>
-                  <a:srgbClr val="FFFFFF"/>
-                </a:solidFill>
-              </a14:hiddenFill>
-            </a:ext>
-            <a:ext uri="{91240B29-F687-4f45-9708-019B960494DF}">
-              <a14:hiddenLine xmlns="" xmlns:a14="http://schemas.microsoft.com/office/drawing/2010/main" w="9525">
-                <a:solidFill>
-                  <a:srgbClr val="000000"/>
-                </a:solidFill>
-                <a:miter lim="800000"/>
-                <a:headEnd/>
-                <a:tailEnd/>
-              </a14:hiddenLine>
-            </a:ext>
-          </a:extLst>
-        </p:spPr>
-      </p:pic>
-      <p:pic>
-        <p:nvPicPr>
-          <p:cNvPr id="6" name="Picture 5" descr="sras.eps"/>
-          <p:cNvPicPr>
-            <a:picLocks noChangeAspect="1"/>
-          </p:cNvPicPr>
-          <p:nvPr/>
-        </p:nvPicPr>
-        <p:blipFill>
-          <a:blip r:embed="rId5">
-            <a:extLst>
-              <a:ext uri="{28A0092B-C50C-407E-A947-70E740481C1C}">
-                <a14:useLocalDpi xmlns:a14="http://schemas.microsoft.com/office/drawing/2010/main" val="0"/>
-              </a:ext>
-            </a:extLst>
-          </a:blip>
-          <a:srcRect/>
-          <a:stretch>
-            <a:fillRect/>
-          </a:stretch>
-        </p:blipFill>
-        <p:spPr bwMode="auto">
-          <a:xfrm>
-            <a:off x="4205827" y="3046428"/>
-            <a:ext cx="3881967" cy="2566987"/>
-          </a:xfrm>
-          <a:prstGeom prst="rect">
-            <a:avLst/>
-          </a:prstGeom>
-          <a:noFill/>
-          <a:ln>
-            <a:noFill/>
-          </a:ln>
-          <a:extLst>
-            <a:ext uri="{909E8E84-426E-40dd-AFC4-6F175D3DCCD1}">
-              <a14:hiddenFill xmlns="" xmlns:a14="http://schemas.microsoft.com/office/drawing/2010/main">
-                <a:solidFill>
-                  <a:srgbClr val="FFFFFF"/>
-                </a:solidFill>
-              </a14:hiddenFill>
-            </a:ext>
-            <a:ext uri="{91240B29-F687-4f45-9708-019B960494DF}">
-              <a14:hiddenLine xmlns="" xmlns:a14="http://schemas.microsoft.com/office/drawing/2010/main" w="9525">
-                <a:solidFill>
-                  <a:srgbClr val="000000"/>
-                </a:solidFill>
-                <a:miter lim="800000"/>
-                <a:headEnd/>
-                <a:tailEnd/>
-              </a14:hiddenLine>
-            </a:ext>
-          </a:extLst>
-        </p:spPr>
-      </p:pic>
-      <p:sp>
-        <p:nvSpPr>
-          <p:cNvPr id="69636" name="Title 6"/>
-          <p:cNvSpPr>
-            <a:spLocks noGrp="1"/>
-          </p:cNvSpPr>
-          <p:nvPr>
-            <p:ph type="title"/>
-          </p:nvPr>
-        </p:nvSpPr>
-        <p:spPr>
-          <a:xfrm>
-            <a:off x="609600" y="15"/>
-            <a:ext cx="10972800" cy="1527175"/>
-          </a:xfrm>
-        </p:spPr>
-        <p:txBody>
-          <a:bodyPr/>
-          <a:lstStyle/>
-          <a:p>
-            <a:pPr algn="ctr"/>
-            <a:r>
-              <a:rPr lang="en-US" dirty="0">
-                <a:ea typeface="MS PGothic" charset="0"/>
-              </a:rPr>
-              <a:t>Short-Run Aggregate Supply Curve</a:t>
-            </a:r>
-          </a:p>
-        </p:txBody>
-      </p:sp>
-    </p:spTree>
-    <p:extLst>
-      <p:ext uri="{BB962C8B-B14F-4D97-AF65-F5344CB8AC3E}">
-        <p14:creationId xmlns:p14="http://schemas.microsoft.com/office/powerpoint/2010/main" val="4141916603"/>
-      </p:ext>
-    </p:extLst>
-  </p:cSld>
-  <p:clrMapOvr>
-    <a:masterClrMapping/>
-  </p:clrMapOvr>
-  <p:timing>
-    <p:tnLst>
-      <p:par>
-        <p:cTn id="1" dur="indefinite" restart="never" nodeType="tmRoot">
-          <p:childTnLst>
-            <p:seq concurrent="1" nextAc="seek">
-              <p:cTn id="2" dur="indefinite" nodeType="mainSeq">
-                <p:childTnLst>
-                  <p:par>
-                    <p:cTn id="3" fill="hold" nodeType="clickPar">
-                      <p:stCondLst>
-                        <p:cond delay="indefinite"/>
-                      </p:stCondLst>
-                      <p:childTnLst>
-                        <p:par>
-                          <p:cTn id="4" fill="hold" nodeType="withGroup">
-                            <p:stCondLst>
-                              <p:cond delay="0"/>
-                            </p:stCondLst>
-                            <p:childTnLst>
-                              <p:par>
-                                <p:cTn id="5" presetID="22" presetClass="entr" presetSubtype="4" fill="hold" nodeType="clickEffect">
-                                  <p:stCondLst>
-                                    <p:cond delay="0"/>
-                                  </p:stCondLst>
-                                  <p:childTnLst>
-                                    <p:set>
-                                      <p:cBhvr>
-                                        <p:cTn id="6" dur="1" fill="hold">
-                                          <p:stCondLst>
-                                            <p:cond delay="0"/>
-                                          </p:stCondLst>
-                                        </p:cTn>
-                                        <p:tgtEl>
-                                          <p:spTgt spid="6"/>
-                                        </p:tgtEl>
-                                        <p:attrNameLst>
-                                          <p:attrName>style.visibility</p:attrName>
-                                        </p:attrNameLst>
-                                      </p:cBhvr>
-                                      <p:to>
-                                        <p:strVal val="visible"/>
-                                      </p:to>
-                                    </p:set>
-                                    <p:animEffect transition="in" filter="wipe(down)">
-                                      <p:cBhvr>
-                                        <p:cTn id="7" dur="1000"/>
-                                        <p:tgtEl>
-                                          <p:spTgt spid="6"/>
-                                        </p:tgtEl>
-                                      </p:cBhvr>
-                                    </p:animEffect>
-                                  </p:childTnLst>
-                                </p:cTn>
-                              </p:par>
-                            </p:childTnLst>
-                          </p:cTn>
-                        </p:par>
-                      </p:childTnLst>
-                    </p:cTn>
-                  </p:par>
-                  <p:par>
-                    <p:cTn id="8" fill="hold" nodeType="clickPar">
-                      <p:stCondLst>
-                        <p:cond delay="indefinite"/>
-                      </p:stCondLst>
-                      <p:childTnLst>
-                        <p:par>
-                          <p:cTn id="9" fill="hold" nodeType="withGroup">
-                            <p:stCondLst>
-                              <p:cond delay="0"/>
-                            </p:stCondLst>
-                            <p:childTnLst>
-                              <p:par>
-                                <p:cTn id="10" presetID="22" presetClass="entr" presetSubtype="8" fill="hold" nodeType="clickEffect">
-                                  <p:stCondLst>
-                                    <p:cond delay="0"/>
-                                  </p:stCondLst>
-                                  <p:childTnLst>
-                                    <p:set>
-                                      <p:cBhvr>
-                                        <p:cTn id="11" dur="1" fill="hold">
-                                          <p:stCondLst>
-                                            <p:cond delay="0"/>
-                                          </p:stCondLst>
-                                        </p:cTn>
-                                        <p:tgtEl>
-                                          <p:spTgt spid="5"/>
-                                        </p:tgtEl>
-                                        <p:attrNameLst>
-                                          <p:attrName>style.visibility</p:attrName>
-                                        </p:attrNameLst>
-                                      </p:cBhvr>
-                                      <p:to>
-                                        <p:strVal val="visible"/>
-                                      </p:to>
-                                    </p:set>
-                                    <p:animEffect transition="in" filter="wipe(left)">
-                                      <p:cBhvr>
-                                        <p:cTn id="12" dur="1000"/>
-                                        <p:tgtEl>
-                                          <p:spTgt spid="5"/>
-                                        </p:tgtEl>
-                                      </p:cBhvr>
-                                    </p:animEffect>
-                                  </p:childTnLst>
-                                </p:cTn>
-                              </p:par>
-                            </p:childTnLst>
-                          </p:cTn>
-                        </p:par>
-                      </p:childTnLst>
-                    </p:cTn>
-                  </p:par>
-                </p:childTnLst>
-              </p:cTn>
-              <p:prevCondLst>
-                <p:cond evt="onPrev" delay="0">
-                  <p:tgtEl>
-                    <p:sldTgt/>
-                  </p:tgtEl>
-                </p:cond>
-              </p:prevCondLst>
-              <p:nextCondLst>
-                <p:cond evt="onNext" delay="0">
-                  <p:tgtEl>
-                    <p:sldTgt/>
-                  </p:tgtEl>
-                </p:cond>
-              </p:nextCondLst>
-            </p:seq>
-          </p:childTnLst>
-        </p:cTn>
-      </p:par>
-    </p:tnLst>
-  </p:timing>
-</p:sld>
-</file>
-
-<file path=ppt/slides/slide38.xml><?xml version="1.0" encoding="utf-8"?>
 <p:sld xmlns:a="http://schemas.openxmlformats.org/drawingml/2006/main" xmlns:r="http://schemas.openxmlformats.org/officeDocument/2006/relationships" xmlns:p="http://schemas.openxmlformats.org/presentationml/2006/main">
   <p:cSld>
     <p:spTree>
@@ -23385,7 +23014,7 @@
 </p:sld>
 </file>
 
-<file path=ppt/slides/slide39.xml><?xml version="1.0" encoding="utf-8"?>
+<file path=ppt/slides/slide38.xml><?xml version="1.0" encoding="utf-8"?>
 <p:sld xmlns:a="http://schemas.openxmlformats.org/drawingml/2006/main" xmlns:r="http://schemas.openxmlformats.org/officeDocument/2006/relationships" xmlns:p="http://schemas.openxmlformats.org/presentationml/2006/main">
   <p:cSld>
     <p:spTree>
@@ -23437,14 +23066,14 @@
           </a:ln>
           <a:extLst>
             <a:ext uri="{909E8E84-426E-40dd-AFC4-6F175D3DCCD1}">
-              <a14:hiddenFill xmlns="" xmlns:a14="http://schemas.microsoft.com/office/drawing/2010/main">
+              <a14:hiddenFill xmlns:a14="http://schemas.microsoft.com/office/drawing/2010/main" xmlns="">
                 <a:solidFill>
                   <a:srgbClr val="FFFFFF"/>
                 </a:solidFill>
               </a14:hiddenFill>
             </a:ext>
             <a:ext uri="{91240B29-F687-4f45-9708-019B960494DF}">
-              <a14:hiddenLine xmlns="" xmlns:a14="http://schemas.microsoft.com/office/drawing/2010/main" w="9525">
+              <a14:hiddenLine xmlns:a14="http://schemas.microsoft.com/office/drawing/2010/main" xmlns="" w="9525">
                 <a:solidFill>
                   <a:srgbClr val="000000"/>
                 </a:solidFill>
@@ -23491,14 +23120,14 @@
           </a:ln>
           <a:extLst>
             <a:ext uri="{909E8E84-426E-40dd-AFC4-6F175D3DCCD1}">
-              <a14:hiddenFill xmlns="" xmlns:a14="http://schemas.microsoft.com/office/drawing/2010/main">
+              <a14:hiddenFill xmlns:a14="http://schemas.microsoft.com/office/drawing/2010/main" xmlns="">
                 <a:solidFill>
                   <a:srgbClr val="FFFFFF"/>
                 </a:solidFill>
               </a14:hiddenFill>
             </a:ext>
             <a:ext uri="{91240B29-F687-4f45-9708-019B960494DF}">
-              <a14:hiddenLine xmlns="" xmlns:a14="http://schemas.microsoft.com/office/drawing/2010/main" w="9525">
+              <a14:hiddenLine xmlns:a14="http://schemas.microsoft.com/office/drawing/2010/main" xmlns="" w="9525">
                 <a:solidFill>
                   <a:srgbClr val="000000"/>
                 </a:solidFill>
@@ -23545,14 +23174,14 @@
           </a:ln>
           <a:extLst>
             <a:ext uri="{909E8E84-426E-40dd-AFC4-6F175D3DCCD1}">
-              <a14:hiddenFill xmlns="" xmlns:a14="http://schemas.microsoft.com/office/drawing/2010/main">
+              <a14:hiddenFill xmlns:a14="http://schemas.microsoft.com/office/drawing/2010/main" xmlns="">
                 <a:solidFill>
                   <a:srgbClr val="FFFFFF"/>
                 </a:solidFill>
               </a14:hiddenFill>
             </a:ext>
             <a:ext uri="{91240B29-F687-4f45-9708-019B960494DF}">
-              <a14:hiddenLine xmlns="" xmlns:a14="http://schemas.microsoft.com/office/drawing/2010/main" w="9525">
+              <a14:hiddenLine xmlns:a14="http://schemas.microsoft.com/office/drawing/2010/main" xmlns="" w="9525">
                 <a:solidFill>
                   <a:srgbClr val="000000"/>
                 </a:solidFill>
@@ -23599,14 +23228,14 @@
           </a:ln>
           <a:extLst>
             <a:ext uri="{909E8E84-426E-40dd-AFC4-6F175D3DCCD1}">
-              <a14:hiddenFill xmlns="" xmlns:a14="http://schemas.microsoft.com/office/drawing/2010/main">
+              <a14:hiddenFill xmlns:a14="http://schemas.microsoft.com/office/drawing/2010/main" xmlns="">
                 <a:solidFill>
                   <a:srgbClr val="FFFFFF"/>
                 </a:solidFill>
               </a14:hiddenFill>
             </a:ext>
             <a:ext uri="{91240B29-F687-4f45-9708-019B960494DF}">
-              <a14:hiddenLine xmlns="" xmlns:a14="http://schemas.microsoft.com/office/drawing/2010/main" w="9525">
+              <a14:hiddenLine xmlns:a14="http://schemas.microsoft.com/office/drawing/2010/main" xmlns="" w="9525">
                 <a:solidFill>
                   <a:srgbClr val="000000"/>
                 </a:solidFill>
@@ -23653,14 +23282,14 @@
           </a:ln>
           <a:extLst>
             <a:ext uri="{909E8E84-426E-40dd-AFC4-6F175D3DCCD1}">
-              <a14:hiddenFill xmlns="" xmlns:a14="http://schemas.microsoft.com/office/drawing/2010/main">
+              <a14:hiddenFill xmlns:a14="http://schemas.microsoft.com/office/drawing/2010/main" xmlns="">
                 <a:solidFill>
                   <a:srgbClr val="FFFFFF"/>
                 </a:solidFill>
               </a14:hiddenFill>
             </a:ext>
             <a:ext uri="{91240B29-F687-4f45-9708-019B960494DF}">
-              <a14:hiddenLine xmlns="" xmlns:a14="http://schemas.microsoft.com/office/drawing/2010/main" w="9525">
+              <a14:hiddenLine xmlns:a14="http://schemas.microsoft.com/office/drawing/2010/main" xmlns="" w="9525">
                 <a:solidFill>
                   <a:srgbClr val="000000"/>
                 </a:solidFill>
@@ -23957,6 +23586,208 @@
 </p:sld>
 </file>
 
+<file path=ppt/slides/slide39.xml><?xml version="1.0" encoding="utf-8"?>
+<p:sld xmlns:a="http://schemas.openxmlformats.org/drawingml/2006/main" xmlns:r="http://schemas.openxmlformats.org/officeDocument/2006/relationships" xmlns:p="http://schemas.openxmlformats.org/presentationml/2006/main">
+  <p:cSld>
+    <p:spTree>
+      <p:nvGrpSpPr>
+        <p:cNvPr id="1" name=""/>
+        <p:cNvGrpSpPr/>
+        <p:nvPr/>
+      </p:nvGrpSpPr>
+      <p:grpSpPr>
+        <a:xfrm>
+          <a:off x="0" y="0"/>
+          <a:ext cx="0" cy="0"/>
+          <a:chOff x="0" y="0"/>
+          <a:chExt cx="0" cy="0"/>
+        </a:xfrm>
+      </p:grpSpPr>
+      <p:sp>
+        <p:nvSpPr>
+          <p:cNvPr id="24577" name="Title 1"/>
+          <p:cNvSpPr>
+            <a:spLocks noGrp="1"/>
+          </p:cNvSpPr>
+          <p:nvPr>
+            <p:ph type="title"/>
+          </p:nvPr>
+        </p:nvSpPr>
+        <p:spPr>
+          <a:xfrm>
+            <a:off x="609600" y="25"/>
+            <a:ext cx="10972800" cy="1527175"/>
+          </a:xfrm>
+        </p:spPr>
+        <p:txBody>
+          <a:bodyPr/>
+          <a:lstStyle/>
+          <a:p>
+            <a:r>
+              <a:rPr lang="en-US" noProof="0" dirty="0">
+                <a:ea typeface="MS PGothic" charset="0"/>
+              </a:rPr>
+              <a:t>Short-Run Aggregate Supply Curve</a:t>
+            </a:r>
+          </a:p>
+        </p:txBody>
+      </p:sp>
+      <p:sp>
+        <p:nvSpPr>
+          <p:cNvPr id="15" name="Content Placeholder 2"/>
+          <p:cNvSpPr>
+            <a:spLocks noGrp="1"/>
+          </p:cNvSpPr>
+          <p:nvPr>
+            <p:ph idx="1"/>
+          </p:nvPr>
+        </p:nvSpPr>
+        <p:spPr>
+          <a:xfrm>
+            <a:off x="564941" y="1663552"/>
+            <a:ext cx="11458603" cy="4895850"/>
+          </a:xfrm>
+        </p:spPr>
+        <p:txBody>
+          <a:bodyPr/>
+          <a:lstStyle/>
+          <a:p>
+            <a:r>
+              <a:rPr lang="en-US" sz="3200" noProof="0" dirty="0"/>
+              <a:t>Graph of the relationship between AQS and price level.</a:t>
+            </a:r>
+          </a:p>
+          <a:p>
+            <a:r>
+              <a:rPr lang="en-US" sz="3200" noProof="0" dirty="0"/>
+              <a:t>Positively-sloped: Why?</a:t>
+            </a:r>
+          </a:p>
+          <a:p>
+            <a:pPr lvl="1"/>
+            <a:r>
+              <a:rPr lang="en-US" sz="2800" dirty="0"/>
+              <a:t>Positive relationship between aggregate quantity supplied and the price level: </a:t>
+            </a:r>
+            <a:r>
+              <a:rPr lang="en-US" sz="2800" dirty="0">
+                <a:ea typeface="MS PGothic" charset="0"/>
+              </a:rPr>
+              <a:t>Depends on the price level.</a:t>
+            </a:r>
+          </a:p>
+          <a:p>
+            <a:pPr lvl="2"/>
+            <a:r>
+              <a:rPr lang="en-US" dirty="0">
+                <a:latin typeface="Cambria"/>
+                <a:ea typeface="Cambria"/>
+                <a:cs typeface="Cambria"/>
+              </a:rPr>
+              <a:t>An increase in the price level generates profit opportunities which lead to an increase in aggregate quantity supplied.</a:t>
+            </a:r>
+          </a:p>
+          <a:p>
+            <a:pPr lvl="2"/>
+            <a:r>
+              <a:rPr lang="en-US" u="sng" dirty="0">
+                <a:latin typeface="Cambria"/>
+                <a:ea typeface="MS PGothic" charset="0"/>
+                <a:cs typeface="Cambria"/>
+              </a:rPr>
+              <a:t>Nominal</a:t>
+            </a:r>
+            <a:r>
+              <a:rPr lang="en-US" dirty="0">
+                <a:latin typeface="Cambria"/>
+                <a:ea typeface="MS PGothic" charset="0"/>
+                <a:cs typeface="Cambria"/>
+              </a:rPr>
+              <a:t> price level affects </a:t>
+            </a:r>
+            <a:r>
+              <a:rPr lang="en-US" u="sng" dirty="0">
+                <a:latin typeface="Cambria"/>
+                <a:ea typeface="MS PGothic" charset="0"/>
+                <a:cs typeface="Cambria"/>
+              </a:rPr>
+              <a:t>real</a:t>
+            </a:r>
+            <a:r>
+              <a:rPr lang="en-US" dirty="0">
+                <a:latin typeface="Cambria"/>
+                <a:ea typeface="MS PGothic" charset="0"/>
+                <a:cs typeface="Cambria"/>
+              </a:rPr>
+              <a:t> GDP in the short run, </a:t>
+            </a:r>
+            <a:r>
+              <a:rPr lang="en-US" b="1" dirty="0">
+                <a:latin typeface="Cambria"/>
+                <a:ea typeface="MS PGothic" charset="0"/>
+                <a:cs typeface="Cambria"/>
+              </a:rPr>
+              <a:t>leading to an upward-sloping SRAS.</a:t>
+            </a:r>
+            <a:endParaRPr lang="en-US" noProof="0" dirty="0">
+              <a:latin typeface="Cambria"/>
+              <a:ea typeface="Cambria"/>
+              <a:cs typeface="Cambria"/>
+            </a:endParaRPr>
+          </a:p>
+          <a:p>
+            <a:pPr lvl="1"/>
+            <a:r>
+              <a:rPr lang="en-US" sz="2800" dirty="0">
+                <a:solidFill>
+                  <a:srgbClr val="FF0000"/>
+                </a:solidFill>
+                <a:ea typeface="MS PGothic" charset="0"/>
+              </a:rPr>
+              <a:t>Short-Run: Some prices adjust immediately, others don'</a:t>
+            </a:r>
+            <a:r>
+              <a:rPr lang="en-US" altLang="ja-JP" sz="2800" dirty="0">
+                <a:solidFill>
+                  <a:srgbClr val="FF0000"/>
+                </a:solidFill>
+                <a:ea typeface="MS PGothic" charset="0"/>
+              </a:rPr>
+              <a:t>t.</a:t>
+            </a:r>
+          </a:p>
+          <a:p>
+            <a:pPr lvl="1"/>
+            <a:r>
+              <a:rPr lang="en-US" altLang="ja-JP" sz="2800" dirty="0">
+                <a:solidFill>
+                  <a:srgbClr val="FF0000"/>
+                </a:solidFill>
+                <a:ea typeface="MS PGothic" charset="0"/>
+              </a:rPr>
+              <a:t>Prices are sticky.</a:t>
+            </a:r>
+            <a:endParaRPr lang="en-US" sz="2800" noProof="0" dirty="0">
+              <a:solidFill>
+                <a:srgbClr val="FF0000"/>
+              </a:solidFill>
+            </a:endParaRPr>
+          </a:p>
+        </p:txBody>
+      </p:sp>
+    </p:spTree>
+    <p:extLst>
+      <p:ext uri="{BB962C8B-B14F-4D97-AF65-F5344CB8AC3E}">
+        <p14:creationId xmlns:p14="http://schemas.microsoft.com/office/powerpoint/2010/main" val="208936681"/>
+      </p:ext>
+    </p:extLst>
+  </p:cSld>
+  <p:clrMapOvr>
+    <a:masterClrMapping/>
+  </p:clrMapOvr>
+</p:sld>
+</file>
+
 <file path=ppt/slides/slide4.xml><?xml version="1.0" encoding="utf-8"?>
 <p:sld xmlns:a="http://schemas.openxmlformats.org/drawingml/2006/main" xmlns:r="http://schemas.openxmlformats.org/officeDocument/2006/relationships" xmlns:p="http://schemas.openxmlformats.org/presentationml/2006/main">
   <p:cSld>
@@ -24024,14 +23855,14 @@
           </a:ln>
           <a:extLst>
             <a:ext uri="{909E8E84-426E-40dd-AFC4-6F175D3DCCD1}">
-              <a14:hiddenFill xmlns="" xmlns:a14="http://schemas.microsoft.com/office/drawing/2010/main">
+              <a14:hiddenFill xmlns:a14="http://schemas.microsoft.com/office/drawing/2010/main" xmlns="">
                 <a:solidFill>
                   <a:srgbClr val="FFFFFF"/>
                 </a:solidFill>
               </a14:hiddenFill>
             </a:ext>
             <a:ext uri="{91240B29-F687-4f45-9708-019B960494DF}">
-              <a14:hiddenLine xmlns="" xmlns:a14="http://schemas.microsoft.com/office/drawing/2010/main" w="9525">
+              <a14:hiddenLine xmlns:a14="http://schemas.microsoft.com/office/drawing/2010/main" xmlns="" w="9525">
                 <a:solidFill>
                   <a:srgbClr val="000000"/>
                 </a:solidFill>
@@ -24196,14 +24027,14 @@
           </a:ln>
           <a:extLst>
             <a:ext uri="{909E8E84-426E-40dd-AFC4-6F175D3DCCD1}">
-              <a14:hiddenFill xmlns="" xmlns:a14="http://schemas.microsoft.com/office/drawing/2010/main">
+              <a14:hiddenFill xmlns:a14="http://schemas.microsoft.com/office/drawing/2010/main" xmlns="">
                 <a:solidFill>
                   <a:srgbClr val="FFFFFF"/>
                 </a:solidFill>
               </a14:hiddenFill>
             </a:ext>
             <a:ext uri="{91240B29-F687-4f45-9708-019B960494DF}">
-              <a14:hiddenLine xmlns="" xmlns:a14="http://schemas.microsoft.com/office/drawing/2010/main" w="9525">
+              <a14:hiddenLine xmlns:a14="http://schemas.microsoft.com/office/drawing/2010/main" xmlns="" w="9525">
                 <a:solidFill>
                   <a:srgbClr val="000000"/>
                 </a:solidFill>
@@ -24245,9 +24076,171 @@
           <a:chExt cx="0" cy="0"/>
         </a:xfrm>
       </p:grpSpPr>
+      <p:pic>
+        <p:nvPicPr>
+          <p:cNvPr id="69633" name="Picture 3" descr="axes.eps"/>
+          <p:cNvPicPr>
+            <a:picLocks noChangeAspect="1"/>
+          </p:cNvPicPr>
+          <p:nvPr/>
+        </p:nvPicPr>
+        <p:blipFill>
+          <a:blip r:embed="rId3">
+            <a:extLst>
+              <a:ext uri="{28A0092B-C50C-407E-A947-70E740481C1C}">
+                <a14:useLocalDpi xmlns:a14="http://schemas.microsoft.com/office/drawing/2010/main" val="0"/>
+              </a:ext>
+            </a:extLst>
+          </a:blip>
+          <a:srcRect/>
+          <a:stretch>
+            <a:fillRect/>
+          </a:stretch>
+        </p:blipFill>
+        <p:spPr bwMode="auto">
+          <a:xfrm>
+            <a:off x="2144184" y="1630378"/>
+            <a:ext cx="7569200" cy="5133975"/>
+          </a:xfrm>
+          <a:prstGeom prst="rect">
+            <a:avLst/>
+          </a:prstGeom>
+          <a:noFill/>
+          <a:ln>
+            <a:noFill/>
+          </a:ln>
+          <a:extLst>
+            <a:ext uri="{909E8E84-426E-40dd-AFC4-6F175D3DCCD1}">
+              <a14:hiddenFill xmlns:a14="http://schemas.microsoft.com/office/drawing/2010/main" xmlns="">
+                <a:solidFill>
+                  <a:srgbClr val="FFFFFF"/>
+                </a:solidFill>
+              </a14:hiddenFill>
+            </a:ext>
+            <a:ext uri="{91240B29-F687-4f45-9708-019B960494DF}">
+              <a14:hiddenLine xmlns:a14="http://schemas.microsoft.com/office/drawing/2010/main" xmlns="" w="9525">
+                <a:solidFill>
+                  <a:srgbClr val="000000"/>
+                </a:solidFill>
+                <a:miter lim="800000"/>
+                <a:headEnd/>
+                <a:tailEnd/>
+              </a14:hiddenLine>
+            </a:ext>
+          </a:extLst>
+        </p:spPr>
+      </p:pic>
+      <p:pic>
+        <p:nvPicPr>
+          <p:cNvPr id="5" name="Picture 4" descr="lines.eps"/>
+          <p:cNvPicPr>
+            <a:picLocks noChangeAspect="1"/>
+          </p:cNvPicPr>
+          <p:nvPr/>
+        </p:nvPicPr>
+        <p:blipFill>
+          <a:blip r:embed="rId4">
+            <a:extLst>
+              <a:ext uri="{28A0092B-C50C-407E-A947-70E740481C1C}">
+                <a14:useLocalDpi xmlns:a14="http://schemas.microsoft.com/office/drawing/2010/main" val="0"/>
+              </a:ext>
+            </a:extLst>
+          </a:blip>
+          <a:srcRect/>
+          <a:stretch>
+            <a:fillRect/>
+          </a:stretch>
+        </p:blipFill>
+        <p:spPr bwMode="auto">
+          <a:xfrm>
+            <a:off x="3083994" y="3046413"/>
+            <a:ext cx="4542367" cy="3109912"/>
+          </a:xfrm>
+          <a:prstGeom prst="rect">
+            <a:avLst/>
+          </a:prstGeom>
+          <a:noFill/>
+          <a:ln>
+            <a:noFill/>
+          </a:ln>
+          <a:extLst>
+            <a:ext uri="{909E8E84-426E-40dd-AFC4-6F175D3DCCD1}">
+              <a14:hiddenFill xmlns:a14="http://schemas.microsoft.com/office/drawing/2010/main" xmlns="">
+                <a:solidFill>
+                  <a:srgbClr val="FFFFFF"/>
+                </a:solidFill>
+              </a14:hiddenFill>
+            </a:ext>
+            <a:ext uri="{91240B29-F687-4f45-9708-019B960494DF}">
+              <a14:hiddenLine xmlns:a14="http://schemas.microsoft.com/office/drawing/2010/main" xmlns="" w="9525">
+                <a:solidFill>
+                  <a:srgbClr val="000000"/>
+                </a:solidFill>
+                <a:miter lim="800000"/>
+                <a:headEnd/>
+                <a:tailEnd/>
+              </a14:hiddenLine>
+            </a:ext>
+          </a:extLst>
+        </p:spPr>
+      </p:pic>
+      <p:pic>
+        <p:nvPicPr>
+          <p:cNvPr id="6" name="Picture 5" descr="sras.eps"/>
+          <p:cNvPicPr>
+            <a:picLocks noChangeAspect="1"/>
+          </p:cNvPicPr>
+          <p:nvPr/>
+        </p:nvPicPr>
+        <p:blipFill>
+          <a:blip r:embed="rId5">
+            <a:extLst>
+              <a:ext uri="{28A0092B-C50C-407E-A947-70E740481C1C}">
+                <a14:useLocalDpi xmlns:a14="http://schemas.microsoft.com/office/drawing/2010/main" val="0"/>
+              </a:ext>
+            </a:extLst>
+          </a:blip>
+          <a:srcRect/>
+          <a:stretch>
+            <a:fillRect/>
+          </a:stretch>
+        </p:blipFill>
+        <p:spPr bwMode="auto">
+          <a:xfrm>
+            <a:off x="4205827" y="3046428"/>
+            <a:ext cx="3881967" cy="2566987"/>
+          </a:xfrm>
+          <a:prstGeom prst="rect">
+            <a:avLst/>
+          </a:prstGeom>
+          <a:noFill/>
+          <a:ln>
+            <a:noFill/>
+          </a:ln>
+          <a:extLst>
+            <a:ext uri="{909E8E84-426E-40dd-AFC4-6F175D3DCCD1}">
+              <a14:hiddenFill xmlns:a14="http://schemas.microsoft.com/office/drawing/2010/main" xmlns="">
+                <a:solidFill>
+                  <a:srgbClr val="FFFFFF"/>
+                </a:solidFill>
+              </a14:hiddenFill>
+            </a:ext>
+            <a:ext uri="{91240B29-F687-4f45-9708-019B960494DF}">
+              <a14:hiddenLine xmlns:a14="http://schemas.microsoft.com/office/drawing/2010/main" xmlns="" w="9525">
+                <a:solidFill>
+                  <a:srgbClr val="000000"/>
+                </a:solidFill>
+                <a:miter lim="800000"/>
+                <a:headEnd/>
+                <a:tailEnd/>
+              </a14:hiddenLine>
+            </a:ext>
+          </a:extLst>
+        </p:spPr>
+      </p:pic>
       <p:sp>
         <p:nvSpPr>
-          <p:cNvPr id="24577" name="Title 1"/>
+          <p:cNvPr id="69636" name="Title 6"/>
           <p:cNvSpPr>
             <a:spLocks noGrp="1"/>
           </p:cNvSpPr>
@@ -24257,7 +24250,7 @@
         </p:nvSpPr>
         <p:spPr>
           <a:xfrm>
-            <a:off x="609600" y="25"/>
+            <a:off x="609600" y="15"/>
             <a:ext cx="10972800" cy="1527175"/>
           </a:xfrm>
         </p:spPr>
@@ -24265,168 +24258,162 @@
           <a:bodyPr/>
           <a:lstStyle/>
           <a:p>
-            <a:r>
-              <a:rPr lang="en-US" noProof="0" dirty="0">
+            <a:pPr algn="ctr"/>
+            <a:r>
+              <a:rPr lang="en-US" dirty="0">
                 <a:ea typeface="MS PGothic" charset="0"/>
               </a:rPr>
               <a:t>Short-Run Aggregate Supply Curve</a:t>
             </a:r>
-          </a:p>
-        </p:txBody>
-      </p:sp>
-      <p:sp>
-        <p:nvSpPr>
-          <p:cNvPr id="15" name="Content Placeholder 2"/>
-          <p:cNvSpPr>
-            <a:spLocks noGrp="1"/>
-          </p:cNvSpPr>
-          <p:nvPr>
-            <p:ph idx="1"/>
-          </p:nvPr>
-        </p:nvSpPr>
-        <p:spPr>
-          <a:xfrm>
-            <a:off x="564941" y="1663552"/>
-            <a:ext cx="11458603" cy="4895850"/>
-          </a:xfrm>
-        </p:spPr>
-        <p:txBody>
-          <a:bodyPr/>
-          <a:lstStyle/>
-          <a:p>
-            <a:r>
-              <a:rPr lang="en-US" sz="3200" noProof="0" dirty="0"/>
-              <a:t>Graph of the relationship between AQS and price level.</a:t>
-            </a:r>
-          </a:p>
-          <a:p>
-            <a:r>
-              <a:rPr lang="en-US" sz="3200" noProof="0" dirty="0"/>
-              <a:t>Positively-sloped: Why?</a:t>
-            </a:r>
-          </a:p>
-          <a:p>
-            <a:pPr lvl="1"/>
-            <a:r>
-              <a:rPr lang="en-US" sz="2800" dirty="0"/>
-              <a:t>Positive relationship between aggregate quantity supplied and the price level: </a:t>
-            </a:r>
-            <a:r>
-              <a:rPr lang="en-US" sz="2800" dirty="0">
-                <a:ea typeface="MS PGothic" charset="0"/>
-              </a:rPr>
-              <a:t>Depends on the price level.</a:t>
-            </a:r>
-          </a:p>
-          <a:p>
-            <a:pPr lvl="2"/>
-            <a:r>
-              <a:rPr lang="en-US" dirty="0">
-                <a:latin typeface="Cambria"/>
-                <a:ea typeface="Cambria"/>
-                <a:cs typeface="Cambria"/>
-              </a:rPr>
-              <a:t>An increase in the price level generates profit opportunities which lead to an increase in aggregate quantity supplied.</a:t>
-            </a:r>
-          </a:p>
-          <a:p>
-            <a:pPr lvl="2"/>
-            <a:r>
-              <a:rPr lang="en-US" u="sng" dirty="0">
-                <a:latin typeface="Cambria"/>
-                <a:ea typeface="MS PGothic" charset="0"/>
-                <a:cs typeface="Cambria"/>
-              </a:rPr>
-              <a:t>Nominal</a:t>
-            </a:r>
-            <a:r>
-              <a:rPr lang="en-US" dirty="0">
-                <a:latin typeface="Cambria"/>
-                <a:ea typeface="MS PGothic" charset="0"/>
-                <a:cs typeface="Cambria"/>
-              </a:rPr>
-              <a:t> price level affects </a:t>
-            </a:r>
-            <a:r>
-              <a:rPr lang="en-US" u="sng" dirty="0">
-                <a:latin typeface="Cambria"/>
-                <a:ea typeface="MS PGothic" charset="0"/>
-                <a:cs typeface="Cambria"/>
-              </a:rPr>
-              <a:t>real</a:t>
-            </a:r>
-            <a:r>
-              <a:rPr lang="en-US" dirty="0">
-                <a:latin typeface="Cambria"/>
-                <a:ea typeface="MS PGothic" charset="0"/>
-                <a:cs typeface="Cambria"/>
-              </a:rPr>
-              <a:t> GDP in the short run, </a:t>
-            </a:r>
-            <a:r>
-              <a:rPr lang="en-US" b="1" dirty="0">
-                <a:latin typeface="Cambria"/>
-                <a:ea typeface="MS PGothic" charset="0"/>
-                <a:cs typeface="Cambria"/>
-              </a:rPr>
-              <a:t>leading to an upward-sloping SRAS.</a:t>
-            </a:r>
-            <a:endParaRPr lang="en-US" noProof="0" dirty="0">
-              <a:latin typeface="Cambria"/>
-              <a:ea typeface="Cambria"/>
-              <a:cs typeface="Cambria"/>
-            </a:endParaRPr>
-          </a:p>
-          <a:p>
-            <a:pPr lvl="1"/>
-            <a:r>
-              <a:rPr lang="en-US" sz="2800" dirty="0">
-                <a:solidFill>
-                  <a:srgbClr val="FF0000"/>
-                </a:solidFill>
-                <a:ea typeface="MS PGothic" charset="0"/>
-              </a:rPr>
-              <a:t>Short-Run: Some prices adjust immediately, others don'</a:t>
-            </a:r>
-            <a:r>
-              <a:rPr lang="en-US" altLang="ja-JP" sz="2800" dirty="0">
-                <a:solidFill>
-                  <a:srgbClr val="FF0000"/>
-                </a:solidFill>
-                <a:ea typeface="MS PGothic" charset="0"/>
-              </a:rPr>
-              <a:t>t.</a:t>
-            </a:r>
-          </a:p>
-          <a:p>
-            <a:pPr lvl="1"/>
-            <a:r>
-              <a:rPr lang="en-US" altLang="ja-JP" sz="2800" dirty="0">
-                <a:solidFill>
-                  <a:srgbClr val="FF0000"/>
-                </a:solidFill>
-                <a:ea typeface="MS PGothic" charset="0"/>
-              </a:rPr>
-              <a:t>Prices are sticky.</a:t>
-            </a:r>
-            <a:endParaRPr lang="en-US" sz="2800" noProof="0" dirty="0">
-              <a:solidFill>
-                <a:srgbClr val="FF0000"/>
-              </a:solidFill>
-            </a:endParaRPr>
           </a:p>
         </p:txBody>
       </p:sp>
     </p:spTree>
     <p:extLst>
       <p:ext uri="{BB962C8B-B14F-4D97-AF65-F5344CB8AC3E}">
-        <p14:creationId xmlns:p14="http://schemas.microsoft.com/office/powerpoint/2010/main" val="208936681"/>
+        <p14:creationId xmlns:p14="http://schemas.microsoft.com/office/powerpoint/2010/main" val="4141916603"/>
       </p:ext>
     </p:extLst>
   </p:cSld>
   <p:clrMapOvr>
     <a:masterClrMapping/>
   </p:clrMapOvr>
+  <p:timing>
+    <p:tnLst>
+      <p:par>
+        <p:cTn id="1" dur="indefinite" restart="never" nodeType="tmRoot">
+          <p:childTnLst>
+            <p:seq concurrent="1" nextAc="seek">
+              <p:cTn id="2" dur="indefinite" nodeType="mainSeq">
+                <p:childTnLst>
+                  <p:par>
+                    <p:cTn id="3" fill="hold" nodeType="clickPar">
+                      <p:stCondLst>
+                        <p:cond delay="indefinite"/>
+                      </p:stCondLst>
+                      <p:childTnLst>
+                        <p:par>
+                          <p:cTn id="4" fill="hold" nodeType="withGroup">
+                            <p:stCondLst>
+                              <p:cond delay="0"/>
+                            </p:stCondLst>
+                            <p:childTnLst>
+                              <p:par>
+                                <p:cTn id="5" presetID="22" presetClass="entr" presetSubtype="4" fill="hold" nodeType="clickEffect">
+                                  <p:stCondLst>
+                                    <p:cond delay="0"/>
+                                  </p:stCondLst>
+                                  <p:childTnLst>
+                                    <p:set>
+                                      <p:cBhvr>
+                                        <p:cTn id="6" dur="1" fill="hold">
+                                          <p:stCondLst>
+                                            <p:cond delay="0"/>
+                                          </p:stCondLst>
+                                        </p:cTn>
+                                        <p:tgtEl>
+                                          <p:spTgt spid="6"/>
+                                        </p:tgtEl>
+                                        <p:attrNameLst>
+                                          <p:attrName>style.visibility</p:attrName>
+                                        </p:attrNameLst>
+                                      </p:cBhvr>
+                                      <p:to>
+                                        <p:strVal val="visible"/>
+                                      </p:to>
+                                    </p:set>
+                                    <p:animEffect transition="in" filter="wipe(down)">
+                                      <p:cBhvr>
+                                        <p:cTn id="7" dur="1000"/>
+                                        <p:tgtEl>
+                                          <p:spTgt spid="6"/>
+                                        </p:tgtEl>
+                                      </p:cBhvr>
+                                    </p:animEffect>
+                                  </p:childTnLst>
+                                </p:cTn>
+                              </p:par>
+                            </p:childTnLst>
+                          </p:cTn>
+                        </p:par>
+                      </p:childTnLst>
+                    </p:cTn>
+                  </p:par>
+                  <p:par>
+                    <p:cTn id="8" fill="hold" nodeType="clickPar">
+                      <p:stCondLst>
+                        <p:cond delay="indefinite"/>
+                      </p:stCondLst>
+                      <p:childTnLst>
+                        <p:par>
+                          <p:cTn id="9" fill="hold" nodeType="withGroup">
+                            <p:stCondLst>
+                              <p:cond delay="0"/>
+                            </p:stCondLst>
+                            <p:childTnLst>
+                              <p:par>
+                                <p:cTn id="10" presetID="22" presetClass="entr" presetSubtype="8" fill="hold" nodeType="clickEffect">
+                                  <p:stCondLst>
+                                    <p:cond delay="0"/>
+                                  </p:stCondLst>
+                                  <p:childTnLst>
+                                    <p:set>
+                                      <p:cBhvr>
+                                        <p:cTn id="11" dur="1" fill="hold">
+                                          <p:stCondLst>
+                                            <p:cond delay="0"/>
+                                          </p:stCondLst>
+                                        </p:cTn>
+                                        <p:tgtEl>
+                                          <p:spTgt spid="5"/>
+                                        </p:tgtEl>
+                                        <p:attrNameLst>
+                                          <p:attrName>style.visibility</p:attrName>
+                                        </p:attrNameLst>
+                                      </p:cBhvr>
+                                      <p:to>
+                                        <p:strVal val="visible"/>
+                                      </p:to>
+                                    </p:set>
+                                    <p:animEffect transition="in" filter="wipe(left)">
+                                      <p:cBhvr>
+                                        <p:cTn id="12" dur="1000"/>
+                                        <p:tgtEl>
+                                          <p:spTgt spid="5"/>
+                                        </p:tgtEl>
+                                      </p:cBhvr>
+                                    </p:animEffect>
+                                  </p:childTnLst>
+                                </p:cTn>
+                              </p:par>
+                            </p:childTnLst>
+                          </p:cTn>
+                        </p:par>
+                      </p:childTnLst>
+                    </p:cTn>
+                  </p:par>
+                </p:childTnLst>
+              </p:cTn>
+              <p:prevCondLst>
+                <p:cond evt="onPrev" delay="0">
+                  <p:tgtEl>
+                    <p:sldTgt/>
+                  </p:tgtEl>
+                </p:cond>
+              </p:prevCondLst>
+              <p:nextCondLst>
+                <p:cond evt="onNext" delay="0">
+                  <p:tgtEl>
+                    <p:sldTgt/>
+                  </p:tgtEl>
+                </p:cond>
+              </p:nextCondLst>
+            </p:seq>
+          </p:childTnLst>
+        </p:cTn>
+      </p:par>
+    </p:tnLst>
+  </p:timing>
 </p:sld>
 </file>
 
@@ -25273,14 +25260,14 @@
           </a:ln>
           <a:extLst>
             <a:ext uri="{909E8E84-426E-40dd-AFC4-6F175D3DCCD1}">
-              <a14:hiddenFill xmlns="" xmlns:a14="http://schemas.microsoft.com/office/drawing/2010/main">
+              <a14:hiddenFill xmlns:a14="http://schemas.microsoft.com/office/drawing/2010/main" xmlns="">
                 <a:solidFill>
                   <a:srgbClr val="FFFFFF"/>
                 </a:solidFill>
               </a14:hiddenFill>
             </a:ext>
             <a:ext uri="{91240B29-F687-4f45-9708-019B960494DF}">
-              <a14:hiddenLine xmlns="" xmlns:a14="http://schemas.microsoft.com/office/drawing/2010/main" w="9525">
+              <a14:hiddenLine xmlns:a14="http://schemas.microsoft.com/office/drawing/2010/main" xmlns="" w="9525">
                 <a:solidFill>
                   <a:srgbClr val="000000"/>
                 </a:solidFill>
@@ -25327,14 +25314,14 @@
           </a:ln>
           <a:extLst>
             <a:ext uri="{909E8E84-426E-40dd-AFC4-6F175D3DCCD1}">
-              <a14:hiddenFill xmlns="" xmlns:a14="http://schemas.microsoft.com/office/drawing/2010/main">
+              <a14:hiddenFill xmlns:a14="http://schemas.microsoft.com/office/drawing/2010/main" xmlns="">
                 <a:solidFill>
                   <a:srgbClr val="FFFFFF"/>
                 </a:solidFill>
               </a14:hiddenFill>
             </a:ext>
             <a:ext uri="{91240B29-F687-4f45-9708-019B960494DF}">
-              <a14:hiddenLine xmlns="" xmlns:a14="http://schemas.microsoft.com/office/drawing/2010/main" w="9525">
+              <a14:hiddenLine xmlns:a14="http://schemas.microsoft.com/office/drawing/2010/main" xmlns="" w="9525">
                 <a:solidFill>
                   <a:srgbClr val="000000"/>
                 </a:solidFill>
@@ -25381,14 +25368,14 @@
           </a:ln>
           <a:extLst>
             <a:ext uri="{909E8E84-426E-40dd-AFC4-6F175D3DCCD1}">
-              <a14:hiddenFill xmlns="" xmlns:a14="http://schemas.microsoft.com/office/drawing/2010/main">
+              <a14:hiddenFill xmlns:a14="http://schemas.microsoft.com/office/drawing/2010/main" xmlns="">
                 <a:solidFill>
                   <a:srgbClr val="FFFFFF"/>
                 </a:solidFill>
               </a14:hiddenFill>
             </a:ext>
             <a:ext uri="{91240B29-F687-4f45-9708-019B960494DF}">
-              <a14:hiddenLine xmlns="" xmlns:a14="http://schemas.microsoft.com/office/drawing/2010/main" w="9525">
+              <a14:hiddenLine xmlns:a14="http://schemas.microsoft.com/office/drawing/2010/main" xmlns="" w="9525">
                 <a:solidFill>
                   <a:srgbClr val="000000"/>
                 </a:solidFill>
@@ -26024,14 +26011,14 @@
           </a:ln>
           <a:extLst>
             <a:ext uri="{909E8E84-426E-40dd-AFC4-6F175D3DCCD1}">
-              <a14:hiddenFill xmlns="" xmlns:a14="http://schemas.microsoft.com/office/drawing/2010/main">
+              <a14:hiddenFill xmlns:a14="http://schemas.microsoft.com/office/drawing/2010/main" xmlns="">
                 <a:solidFill>
                   <a:srgbClr val="FFFFFF"/>
                 </a:solidFill>
               </a14:hiddenFill>
             </a:ext>
             <a:ext uri="{91240B29-F687-4f45-9708-019B960494DF}">
-              <a14:hiddenLine xmlns="" xmlns:a14="http://schemas.microsoft.com/office/drawing/2010/main" w="9525">
+              <a14:hiddenLine xmlns:a14="http://schemas.microsoft.com/office/drawing/2010/main" xmlns="" w="9525">
                 <a:solidFill>
                   <a:srgbClr val="000000"/>
                 </a:solidFill>
@@ -26078,14 +26065,14 @@
           </a:ln>
           <a:extLst>
             <a:ext uri="{909E8E84-426E-40dd-AFC4-6F175D3DCCD1}">
-              <a14:hiddenFill xmlns="" xmlns:a14="http://schemas.microsoft.com/office/drawing/2010/main">
+              <a14:hiddenFill xmlns:a14="http://schemas.microsoft.com/office/drawing/2010/main" xmlns="">
                 <a:solidFill>
                   <a:srgbClr val="FFFFFF"/>
                 </a:solidFill>
               </a14:hiddenFill>
             </a:ext>
             <a:ext uri="{91240B29-F687-4f45-9708-019B960494DF}">
-              <a14:hiddenLine xmlns="" xmlns:a14="http://schemas.microsoft.com/office/drawing/2010/main" w="9525">
+              <a14:hiddenLine xmlns:a14="http://schemas.microsoft.com/office/drawing/2010/main" xmlns="" w="9525">
                 <a:solidFill>
                   <a:srgbClr val="000000"/>
                 </a:solidFill>
@@ -26132,14 +26119,14 @@
           </a:ln>
           <a:extLst>
             <a:ext uri="{909E8E84-426E-40dd-AFC4-6F175D3DCCD1}">
-              <a14:hiddenFill xmlns="" xmlns:a14="http://schemas.microsoft.com/office/drawing/2010/main">
+              <a14:hiddenFill xmlns:a14="http://schemas.microsoft.com/office/drawing/2010/main" xmlns="">
                 <a:solidFill>
                   <a:srgbClr val="FFFFFF"/>
                 </a:solidFill>
               </a14:hiddenFill>
             </a:ext>
             <a:ext uri="{91240B29-F687-4f45-9708-019B960494DF}">
-              <a14:hiddenLine xmlns="" xmlns:a14="http://schemas.microsoft.com/office/drawing/2010/main" w="9525">
+              <a14:hiddenLine xmlns:a14="http://schemas.microsoft.com/office/drawing/2010/main" xmlns="" w="9525">
                 <a:solidFill>
                   <a:srgbClr val="000000"/>
                 </a:solidFill>
@@ -26186,14 +26173,14 @@
           </a:ln>
           <a:extLst>
             <a:ext uri="{909E8E84-426E-40dd-AFC4-6F175D3DCCD1}">
-              <a14:hiddenFill xmlns="" xmlns:a14="http://schemas.microsoft.com/office/drawing/2010/main">
+              <a14:hiddenFill xmlns:a14="http://schemas.microsoft.com/office/drawing/2010/main" xmlns="">
                 <a:solidFill>
                   <a:srgbClr val="FFFFFF"/>
                 </a:solidFill>
               </a14:hiddenFill>
             </a:ext>
             <a:ext uri="{91240B29-F687-4f45-9708-019B960494DF}">
-              <a14:hiddenLine xmlns="" xmlns:a14="http://schemas.microsoft.com/office/drawing/2010/main" w="9525">
+              <a14:hiddenLine xmlns:a14="http://schemas.microsoft.com/office/drawing/2010/main" xmlns="" w="9525">
                 <a:solidFill>
                   <a:srgbClr val="000000"/>
                 </a:solidFill>
@@ -26240,14 +26227,14 @@
           </a:ln>
           <a:extLst>
             <a:ext uri="{909E8E84-426E-40dd-AFC4-6F175D3DCCD1}">
-              <a14:hiddenFill xmlns="" xmlns:a14="http://schemas.microsoft.com/office/drawing/2010/main">
+              <a14:hiddenFill xmlns:a14="http://schemas.microsoft.com/office/drawing/2010/main" xmlns="">
                 <a:solidFill>
                   <a:srgbClr val="FFFFFF"/>
                 </a:solidFill>
               </a14:hiddenFill>
             </a:ext>
             <a:ext uri="{91240B29-F687-4f45-9708-019B960494DF}">
-              <a14:hiddenLine xmlns="" xmlns:a14="http://schemas.microsoft.com/office/drawing/2010/main" w="9525">
+              <a14:hiddenLine xmlns:a14="http://schemas.microsoft.com/office/drawing/2010/main" xmlns="" w="9525">
                 <a:solidFill>
                   <a:srgbClr val="000000"/>
                 </a:solidFill>
@@ -27544,14 +27531,14 @@
           </a:ln>
           <a:extLst>
             <a:ext uri="{909E8E84-426E-40dd-AFC4-6F175D3DCCD1}">
-              <a14:hiddenFill xmlns="" xmlns:a14="http://schemas.microsoft.com/office/drawing/2010/main">
+              <a14:hiddenFill xmlns:a14="http://schemas.microsoft.com/office/drawing/2010/main" xmlns="">
                 <a:solidFill>
                   <a:srgbClr val="FFFFFF"/>
                 </a:solidFill>
               </a14:hiddenFill>
             </a:ext>
             <a:ext uri="{91240B29-F687-4f45-9708-019B960494DF}">
-              <a14:hiddenLine xmlns="" xmlns:a14="http://schemas.microsoft.com/office/drawing/2010/main" w="9525">
+              <a14:hiddenLine xmlns:a14="http://schemas.microsoft.com/office/drawing/2010/main" xmlns="" w="9525">
                 <a:solidFill>
                   <a:srgbClr val="000000"/>
                 </a:solidFill>
@@ -27598,14 +27585,14 @@
           </a:ln>
           <a:extLst>
             <a:ext uri="{909E8E84-426E-40dd-AFC4-6F175D3DCCD1}">
-              <a14:hiddenFill xmlns="" xmlns:a14="http://schemas.microsoft.com/office/drawing/2010/main">
+              <a14:hiddenFill xmlns:a14="http://schemas.microsoft.com/office/drawing/2010/main" xmlns="">
                 <a:solidFill>
                   <a:srgbClr val="FFFFFF"/>
                 </a:solidFill>
               </a14:hiddenFill>
             </a:ext>
             <a:ext uri="{91240B29-F687-4f45-9708-019B960494DF}">
-              <a14:hiddenLine xmlns="" xmlns:a14="http://schemas.microsoft.com/office/drawing/2010/main" w="9525">
+              <a14:hiddenLine xmlns:a14="http://schemas.microsoft.com/office/drawing/2010/main" xmlns="" w="9525">
                 <a:solidFill>
                   <a:srgbClr val="000000"/>
                 </a:solidFill>
@@ -27652,14 +27639,14 @@
           </a:ln>
           <a:extLst>
             <a:ext uri="{909E8E84-426E-40dd-AFC4-6F175D3DCCD1}">
-              <a14:hiddenFill xmlns="" xmlns:a14="http://schemas.microsoft.com/office/drawing/2010/main">
+              <a14:hiddenFill xmlns:a14="http://schemas.microsoft.com/office/drawing/2010/main" xmlns="">
                 <a:solidFill>
                   <a:srgbClr val="FFFFFF"/>
                 </a:solidFill>
               </a14:hiddenFill>
             </a:ext>
             <a:ext uri="{91240B29-F687-4f45-9708-019B960494DF}">
-              <a14:hiddenLine xmlns="" xmlns:a14="http://schemas.microsoft.com/office/drawing/2010/main" w="9525">
+              <a14:hiddenLine xmlns:a14="http://schemas.microsoft.com/office/drawing/2010/main" xmlns="" w="9525">
                 <a:solidFill>
                   <a:srgbClr val="000000"/>
                 </a:solidFill>
@@ -27706,14 +27693,14 @@
           </a:ln>
           <a:extLst>
             <a:ext uri="{909E8E84-426E-40dd-AFC4-6F175D3DCCD1}">
-              <a14:hiddenFill xmlns="" xmlns:a14="http://schemas.microsoft.com/office/drawing/2010/main">
+              <a14:hiddenFill xmlns:a14="http://schemas.microsoft.com/office/drawing/2010/main" xmlns="">
                 <a:solidFill>
                   <a:srgbClr val="FFFFFF"/>
                 </a:solidFill>
               </a14:hiddenFill>
             </a:ext>
             <a:ext uri="{91240B29-F687-4f45-9708-019B960494DF}">
-              <a14:hiddenLine xmlns="" xmlns:a14="http://schemas.microsoft.com/office/drawing/2010/main" w="9525">
+              <a14:hiddenLine xmlns:a14="http://schemas.microsoft.com/office/drawing/2010/main" xmlns="" w="9525">
                 <a:solidFill>
                   <a:srgbClr val="000000"/>
                 </a:solidFill>
@@ -27760,14 +27747,14 @@
           </a:ln>
           <a:extLst>
             <a:ext uri="{909E8E84-426E-40dd-AFC4-6F175D3DCCD1}">
-              <a14:hiddenFill xmlns="" xmlns:a14="http://schemas.microsoft.com/office/drawing/2010/main">
+              <a14:hiddenFill xmlns:a14="http://schemas.microsoft.com/office/drawing/2010/main" xmlns="">
                 <a:solidFill>
                   <a:srgbClr val="FFFFFF"/>
                 </a:solidFill>
               </a14:hiddenFill>
             </a:ext>
             <a:ext uri="{91240B29-F687-4f45-9708-019B960494DF}">
-              <a14:hiddenLine xmlns="" xmlns:a14="http://schemas.microsoft.com/office/drawing/2010/main" w="9525">
+              <a14:hiddenLine xmlns:a14="http://schemas.microsoft.com/office/drawing/2010/main" xmlns="" w="9525">
                 <a:solidFill>
                   <a:srgbClr val="000000"/>
                 </a:solidFill>
@@ -27814,14 +27801,14 @@
           </a:ln>
           <a:extLst>
             <a:ext uri="{909E8E84-426E-40dd-AFC4-6F175D3DCCD1}">
-              <a14:hiddenFill xmlns="" xmlns:a14="http://schemas.microsoft.com/office/drawing/2010/main">
+              <a14:hiddenFill xmlns:a14="http://schemas.microsoft.com/office/drawing/2010/main" xmlns="">
                 <a:solidFill>
                   <a:srgbClr val="FFFFFF"/>
                 </a:solidFill>
               </a14:hiddenFill>
             </a:ext>
             <a:ext uri="{91240B29-F687-4f45-9708-019B960494DF}">
-              <a14:hiddenLine xmlns="" xmlns:a14="http://schemas.microsoft.com/office/drawing/2010/main" w="9525">
+              <a14:hiddenLine xmlns:a14="http://schemas.microsoft.com/office/drawing/2010/main" xmlns="" w="9525">
                 <a:solidFill>
                   <a:srgbClr val="000000"/>
                 </a:solidFill>
@@ -28231,14 +28218,14 @@
             </a:ln>
             <a:extLst>
               <a:ext uri="{909E8E84-426E-40dd-AFC4-6F175D3DCCD1}">
-                <a14:hiddenFill xmlns="" xmlns:a14="http://schemas.microsoft.com/office/drawing/2010/main">
+                <a14:hiddenFill xmlns:a14="http://schemas.microsoft.com/office/drawing/2010/main" xmlns="">
                   <a:solidFill>
                     <a:srgbClr val="FFFFFF"/>
                   </a:solidFill>
                 </a14:hiddenFill>
               </a:ext>
               <a:ext uri="{91240B29-F687-4f45-9708-019B960494DF}">
-                <a14:hiddenLine xmlns="" xmlns:a14="http://schemas.microsoft.com/office/drawing/2010/main" w="9525">
+                <a14:hiddenLine xmlns:a14="http://schemas.microsoft.com/office/drawing/2010/main" xmlns="" w="9525">
                   <a:solidFill>
                     <a:srgbClr val="000000"/>
                   </a:solidFill>
@@ -28286,7 +28273,7 @@
             </a:ln>
             <a:extLst>
               <a:ext uri="{909E8E84-426E-40dd-AFC4-6F175D3DCCD1}">
-                <a14:hiddenFill xmlns="" xmlns:a14="http://schemas.microsoft.com/office/drawing/2010/main">
+                <a14:hiddenFill xmlns:a14="http://schemas.microsoft.com/office/drawing/2010/main" xmlns="">
                   <a:noFill/>
                 </a14:hiddenFill>
               </a:ext>
@@ -28329,7 +28316,7 @@
             </a:ln>
             <a:extLst>
               <a:ext uri="{909E8E84-426E-40dd-AFC4-6F175D3DCCD1}">
-                <a14:hiddenFill xmlns="" xmlns:a14="http://schemas.microsoft.com/office/drawing/2010/main">
+                <a14:hiddenFill xmlns:a14="http://schemas.microsoft.com/office/drawing/2010/main" xmlns="">
                   <a:noFill/>
                 </a14:hiddenFill>
               </a:ext>
@@ -28369,7 +28356,7 @@
             </a:ln>
             <a:extLst>
               <a:ext uri="{91240B29-F687-4f45-9708-019B960494DF}">
-                <a14:hiddenLine xmlns="" xmlns:a14="http://schemas.microsoft.com/office/drawing/2010/main" w="9525">
+                <a14:hiddenLine xmlns:a14="http://schemas.microsoft.com/office/drawing/2010/main" xmlns="" w="9525">
                   <a:solidFill>
                     <a:srgbClr val="000000"/>
                   </a:solidFill>
@@ -28527,7 +28514,7 @@
             </a:ln>
             <a:extLst>
               <a:ext uri="{909E8E84-426E-40dd-AFC4-6F175D3DCCD1}">
-                <a14:hiddenFill xmlns="" xmlns:a14="http://schemas.microsoft.com/office/drawing/2010/main">
+                <a14:hiddenFill xmlns:a14="http://schemas.microsoft.com/office/drawing/2010/main" xmlns="">
                   <a:noFill/>
                 </a14:hiddenFill>
               </a:ext>
@@ -28570,7 +28557,7 @@
             </a:ln>
             <a:extLst>
               <a:ext uri="{909E8E84-426E-40dd-AFC4-6F175D3DCCD1}">
-                <a14:hiddenFill xmlns="" xmlns:a14="http://schemas.microsoft.com/office/drawing/2010/main">
+                <a14:hiddenFill xmlns:a14="http://schemas.microsoft.com/office/drawing/2010/main" xmlns="">
                   <a:noFill/>
                 </a14:hiddenFill>
               </a:ext>
@@ -28613,7 +28600,7 @@
             </a:ln>
             <a:extLst>
               <a:ext uri="{909E8E84-426E-40dd-AFC4-6F175D3DCCD1}">
-                <a14:hiddenFill xmlns="" xmlns:a14="http://schemas.microsoft.com/office/drawing/2010/main">
+                <a14:hiddenFill xmlns:a14="http://schemas.microsoft.com/office/drawing/2010/main" xmlns="">
                   <a:noFill/>
                 </a14:hiddenFill>
               </a:ext>
@@ -28653,7 +28640,7 @@
             </a:ln>
             <a:extLst>
               <a:ext uri="{91240B29-F687-4f45-9708-019B960494DF}">
-                <a14:hiddenLine xmlns="" xmlns:a14="http://schemas.microsoft.com/office/drawing/2010/main" w="9525">
+                <a14:hiddenLine xmlns:a14="http://schemas.microsoft.com/office/drawing/2010/main" xmlns="" w="9525">
                   <a:solidFill>
                     <a:srgbClr val="000000"/>
                   </a:solidFill>
@@ -28808,7 +28795,7 @@
             </a:ln>
             <a:extLst>
               <a:ext uri="{91240B29-F687-4f45-9708-019B960494DF}">
-                <a14:hiddenLine xmlns="" xmlns:a14="http://schemas.microsoft.com/office/drawing/2010/main" w="9525">
+                <a14:hiddenLine xmlns:a14="http://schemas.microsoft.com/office/drawing/2010/main" xmlns="" w="9525">
                   <a:solidFill>
                     <a:srgbClr val="000000"/>
                   </a:solidFill>
@@ -28963,7 +28950,7 @@
             </a:ln>
             <a:extLst>
               <a:ext uri="{91240B29-F687-4f45-9708-019B960494DF}">
-                <a14:hiddenLine xmlns="" xmlns:a14="http://schemas.microsoft.com/office/drawing/2010/main" w="9525">
+                <a14:hiddenLine xmlns:a14="http://schemas.microsoft.com/office/drawing/2010/main" xmlns="" w="9525">
                   <a:solidFill>
                     <a:srgbClr val="000000"/>
                   </a:solidFill>
@@ -29167,7 +29154,7 @@
             </a:ln>
             <a:extLst>
               <a:ext uri="{91240B29-F687-4f45-9708-019B960494DF}">
-                <a14:hiddenLine xmlns="" xmlns:a14="http://schemas.microsoft.com/office/drawing/2010/main" w="9525">
+                <a14:hiddenLine xmlns:a14="http://schemas.microsoft.com/office/drawing/2010/main" xmlns="" w="9525">
                   <a:solidFill>
                     <a:srgbClr val="000000"/>
                   </a:solidFill>
@@ -29329,7 +29316,7 @@
             </a:ln>
             <a:extLst>
               <a:ext uri="{91240B29-F687-4f45-9708-019B960494DF}">
-                <a14:hiddenLine xmlns="" xmlns:a14="http://schemas.microsoft.com/office/drawing/2010/main" w="9525">
+                <a14:hiddenLine xmlns:a14="http://schemas.microsoft.com/office/drawing/2010/main" xmlns="" w="9525">
                   <a:solidFill>
                     <a:srgbClr val="000000"/>
                   </a:solidFill>
@@ -29491,7 +29478,7 @@
             </a:ln>
             <a:extLst>
               <a:ext uri="{91240B29-F687-4f45-9708-019B960494DF}">
-                <a14:hiddenLine xmlns="" xmlns:a14="http://schemas.microsoft.com/office/drawing/2010/main" w="9525">
+                <a14:hiddenLine xmlns:a14="http://schemas.microsoft.com/office/drawing/2010/main" xmlns="" w="9525">
                   <a:solidFill>
                     <a:srgbClr val="000000"/>
                   </a:solidFill>
@@ -29653,7 +29640,7 @@
             </a:ln>
             <a:extLst>
               <a:ext uri="{91240B29-F687-4f45-9708-019B960494DF}">
-                <a14:hiddenLine xmlns="" xmlns:a14="http://schemas.microsoft.com/office/drawing/2010/main" w="9525">
+                <a14:hiddenLine xmlns:a14="http://schemas.microsoft.com/office/drawing/2010/main" xmlns="" w="9525">
                   <a:solidFill>
                     <a:srgbClr val="000000"/>
                   </a:solidFill>
@@ -29855,7 +29842,7 @@
             </a:ln>
             <a:extLst>
               <a:ext uri="{909E8E84-426E-40dd-AFC4-6F175D3DCCD1}">
-                <a14:hiddenFill xmlns="" xmlns:a14="http://schemas.microsoft.com/office/drawing/2010/main">
+                <a14:hiddenFill xmlns:a14="http://schemas.microsoft.com/office/drawing/2010/main" xmlns="">
                   <a:noFill/>
                 </a14:hiddenFill>
               </a:ext>
@@ -29890,7 +29877,7 @@
             </a:ln>
             <a:extLst>
               <a:ext uri="{909E8E84-426E-40dd-AFC4-6F175D3DCCD1}">
-                <a14:hiddenFill xmlns="" xmlns:a14="http://schemas.microsoft.com/office/drawing/2010/main">
+                <a14:hiddenFill xmlns:a14="http://schemas.microsoft.com/office/drawing/2010/main" xmlns="">
                   <a:noFill/>
                 </a14:hiddenFill>
               </a:ext>
@@ -30073,7 +30060,7 @@
             </a:ln>
             <a:extLst>
               <a:ext uri="{909E8E84-426E-40dd-AFC4-6F175D3DCCD1}">
-                <a14:hiddenFill xmlns="" xmlns:a14="http://schemas.microsoft.com/office/drawing/2010/main">
+                <a14:hiddenFill xmlns:a14="http://schemas.microsoft.com/office/drawing/2010/main" xmlns="">
                   <a:noFill/>
                 </a14:hiddenFill>
               </a:ext>
@@ -30116,14 +30103,14 @@
           </a:ln>
           <a:extLst>
             <a:ext uri="{909E8E84-426E-40dd-AFC4-6F175D3DCCD1}">
-              <a14:hiddenFill xmlns="" xmlns:a14="http://schemas.microsoft.com/office/drawing/2010/main">
+              <a14:hiddenFill xmlns:a14="http://schemas.microsoft.com/office/drawing/2010/main" xmlns="">
                 <a:solidFill>
                   <a:srgbClr val="FFFFFF"/>
                 </a:solidFill>
               </a14:hiddenFill>
             </a:ext>
             <a:ext uri="{91240B29-F687-4f45-9708-019B960494DF}">
-              <a14:hiddenLine xmlns="" xmlns:a14="http://schemas.microsoft.com/office/drawing/2010/main" w="9525">
+              <a14:hiddenLine xmlns:a14="http://schemas.microsoft.com/office/drawing/2010/main" xmlns="" w="9525">
                 <a:solidFill>
                   <a:srgbClr val="000000"/>
                 </a:solidFill>
@@ -30711,14 +30698,14 @@
           </a:ln>
           <a:extLst>
             <a:ext uri="{909E8E84-426E-40dd-AFC4-6F175D3DCCD1}">
-              <a14:hiddenFill xmlns="" xmlns:a14="http://schemas.microsoft.com/office/drawing/2010/main">
+              <a14:hiddenFill xmlns:a14="http://schemas.microsoft.com/office/drawing/2010/main" xmlns="">
                 <a:solidFill>
                   <a:srgbClr val="FFFFFF"/>
                 </a:solidFill>
               </a14:hiddenFill>
             </a:ext>
             <a:ext uri="{91240B29-F687-4f45-9708-019B960494DF}">
-              <a14:hiddenLine xmlns="" xmlns:a14="http://schemas.microsoft.com/office/drawing/2010/main" w="9525">
+              <a14:hiddenLine xmlns:a14="http://schemas.microsoft.com/office/drawing/2010/main" xmlns="" w="9525">
                 <a:solidFill>
                   <a:srgbClr val="000000"/>
                 </a:solidFill>
@@ -30765,14 +30752,14 @@
           </a:ln>
           <a:extLst>
             <a:ext uri="{909E8E84-426E-40dd-AFC4-6F175D3DCCD1}">
-              <a14:hiddenFill xmlns="" xmlns:a14="http://schemas.microsoft.com/office/drawing/2010/main">
+              <a14:hiddenFill xmlns:a14="http://schemas.microsoft.com/office/drawing/2010/main" xmlns="">
                 <a:solidFill>
                   <a:srgbClr val="FFFFFF"/>
                 </a:solidFill>
               </a14:hiddenFill>
             </a:ext>
             <a:ext uri="{91240B29-F687-4f45-9708-019B960494DF}">
-              <a14:hiddenLine xmlns="" xmlns:a14="http://schemas.microsoft.com/office/drawing/2010/main" w="9525">
+              <a14:hiddenLine xmlns:a14="http://schemas.microsoft.com/office/drawing/2010/main" xmlns="" w="9525">
                 <a:solidFill>
                   <a:srgbClr val="000000"/>
                 </a:solidFill>
@@ -30819,68 +30806,14 @@
           </a:ln>
           <a:extLst>
             <a:ext uri="{909E8E84-426E-40dd-AFC4-6F175D3DCCD1}">
-              <a14:hiddenFill xmlns="" xmlns:a14="http://schemas.microsoft.com/office/drawing/2010/main">
+              <a14:hiddenFill xmlns:a14="http://schemas.microsoft.com/office/drawing/2010/main" xmlns="">
                 <a:solidFill>
                   <a:srgbClr val="FFFFFF"/>
                 </a:solidFill>
               </a14:hiddenFill>
             </a:ext>
             <a:ext uri="{91240B29-F687-4f45-9708-019B960494DF}">
-              <a14:hiddenLine xmlns="" xmlns:a14="http://schemas.microsoft.com/office/drawing/2010/main" w="9525">
-                <a:solidFill>
-                  <a:srgbClr val="000000"/>
-                </a:solidFill>
-                <a:miter lim="800000"/>
-                <a:headEnd/>
-                <a:tailEnd/>
-              </a14:hiddenLine>
-            </a:ext>
-          </a:extLst>
-        </p:spPr>
-      </p:pic>
-      <p:pic>
-        <p:nvPicPr>
-          <p:cNvPr id="7" name="Picture 6" descr="ph_pl.eps"/>
-          <p:cNvPicPr>
-            <a:picLocks noChangeAspect="1"/>
-          </p:cNvPicPr>
-          <p:nvPr/>
-        </p:nvPicPr>
-        <p:blipFill>
-          <a:blip r:embed="rId6">
-            <a:extLst>
-              <a:ext uri="{28A0092B-C50C-407E-A947-70E740481C1C}">
-                <a14:useLocalDpi xmlns:a14="http://schemas.microsoft.com/office/drawing/2010/main" val="0"/>
-              </a:ext>
-            </a:extLst>
-          </a:blip>
-          <a:srcRect/>
-          <a:stretch>
-            <a:fillRect/>
-          </a:stretch>
-        </p:blipFill>
-        <p:spPr bwMode="auto">
-          <a:xfrm>
-            <a:off x="2781309" y="3200400"/>
-            <a:ext cx="3867151" cy="1597025"/>
-          </a:xfrm>
-          <a:prstGeom prst="rect">
-            <a:avLst/>
-          </a:prstGeom>
-          <a:noFill/>
-          <a:ln>
-            <a:noFill/>
-          </a:ln>
-          <a:extLst>
-            <a:ext uri="{909E8E84-426E-40dd-AFC4-6F175D3DCCD1}">
-              <a14:hiddenFill xmlns="" xmlns:a14="http://schemas.microsoft.com/office/drawing/2010/main">
-                <a:solidFill>
-                  <a:srgbClr val="FFFFFF"/>
-                </a:solidFill>
-              </a14:hiddenFill>
-            </a:ext>
-            <a:ext uri="{91240B29-F687-4f45-9708-019B960494DF}">
-              <a14:hiddenLine xmlns="" xmlns:a14="http://schemas.microsoft.com/office/drawing/2010/main" w="9525">
+              <a14:hiddenLine xmlns:a14="http://schemas.microsoft.com/office/drawing/2010/main" xmlns="" w="9525">
                 <a:solidFill>
                   <a:srgbClr val="000000"/>
                 </a:solidFill>
@@ -31057,59 +30990,6 @@
                       </p:childTnLst>
                     </p:cTn>
                   </p:par>
-                  <p:par>
-                    <p:cTn id="13" fill="hold" nodeType="clickPar">
-                      <p:stCondLst>
-                        <p:cond delay="indefinite"/>
-                      </p:stCondLst>
-                      <p:childTnLst>
-                        <p:par>
-                          <p:cTn id="14" fill="hold" nodeType="withGroup">
-                            <p:stCondLst>
-                              <p:cond delay="0"/>
-                            </p:stCondLst>
-                            <p:childTnLst>
-                              <p:par>
-                                <p:cTn id="15" presetID="22" presetClass="entr" presetSubtype="8" fill="hold" nodeType="clickEffect">
-                                  <p:stCondLst>
-                                    <p:cond delay="0"/>
-                                  </p:stCondLst>
-                                  <p:childTnLst>
-                                    <p:set>
-                                      <p:cBhvr>
-                                        <p:cTn id="16" dur="1" fill="hold">
-                                          <p:stCondLst>
-                                            <p:cond delay="0"/>
-                                          </p:stCondLst>
-                                        </p:cTn>
-                                        <p:tgtEl>
-                                          <p:spTgt spid="7"/>
-                                        </p:tgtEl>
-                                        <p:attrNameLst>
-                                          <p:attrName>style.visibility</p:attrName>
-                                        </p:attrNameLst>
-                                      </p:cBhvr>
-                                      <p:to>
-                                        <p:strVal val="visible"/>
-                                      </p:to>
-                                    </p:set>
-                                    <p:animEffect transition="in" filter="wipe(left)">
-                                      <p:cBhvr>
-                                        <p:cTn id="17" dur="1000"/>
-                                        <p:tgtEl>
-                                          <p:spTgt spid="7"/>
-                                        </p:tgtEl>
-                                      </p:cBhvr>
-                                    </p:animEffect>
-                                  </p:childTnLst>
-                                </p:cTn>
-                              </p:par>
-                            </p:childTnLst>
-                          </p:cTn>
-                        </p:par>
-                      </p:childTnLst>
-                    </p:cTn>
-                  </p:par>
                 </p:childTnLst>
               </p:cTn>
               <p:prevCondLst>
@@ -31335,14 +31215,14 @@
           </a:ln>
           <a:extLst>
             <a:ext uri="{909E8E84-426E-40dd-AFC4-6F175D3DCCD1}">
-              <a14:hiddenFill xmlns="" xmlns:a14="http://schemas.microsoft.com/office/drawing/2010/main">
+              <a14:hiddenFill xmlns:a14="http://schemas.microsoft.com/office/drawing/2010/main" xmlns="">
                 <a:solidFill>
                   <a:srgbClr val="FFFFFF"/>
                 </a:solidFill>
               </a14:hiddenFill>
             </a:ext>
             <a:ext uri="{91240B29-F687-4f45-9708-019B960494DF}">
-              <a14:hiddenLine xmlns="" xmlns:a14="http://schemas.microsoft.com/office/drawing/2010/main" w="9525">
+              <a14:hiddenLine xmlns:a14="http://schemas.microsoft.com/office/drawing/2010/main" xmlns="" w="9525">
                 <a:solidFill>
                   <a:srgbClr val="000000"/>
                 </a:solidFill>
@@ -31389,14 +31269,14 @@
           </a:ln>
           <a:extLst>
             <a:ext uri="{909E8E84-426E-40dd-AFC4-6F175D3DCCD1}">
-              <a14:hiddenFill xmlns="" xmlns:a14="http://schemas.microsoft.com/office/drawing/2010/main">
+              <a14:hiddenFill xmlns:a14="http://schemas.microsoft.com/office/drawing/2010/main" xmlns="">
                 <a:solidFill>
                   <a:srgbClr val="FFFFFF"/>
                 </a:solidFill>
               </a14:hiddenFill>
             </a:ext>
             <a:ext uri="{91240B29-F687-4f45-9708-019B960494DF}">
-              <a14:hiddenLine xmlns="" xmlns:a14="http://schemas.microsoft.com/office/drawing/2010/main" w="9525">
+              <a14:hiddenLine xmlns:a14="http://schemas.microsoft.com/office/drawing/2010/main" xmlns="" w="9525">
                 <a:solidFill>
                   <a:srgbClr val="000000"/>
                 </a:solidFill>
@@ -31443,14 +31323,14 @@
           </a:ln>
           <a:extLst>
             <a:ext uri="{909E8E84-426E-40dd-AFC4-6F175D3DCCD1}">
-              <a14:hiddenFill xmlns="" xmlns:a14="http://schemas.microsoft.com/office/drawing/2010/main">
+              <a14:hiddenFill xmlns:a14="http://schemas.microsoft.com/office/drawing/2010/main" xmlns="">
                 <a:solidFill>
                   <a:srgbClr val="FFFFFF"/>
                 </a:solidFill>
               </a14:hiddenFill>
             </a:ext>
             <a:ext uri="{91240B29-F687-4f45-9708-019B960494DF}">
-              <a14:hiddenLine xmlns="" xmlns:a14="http://schemas.microsoft.com/office/drawing/2010/main" w="9525">
+              <a14:hiddenLine xmlns:a14="http://schemas.microsoft.com/office/drawing/2010/main" xmlns="" w="9525">
                 <a:solidFill>
                   <a:srgbClr val="000000"/>
                 </a:solidFill>
@@ -31497,14 +31377,14 @@
           </a:ln>
           <a:extLst>
             <a:ext uri="{909E8E84-426E-40dd-AFC4-6F175D3DCCD1}">
-              <a14:hiddenFill xmlns="" xmlns:a14="http://schemas.microsoft.com/office/drawing/2010/main">
+              <a14:hiddenFill xmlns:a14="http://schemas.microsoft.com/office/drawing/2010/main" xmlns="">
                 <a:solidFill>
                   <a:srgbClr val="FFFFFF"/>
                 </a:solidFill>
               </a14:hiddenFill>
             </a:ext>
             <a:ext uri="{91240B29-F687-4f45-9708-019B960494DF}">
-              <a14:hiddenLine xmlns="" xmlns:a14="http://schemas.microsoft.com/office/drawing/2010/main" w="9525">
+              <a14:hiddenLine xmlns:a14="http://schemas.microsoft.com/office/drawing/2010/main" xmlns="" w="9525">
                 <a:solidFill>
                   <a:srgbClr val="000000"/>
                 </a:solidFill>
@@ -31551,14 +31431,14 @@
           </a:ln>
           <a:extLst>
             <a:ext uri="{909E8E84-426E-40dd-AFC4-6F175D3DCCD1}">
-              <a14:hiddenFill xmlns="" xmlns:a14="http://schemas.microsoft.com/office/drawing/2010/main">
+              <a14:hiddenFill xmlns:a14="http://schemas.microsoft.com/office/drawing/2010/main" xmlns="">
                 <a:solidFill>
                   <a:srgbClr val="FFFFFF"/>
                 </a:solidFill>
               </a14:hiddenFill>
             </a:ext>
             <a:ext uri="{91240B29-F687-4f45-9708-019B960494DF}">
-              <a14:hiddenLine xmlns="" xmlns:a14="http://schemas.microsoft.com/office/drawing/2010/main" w="9525">
+              <a14:hiddenLine xmlns:a14="http://schemas.microsoft.com/office/drawing/2010/main" xmlns="" w="9525">
                 <a:solidFill>
                   <a:srgbClr val="000000"/>
                 </a:solidFill>
@@ -31605,14 +31485,14 @@
           </a:ln>
           <a:extLst>
             <a:ext uri="{909E8E84-426E-40dd-AFC4-6F175D3DCCD1}">
-              <a14:hiddenFill xmlns="" xmlns:a14="http://schemas.microsoft.com/office/drawing/2010/main">
+              <a14:hiddenFill xmlns:a14="http://schemas.microsoft.com/office/drawing/2010/main" xmlns="">
                 <a:solidFill>
                   <a:srgbClr val="FFFFFF"/>
                 </a:solidFill>
               </a14:hiddenFill>
             </a:ext>
             <a:ext uri="{91240B29-F687-4f45-9708-019B960494DF}">
-              <a14:hiddenLine xmlns="" xmlns:a14="http://schemas.microsoft.com/office/drawing/2010/main" w="9525">
+              <a14:hiddenLine xmlns:a14="http://schemas.microsoft.com/office/drawing/2010/main" xmlns="" w="9525">
                 <a:solidFill>
                   <a:srgbClr val="000000"/>
                 </a:solidFill>
@@ -32142,14 +32022,14 @@
           </a:ln>
           <a:extLst>
             <a:ext uri="{909E8E84-426E-40dd-AFC4-6F175D3DCCD1}">
-              <a14:hiddenFill xmlns="" xmlns:a14="http://schemas.microsoft.com/office/drawing/2010/main">
+              <a14:hiddenFill xmlns:a14="http://schemas.microsoft.com/office/drawing/2010/main" xmlns="">
                 <a:solidFill>
                   <a:srgbClr val="FFFFFF"/>
                 </a:solidFill>
               </a14:hiddenFill>
             </a:ext>
             <a:ext uri="{91240B29-F687-4f45-9708-019B960494DF}">
-              <a14:hiddenLine xmlns="" xmlns:a14="http://schemas.microsoft.com/office/drawing/2010/main" w="9525">
+              <a14:hiddenLine xmlns:a14="http://schemas.microsoft.com/office/drawing/2010/main" xmlns="" w="9525">
                 <a:solidFill>
                   <a:srgbClr val="000000"/>
                 </a:solidFill>
@@ -32196,14 +32076,14 @@
           </a:ln>
           <a:extLst>
             <a:ext uri="{909E8E84-426E-40dd-AFC4-6F175D3DCCD1}">
-              <a14:hiddenFill xmlns="" xmlns:a14="http://schemas.microsoft.com/office/drawing/2010/main">
+              <a14:hiddenFill xmlns:a14="http://schemas.microsoft.com/office/drawing/2010/main" xmlns="">
                 <a:solidFill>
                   <a:srgbClr val="FFFFFF"/>
                 </a:solidFill>
               </a14:hiddenFill>
             </a:ext>
             <a:ext uri="{91240B29-F687-4f45-9708-019B960494DF}">
-              <a14:hiddenLine xmlns="" xmlns:a14="http://schemas.microsoft.com/office/drawing/2010/main" w="9525">
+              <a14:hiddenLine xmlns:a14="http://schemas.microsoft.com/office/drawing/2010/main" xmlns="" w="9525">
                 <a:solidFill>
                   <a:srgbClr val="000000"/>
                 </a:solidFill>
@@ -32250,14 +32130,14 @@
           </a:ln>
           <a:extLst>
             <a:ext uri="{909E8E84-426E-40dd-AFC4-6F175D3DCCD1}">
-              <a14:hiddenFill xmlns="" xmlns:a14="http://schemas.microsoft.com/office/drawing/2010/main">
+              <a14:hiddenFill xmlns:a14="http://schemas.microsoft.com/office/drawing/2010/main" xmlns="">
                 <a:solidFill>
                   <a:srgbClr val="FFFFFF"/>
                 </a:solidFill>
               </a14:hiddenFill>
             </a:ext>
             <a:ext uri="{91240B29-F687-4f45-9708-019B960494DF}">
-              <a14:hiddenLine xmlns="" xmlns:a14="http://schemas.microsoft.com/office/drawing/2010/main" w="9525">
+              <a14:hiddenLine xmlns:a14="http://schemas.microsoft.com/office/drawing/2010/main" xmlns="" w="9525">
                 <a:solidFill>
                   <a:srgbClr val="000000"/>
                 </a:solidFill>
@@ -32304,14 +32184,14 @@
           </a:ln>
           <a:extLst>
             <a:ext uri="{909E8E84-426E-40dd-AFC4-6F175D3DCCD1}">
-              <a14:hiddenFill xmlns="" xmlns:a14="http://schemas.microsoft.com/office/drawing/2010/main">
+              <a14:hiddenFill xmlns:a14="http://schemas.microsoft.com/office/drawing/2010/main" xmlns="">
                 <a:solidFill>
                   <a:srgbClr val="FFFFFF"/>
                 </a:solidFill>
               </a14:hiddenFill>
             </a:ext>
             <a:ext uri="{91240B29-F687-4f45-9708-019B960494DF}">
-              <a14:hiddenLine xmlns="" xmlns:a14="http://schemas.microsoft.com/office/drawing/2010/main" w="9525">
+              <a14:hiddenLine xmlns:a14="http://schemas.microsoft.com/office/drawing/2010/main" xmlns="" w="9525">
                 <a:solidFill>
                   <a:srgbClr val="000000"/>
                 </a:solidFill>
@@ -32358,14 +32238,14 @@
           </a:ln>
           <a:extLst>
             <a:ext uri="{909E8E84-426E-40dd-AFC4-6F175D3DCCD1}">
-              <a14:hiddenFill xmlns="" xmlns:a14="http://schemas.microsoft.com/office/drawing/2010/main">
+              <a14:hiddenFill xmlns:a14="http://schemas.microsoft.com/office/drawing/2010/main" xmlns="">
                 <a:solidFill>
                   <a:srgbClr val="FFFFFF"/>
                 </a:solidFill>
               </a14:hiddenFill>
             </a:ext>
             <a:ext uri="{91240B29-F687-4f45-9708-019B960494DF}">
-              <a14:hiddenLine xmlns="" xmlns:a14="http://schemas.microsoft.com/office/drawing/2010/main" w="9525">
+              <a14:hiddenLine xmlns:a14="http://schemas.microsoft.com/office/drawing/2010/main" xmlns="" w="9525">
                 <a:solidFill>
                   <a:srgbClr val="000000"/>
                 </a:solidFill>
@@ -32412,14 +32292,14 @@
           </a:ln>
           <a:extLst>
             <a:ext uri="{909E8E84-426E-40dd-AFC4-6F175D3DCCD1}">
-              <a14:hiddenFill xmlns="" xmlns:a14="http://schemas.microsoft.com/office/drawing/2010/main">
+              <a14:hiddenFill xmlns:a14="http://schemas.microsoft.com/office/drawing/2010/main" xmlns="">
                 <a:solidFill>
                   <a:srgbClr val="FFFFFF"/>
                 </a:solidFill>
               </a14:hiddenFill>
             </a:ext>
             <a:ext uri="{91240B29-F687-4f45-9708-019B960494DF}">
-              <a14:hiddenLine xmlns="" xmlns:a14="http://schemas.microsoft.com/office/drawing/2010/main" w="9525">
+              <a14:hiddenLine xmlns:a14="http://schemas.microsoft.com/office/drawing/2010/main" xmlns="" w="9525">
                 <a:solidFill>
                   <a:srgbClr val="000000"/>
                 </a:solidFill>
@@ -32828,14 +32708,14 @@
           </a:ln>
           <a:extLst>
             <a:ext uri="{909E8E84-426E-40dd-AFC4-6F175D3DCCD1}">
-              <a14:hiddenFill xmlns="" xmlns:a14="http://schemas.microsoft.com/office/drawing/2010/main">
+              <a14:hiddenFill xmlns:a14="http://schemas.microsoft.com/office/drawing/2010/main" xmlns="">
                 <a:solidFill>
                   <a:srgbClr val="FFFFFF"/>
                 </a:solidFill>
               </a14:hiddenFill>
             </a:ext>
             <a:ext uri="{91240B29-F687-4f45-9708-019B960494DF}">
-              <a14:hiddenLine xmlns="" xmlns:a14="http://schemas.microsoft.com/office/drawing/2010/main" w="9525">
+              <a14:hiddenLine xmlns:a14="http://schemas.microsoft.com/office/drawing/2010/main" xmlns="" w="9525">
                 <a:solidFill>
                   <a:srgbClr val="000000"/>
                 </a:solidFill>
@@ -32882,14 +32762,14 @@
           </a:ln>
           <a:extLst>
             <a:ext uri="{909E8E84-426E-40dd-AFC4-6F175D3DCCD1}">
-              <a14:hiddenFill xmlns="" xmlns:a14="http://schemas.microsoft.com/office/drawing/2010/main">
+              <a14:hiddenFill xmlns:a14="http://schemas.microsoft.com/office/drawing/2010/main" xmlns="">
                 <a:solidFill>
                   <a:srgbClr val="FFFFFF"/>
                 </a:solidFill>
               </a14:hiddenFill>
             </a:ext>
             <a:ext uri="{91240B29-F687-4f45-9708-019B960494DF}">
-              <a14:hiddenLine xmlns="" xmlns:a14="http://schemas.microsoft.com/office/drawing/2010/main" w="9525">
+              <a14:hiddenLine xmlns:a14="http://schemas.microsoft.com/office/drawing/2010/main" xmlns="" w="9525">
                 <a:solidFill>
                   <a:srgbClr val="000000"/>
                 </a:solidFill>
@@ -32936,14 +32816,14 @@
           </a:ln>
           <a:extLst>
             <a:ext uri="{909E8E84-426E-40dd-AFC4-6F175D3DCCD1}">
-              <a14:hiddenFill xmlns="" xmlns:a14="http://schemas.microsoft.com/office/drawing/2010/main">
+              <a14:hiddenFill xmlns:a14="http://schemas.microsoft.com/office/drawing/2010/main" xmlns="">
                 <a:solidFill>
                   <a:srgbClr val="FFFFFF"/>
                 </a:solidFill>
               </a14:hiddenFill>
             </a:ext>
             <a:ext uri="{91240B29-F687-4f45-9708-019B960494DF}">
-              <a14:hiddenLine xmlns="" xmlns:a14="http://schemas.microsoft.com/office/drawing/2010/main" w="9525">
+              <a14:hiddenLine xmlns:a14="http://schemas.microsoft.com/office/drawing/2010/main" xmlns="" w="9525">
                 <a:solidFill>
                   <a:srgbClr val="000000"/>
                 </a:solidFill>
@@ -32990,14 +32870,14 @@
           </a:ln>
           <a:extLst>
             <a:ext uri="{909E8E84-426E-40dd-AFC4-6F175D3DCCD1}">
-              <a14:hiddenFill xmlns="" xmlns:a14="http://schemas.microsoft.com/office/drawing/2010/main">
+              <a14:hiddenFill xmlns:a14="http://schemas.microsoft.com/office/drawing/2010/main" xmlns="">
                 <a:solidFill>
                   <a:srgbClr val="FFFFFF"/>
                 </a:solidFill>
               </a14:hiddenFill>
             </a:ext>
             <a:ext uri="{91240B29-F687-4f45-9708-019B960494DF}">
-              <a14:hiddenLine xmlns="" xmlns:a14="http://schemas.microsoft.com/office/drawing/2010/main" w="9525">
+              <a14:hiddenLine xmlns:a14="http://schemas.microsoft.com/office/drawing/2010/main" xmlns="" w="9525">
                 <a:solidFill>
                   <a:srgbClr val="000000"/>
                 </a:solidFill>
@@ -33044,14 +32924,14 @@
           </a:ln>
           <a:extLst>
             <a:ext uri="{909E8E84-426E-40dd-AFC4-6F175D3DCCD1}">
-              <a14:hiddenFill xmlns="" xmlns:a14="http://schemas.microsoft.com/office/drawing/2010/main">
+              <a14:hiddenFill xmlns:a14="http://schemas.microsoft.com/office/drawing/2010/main" xmlns="">
                 <a:solidFill>
                   <a:srgbClr val="FFFFFF"/>
                 </a:solidFill>
               </a14:hiddenFill>
             </a:ext>
             <a:ext uri="{91240B29-F687-4f45-9708-019B960494DF}">
-              <a14:hiddenLine xmlns="" xmlns:a14="http://schemas.microsoft.com/office/drawing/2010/main" w="9525">
+              <a14:hiddenLine xmlns:a14="http://schemas.microsoft.com/office/drawing/2010/main" xmlns="" w="9525">
                 <a:solidFill>
                   <a:srgbClr val="000000"/>
                 </a:solidFill>
@@ -33098,14 +32978,14 @@
           </a:ln>
           <a:extLst>
             <a:ext uri="{909E8E84-426E-40dd-AFC4-6F175D3DCCD1}">
-              <a14:hiddenFill xmlns="" xmlns:a14="http://schemas.microsoft.com/office/drawing/2010/main">
+              <a14:hiddenFill xmlns:a14="http://schemas.microsoft.com/office/drawing/2010/main" xmlns="">
                 <a:solidFill>
                   <a:srgbClr val="FFFFFF"/>
                 </a:solidFill>
               </a14:hiddenFill>
             </a:ext>
             <a:ext uri="{91240B29-F687-4f45-9708-019B960494DF}">
-              <a14:hiddenLine xmlns="" xmlns:a14="http://schemas.microsoft.com/office/drawing/2010/main" w="9525">
+              <a14:hiddenLine xmlns:a14="http://schemas.microsoft.com/office/drawing/2010/main" xmlns="" w="9525">
                 <a:solidFill>
                   <a:srgbClr val="000000"/>
                 </a:solidFill>
@@ -33876,14 +33756,14 @@
           </a:ln>
           <a:extLst>
             <a:ext uri="{909E8E84-426E-40dd-AFC4-6F175D3DCCD1}">
-              <a14:hiddenFill xmlns="" xmlns:a14="http://schemas.microsoft.com/office/drawing/2010/main">
+              <a14:hiddenFill xmlns:a14="http://schemas.microsoft.com/office/drawing/2010/main" xmlns="">
                 <a:solidFill>
                   <a:srgbClr val="FFFFFF"/>
                 </a:solidFill>
               </a14:hiddenFill>
             </a:ext>
             <a:ext uri="{91240B29-F687-4f45-9708-019B960494DF}">
-              <a14:hiddenLine xmlns="" xmlns:a14="http://schemas.microsoft.com/office/drawing/2010/main" w="9525">
+              <a14:hiddenLine xmlns:a14="http://schemas.microsoft.com/office/drawing/2010/main" xmlns="" w="9525">
                 <a:solidFill>
                   <a:srgbClr val="000000"/>
                 </a:solidFill>
@@ -33930,14 +33810,14 @@
           </a:ln>
           <a:extLst>
             <a:ext uri="{909E8E84-426E-40dd-AFC4-6F175D3DCCD1}">
-              <a14:hiddenFill xmlns="" xmlns:a14="http://schemas.microsoft.com/office/drawing/2010/main">
+              <a14:hiddenFill xmlns:a14="http://schemas.microsoft.com/office/drawing/2010/main" xmlns="">
                 <a:solidFill>
                   <a:srgbClr val="FFFFFF"/>
                 </a:solidFill>
               </a14:hiddenFill>
             </a:ext>
             <a:ext uri="{91240B29-F687-4f45-9708-019B960494DF}">
-              <a14:hiddenLine xmlns="" xmlns:a14="http://schemas.microsoft.com/office/drawing/2010/main" w="9525">
+              <a14:hiddenLine xmlns:a14="http://schemas.microsoft.com/office/drawing/2010/main" xmlns="" w="9525">
                 <a:solidFill>
                   <a:srgbClr val="000000"/>
                 </a:solidFill>
@@ -33984,14 +33864,14 @@
           </a:ln>
           <a:extLst>
             <a:ext uri="{909E8E84-426E-40dd-AFC4-6F175D3DCCD1}">
-              <a14:hiddenFill xmlns="" xmlns:a14="http://schemas.microsoft.com/office/drawing/2010/main">
+              <a14:hiddenFill xmlns:a14="http://schemas.microsoft.com/office/drawing/2010/main" xmlns="">
                 <a:solidFill>
                   <a:srgbClr val="FFFFFF"/>
                 </a:solidFill>
               </a14:hiddenFill>
             </a:ext>
             <a:ext uri="{91240B29-F687-4f45-9708-019B960494DF}">
-              <a14:hiddenLine xmlns="" xmlns:a14="http://schemas.microsoft.com/office/drawing/2010/main" w="9525">
+              <a14:hiddenLine xmlns:a14="http://schemas.microsoft.com/office/drawing/2010/main" xmlns="" w="9525">
                 <a:solidFill>
                   <a:srgbClr val="000000"/>
                 </a:solidFill>
@@ -34038,14 +33918,14 @@
           </a:ln>
           <a:extLst>
             <a:ext uri="{909E8E84-426E-40dd-AFC4-6F175D3DCCD1}">
-              <a14:hiddenFill xmlns="" xmlns:a14="http://schemas.microsoft.com/office/drawing/2010/main">
+              <a14:hiddenFill xmlns:a14="http://schemas.microsoft.com/office/drawing/2010/main" xmlns="">
                 <a:solidFill>
                   <a:srgbClr val="FFFFFF"/>
                 </a:solidFill>
               </a14:hiddenFill>
             </a:ext>
             <a:ext uri="{91240B29-F687-4f45-9708-019B960494DF}">
-              <a14:hiddenLine xmlns="" xmlns:a14="http://schemas.microsoft.com/office/drawing/2010/main" w="9525">
+              <a14:hiddenLine xmlns:a14="http://schemas.microsoft.com/office/drawing/2010/main" xmlns="" w="9525">
                 <a:solidFill>
                   <a:srgbClr val="000000"/>
                 </a:solidFill>
@@ -34092,14 +33972,14 @@
           </a:ln>
           <a:extLst>
             <a:ext uri="{909E8E84-426E-40dd-AFC4-6F175D3DCCD1}">
-              <a14:hiddenFill xmlns="" xmlns:a14="http://schemas.microsoft.com/office/drawing/2010/main">
+              <a14:hiddenFill xmlns:a14="http://schemas.microsoft.com/office/drawing/2010/main" xmlns="">
                 <a:solidFill>
                   <a:srgbClr val="FFFFFF"/>
                 </a:solidFill>
               </a14:hiddenFill>
             </a:ext>
             <a:ext uri="{91240B29-F687-4f45-9708-019B960494DF}">
-              <a14:hiddenLine xmlns="" xmlns:a14="http://schemas.microsoft.com/office/drawing/2010/main" w="9525">
+              <a14:hiddenLine xmlns:a14="http://schemas.microsoft.com/office/drawing/2010/main" xmlns="" w="9525">
                 <a:solidFill>
                   <a:srgbClr val="000000"/>
                 </a:solidFill>
@@ -34146,14 +34026,14 @@
           </a:ln>
           <a:extLst>
             <a:ext uri="{909E8E84-426E-40dd-AFC4-6F175D3DCCD1}">
-              <a14:hiddenFill xmlns="" xmlns:a14="http://schemas.microsoft.com/office/drawing/2010/main">
+              <a14:hiddenFill xmlns:a14="http://schemas.microsoft.com/office/drawing/2010/main" xmlns="">
                 <a:solidFill>
                   <a:srgbClr val="FFFFFF"/>
                 </a:solidFill>
               </a14:hiddenFill>
             </a:ext>
             <a:ext uri="{91240B29-F687-4f45-9708-019B960494DF}">
-              <a14:hiddenLine xmlns="" xmlns:a14="http://schemas.microsoft.com/office/drawing/2010/main" w="9525">
+              <a14:hiddenLine xmlns:a14="http://schemas.microsoft.com/office/drawing/2010/main" xmlns="" w="9525">
                 <a:solidFill>
                   <a:srgbClr val="000000"/>
                 </a:solidFill>
@@ -34200,14 +34080,14 @@
           </a:ln>
           <a:extLst>
             <a:ext uri="{909E8E84-426E-40dd-AFC4-6F175D3DCCD1}">
-              <a14:hiddenFill xmlns="" xmlns:a14="http://schemas.microsoft.com/office/drawing/2010/main">
+              <a14:hiddenFill xmlns:a14="http://schemas.microsoft.com/office/drawing/2010/main" xmlns="">
                 <a:solidFill>
                   <a:srgbClr val="FFFFFF"/>
                 </a:solidFill>
               </a14:hiddenFill>
             </a:ext>
             <a:ext uri="{91240B29-F687-4f45-9708-019B960494DF}">
-              <a14:hiddenLine xmlns="" xmlns:a14="http://schemas.microsoft.com/office/drawing/2010/main" w="9525">
+              <a14:hiddenLine xmlns:a14="http://schemas.microsoft.com/office/drawing/2010/main" xmlns="" w="9525">
                 <a:solidFill>
                   <a:srgbClr val="000000"/>
                 </a:solidFill>
@@ -34254,14 +34134,14 @@
           </a:ln>
           <a:extLst>
             <a:ext uri="{909E8E84-426E-40dd-AFC4-6F175D3DCCD1}">
-              <a14:hiddenFill xmlns="" xmlns:a14="http://schemas.microsoft.com/office/drawing/2010/main">
+              <a14:hiddenFill xmlns:a14="http://schemas.microsoft.com/office/drawing/2010/main" xmlns="">
                 <a:solidFill>
                   <a:srgbClr val="FFFFFF"/>
                 </a:solidFill>
               </a14:hiddenFill>
             </a:ext>
             <a:ext uri="{91240B29-F687-4f45-9708-019B960494DF}">
-              <a14:hiddenLine xmlns="" xmlns:a14="http://schemas.microsoft.com/office/drawing/2010/main" w="9525">
+              <a14:hiddenLine xmlns:a14="http://schemas.microsoft.com/office/drawing/2010/main" xmlns="" w="9525">
                 <a:solidFill>
                   <a:srgbClr val="000000"/>
                 </a:solidFill>
@@ -35502,14 +35382,14 @@
           </a:ln>
           <a:extLst>
             <a:ext uri="{909E8E84-426E-40dd-AFC4-6F175D3DCCD1}">
-              <a14:hiddenFill xmlns="" xmlns:a14="http://schemas.microsoft.com/office/drawing/2010/main">
+              <a14:hiddenFill xmlns:a14="http://schemas.microsoft.com/office/drawing/2010/main" xmlns="">
                 <a:solidFill>
                   <a:srgbClr val="FFFFFF"/>
                 </a:solidFill>
               </a14:hiddenFill>
             </a:ext>
             <a:ext uri="{91240B29-F687-4f45-9708-019B960494DF}">
-              <a14:hiddenLine xmlns="" xmlns:a14="http://schemas.microsoft.com/office/drawing/2010/main" w="9525">
+              <a14:hiddenLine xmlns:a14="http://schemas.microsoft.com/office/drawing/2010/main" xmlns="" w="9525">
                 <a:solidFill>
                   <a:srgbClr val="000000"/>
                 </a:solidFill>
@@ -36017,14 +35897,14 @@
           </a:ln>
           <a:extLst>
             <a:ext uri="{909E8E84-426E-40dd-AFC4-6F175D3DCCD1}">
-              <a14:hiddenFill xmlns="" xmlns:a14="http://schemas.microsoft.com/office/drawing/2010/main">
+              <a14:hiddenFill xmlns:a14="http://schemas.microsoft.com/office/drawing/2010/main" xmlns="">
                 <a:solidFill>
                   <a:srgbClr val="FFFFFF"/>
                 </a:solidFill>
               </a14:hiddenFill>
             </a:ext>
             <a:ext uri="{91240B29-F687-4f45-9708-019B960494DF}">
-              <a14:hiddenLine xmlns="" xmlns:a14="http://schemas.microsoft.com/office/drawing/2010/main" w="9525">
+              <a14:hiddenLine xmlns:a14="http://schemas.microsoft.com/office/drawing/2010/main" xmlns="" w="9525">
                 <a:solidFill>
                   <a:srgbClr val="000000"/>
                 </a:solidFill>
@@ -36071,14 +35951,14 @@
           </a:ln>
           <a:extLst>
             <a:ext uri="{909E8E84-426E-40dd-AFC4-6F175D3DCCD1}">
-              <a14:hiddenFill xmlns="" xmlns:a14="http://schemas.microsoft.com/office/drawing/2010/main">
+              <a14:hiddenFill xmlns:a14="http://schemas.microsoft.com/office/drawing/2010/main" xmlns="">
                 <a:solidFill>
                   <a:srgbClr val="FFFFFF"/>
                 </a:solidFill>
               </a14:hiddenFill>
             </a:ext>
             <a:ext uri="{91240B29-F687-4f45-9708-019B960494DF}">
-              <a14:hiddenLine xmlns="" xmlns:a14="http://schemas.microsoft.com/office/drawing/2010/main" w="9525">
+              <a14:hiddenLine xmlns:a14="http://schemas.microsoft.com/office/drawing/2010/main" xmlns="" w="9525">
                 <a:solidFill>
                   <a:srgbClr val="000000"/>
                 </a:solidFill>
@@ -36125,14 +36005,14 @@
           </a:ln>
           <a:extLst>
             <a:ext uri="{909E8E84-426E-40dd-AFC4-6F175D3DCCD1}">
-              <a14:hiddenFill xmlns="" xmlns:a14="http://schemas.microsoft.com/office/drawing/2010/main">
+              <a14:hiddenFill xmlns:a14="http://schemas.microsoft.com/office/drawing/2010/main" xmlns="">
                 <a:solidFill>
                   <a:srgbClr val="FFFFFF"/>
                 </a:solidFill>
               </a14:hiddenFill>
             </a:ext>
             <a:ext uri="{91240B29-F687-4f45-9708-019B960494DF}">
-              <a14:hiddenLine xmlns="" xmlns:a14="http://schemas.microsoft.com/office/drawing/2010/main" w="9525">
+              <a14:hiddenLine xmlns:a14="http://schemas.microsoft.com/office/drawing/2010/main" xmlns="" w="9525">
                 <a:solidFill>
                   <a:srgbClr val="000000"/>
                 </a:solidFill>
@@ -36179,14 +36059,14 @@
           </a:ln>
           <a:extLst>
             <a:ext uri="{909E8E84-426E-40dd-AFC4-6F175D3DCCD1}">
-              <a14:hiddenFill xmlns="" xmlns:a14="http://schemas.microsoft.com/office/drawing/2010/main">
+              <a14:hiddenFill xmlns:a14="http://schemas.microsoft.com/office/drawing/2010/main" xmlns="">
                 <a:solidFill>
                   <a:srgbClr val="FFFFFF"/>
                 </a:solidFill>
               </a14:hiddenFill>
             </a:ext>
             <a:ext uri="{91240B29-F687-4f45-9708-019B960494DF}">
-              <a14:hiddenLine xmlns="" xmlns:a14="http://schemas.microsoft.com/office/drawing/2010/main" w="9525">
+              <a14:hiddenLine xmlns:a14="http://schemas.microsoft.com/office/drawing/2010/main" xmlns="" w="9525">
                 <a:solidFill>
                   <a:srgbClr val="000000"/>
                 </a:solidFill>
@@ -36233,14 +36113,14 @@
           </a:ln>
           <a:extLst>
             <a:ext uri="{909E8E84-426E-40dd-AFC4-6F175D3DCCD1}">
-              <a14:hiddenFill xmlns="" xmlns:a14="http://schemas.microsoft.com/office/drawing/2010/main">
+              <a14:hiddenFill xmlns:a14="http://schemas.microsoft.com/office/drawing/2010/main" xmlns="">
                 <a:solidFill>
                   <a:srgbClr val="FFFFFF"/>
                 </a:solidFill>
               </a14:hiddenFill>
             </a:ext>
             <a:ext uri="{91240B29-F687-4f45-9708-019B960494DF}">
-              <a14:hiddenLine xmlns="" xmlns:a14="http://schemas.microsoft.com/office/drawing/2010/main" w="9525">
+              <a14:hiddenLine xmlns:a14="http://schemas.microsoft.com/office/drawing/2010/main" xmlns="" w="9525">
                 <a:solidFill>
                   <a:srgbClr val="000000"/>
                 </a:solidFill>
@@ -36287,14 +36167,14 @@
           </a:ln>
           <a:extLst>
             <a:ext uri="{909E8E84-426E-40dd-AFC4-6F175D3DCCD1}">
-              <a14:hiddenFill xmlns="" xmlns:a14="http://schemas.microsoft.com/office/drawing/2010/main">
+              <a14:hiddenFill xmlns:a14="http://schemas.microsoft.com/office/drawing/2010/main" xmlns="">
                 <a:solidFill>
                   <a:srgbClr val="FFFFFF"/>
                 </a:solidFill>
               </a14:hiddenFill>
             </a:ext>
             <a:ext uri="{91240B29-F687-4f45-9708-019B960494DF}">
-              <a14:hiddenLine xmlns="" xmlns:a14="http://schemas.microsoft.com/office/drawing/2010/main" w="9525">
+              <a14:hiddenLine xmlns:a14="http://schemas.microsoft.com/office/drawing/2010/main" xmlns="" w="9525">
                 <a:solidFill>
                   <a:srgbClr val="000000"/>
                 </a:solidFill>
@@ -36341,14 +36221,14 @@
           </a:ln>
           <a:extLst>
             <a:ext uri="{909E8E84-426E-40dd-AFC4-6F175D3DCCD1}">
-              <a14:hiddenFill xmlns="" xmlns:a14="http://schemas.microsoft.com/office/drawing/2010/main">
+              <a14:hiddenFill xmlns:a14="http://schemas.microsoft.com/office/drawing/2010/main" xmlns="">
                 <a:solidFill>
                   <a:srgbClr val="FFFFFF"/>
                 </a:solidFill>
               </a14:hiddenFill>
             </a:ext>
             <a:ext uri="{91240B29-F687-4f45-9708-019B960494DF}">
-              <a14:hiddenLine xmlns="" xmlns:a14="http://schemas.microsoft.com/office/drawing/2010/main" w="9525">
+              <a14:hiddenLine xmlns:a14="http://schemas.microsoft.com/office/drawing/2010/main" xmlns="" w="9525">
                 <a:solidFill>
                   <a:srgbClr val="000000"/>
                 </a:solidFill>
@@ -38700,14 +38580,14 @@
           </a:ln>
           <a:extLst>
             <a:ext uri="{909E8E84-426E-40dd-AFC4-6F175D3DCCD1}">
-              <a14:hiddenFill xmlns="" xmlns:a14="http://schemas.microsoft.com/office/drawing/2010/main">
+              <a14:hiddenFill xmlns:a14="http://schemas.microsoft.com/office/drawing/2010/main" xmlns="">
                 <a:solidFill>
                   <a:srgbClr val="FFFFFF"/>
                 </a:solidFill>
               </a14:hiddenFill>
             </a:ext>
             <a:ext uri="{91240B29-F687-4f45-9708-019B960494DF}">
-              <a14:hiddenLine xmlns="" xmlns:a14="http://schemas.microsoft.com/office/drawing/2010/main" w="9525">
+              <a14:hiddenLine xmlns:a14="http://schemas.microsoft.com/office/drawing/2010/main" xmlns="" w="9525">
                 <a:solidFill>
                   <a:srgbClr val="000000"/>
                 </a:solidFill>
@@ -38754,14 +38634,14 @@
           </a:ln>
           <a:extLst>
             <a:ext uri="{909E8E84-426E-40dd-AFC4-6F175D3DCCD1}">
-              <a14:hiddenFill xmlns="" xmlns:a14="http://schemas.microsoft.com/office/drawing/2010/main">
+              <a14:hiddenFill xmlns:a14="http://schemas.microsoft.com/office/drawing/2010/main" xmlns="">
                 <a:solidFill>
                   <a:srgbClr val="FFFFFF"/>
                 </a:solidFill>
               </a14:hiddenFill>
             </a:ext>
             <a:ext uri="{91240B29-F687-4f45-9708-019B960494DF}">
-              <a14:hiddenLine xmlns="" xmlns:a14="http://schemas.microsoft.com/office/drawing/2010/main" w="9525">
+              <a14:hiddenLine xmlns:a14="http://schemas.microsoft.com/office/drawing/2010/main" xmlns="" w="9525">
                 <a:solidFill>
                   <a:srgbClr val="000000"/>
                 </a:solidFill>
@@ -38808,14 +38688,14 @@
           </a:ln>
           <a:extLst>
             <a:ext uri="{909E8E84-426E-40dd-AFC4-6F175D3DCCD1}">
-              <a14:hiddenFill xmlns="" xmlns:a14="http://schemas.microsoft.com/office/drawing/2010/main">
+              <a14:hiddenFill xmlns:a14="http://schemas.microsoft.com/office/drawing/2010/main" xmlns="">
                 <a:solidFill>
                   <a:srgbClr val="FFFFFF"/>
                 </a:solidFill>
               </a14:hiddenFill>
             </a:ext>
             <a:ext uri="{91240B29-F687-4f45-9708-019B960494DF}">
-              <a14:hiddenLine xmlns="" xmlns:a14="http://schemas.microsoft.com/office/drawing/2010/main" w="9525">
+              <a14:hiddenLine xmlns:a14="http://schemas.microsoft.com/office/drawing/2010/main" xmlns="" w="9525">
                 <a:solidFill>
                   <a:srgbClr val="000000"/>
                 </a:solidFill>
@@ -38862,14 +38742,14 @@
           </a:ln>
           <a:extLst>
             <a:ext uri="{909E8E84-426E-40dd-AFC4-6F175D3DCCD1}">
-              <a14:hiddenFill xmlns="" xmlns:a14="http://schemas.microsoft.com/office/drawing/2010/main">
+              <a14:hiddenFill xmlns:a14="http://schemas.microsoft.com/office/drawing/2010/main" xmlns="">
                 <a:solidFill>
                   <a:srgbClr val="FFFFFF"/>
                 </a:solidFill>
               </a14:hiddenFill>
             </a:ext>
             <a:ext uri="{91240B29-F687-4f45-9708-019B960494DF}">
-              <a14:hiddenLine xmlns="" xmlns:a14="http://schemas.microsoft.com/office/drawing/2010/main" w="9525">
+              <a14:hiddenLine xmlns:a14="http://schemas.microsoft.com/office/drawing/2010/main" xmlns="" w="9525">
                 <a:solidFill>
                   <a:srgbClr val="000000"/>
                 </a:solidFill>
@@ -38916,14 +38796,14 @@
           </a:ln>
           <a:extLst>
             <a:ext uri="{909E8E84-426E-40dd-AFC4-6F175D3DCCD1}">
-              <a14:hiddenFill xmlns="" xmlns:a14="http://schemas.microsoft.com/office/drawing/2010/main">
+              <a14:hiddenFill xmlns:a14="http://schemas.microsoft.com/office/drawing/2010/main" xmlns="">
                 <a:solidFill>
                   <a:srgbClr val="FFFFFF"/>
                 </a:solidFill>
               </a14:hiddenFill>
             </a:ext>
             <a:ext uri="{91240B29-F687-4f45-9708-019B960494DF}">
-              <a14:hiddenLine xmlns="" xmlns:a14="http://schemas.microsoft.com/office/drawing/2010/main" w="9525">
+              <a14:hiddenLine xmlns:a14="http://schemas.microsoft.com/office/drawing/2010/main" xmlns="" w="9525">
                 <a:solidFill>
                   <a:srgbClr val="000000"/>
                 </a:solidFill>
@@ -39729,7 +39609,7 @@
           <a:graphicData uri="http://schemas.openxmlformats.org/presentationml/2006/ole">
             <mc:AlternateContent xmlns:mc="http://schemas.openxmlformats.org/markup-compatibility/2006">
               <mc:Choice xmlns:v="urn:schemas-microsoft-com:vml" Requires="v">
-                <p:oleObj spid="_x0000_s1268" name="Equation" r:id="rId4" imgW="3340100" imgH="635000" progId="Equation.DSMT4">
+                <p:oleObj spid="_x0000_s1279" name="Equation" r:id="rId4" imgW="3340100" imgH="635000" progId="Equation.DSMT4">
                   <p:embed/>
                 </p:oleObj>
               </mc:Choice>
@@ -40070,14 +39950,14 @@
           </a:ln>
           <a:extLst>
             <a:ext uri="{909E8E84-426E-40dd-AFC4-6F175D3DCCD1}">
-              <a14:hiddenFill xmlns="" xmlns:a14="http://schemas.microsoft.com/office/drawing/2010/main">
+              <a14:hiddenFill xmlns:a14="http://schemas.microsoft.com/office/drawing/2010/main" xmlns="">
                 <a:solidFill>
                   <a:srgbClr val="FFFFFF"/>
                 </a:solidFill>
               </a14:hiddenFill>
             </a:ext>
             <a:ext uri="{91240B29-F687-4f45-9708-019B960494DF}">
-              <a14:hiddenLine xmlns="" xmlns:a14="http://schemas.microsoft.com/office/drawing/2010/main" w="9525">
+              <a14:hiddenLine xmlns:a14="http://schemas.microsoft.com/office/drawing/2010/main" xmlns="" w="9525">
                 <a:solidFill>
                   <a:srgbClr val="000000"/>
                 </a:solidFill>
